--- a/Presentation PA.pptx
+++ b/Presentation PA.pptx
@@ -5,7 +5,7 @@
     <p:sldMasterId id="2147483669" r:id="rId1"/>
   </p:sldMasterIdLst>
   <p:notesMasterIdLst>
-    <p:notesMasterId r:id="rId23"/>
+    <p:notesMasterId r:id="rId24"/>
   </p:notesMasterIdLst>
   <p:sldIdLst>
     <p:sldId id="257" r:id="rId2"/>
@@ -25,10 +25,11 @@
     <p:sldId id="282" r:id="rId16"/>
     <p:sldId id="290" r:id="rId17"/>
     <p:sldId id="291" r:id="rId18"/>
-    <p:sldId id="289" r:id="rId19"/>
-    <p:sldId id="283" r:id="rId20"/>
-    <p:sldId id="284" r:id="rId21"/>
-    <p:sldId id="288" r:id="rId22"/>
+    <p:sldId id="292" r:id="rId19"/>
+    <p:sldId id="293" r:id="rId20"/>
+    <p:sldId id="283" r:id="rId21"/>
+    <p:sldId id="284" r:id="rId22"/>
+    <p:sldId id="288" r:id="rId23"/>
   </p:sldIdLst>
   <p:sldSz cx="12192000" cy="6858000"/>
   <p:notesSz cx="6858000" cy="9144000"/>
@@ -149,7 +150,8 @@
             <p14:sldId id="282"/>
             <p14:sldId id="290"/>
             <p14:sldId id="291"/>
-            <p14:sldId id="289"/>
+            <p14:sldId id="292"/>
+            <p14:sldId id="293"/>
             <p14:sldId id="283"/>
             <p14:sldId id="284"/>
             <p14:sldId id="288"/>
@@ -3289,753 +3291,6 @@
 </file>
 
 <file path=ppt/diagrams/colors5.xml><?xml version="1.0" encoding="utf-8"?>
-<dgm:colorsDef xmlns:dgm="http://schemas.openxmlformats.org/drawingml/2006/diagram" xmlns:a="http://schemas.openxmlformats.org/drawingml/2006/main" uniqueId="urn:microsoft.com/office/officeart/2005/8/colors/accent1_2">
-  <dgm:title val=""/>
-  <dgm:desc val=""/>
-  <dgm:catLst>
-    <dgm:cat type="accent1" pri="11200"/>
-  </dgm:catLst>
-  <dgm:styleLbl name="node0">
-    <dgm:fillClrLst meth="repeat">
-      <a:schemeClr val="accent1"/>
-    </dgm:fillClrLst>
-    <dgm:linClrLst meth="repeat">
-      <a:schemeClr val="lt1"/>
-    </dgm:linClrLst>
-    <dgm:effectClrLst/>
-    <dgm:txLinClrLst/>
-    <dgm:txFillClrLst/>
-    <dgm:txEffectClrLst/>
-  </dgm:styleLbl>
-  <dgm:styleLbl name="alignNode1">
-    <dgm:fillClrLst meth="repeat">
-      <a:schemeClr val="accent1"/>
-    </dgm:fillClrLst>
-    <dgm:linClrLst meth="repeat">
-      <a:schemeClr val="accent1"/>
-    </dgm:linClrLst>
-    <dgm:effectClrLst/>
-    <dgm:txLinClrLst/>
-    <dgm:txFillClrLst/>
-    <dgm:txEffectClrLst/>
-  </dgm:styleLbl>
-  <dgm:styleLbl name="node1">
-    <dgm:fillClrLst meth="repeat">
-      <a:schemeClr val="accent1"/>
-    </dgm:fillClrLst>
-    <dgm:linClrLst meth="repeat">
-      <a:schemeClr val="lt1"/>
-    </dgm:linClrLst>
-    <dgm:effectClrLst/>
-    <dgm:txLinClrLst/>
-    <dgm:txFillClrLst/>
-    <dgm:txEffectClrLst/>
-  </dgm:styleLbl>
-  <dgm:styleLbl name="lnNode1">
-    <dgm:fillClrLst meth="repeat">
-      <a:schemeClr val="accent1"/>
-    </dgm:fillClrLst>
-    <dgm:linClrLst meth="repeat">
-      <a:schemeClr val="lt1"/>
-    </dgm:linClrLst>
-    <dgm:effectClrLst/>
-    <dgm:txLinClrLst/>
-    <dgm:txFillClrLst/>
-    <dgm:txEffectClrLst/>
-  </dgm:styleLbl>
-  <dgm:styleLbl name="vennNode1">
-    <dgm:fillClrLst meth="repeat">
-      <a:schemeClr val="accent1">
-        <a:alpha val="50000"/>
-      </a:schemeClr>
-    </dgm:fillClrLst>
-    <dgm:linClrLst meth="repeat">
-      <a:schemeClr val="lt1"/>
-    </dgm:linClrLst>
-    <dgm:effectClrLst/>
-    <dgm:txLinClrLst/>
-    <dgm:txFillClrLst/>
-    <dgm:txEffectClrLst/>
-  </dgm:styleLbl>
-  <dgm:styleLbl name="node2">
-    <dgm:fillClrLst meth="repeat">
-      <a:schemeClr val="accent1"/>
-    </dgm:fillClrLst>
-    <dgm:linClrLst meth="repeat">
-      <a:schemeClr val="lt1"/>
-    </dgm:linClrLst>
-    <dgm:effectClrLst/>
-    <dgm:txLinClrLst/>
-    <dgm:txFillClrLst/>
-    <dgm:txEffectClrLst/>
-  </dgm:styleLbl>
-  <dgm:styleLbl name="node3">
-    <dgm:fillClrLst meth="repeat">
-      <a:schemeClr val="accent1"/>
-    </dgm:fillClrLst>
-    <dgm:linClrLst meth="repeat">
-      <a:schemeClr val="lt1"/>
-    </dgm:linClrLst>
-    <dgm:effectClrLst/>
-    <dgm:txLinClrLst/>
-    <dgm:txFillClrLst/>
-    <dgm:txEffectClrLst/>
-  </dgm:styleLbl>
-  <dgm:styleLbl name="node4">
-    <dgm:fillClrLst meth="repeat">
-      <a:schemeClr val="accent1"/>
-    </dgm:fillClrLst>
-    <dgm:linClrLst meth="repeat">
-      <a:schemeClr val="lt1"/>
-    </dgm:linClrLst>
-    <dgm:effectClrLst/>
-    <dgm:txLinClrLst/>
-    <dgm:txFillClrLst/>
-    <dgm:txEffectClrLst/>
-  </dgm:styleLbl>
-  <dgm:styleLbl name="fgImgPlace1">
-    <dgm:fillClrLst meth="repeat">
-      <a:schemeClr val="accent1">
-        <a:tint val="50000"/>
-      </a:schemeClr>
-    </dgm:fillClrLst>
-    <dgm:linClrLst meth="repeat">
-      <a:schemeClr val="lt1"/>
-    </dgm:linClrLst>
-    <dgm:effectClrLst/>
-    <dgm:txLinClrLst/>
-    <dgm:txFillClrLst meth="repeat">
-      <a:schemeClr val="lt1"/>
-    </dgm:txFillClrLst>
-    <dgm:txEffectClrLst/>
-  </dgm:styleLbl>
-  <dgm:styleLbl name="alignImgPlace1">
-    <dgm:fillClrLst meth="repeat">
-      <a:schemeClr val="accent1">
-        <a:tint val="50000"/>
-      </a:schemeClr>
-    </dgm:fillClrLst>
-    <dgm:linClrLst meth="repeat">
-      <a:schemeClr val="lt1"/>
-    </dgm:linClrLst>
-    <dgm:effectClrLst/>
-    <dgm:txLinClrLst/>
-    <dgm:txFillClrLst meth="repeat">
-      <a:schemeClr val="lt1"/>
-    </dgm:txFillClrLst>
-    <dgm:txEffectClrLst/>
-  </dgm:styleLbl>
-  <dgm:styleLbl name="bgImgPlace1">
-    <dgm:fillClrLst meth="repeat">
-      <a:schemeClr val="accent1">
-        <a:tint val="50000"/>
-      </a:schemeClr>
-    </dgm:fillClrLst>
-    <dgm:linClrLst meth="repeat">
-      <a:schemeClr val="lt1"/>
-    </dgm:linClrLst>
-    <dgm:effectClrLst/>
-    <dgm:txLinClrLst/>
-    <dgm:txFillClrLst meth="repeat">
-      <a:schemeClr val="lt1"/>
-    </dgm:txFillClrLst>
-    <dgm:txEffectClrLst/>
-  </dgm:styleLbl>
-  <dgm:styleLbl name="sibTrans2D1">
-    <dgm:fillClrLst meth="repeat">
-      <a:schemeClr val="accent1">
-        <a:tint val="60000"/>
-      </a:schemeClr>
-    </dgm:fillClrLst>
-    <dgm:linClrLst meth="repeat">
-      <a:schemeClr val="accent1">
-        <a:tint val="60000"/>
-      </a:schemeClr>
-    </dgm:linClrLst>
-    <dgm:effectClrLst/>
-    <dgm:txLinClrLst/>
-    <dgm:txFillClrLst/>
-    <dgm:txEffectClrLst/>
-  </dgm:styleLbl>
-  <dgm:styleLbl name="fgSibTrans2D1">
-    <dgm:fillClrLst meth="repeat">
-      <a:schemeClr val="accent1">
-        <a:tint val="60000"/>
-      </a:schemeClr>
-    </dgm:fillClrLst>
-    <dgm:linClrLst meth="repeat">
-      <a:schemeClr val="accent1">
-        <a:tint val="60000"/>
-      </a:schemeClr>
-    </dgm:linClrLst>
-    <dgm:effectClrLst/>
-    <dgm:txLinClrLst/>
-    <dgm:txFillClrLst/>
-    <dgm:txEffectClrLst/>
-  </dgm:styleLbl>
-  <dgm:styleLbl name="bgSibTrans2D1">
-    <dgm:fillClrLst meth="repeat">
-      <a:schemeClr val="accent1">
-        <a:tint val="60000"/>
-      </a:schemeClr>
-    </dgm:fillClrLst>
-    <dgm:linClrLst meth="repeat">
-      <a:schemeClr val="accent1">
-        <a:tint val="60000"/>
-      </a:schemeClr>
-    </dgm:linClrLst>
-    <dgm:effectClrLst/>
-    <dgm:txLinClrLst/>
-    <dgm:txFillClrLst/>
-    <dgm:txEffectClrLst/>
-  </dgm:styleLbl>
-  <dgm:styleLbl name="sibTrans1D1">
-    <dgm:fillClrLst meth="repeat">
-      <a:schemeClr val="accent1"/>
-    </dgm:fillClrLst>
-    <dgm:linClrLst meth="repeat">
-      <a:schemeClr val="accent1"/>
-    </dgm:linClrLst>
-    <dgm:effectClrLst/>
-    <dgm:txLinClrLst/>
-    <dgm:txFillClrLst meth="repeat">
-      <a:schemeClr val="tx1"/>
-    </dgm:txFillClrLst>
-    <dgm:txEffectClrLst/>
-  </dgm:styleLbl>
-  <dgm:styleLbl name="callout">
-    <dgm:fillClrLst meth="repeat">
-      <a:schemeClr val="accent1"/>
-    </dgm:fillClrLst>
-    <dgm:linClrLst meth="repeat">
-      <a:schemeClr val="accent1">
-        <a:tint val="50000"/>
-      </a:schemeClr>
-    </dgm:linClrLst>
-    <dgm:effectClrLst/>
-    <dgm:txLinClrLst/>
-    <dgm:txFillClrLst meth="repeat">
-      <a:schemeClr val="tx1"/>
-    </dgm:txFillClrLst>
-    <dgm:txEffectClrLst/>
-  </dgm:styleLbl>
-  <dgm:styleLbl name="asst0">
-    <dgm:fillClrLst meth="repeat">
-      <a:schemeClr val="accent1"/>
-    </dgm:fillClrLst>
-    <dgm:linClrLst meth="repeat">
-      <a:schemeClr val="lt1"/>
-    </dgm:linClrLst>
-    <dgm:effectClrLst/>
-    <dgm:txLinClrLst/>
-    <dgm:txFillClrLst/>
-    <dgm:txEffectClrLst/>
-  </dgm:styleLbl>
-  <dgm:styleLbl name="asst1">
-    <dgm:fillClrLst meth="repeat">
-      <a:schemeClr val="accent1"/>
-    </dgm:fillClrLst>
-    <dgm:linClrLst meth="repeat">
-      <a:schemeClr val="lt1"/>
-    </dgm:linClrLst>
-    <dgm:effectClrLst/>
-    <dgm:txLinClrLst/>
-    <dgm:txFillClrLst/>
-    <dgm:txEffectClrLst/>
-  </dgm:styleLbl>
-  <dgm:styleLbl name="asst2">
-    <dgm:fillClrLst meth="repeat">
-      <a:schemeClr val="accent1"/>
-    </dgm:fillClrLst>
-    <dgm:linClrLst meth="repeat">
-      <a:schemeClr val="lt1"/>
-    </dgm:linClrLst>
-    <dgm:effectClrLst/>
-    <dgm:txLinClrLst/>
-    <dgm:txFillClrLst/>
-    <dgm:txEffectClrLst/>
-  </dgm:styleLbl>
-  <dgm:styleLbl name="asst3">
-    <dgm:fillClrLst meth="repeat">
-      <a:schemeClr val="accent1"/>
-    </dgm:fillClrLst>
-    <dgm:linClrLst meth="repeat">
-      <a:schemeClr val="lt1"/>
-    </dgm:linClrLst>
-    <dgm:effectClrLst/>
-    <dgm:txLinClrLst/>
-    <dgm:txFillClrLst/>
-    <dgm:txEffectClrLst/>
-  </dgm:styleLbl>
-  <dgm:styleLbl name="asst4">
-    <dgm:fillClrLst meth="repeat">
-      <a:schemeClr val="accent1"/>
-    </dgm:fillClrLst>
-    <dgm:linClrLst meth="repeat">
-      <a:schemeClr val="lt1"/>
-    </dgm:linClrLst>
-    <dgm:effectClrLst/>
-    <dgm:txLinClrLst/>
-    <dgm:txFillClrLst/>
-    <dgm:txEffectClrLst/>
-  </dgm:styleLbl>
-  <dgm:styleLbl name="parChTrans2D1">
-    <dgm:fillClrLst meth="repeat">
-      <a:schemeClr val="accent1">
-        <a:tint val="60000"/>
-      </a:schemeClr>
-    </dgm:fillClrLst>
-    <dgm:linClrLst meth="repeat">
-      <a:schemeClr val="accent1">
-        <a:tint val="60000"/>
-      </a:schemeClr>
-    </dgm:linClrLst>
-    <dgm:effectClrLst/>
-    <dgm:txLinClrLst/>
-    <dgm:txFillClrLst meth="repeat">
-      <a:schemeClr val="lt1"/>
-    </dgm:txFillClrLst>
-    <dgm:txEffectClrLst/>
-  </dgm:styleLbl>
-  <dgm:styleLbl name="parChTrans2D2">
-    <dgm:fillClrLst meth="repeat">
-      <a:schemeClr val="accent1"/>
-    </dgm:fillClrLst>
-    <dgm:linClrLst meth="repeat">
-      <a:schemeClr val="accent1"/>
-    </dgm:linClrLst>
-    <dgm:effectClrLst/>
-    <dgm:txLinClrLst/>
-    <dgm:txFillClrLst meth="repeat">
-      <a:schemeClr val="lt1"/>
-    </dgm:txFillClrLst>
-    <dgm:txEffectClrLst/>
-  </dgm:styleLbl>
-  <dgm:styleLbl name="parChTrans2D3">
-    <dgm:fillClrLst meth="repeat">
-      <a:schemeClr val="accent1"/>
-    </dgm:fillClrLst>
-    <dgm:linClrLst meth="repeat">
-      <a:schemeClr val="accent1"/>
-    </dgm:linClrLst>
-    <dgm:effectClrLst/>
-    <dgm:txLinClrLst/>
-    <dgm:txFillClrLst meth="repeat">
-      <a:schemeClr val="lt1"/>
-    </dgm:txFillClrLst>
-    <dgm:txEffectClrLst/>
-  </dgm:styleLbl>
-  <dgm:styleLbl name="parChTrans2D4">
-    <dgm:fillClrLst meth="repeat">
-      <a:schemeClr val="accent1"/>
-    </dgm:fillClrLst>
-    <dgm:linClrLst meth="repeat">
-      <a:schemeClr val="accent1"/>
-    </dgm:linClrLst>
-    <dgm:effectClrLst/>
-    <dgm:txLinClrLst/>
-    <dgm:txFillClrLst meth="repeat">
-      <a:schemeClr val="lt1"/>
-    </dgm:txFillClrLst>
-    <dgm:txEffectClrLst/>
-  </dgm:styleLbl>
-  <dgm:styleLbl name="parChTrans1D1">
-    <dgm:fillClrLst meth="repeat">
-      <a:schemeClr val="accent1"/>
-    </dgm:fillClrLst>
-    <dgm:linClrLst meth="repeat">
-      <a:schemeClr val="accent1">
-        <a:shade val="60000"/>
-      </a:schemeClr>
-    </dgm:linClrLst>
-    <dgm:effectClrLst/>
-    <dgm:txLinClrLst/>
-    <dgm:txFillClrLst meth="repeat">
-      <a:schemeClr val="tx1"/>
-    </dgm:txFillClrLst>
-    <dgm:txEffectClrLst/>
-  </dgm:styleLbl>
-  <dgm:styleLbl name="parChTrans1D2">
-    <dgm:fillClrLst meth="repeat">
-      <a:schemeClr val="accent1"/>
-    </dgm:fillClrLst>
-    <dgm:linClrLst meth="repeat">
-      <a:schemeClr val="accent1">
-        <a:shade val="60000"/>
-      </a:schemeClr>
-    </dgm:linClrLst>
-    <dgm:effectClrLst/>
-    <dgm:txLinClrLst/>
-    <dgm:txFillClrLst meth="repeat">
-      <a:schemeClr val="tx1"/>
-    </dgm:txFillClrLst>
-    <dgm:txEffectClrLst/>
-  </dgm:styleLbl>
-  <dgm:styleLbl name="parChTrans1D3">
-    <dgm:fillClrLst meth="repeat">
-      <a:schemeClr val="accent1"/>
-    </dgm:fillClrLst>
-    <dgm:linClrLst meth="repeat">
-      <a:schemeClr val="accent1">
-        <a:shade val="80000"/>
-      </a:schemeClr>
-    </dgm:linClrLst>
-    <dgm:effectClrLst/>
-    <dgm:txLinClrLst/>
-    <dgm:txFillClrLst meth="repeat">
-      <a:schemeClr val="tx1"/>
-    </dgm:txFillClrLst>
-    <dgm:txEffectClrLst/>
-  </dgm:styleLbl>
-  <dgm:styleLbl name="parChTrans1D4">
-    <dgm:fillClrLst meth="repeat">
-      <a:schemeClr val="accent1"/>
-    </dgm:fillClrLst>
-    <dgm:linClrLst meth="repeat">
-      <a:schemeClr val="accent1">
-        <a:shade val="80000"/>
-      </a:schemeClr>
-    </dgm:linClrLst>
-    <dgm:effectClrLst/>
-    <dgm:txLinClrLst/>
-    <dgm:txFillClrLst meth="repeat">
-      <a:schemeClr val="tx1"/>
-    </dgm:txFillClrLst>
-    <dgm:txEffectClrLst/>
-  </dgm:styleLbl>
-  <dgm:styleLbl name="fgAcc1">
-    <dgm:fillClrLst meth="repeat">
-      <a:schemeClr val="lt1">
-        <a:alpha val="90000"/>
-      </a:schemeClr>
-    </dgm:fillClrLst>
-    <dgm:linClrLst meth="repeat">
-      <a:schemeClr val="accent1"/>
-    </dgm:linClrLst>
-    <dgm:effectClrLst/>
-    <dgm:txLinClrLst/>
-    <dgm:txFillClrLst meth="repeat">
-      <a:schemeClr val="dk1"/>
-    </dgm:txFillClrLst>
-    <dgm:txEffectClrLst/>
-  </dgm:styleLbl>
-  <dgm:styleLbl name="conFgAcc1">
-    <dgm:fillClrLst meth="repeat">
-      <a:schemeClr val="lt1">
-        <a:alpha val="90000"/>
-      </a:schemeClr>
-    </dgm:fillClrLst>
-    <dgm:linClrLst meth="repeat">
-      <a:schemeClr val="accent1"/>
-    </dgm:linClrLst>
-    <dgm:effectClrLst/>
-    <dgm:txLinClrLst/>
-    <dgm:txFillClrLst meth="repeat">
-      <a:schemeClr val="dk1"/>
-    </dgm:txFillClrLst>
-    <dgm:txEffectClrLst/>
-  </dgm:styleLbl>
-  <dgm:styleLbl name="alignAcc1">
-    <dgm:fillClrLst meth="repeat">
-      <a:schemeClr val="lt1">
-        <a:alpha val="90000"/>
-      </a:schemeClr>
-    </dgm:fillClrLst>
-    <dgm:linClrLst meth="repeat">
-      <a:schemeClr val="accent1"/>
-    </dgm:linClrLst>
-    <dgm:effectClrLst/>
-    <dgm:txLinClrLst/>
-    <dgm:txFillClrLst meth="repeat">
-      <a:schemeClr val="dk1"/>
-    </dgm:txFillClrLst>
-    <dgm:txEffectClrLst/>
-  </dgm:styleLbl>
-  <dgm:styleLbl name="trAlignAcc1">
-    <dgm:fillClrLst meth="repeat">
-      <a:schemeClr val="lt1">
-        <a:alpha val="40000"/>
-      </a:schemeClr>
-    </dgm:fillClrLst>
-    <dgm:linClrLst meth="repeat">
-      <a:schemeClr val="accent1"/>
-    </dgm:linClrLst>
-    <dgm:effectClrLst/>
-    <dgm:txLinClrLst/>
-    <dgm:txFillClrLst meth="repeat">
-      <a:schemeClr val="dk1"/>
-    </dgm:txFillClrLst>
-    <dgm:txEffectClrLst/>
-  </dgm:styleLbl>
-  <dgm:styleLbl name="bgAcc1">
-    <dgm:fillClrLst meth="repeat">
-      <a:schemeClr val="lt1">
-        <a:alpha val="90000"/>
-      </a:schemeClr>
-    </dgm:fillClrLst>
-    <dgm:linClrLst meth="repeat">
-      <a:schemeClr val="accent1"/>
-    </dgm:linClrLst>
-    <dgm:effectClrLst/>
-    <dgm:txLinClrLst/>
-    <dgm:txFillClrLst meth="repeat">
-      <a:schemeClr val="dk1"/>
-    </dgm:txFillClrLst>
-    <dgm:txEffectClrLst/>
-  </dgm:styleLbl>
-  <dgm:styleLbl name="solidFgAcc1">
-    <dgm:fillClrLst meth="repeat">
-      <a:schemeClr val="lt1"/>
-    </dgm:fillClrLst>
-    <dgm:linClrLst meth="repeat">
-      <a:schemeClr val="accent1"/>
-    </dgm:linClrLst>
-    <dgm:effectClrLst/>
-    <dgm:txLinClrLst/>
-    <dgm:txFillClrLst meth="repeat">
-      <a:schemeClr val="dk1"/>
-    </dgm:txFillClrLst>
-    <dgm:txEffectClrLst/>
-  </dgm:styleLbl>
-  <dgm:styleLbl name="solidAlignAcc1">
-    <dgm:fillClrLst meth="repeat">
-      <a:schemeClr val="lt1"/>
-    </dgm:fillClrLst>
-    <dgm:linClrLst meth="repeat">
-      <a:schemeClr val="accent1"/>
-    </dgm:linClrLst>
-    <dgm:effectClrLst/>
-    <dgm:txLinClrLst/>
-    <dgm:txFillClrLst meth="repeat">
-      <a:schemeClr val="dk1"/>
-    </dgm:txFillClrLst>
-    <dgm:txEffectClrLst/>
-  </dgm:styleLbl>
-  <dgm:styleLbl name="solidBgAcc1">
-    <dgm:fillClrLst meth="repeat">
-      <a:schemeClr val="lt1"/>
-    </dgm:fillClrLst>
-    <dgm:linClrLst meth="repeat">
-      <a:schemeClr val="accent1"/>
-    </dgm:linClrLst>
-    <dgm:effectClrLst/>
-    <dgm:txLinClrLst/>
-    <dgm:txFillClrLst meth="repeat">
-      <a:schemeClr val="dk1"/>
-    </dgm:txFillClrLst>
-    <dgm:txEffectClrLst/>
-  </dgm:styleLbl>
-  <dgm:styleLbl name="fgAccFollowNode1">
-    <dgm:fillClrLst meth="repeat">
-      <a:schemeClr val="accent1">
-        <a:alpha val="90000"/>
-        <a:tint val="40000"/>
-      </a:schemeClr>
-    </dgm:fillClrLst>
-    <dgm:linClrLst meth="repeat">
-      <a:schemeClr val="accent1">
-        <a:alpha val="90000"/>
-        <a:tint val="40000"/>
-      </a:schemeClr>
-    </dgm:linClrLst>
-    <dgm:effectClrLst/>
-    <dgm:txLinClrLst/>
-    <dgm:txFillClrLst meth="repeat">
-      <a:schemeClr val="dk1"/>
-    </dgm:txFillClrLst>
-    <dgm:txEffectClrLst/>
-  </dgm:styleLbl>
-  <dgm:styleLbl name="alignAccFollowNode1">
-    <dgm:fillClrLst meth="repeat">
-      <a:schemeClr val="accent1">
-        <a:alpha val="90000"/>
-        <a:tint val="40000"/>
-      </a:schemeClr>
-    </dgm:fillClrLst>
-    <dgm:linClrLst meth="repeat">
-      <a:schemeClr val="accent1">
-        <a:alpha val="90000"/>
-        <a:tint val="40000"/>
-      </a:schemeClr>
-    </dgm:linClrLst>
-    <dgm:effectClrLst/>
-    <dgm:txLinClrLst/>
-    <dgm:txFillClrLst meth="repeat">
-      <a:schemeClr val="dk1"/>
-    </dgm:txFillClrLst>
-    <dgm:txEffectClrLst/>
-  </dgm:styleLbl>
-  <dgm:styleLbl name="bgAccFollowNode1">
-    <dgm:fillClrLst meth="repeat">
-      <a:schemeClr val="accent1">
-        <a:alpha val="90000"/>
-        <a:tint val="40000"/>
-      </a:schemeClr>
-    </dgm:fillClrLst>
-    <dgm:linClrLst meth="repeat">
-      <a:schemeClr val="accent1">
-        <a:alpha val="90000"/>
-        <a:tint val="40000"/>
-      </a:schemeClr>
-    </dgm:linClrLst>
-    <dgm:effectClrLst/>
-    <dgm:txLinClrLst/>
-    <dgm:txFillClrLst meth="repeat">
-      <a:schemeClr val="dk1"/>
-    </dgm:txFillClrLst>
-    <dgm:txEffectClrLst/>
-  </dgm:styleLbl>
-  <dgm:styleLbl name="fgAcc0">
-    <dgm:fillClrLst meth="repeat">
-      <a:schemeClr val="lt1">
-        <a:alpha val="90000"/>
-      </a:schemeClr>
-    </dgm:fillClrLst>
-    <dgm:linClrLst meth="repeat">
-      <a:schemeClr val="accent1"/>
-    </dgm:linClrLst>
-    <dgm:effectClrLst/>
-    <dgm:txLinClrLst/>
-    <dgm:txFillClrLst meth="repeat">
-      <a:schemeClr val="dk1"/>
-    </dgm:txFillClrLst>
-    <dgm:txEffectClrLst/>
-  </dgm:styleLbl>
-  <dgm:styleLbl name="fgAcc2">
-    <dgm:fillClrLst meth="repeat">
-      <a:schemeClr val="lt1">
-        <a:alpha val="90000"/>
-      </a:schemeClr>
-    </dgm:fillClrLst>
-    <dgm:linClrLst meth="repeat">
-      <a:schemeClr val="accent1"/>
-    </dgm:linClrLst>
-    <dgm:effectClrLst/>
-    <dgm:txLinClrLst/>
-    <dgm:txFillClrLst meth="repeat">
-      <a:schemeClr val="dk1"/>
-    </dgm:txFillClrLst>
-    <dgm:txEffectClrLst/>
-  </dgm:styleLbl>
-  <dgm:styleLbl name="fgAcc3">
-    <dgm:fillClrLst meth="repeat">
-      <a:schemeClr val="lt1">
-        <a:alpha val="90000"/>
-      </a:schemeClr>
-    </dgm:fillClrLst>
-    <dgm:linClrLst meth="repeat">
-      <a:schemeClr val="accent1"/>
-    </dgm:linClrLst>
-    <dgm:effectClrLst/>
-    <dgm:txLinClrLst/>
-    <dgm:txFillClrLst meth="repeat">
-      <a:schemeClr val="dk1"/>
-    </dgm:txFillClrLst>
-    <dgm:txEffectClrLst/>
-  </dgm:styleLbl>
-  <dgm:styleLbl name="fgAcc4">
-    <dgm:fillClrLst meth="repeat">
-      <a:schemeClr val="lt1">
-        <a:alpha val="90000"/>
-      </a:schemeClr>
-    </dgm:fillClrLst>
-    <dgm:linClrLst meth="repeat">
-      <a:schemeClr val="accent1"/>
-    </dgm:linClrLst>
-    <dgm:effectClrLst/>
-    <dgm:txLinClrLst/>
-    <dgm:txFillClrLst meth="repeat">
-      <a:schemeClr val="dk1"/>
-    </dgm:txFillClrLst>
-    <dgm:txEffectClrLst/>
-  </dgm:styleLbl>
-  <dgm:styleLbl name="bgShp">
-    <dgm:fillClrLst meth="repeat">
-      <a:schemeClr val="accent1">
-        <a:tint val="40000"/>
-      </a:schemeClr>
-    </dgm:fillClrLst>
-    <dgm:linClrLst meth="repeat">
-      <a:schemeClr val="accent1"/>
-    </dgm:linClrLst>
-    <dgm:effectClrLst/>
-    <dgm:txLinClrLst/>
-    <dgm:txFillClrLst meth="repeat">
-      <a:schemeClr val="dk1"/>
-    </dgm:txFillClrLst>
-    <dgm:txEffectClrLst/>
-  </dgm:styleLbl>
-  <dgm:styleLbl name="dkBgShp">
-    <dgm:fillClrLst meth="repeat">
-      <a:schemeClr val="accent1">
-        <a:shade val="80000"/>
-      </a:schemeClr>
-    </dgm:fillClrLst>
-    <dgm:linClrLst meth="repeat">
-      <a:schemeClr val="accent1"/>
-    </dgm:linClrLst>
-    <dgm:effectClrLst/>
-    <dgm:txLinClrLst/>
-    <dgm:txFillClrLst meth="repeat">
-      <a:schemeClr val="lt1"/>
-    </dgm:txFillClrLst>
-    <dgm:txEffectClrLst/>
-  </dgm:styleLbl>
-  <dgm:styleLbl name="trBgShp">
-    <dgm:fillClrLst meth="repeat">
-      <a:schemeClr val="accent1">
-        <a:tint val="50000"/>
-        <a:alpha val="40000"/>
-      </a:schemeClr>
-    </dgm:fillClrLst>
-    <dgm:linClrLst meth="repeat">
-      <a:schemeClr val="accent1"/>
-    </dgm:linClrLst>
-    <dgm:effectClrLst/>
-    <dgm:txLinClrLst/>
-    <dgm:txFillClrLst meth="repeat">
-      <a:schemeClr val="lt1"/>
-    </dgm:txFillClrLst>
-    <dgm:txEffectClrLst/>
-  </dgm:styleLbl>
-  <dgm:styleLbl name="fgShp">
-    <dgm:fillClrLst meth="repeat">
-      <a:schemeClr val="accent1">
-        <a:tint val="60000"/>
-      </a:schemeClr>
-    </dgm:fillClrLst>
-    <dgm:linClrLst meth="repeat">
-      <a:schemeClr val="lt1"/>
-    </dgm:linClrLst>
-    <dgm:effectClrLst/>
-    <dgm:txLinClrLst/>
-    <dgm:txFillClrLst meth="repeat">
-      <a:schemeClr val="dk1"/>
-    </dgm:txFillClrLst>
-    <dgm:txEffectClrLst/>
-  </dgm:styleLbl>
-  <dgm:styleLbl name="revTx">
-    <dgm:fillClrLst meth="repeat">
-      <a:schemeClr val="lt1">
-        <a:alpha val="0"/>
-      </a:schemeClr>
-    </dgm:fillClrLst>
-    <dgm:linClrLst meth="repeat">
-      <a:schemeClr val="dk1">
-        <a:alpha val="0"/>
-      </a:schemeClr>
-    </dgm:linClrLst>
-    <dgm:effectClrLst/>
-    <dgm:txLinClrLst/>
-    <dgm:txFillClrLst meth="repeat">
-      <a:schemeClr val="tx1"/>
-    </dgm:txFillClrLst>
-    <dgm:txEffectClrLst/>
-  </dgm:styleLbl>
-</dgm:colorsDef>
-</file>
-
-<file path=ppt/diagrams/colors6.xml><?xml version="1.0" encoding="utf-8"?>
 <dgm:colorsDef xmlns:dgm="http://schemas.openxmlformats.org/drawingml/2006/diagram" xmlns:a="http://schemas.openxmlformats.org/drawingml/2006/main" uniqueId="urn:microsoft.com/office/officeart/2005/8/colors/accent1_2">
   <dgm:title val=""/>
   <dgm:desc val=""/>
@@ -5431,35 +4686,35 @@
     </dgm:pt>
   </dgm:ptLst>
   <dgm:cxnLst>
+    <dgm:cxn modelId="{A041AC4E-EA55-4F41-B677-8E762796DB68}" type="presOf" srcId="{6DD6A2C0-98CF-4461-B8A5-2215F8F8C1F1}" destId="{5B44A250-2CEA-415F-9F18-E7DD521B99B0}" srcOrd="0" destOrd="0" presId="urn:microsoft.com/office/officeart/2005/8/layout/hierarchy5"/>
     <dgm:cxn modelId="{CDB1C961-7321-4598-8E4A-028FA5C8426A}" type="presOf" srcId="{3073E0B2-71FD-42C6-988B-328774FE49D1}" destId="{0EF7BDCE-DFBF-46C2-953E-1E3BF70E5743}" srcOrd="0" destOrd="0" presId="urn:microsoft.com/office/officeart/2005/8/layout/hierarchy5"/>
-    <dgm:cxn modelId="{2E9ED4ED-41EC-4E20-908A-A1E78C737592}" type="presOf" srcId="{AB44D09D-778B-428F-A61F-81CE0C063910}" destId="{A4EB6696-5A7F-4195-A89D-1441CE00D6D7}" srcOrd="1" destOrd="0" presId="urn:microsoft.com/office/officeart/2005/8/layout/hierarchy5"/>
-    <dgm:cxn modelId="{37974DD2-B8B6-4872-AC49-8A9B4865FA52}" type="presOf" srcId="{DDB9C6A4-0FFA-42A0-9356-364F394CF0A2}" destId="{634B9FA7-CDEC-4500-A91B-BCC8AB4D4318}" srcOrd="0" destOrd="0" presId="urn:microsoft.com/office/officeart/2005/8/layout/hierarchy5"/>
-    <dgm:cxn modelId="{4A812752-504B-43C6-96AB-F579E713B2D6}" type="presOf" srcId="{3F6E5BFC-474B-48D5-9DE2-E8304CA4738E}" destId="{8E298DD4-11D9-4948-89C6-CB2BE63829C7}" srcOrd="0" destOrd="0" presId="urn:microsoft.com/office/officeart/2005/8/layout/hierarchy5"/>
-    <dgm:cxn modelId="{67CDA748-3F6C-44C4-B25E-7704CF0BD9AC}" type="presOf" srcId="{9A1FF567-A189-4891-9536-1E960DB0B2A3}" destId="{A7575152-F179-4F04-8D5B-F78E95B2FAE1}" srcOrd="0" destOrd="0" presId="urn:microsoft.com/office/officeart/2005/8/layout/hierarchy5"/>
-    <dgm:cxn modelId="{0E368356-B3BD-44C9-8C55-A707C6BB9341}" srcId="{3A0FF982-2F57-40C2-8CD8-815AC626C9C6}" destId="{3F6E5BFC-474B-48D5-9DE2-E8304CA4738E}" srcOrd="0" destOrd="0" parTransId="{C72DB701-16B4-4B41-BD36-AF7CABFD4265}" sibTransId="{E7AB871E-6FD4-49DD-9B01-FB294D34E374}"/>
-    <dgm:cxn modelId="{E1D9218B-E8ED-4866-8164-7AA3EDE97FB9}" srcId="{532E4FEA-5F72-4649-A5A1-FACB31272067}" destId="{BE4DA2D6-9F51-4B5D-85B0-33CF95947483}" srcOrd="0" destOrd="0" parTransId="{6DD6A2C0-98CF-4461-B8A5-2215F8F8C1F1}" sibTransId="{F1799600-DC8D-4D25-99A9-A29DEF6DB888}"/>
-    <dgm:cxn modelId="{F8693100-7DE7-4E53-B178-F0A4D6EE26D6}" type="presOf" srcId="{8D7E42D4-E78E-49FA-9135-E24132F15590}" destId="{E2DB1759-7249-4D87-BDBC-F7A1F4835AD1}" srcOrd="0" destOrd="0" presId="urn:microsoft.com/office/officeart/2005/8/layout/hierarchy5"/>
-    <dgm:cxn modelId="{3FB3FAEF-7E3D-4CAF-8899-A0A49762B9F9}" type="presOf" srcId="{C72DB701-16B4-4B41-BD36-AF7CABFD4265}" destId="{7B5734FF-5CAA-4885-8194-858B3DEEF547}" srcOrd="1" destOrd="0" presId="urn:microsoft.com/office/officeart/2005/8/layout/hierarchy5"/>
-    <dgm:cxn modelId="{F6F4A204-7F61-4774-8B48-FB97642E51F3}" srcId="{532E4FEA-5F72-4649-A5A1-FACB31272067}" destId="{DDB9C6A4-0FFA-42A0-9356-364F394CF0A2}" srcOrd="2" destOrd="0" parTransId="{D904D87B-F3DD-4D58-B614-D4B992D8890D}" sibTransId="{FB375A65-13CD-4D46-99ED-16238E6FAD80}"/>
+    <dgm:cxn modelId="{2D112C46-2AAA-4E97-B1C7-8004E4DBC7E9}" type="presOf" srcId="{C72DB701-16B4-4B41-BD36-AF7CABFD4265}" destId="{4C537B6B-A235-4FA1-9896-9F2522911666}" srcOrd="0" destOrd="0" presId="urn:microsoft.com/office/officeart/2005/8/layout/hierarchy5"/>
+    <dgm:cxn modelId="{9B94531F-9099-457B-B799-E41004EC3D78}" type="presOf" srcId="{9A1FF567-A189-4891-9536-1E960DB0B2A3}" destId="{48BA3B68-184E-4443-BCE6-6DEF28D21AEE}" srcOrd="1" destOrd="0" presId="urn:microsoft.com/office/officeart/2005/8/layout/hierarchy5"/>
     <dgm:cxn modelId="{3B93145A-6459-45E8-B5B5-CFE9B8BDC040}" type="presOf" srcId="{AB44D09D-778B-428F-A61F-81CE0C063910}" destId="{41C983E8-4110-4694-9A3A-803CE11A3A5E}" srcOrd="0" destOrd="0" presId="urn:microsoft.com/office/officeart/2005/8/layout/hierarchy5"/>
     <dgm:cxn modelId="{60606CCE-5675-4A80-96ED-13AC8FDD427B}" type="presOf" srcId="{BE4DA2D6-9F51-4B5D-85B0-33CF95947483}" destId="{6B960B71-3DA8-4014-8465-2FA6F0498E35}" srcOrd="0" destOrd="0" presId="urn:microsoft.com/office/officeart/2005/8/layout/hierarchy5"/>
+    <dgm:cxn modelId="{105F74F5-9EBE-4EAE-B007-A65CB3F0EB33}" type="presOf" srcId="{D904D87B-F3DD-4D58-B614-D4B992D8890D}" destId="{4FBA2317-9391-467A-8D74-FDF4261AC436}" srcOrd="1" destOrd="0" presId="urn:microsoft.com/office/officeart/2005/8/layout/hierarchy5"/>
+    <dgm:cxn modelId="{5FCCED49-106C-4ACE-A512-32D00CD51999}" type="presOf" srcId="{34A66873-0C0E-4B68-A4FF-B5135F2A61A9}" destId="{38623598-BC9D-4C34-B6AA-376EBF1742C6}" srcOrd="1" destOrd="0" presId="urn:microsoft.com/office/officeart/2005/8/layout/hierarchy5"/>
+    <dgm:cxn modelId="{9C1AD598-B2FD-427C-A8C9-0F27C4397EE3}" srcId="{F8BD94DD-566A-499A-A503-EF680403EBFD}" destId="{3A0FF982-2F57-40C2-8CD8-815AC626C9C6}" srcOrd="0" destOrd="0" parTransId="{C3547413-6DBA-44A2-8F76-B1FDE8828E4D}" sibTransId="{93B28DD8-96DB-434A-8C14-DD30FCF62C59}"/>
+    <dgm:cxn modelId="{8F049D32-1907-4BE9-833D-71FC555739CB}" srcId="{F8BD94DD-566A-499A-A503-EF680403EBFD}" destId="{34A66873-0C0E-4B68-A4FF-B5135F2A61A9}" srcOrd="1" destOrd="0" parTransId="{FDC0B1EE-F454-4C89-B9C3-B19C008BB61C}" sibTransId="{8816E5F8-838C-4C78-8EBB-53AFA130AD36}"/>
+    <dgm:cxn modelId="{AF6ED6FF-95D3-4F82-A64A-B50948087F1E}" type="presOf" srcId="{F8BD94DD-566A-499A-A503-EF680403EBFD}" destId="{8D79E0FE-B2D1-454C-B0D7-E6FBD2B5875A}" srcOrd="0" destOrd="0" presId="urn:microsoft.com/office/officeart/2005/8/layout/hierarchy5"/>
+    <dgm:cxn modelId="{F6F4A204-7F61-4774-8B48-FB97642E51F3}" srcId="{532E4FEA-5F72-4649-A5A1-FACB31272067}" destId="{DDB9C6A4-0FFA-42A0-9356-364F394CF0A2}" srcOrd="2" destOrd="0" parTransId="{D904D87B-F3DD-4D58-B614-D4B992D8890D}" sibTransId="{FB375A65-13CD-4D46-99ED-16238E6FAD80}"/>
+    <dgm:cxn modelId="{E1D9218B-E8ED-4866-8164-7AA3EDE97FB9}" srcId="{532E4FEA-5F72-4649-A5A1-FACB31272067}" destId="{BE4DA2D6-9F51-4B5D-85B0-33CF95947483}" srcOrd="0" destOrd="0" parTransId="{6DD6A2C0-98CF-4461-B8A5-2215F8F8C1F1}" sibTransId="{F1799600-DC8D-4D25-99A9-A29DEF6DB888}"/>
+    <dgm:cxn modelId="{37974DD2-B8B6-4872-AC49-8A9B4865FA52}" type="presOf" srcId="{DDB9C6A4-0FFA-42A0-9356-364F394CF0A2}" destId="{634B9FA7-CDEC-4500-A91B-BCC8AB4D4318}" srcOrd="0" destOrd="0" presId="urn:microsoft.com/office/officeart/2005/8/layout/hierarchy5"/>
+    <dgm:cxn modelId="{67CDA748-3F6C-44C4-B25E-7704CF0BD9AC}" type="presOf" srcId="{9A1FF567-A189-4891-9536-1E960DB0B2A3}" destId="{A7575152-F179-4F04-8D5B-F78E95B2FAE1}" srcOrd="0" destOrd="0" presId="urn:microsoft.com/office/officeart/2005/8/layout/hierarchy5"/>
+    <dgm:cxn modelId="{9CF8E5E8-291E-4D07-AF74-12D6DD04C28E}" type="presOf" srcId="{3A0FF982-2F57-40C2-8CD8-815AC626C9C6}" destId="{695DB62C-3EA4-429E-A762-0E7948385A84}" srcOrd="0" destOrd="0" presId="urn:microsoft.com/office/officeart/2005/8/layout/hierarchy5"/>
+    <dgm:cxn modelId="{F8693100-7DE7-4E53-B178-F0A4D6EE26D6}" type="presOf" srcId="{8D7E42D4-E78E-49FA-9135-E24132F15590}" destId="{E2DB1759-7249-4D87-BDBC-F7A1F4835AD1}" srcOrd="0" destOrd="0" presId="urn:microsoft.com/office/officeart/2005/8/layout/hierarchy5"/>
+    <dgm:cxn modelId="{30AEDD49-00ED-4F62-99F0-A31A3AB9D22D}" type="presOf" srcId="{3073E0B2-71FD-42C6-988B-328774FE49D1}" destId="{7A1153DF-7204-4A95-A166-062FC66FD4AF}" srcOrd="1" destOrd="0" presId="urn:microsoft.com/office/officeart/2005/8/layout/hierarchy5"/>
+    <dgm:cxn modelId="{5CBA8F34-29E1-4AA6-9D2E-D9C2903CF3B2}" type="presOf" srcId="{532E4FEA-5F72-4649-A5A1-FACB31272067}" destId="{8FD25671-F1E9-4E5A-9E75-0B68C3ADC8AB}" srcOrd="0" destOrd="0" presId="urn:microsoft.com/office/officeart/2005/8/layout/hierarchy5"/>
+    <dgm:cxn modelId="{DE66C17F-C69F-4929-A604-F44DC045EA4C}" type="presOf" srcId="{D904D87B-F3DD-4D58-B614-D4B992D8890D}" destId="{9246F981-632C-4E4D-81DA-10CF6EF52731}" srcOrd="0" destOrd="0" presId="urn:microsoft.com/office/officeart/2005/8/layout/hierarchy5"/>
+    <dgm:cxn modelId="{6AF68AB2-985D-45E9-B70B-DE2F557FAA52}" type="presOf" srcId="{34A66873-0C0E-4B68-A4FF-B5135F2A61A9}" destId="{4C3E5FA3-04CA-4321-BE03-AB1CF14768B1}" srcOrd="0" destOrd="0" presId="urn:microsoft.com/office/officeart/2005/8/layout/hierarchy5"/>
+    <dgm:cxn modelId="{4A812752-504B-43C6-96AB-F579E713B2D6}" type="presOf" srcId="{3F6E5BFC-474B-48D5-9DE2-E8304CA4738E}" destId="{8E298DD4-11D9-4948-89C6-CB2BE63829C7}" srcOrd="0" destOrd="0" presId="urn:microsoft.com/office/officeart/2005/8/layout/hierarchy5"/>
+    <dgm:cxn modelId="{42C07D06-E3E8-47A2-BC3D-9934E566F535}" type="presOf" srcId="{6DD6A2C0-98CF-4461-B8A5-2215F8F8C1F1}" destId="{74D2FB9D-519E-4824-9E27-3D2243BACABF}" srcOrd="1" destOrd="0" presId="urn:microsoft.com/office/officeart/2005/8/layout/hierarchy5"/>
+    <dgm:cxn modelId="{2E9ED4ED-41EC-4E20-908A-A1E78C737592}" type="presOf" srcId="{AB44D09D-778B-428F-A61F-81CE0C063910}" destId="{A4EB6696-5A7F-4195-A89D-1441CE00D6D7}" srcOrd="1" destOrd="0" presId="urn:microsoft.com/office/officeart/2005/8/layout/hierarchy5"/>
+    <dgm:cxn modelId="{48725D68-3807-49E5-8715-EC70BA9D2432}" srcId="{F8BD94DD-566A-499A-A503-EF680403EBFD}" destId="{3073E0B2-71FD-42C6-988B-328774FE49D1}" srcOrd="2" destOrd="0" parTransId="{DEC76A8C-DD22-4277-BDB8-24F70F8658A4}" sibTransId="{4066C69A-7AF5-4B2B-B90C-5A17C0DEF022}"/>
+    <dgm:cxn modelId="{0E368356-B3BD-44C9-8C55-A707C6BB9341}" srcId="{3A0FF982-2F57-40C2-8CD8-815AC626C9C6}" destId="{3F6E5BFC-474B-48D5-9DE2-E8304CA4738E}" srcOrd="0" destOrd="0" parTransId="{C72DB701-16B4-4B41-BD36-AF7CABFD4265}" sibTransId="{E7AB871E-6FD4-49DD-9B01-FB294D34E374}"/>
+    <dgm:cxn modelId="{D3742C32-B772-4CB0-9DD2-8B9B6824A3A0}" srcId="{3F6E5BFC-474B-48D5-9DE2-E8304CA4738E}" destId="{532E4FEA-5F72-4649-A5A1-FACB31272067}" srcOrd="0" destOrd="0" parTransId="{AB44D09D-778B-428F-A61F-81CE0C063910}" sibTransId="{DBC874B8-5FEA-43A3-9CC0-284ECE51FC75}"/>
+    <dgm:cxn modelId="{3FB3FAEF-7E3D-4CAF-8899-A0A49762B9F9}" type="presOf" srcId="{C72DB701-16B4-4B41-BD36-AF7CABFD4265}" destId="{7B5734FF-5CAA-4885-8194-858B3DEEF547}" srcOrd="1" destOrd="0" presId="urn:microsoft.com/office/officeart/2005/8/layout/hierarchy5"/>
     <dgm:cxn modelId="{7A23D836-58A5-4AA1-BAF4-4E826DA36AD5}" srcId="{532E4FEA-5F72-4649-A5A1-FACB31272067}" destId="{8D7E42D4-E78E-49FA-9135-E24132F15590}" srcOrd="1" destOrd="0" parTransId="{9A1FF567-A189-4891-9536-1E960DB0B2A3}" sibTransId="{0656268F-CF6F-446A-B82F-21B8278E6811}"/>
-    <dgm:cxn modelId="{48725D68-3807-49E5-8715-EC70BA9D2432}" srcId="{F8BD94DD-566A-499A-A503-EF680403EBFD}" destId="{3073E0B2-71FD-42C6-988B-328774FE49D1}" srcOrd="2" destOrd="0" parTransId="{DEC76A8C-DD22-4277-BDB8-24F70F8658A4}" sibTransId="{4066C69A-7AF5-4B2B-B90C-5A17C0DEF022}"/>
-    <dgm:cxn modelId="{9B94531F-9099-457B-B799-E41004EC3D78}" type="presOf" srcId="{9A1FF567-A189-4891-9536-1E960DB0B2A3}" destId="{48BA3B68-184E-4443-BCE6-6DEF28D21AEE}" srcOrd="1" destOrd="0" presId="urn:microsoft.com/office/officeart/2005/8/layout/hierarchy5"/>
-    <dgm:cxn modelId="{105F74F5-9EBE-4EAE-B007-A65CB3F0EB33}" type="presOf" srcId="{D904D87B-F3DD-4D58-B614-D4B992D8890D}" destId="{4FBA2317-9391-467A-8D74-FDF4261AC436}" srcOrd="1" destOrd="0" presId="urn:microsoft.com/office/officeart/2005/8/layout/hierarchy5"/>
-    <dgm:cxn modelId="{42C07D06-E3E8-47A2-BC3D-9934E566F535}" type="presOf" srcId="{6DD6A2C0-98CF-4461-B8A5-2215F8F8C1F1}" destId="{74D2FB9D-519E-4824-9E27-3D2243BACABF}" srcOrd="1" destOrd="0" presId="urn:microsoft.com/office/officeart/2005/8/layout/hierarchy5"/>
-    <dgm:cxn modelId="{A041AC4E-EA55-4F41-B677-8E762796DB68}" type="presOf" srcId="{6DD6A2C0-98CF-4461-B8A5-2215F8F8C1F1}" destId="{5B44A250-2CEA-415F-9F18-E7DD521B99B0}" srcOrd="0" destOrd="0" presId="urn:microsoft.com/office/officeart/2005/8/layout/hierarchy5"/>
-    <dgm:cxn modelId="{2D112C46-2AAA-4E97-B1C7-8004E4DBC7E9}" type="presOf" srcId="{C72DB701-16B4-4B41-BD36-AF7CABFD4265}" destId="{4C537B6B-A235-4FA1-9896-9F2522911666}" srcOrd="0" destOrd="0" presId="urn:microsoft.com/office/officeart/2005/8/layout/hierarchy5"/>
-    <dgm:cxn modelId="{30AEDD49-00ED-4F62-99F0-A31A3AB9D22D}" type="presOf" srcId="{3073E0B2-71FD-42C6-988B-328774FE49D1}" destId="{7A1153DF-7204-4A95-A166-062FC66FD4AF}" srcOrd="1" destOrd="0" presId="urn:microsoft.com/office/officeart/2005/8/layout/hierarchy5"/>
-    <dgm:cxn modelId="{9CF8E5E8-291E-4D07-AF74-12D6DD04C28E}" type="presOf" srcId="{3A0FF982-2F57-40C2-8CD8-815AC626C9C6}" destId="{695DB62C-3EA4-429E-A762-0E7948385A84}" srcOrd="0" destOrd="0" presId="urn:microsoft.com/office/officeart/2005/8/layout/hierarchy5"/>
-    <dgm:cxn modelId="{AF6ED6FF-95D3-4F82-A64A-B50948087F1E}" type="presOf" srcId="{F8BD94DD-566A-499A-A503-EF680403EBFD}" destId="{8D79E0FE-B2D1-454C-B0D7-E6FBD2B5875A}" srcOrd="0" destOrd="0" presId="urn:microsoft.com/office/officeart/2005/8/layout/hierarchy5"/>
-    <dgm:cxn modelId="{DE66C17F-C69F-4929-A604-F44DC045EA4C}" type="presOf" srcId="{D904D87B-F3DD-4D58-B614-D4B992D8890D}" destId="{9246F981-632C-4E4D-81DA-10CF6EF52731}" srcOrd="0" destOrd="0" presId="urn:microsoft.com/office/officeart/2005/8/layout/hierarchy5"/>
-    <dgm:cxn modelId="{9C1AD598-B2FD-427C-A8C9-0F27C4397EE3}" srcId="{F8BD94DD-566A-499A-A503-EF680403EBFD}" destId="{3A0FF982-2F57-40C2-8CD8-815AC626C9C6}" srcOrd="0" destOrd="0" parTransId="{C3547413-6DBA-44A2-8F76-B1FDE8828E4D}" sibTransId="{93B28DD8-96DB-434A-8C14-DD30FCF62C59}"/>
-    <dgm:cxn modelId="{5CBA8F34-29E1-4AA6-9D2E-D9C2903CF3B2}" type="presOf" srcId="{532E4FEA-5F72-4649-A5A1-FACB31272067}" destId="{8FD25671-F1E9-4E5A-9E75-0B68C3ADC8AB}" srcOrd="0" destOrd="0" presId="urn:microsoft.com/office/officeart/2005/8/layout/hierarchy5"/>
-    <dgm:cxn modelId="{8F049D32-1907-4BE9-833D-71FC555739CB}" srcId="{F8BD94DD-566A-499A-A503-EF680403EBFD}" destId="{34A66873-0C0E-4B68-A4FF-B5135F2A61A9}" srcOrd="1" destOrd="0" parTransId="{FDC0B1EE-F454-4C89-B9C3-B19C008BB61C}" sibTransId="{8816E5F8-838C-4C78-8EBB-53AFA130AD36}"/>
-    <dgm:cxn modelId="{D3742C32-B772-4CB0-9DD2-8B9B6824A3A0}" srcId="{3F6E5BFC-474B-48D5-9DE2-E8304CA4738E}" destId="{532E4FEA-5F72-4649-A5A1-FACB31272067}" srcOrd="0" destOrd="0" parTransId="{AB44D09D-778B-428F-A61F-81CE0C063910}" sibTransId="{DBC874B8-5FEA-43A3-9CC0-284ECE51FC75}"/>
-    <dgm:cxn modelId="{5FCCED49-106C-4ACE-A512-32D00CD51999}" type="presOf" srcId="{34A66873-0C0E-4B68-A4FF-B5135F2A61A9}" destId="{38623598-BC9D-4C34-B6AA-376EBF1742C6}" srcOrd="1" destOrd="0" presId="urn:microsoft.com/office/officeart/2005/8/layout/hierarchy5"/>
-    <dgm:cxn modelId="{6AF68AB2-985D-45E9-B70B-DE2F557FAA52}" type="presOf" srcId="{34A66873-0C0E-4B68-A4FF-B5135F2A61A9}" destId="{4C3E5FA3-04CA-4321-BE03-AB1CF14768B1}" srcOrd="0" destOrd="0" presId="urn:microsoft.com/office/officeart/2005/8/layout/hierarchy5"/>
     <dgm:cxn modelId="{C2424E5D-EE0E-45A8-A411-413F1CC36285}" type="presParOf" srcId="{8D79E0FE-B2D1-454C-B0D7-E6FBD2B5875A}" destId="{DD8C7A1E-529D-4A3F-A859-305D4AAB0659}" srcOrd="0" destOrd="0" presId="urn:microsoft.com/office/officeart/2005/8/layout/hierarchy5"/>
     <dgm:cxn modelId="{9C9BBDD4-1D86-4E49-815E-0D5B92B9151A}" type="presParOf" srcId="{DD8C7A1E-529D-4A3F-A859-305D4AAB0659}" destId="{1C1A8C1A-E83D-42D3-924C-3E328191174E}" srcOrd="0" destOrd="0" presId="urn:microsoft.com/office/officeart/2005/8/layout/hierarchy5"/>
     <dgm:cxn modelId="{0C13312A-8ADE-43DC-B8C1-A01BBEA85DEB}" type="presParOf" srcId="{DD8C7A1E-529D-4A3F-A859-305D4AAB0659}" destId="{B9650AC4-A690-45B2-8F08-17AA80237551}" srcOrd="1" destOrd="0" presId="urn:microsoft.com/office/officeart/2005/8/layout/hierarchy5"/>
@@ -5602,7 +4857,7 @@
         <a:lstStyle/>
         <a:p>
           <a:r>
-            <a:rPr lang="en-US" b="0" cap="none" spc="0" smtClean="0">
+            <a:rPr lang="en-US" b="0" cap="none" spc="0" dirty="0" smtClean="0">
               <a:ln w="0"/>
               <a:effectLst>
                 <a:outerShdw blurRad="38100" dist="19050" dir="2700000" algn="tl" rotWithShape="0">
@@ -5612,7 +4867,20 @@
                 </a:outerShdw>
               </a:effectLst>
             </a:rPr>
-            <a:t>Soil Temperature Sensor (lm-35)</a:t>
+            <a:t>Soil Temperature </a:t>
+          </a:r>
+          <a:r>
+            <a:rPr lang="en-US" b="0" cap="none" spc="0" dirty="0" smtClean="0">
+              <a:ln w="0"/>
+              <a:effectLst>
+                <a:outerShdw blurRad="38100" dist="19050" dir="2700000" algn="tl" rotWithShape="0">
+                  <a:schemeClr val="dk1">
+                    <a:alpha val="40000"/>
+                  </a:schemeClr>
+                </a:outerShdw>
+              </a:effectLst>
+            </a:rPr>
+            <a:t>Sensor</a:t>
           </a:r>
           <a:endParaRPr lang="en-US" b="0" cap="none" spc="0" dirty="0">
             <a:ln w="0"/>
@@ -6396,8 +5664,8 @@
         <a:lstStyle/>
         <a:p>
           <a:r>
-            <a:rPr lang="en-US" dirty="0" smtClean="0"/>
-            <a:t>Wi-Fi Module (ESP8266)</a:t>
+            <a:rPr lang="en-US" dirty="0" err="1" smtClean="0"/>
+            <a:t>NodeMCU</a:t>
           </a:r>
           <a:endParaRPr lang="en-US" dirty="0"/>
         </a:p>
@@ -7566,741 +6834,6 @@
     <dgm:cxn modelId="{4183FAAF-1AE7-4F20-A79A-4887CE25C8AA}" type="presParOf" srcId="{B872A3DB-FF71-4F91-B1A3-778C6D5563F8}" destId="{601A65BA-E4AB-401E-B3EE-08464D858951}" srcOrd="6" destOrd="0" presId="urn:microsoft.com/office/officeart/2005/8/layout/hierarchy5"/>
     <dgm:cxn modelId="{F6CA9BBC-50B4-4E44-8DCA-494D6F97AB63}" type="presParOf" srcId="{601A65BA-E4AB-401E-B3EE-08464D858951}" destId="{DD038E64-7183-4052-89EE-291804996506}" srcOrd="0" destOrd="0" presId="urn:microsoft.com/office/officeart/2005/8/layout/hierarchy5"/>
     <dgm:cxn modelId="{46FC569B-FE7D-4B85-B7BF-8D3BB327D520}" type="presParOf" srcId="{601A65BA-E4AB-401E-B3EE-08464D858951}" destId="{FACEC999-2DA5-4F4A-832F-ECF5D9D59F77}" srcOrd="1" destOrd="0" presId="urn:microsoft.com/office/officeart/2005/8/layout/hierarchy5"/>
-  </dgm:cxnLst>
-  <dgm:bg/>
-  <dgm:whole/>
-  <dgm:extLst>
-    <a:ext uri="http://schemas.microsoft.com/office/drawing/2008/diagram">
-      <dsp:dataModelExt xmlns:dsp="http://schemas.microsoft.com/office/drawing/2008/diagram" relId="rId6" minVer="http://schemas.openxmlformats.org/drawingml/2006/diagram"/>
-    </a:ext>
-  </dgm:extLst>
-</dgm:dataModel>
-</file>
-
-<file path=ppt/diagrams/data6.xml><?xml version="1.0" encoding="utf-8"?>
-<dgm:dataModel xmlns:dgm="http://schemas.openxmlformats.org/drawingml/2006/diagram" xmlns:a="http://schemas.openxmlformats.org/drawingml/2006/main">
-  <dgm:ptLst>
-    <dgm:pt modelId="{F8BD94DD-566A-499A-A503-EF680403EBFD}" type="doc">
-      <dgm:prSet loTypeId="urn:microsoft.com/office/officeart/2005/8/layout/hierarchy5" loCatId="hierarchy" qsTypeId="urn:microsoft.com/office/officeart/2005/8/quickstyle/simple1" qsCatId="simple" csTypeId="urn:microsoft.com/office/officeart/2005/8/colors/accent1_2" csCatId="accent1" phldr="1"/>
-      <dgm:spPr/>
-      <dgm:t>
-        <a:bodyPr/>
-        <a:lstStyle/>
-        <a:p>
-          <a:endParaRPr lang="en-US"/>
-        </a:p>
-      </dgm:t>
-    </dgm:pt>
-    <dgm:pt modelId="{3A0FF982-2F57-40C2-8CD8-815AC626C9C6}">
-      <dgm:prSet phldrT="[Text]"/>
-      <dgm:spPr/>
-      <dgm:t>
-        <a:bodyPr/>
-        <a:lstStyle/>
-        <a:p>
-          <a:r>
-            <a:rPr lang="en-US" dirty="0" smtClean="0"/>
-            <a:t>User Interface</a:t>
-          </a:r>
-          <a:endParaRPr lang="en-US" dirty="0"/>
-        </a:p>
-      </dgm:t>
-    </dgm:pt>
-    <dgm:pt modelId="{C3547413-6DBA-44A2-8F76-B1FDE8828E4D}" type="parTrans" cxnId="{9C1AD598-B2FD-427C-A8C9-0F27C4397EE3}">
-      <dgm:prSet/>
-      <dgm:spPr/>
-      <dgm:t>
-        <a:bodyPr/>
-        <a:lstStyle/>
-        <a:p>
-          <a:endParaRPr lang="en-US"/>
-        </a:p>
-      </dgm:t>
-    </dgm:pt>
-    <dgm:pt modelId="{93B28DD8-96DB-434A-8C14-DD30FCF62C59}" type="sibTrans" cxnId="{9C1AD598-B2FD-427C-A8C9-0F27C4397EE3}">
-      <dgm:prSet/>
-      <dgm:spPr/>
-      <dgm:t>
-        <a:bodyPr/>
-        <a:lstStyle/>
-        <a:p>
-          <a:endParaRPr lang="en-US"/>
-        </a:p>
-      </dgm:t>
-    </dgm:pt>
-    <dgm:pt modelId="{3F6E5BFC-474B-48D5-9DE2-E8304CA4738E}">
-      <dgm:prSet phldrT="[Text]"/>
-      <dgm:spPr/>
-      <dgm:t>
-        <a:bodyPr/>
-        <a:lstStyle/>
-        <a:p>
-          <a:r>
-            <a:rPr lang="en-US" dirty="0" smtClean="0"/>
-            <a:t>Database</a:t>
-          </a:r>
-          <a:endParaRPr lang="en-US" dirty="0"/>
-        </a:p>
-      </dgm:t>
-    </dgm:pt>
-    <dgm:pt modelId="{C72DB701-16B4-4B41-BD36-AF7CABFD4265}" type="parTrans" cxnId="{0E368356-B3BD-44C9-8C55-A707C6BB9341}">
-      <dgm:prSet/>
-      <dgm:spPr/>
-      <dgm:t>
-        <a:bodyPr/>
-        <a:lstStyle/>
-        <a:p>
-          <a:endParaRPr lang="en-US"/>
-        </a:p>
-      </dgm:t>
-    </dgm:pt>
-    <dgm:pt modelId="{E7AB871E-6FD4-49DD-9B01-FB294D34E374}" type="sibTrans" cxnId="{0E368356-B3BD-44C9-8C55-A707C6BB9341}">
-      <dgm:prSet/>
-      <dgm:spPr/>
-      <dgm:t>
-        <a:bodyPr/>
-        <a:lstStyle/>
-        <a:p>
-          <a:endParaRPr lang="en-US"/>
-        </a:p>
-      </dgm:t>
-    </dgm:pt>
-    <dgm:pt modelId="{BE4DA2D6-9F51-4B5D-85B0-33CF95947483}">
-      <dgm:prSet phldrT="[Text]"/>
-      <dgm:spPr/>
-      <dgm:t>
-        <a:bodyPr/>
-        <a:lstStyle/>
-        <a:p>
-          <a:r>
-            <a:rPr lang="en-US" dirty="0" smtClean="0"/>
-            <a:t>Probe</a:t>
-          </a:r>
-          <a:endParaRPr lang="en-US" dirty="0"/>
-        </a:p>
-      </dgm:t>
-    </dgm:pt>
-    <dgm:pt modelId="{6DD6A2C0-98CF-4461-B8A5-2215F8F8C1F1}" type="parTrans" cxnId="{E1D9218B-E8ED-4866-8164-7AA3EDE97FB9}">
-      <dgm:prSet/>
-      <dgm:spPr/>
-      <dgm:t>
-        <a:bodyPr/>
-        <a:lstStyle/>
-        <a:p>
-          <a:endParaRPr lang="en-US"/>
-        </a:p>
-      </dgm:t>
-    </dgm:pt>
-    <dgm:pt modelId="{F1799600-DC8D-4D25-99A9-A29DEF6DB888}" type="sibTrans" cxnId="{E1D9218B-E8ED-4866-8164-7AA3EDE97FB9}">
-      <dgm:prSet/>
-      <dgm:spPr/>
-      <dgm:t>
-        <a:bodyPr/>
-        <a:lstStyle/>
-        <a:p>
-          <a:endParaRPr lang="en-US"/>
-        </a:p>
-      </dgm:t>
-    </dgm:pt>
-    <dgm:pt modelId="{8D7E42D4-E78E-49FA-9135-E24132F15590}">
-      <dgm:prSet phldrT="[Text]"/>
-      <dgm:spPr/>
-      <dgm:t>
-        <a:bodyPr/>
-        <a:lstStyle/>
-        <a:p>
-          <a:r>
-            <a:rPr lang="en-US" dirty="0" smtClean="0"/>
-            <a:t>Probe</a:t>
-          </a:r>
-          <a:endParaRPr lang="en-US" dirty="0"/>
-        </a:p>
-      </dgm:t>
-    </dgm:pt>
-    <dgm:pt modelId="{9A1FF567-A189-4891-9536-1E960DB0B2A3}" type="parTrans" cxnId="{7A23D836-58A5-4AA1-BAF4-4E826DA36AD5}">
-      <dgm:prSet/>
-      <dgm:spPr/>
-      <dgm:t>
-        <a:bodyPr/>
-        <a:lstStyle/>
-        <a:p>
-          <a:endParaRPr lang="en-US"/>
-        </a:p>
-      </dgm:t>
-    </dgm:pt>
-    <dgm:pt modelId="{0656268F-CF6F-446A-B82F-21B8278E6811}" type="sibTrans" cxnId="{7A23D836-58A5-4AA1-BAF4-4E826DA36AD5}">
-      <dgm:prSet/>
-      <dgm:spPr/>
-      <dgm:t>
-        <a:bodyPr/>
-        <a:lstStyle/>
-        <a:p>
-          <a:endParaRPr lang="en-US"/>
-        </a:p>
-      </dgm:t>
-    </dgm:pt>
-    <dgm:pt modelId="{DDB9C6A4-0FFA-42A0-9356-364F394CF0A2}">
-      <dgm:prSet phldrT="[Text]"/>
-      <dgm:spPr/>
-      <dgm:t>
-        <a:bodyPr/>
-        <a:lstStyle/>
-        <a:p>
-          <a:r>
-            <a:rPr lang="en-US" dirty="0" smtClean="0"/>
-            <a:t>Probe</a:t>
-          </a:r>
-          <a:endParaRPr lang="en-US" dirty="0"/>
-        </a:p>
-      </dgm:t>
-    </dgm:pt>
-    <dgm:pt modelId="{FB375A65-13CD-4D46-99ED-16238E6FAD80}" type="sibTrans" cxnId="{F6F4A204-7F61-4774-8B48-FB97642E51F3}">
-      <dgm:prSet/>
-      <dgm:spPr/>
-      <dgm:t>
-        <a:bodyPr/>
-        <a:lstStyle/>
-        <a:p>
-          <a:endParaRPr lang="en-US"/>
-        </a:p>
-      </dgm:t>
-    </dgm:pt>
-    <dgm:pt modelId="{D904D87B-F3DD-4D58-B614-D4B992D8890D}" type="parTrans" cxnId="{F6F4A204-7F61-4774-8B48-FB97642E51F3}">
-      <dgm:prSet/>
-      <dgm:spPr/>
-      <dgm:t>
-        <a:bodyPr/>
-        <a:lstStyle/>
-        <a:p>
-          <a:endParaRPr lang="en-US"/>
-        </a:p>
-      </dgm:t>
-    </dgm:pt>
-    <dgm:pt modelId="{34A66873-0C0E-4B68-A4FF-B5135F2A61A9}">
-      <dgm:prSet phldrT="[Text]"/>
-      <dgm:spPr/>
-      <dgm:t>
-        <a:bodyPr/>
-        <a:lstStyle/>
-        <a:p>
-          <a:r>
-            <a:rPr lang="en-US" dirty="0" smtClean="0"/>
-            <a:t>Server</a:t>
-          </a:r>
-          <a:endParaRPr lang="en-US" dirty="0"/>
-        </a:p>
-      </dgm:t>
-    </dgm:pt>
-    <dgm:pt modelId="{8816E5F8-838C-4C78-8EBB-53AFA130AD36}" type="sibTrans" cxnId="{8F049D32-1907-4BE9-833D-71FC555739CB}">
-      <dgm:prSet/>
-      <dgm:spPr/>
-      <dgm:t>
-        <a:bodyPr/>
-        <a:lstStyle/>
-        <a:p>
-          <a:endParaRPr lang="en-US"/>
-        </a:p>
-      </dgm:t>
-    </dgm:pt>
-    <dgm:pt modelId="{FDC0B1EE-F454-4C89-B9C3-B19C008BB61C}" type="parTrans" cxnId="{8F049D32-1907-4BE9-833D-71FC555739CB}">
-      <dgm:prSet/>
-      <dgm:spPr/>
-      <dgm:t>
-        <a:bodyPr/>
-        <a:lstStyle/>
-        <a:p>
-          <a:endParaRPr lang="en-US"/>
-        </a:p>
-      </dgm:t>
-    </dgm:pt>
-    <dgm:pt modelId="{3073E0B2-71FD-42C6-988B-328774FE49D1}">
-      <dgm:prSet phldrT="[Text]"/>
-      <dgm:spPr/>
-      <dgm:t>
-        <a:bodyPr/>
-        <a:lstStyle/>
-        <a:p>
-          <a:r>
-            <a:rPr lang="en-US" dirty="0" smtClean="0"/>
-            <a:t>Field</a:t>
-          </a:r>
-          <a:endParaRPr lang="en-US" dirty="0"/>
-        </a:p>
-      </dgm:t>
-    </dgm:pt>
-    <dgm:pt modelId="{4066C69A-7AF5-4B2B-B90C-5A17C0DEF022}" type="sibTrans" cxnId="{48725D68-3807-49E5-8715-EC70BA9D2432}">
-      <dgm:prSet/>
-      <dgm:spPr/>
-      <dgm:t>
-        <a:bodyPr/>
-        <a:lstStyle/>
-        <a:p>
-          <a:endParaRPr lang="en-US"/>
-        </a:p>
-      </dgm:t>
-    </dgm:pt>
-    <dgm:pt modelId="{DEC76A8C-DD22-4277-BDB8-24F70F8658A4}" type="parTrans" cxnId="{48725D68-3807-49E5-8715-EC70BA9D2432}">
-      <dgm:prSet/>
-      <dgm:spPr/>
-      <dgm:t>
-        <a:bodyPr/>
-        <a:lstStyle/>
-        <a:p>
-          <a:endParaRPr lang="en-US"/>
-        </a:p>
-      </dgm:t>
-    </dgm:pt>
-    <dgm:pt modelId="{532E4FEA-5F72-4649-A5A1-FACB31272067}">
-      <dgm:prSet phldrT="[Text]"/>
-      <dgm:spPr/>
-      <dgm:t>
-        <a:bodyPr/>
-        <a:lstStyle/>
-        <a:p>
-          <a:r>
-            <a:rPr lang="en-US" dirty="0" smtClean="0"/>
-            <a:t>Hub</a:t>
-          </a:r>
-          <a:endParaRPr lang="en-US" dirty="0"/>
-        </a:p>
-      </dgm:t>
-    </dgm:pt>
-    <dgm:pt modelId="{AB44D09D-778B-428F-A61F-81CE0C063910}" type="parTrans" cxnId="{D3742C32-B772-4CB0-9DD2-8B9B6824A3A0}">
-      <dgm:prSet/>
-      <dgm:spPr>
-        <a:ln w="19050">
-          <a:solidFill>
-            <a:schemeClr val="accent4"/>
-          </a:solidFill>
-        </a:ln>
-      </dgm:spPr>
-      <dgm:t>
-        <a:bodyPr/>
-        <a:lstStyle/>
-        <a:p>
-          <a:endParaRPr lang="en-US"/>
-        </a:p>
-      </dgm:t>
-    </dgm:pt>
-    <dgm:pt modelId="{DBC874B8-5FEA-43A3-9CC0-284ECE51FC75}" type="sibTrans" cxnId="{D3742C32-B772-4CB0-9DD2-8B9B6824A3A0}">
-      <dgm:prSet/>
-      <dgm:spPr/>
-      <dgm:t>
-        <a:bodyPr/>
-        <a:lstStyle/>
-        <a:p>
-          <a:endParaRPr lang="en-US"/>
-        </a:p>
-      </dgm:t>
-    </dgm:pt>
-    <dgm:pt modelId="{8D79E0FE-B2D1-454C-B0D7-E6FBD2B5875A}" type="pres">
-      <dgm:prSet presAssocID="{F8BD94DD-566A-499A-A503-EF680403EBFD}" presName="mainComposite" presStyleCnt="0">
-        <dgm:presLayoutVars>
-          <dgm:chPref val="1"/>
-          <dgm:dir val="rev"/>
-          <dgm:animOne val="branch"/>
-          <dgm:animLvl val="lvl"/>
-          <dgm:resizeHandles val="exact"/>
-        </dgm:presLayoutVars>
-      </dgm:prSet>
-      <dgm:spPr/>
-      <dgm:t>
-        <a:bodyPr/>
-        <a:lstStyle/>
-        <a:p>
-          <a:endParaRPr lang="en-US"/>
-        </a:p>
-      </dgm:t>
-    </dgm:pt>
-    <dgm:pt modelId="{DD8C7A1E-529D-4A3F-A859-305D4AAB0659}" type="pres">
-      <dgm:prSet presAssocID="{F8BD94DD-566A-499A-A503-EF680403EBFD}" presName="hierFlow" presStyleCnt="0"/>
-      <dgm:spPr/>
-    </dgm:pt>
-    <dgm:pt modelId="{1C1A8C1A-E83D-42D3-924C-3E328191174E}" type="pres">
-      <dgm:prSet presAssocID="{F8BD94DD-566A-499A-A503-EF680403EBFD}" presName="firstBuf" presStyleCnt="0"/>
-      <dgm:spPr/>
-    </dgm:pt>
-    <dgm:pt modelId="{B9650AC4-A690-45B2-8F08-17AA80237551}" type="pres">
-      <dgm:prSet presAssocID="{F8BD94DD-566A-499A-A503-EF680403EBFD}" presName="hierChild1" presStyleCnt="0">
-        <dgm:presLayoutVars>
-          <dgm:chPref val="1"/>
-          <dgm:animOne val="branch"/>
-          <dgm:animLvl val="lvl"/>
-        </dgm:presLayoutVars>
-      </dgm:prSet>
-      <dgm:spPr/>
-    </dgm:pt>
-    <dgm:pt modelId="{96FC6BA6-25FB-49EF-BEAA-34AB83FD6CF1}" type="pres">
-      <dgm:prSet presAssocID="{3A0FF982-2F57-40C2-8CD8-815AC626C9C6}" presName="Name17" presStyleCnt="0"/>
-      <dgm:spPr/>
-    </dgm:pt>
-    <dgm:pt modelId="{695DB62C-3EA4-429E-A762-0E7948385A84}" type="pres">
-      <dgm:prSet presAssocID="{3A0FF982-2F57-40C2-8CD8-815AC626C9C6}" presName="level1Shape" presStyleLbl="node0" presStyleIdx="0" presStyleCnt="1" custLinFactNeighborX="-4236" custLinFactNeighborY="-84714">
-        <dgm:presLayoutVars>
-          <dgm:chPref val="3"/>
-        </dgm:presLayoutVars>
-      </dgm:prSet>
-      <dgm:spPr/>
-      <dgm:t>
-        <a:bodyPr/>
-        <a:lstStyle/>
-        <a:p>
-          <a:endParaRPr lang="en-US"/>
-        </a:p>
-      </dgm:t>
-    </dgm:pt>
-    <dgm:pt modelId="{7E0E58D3-F39F-45DF-A17E-D2DF18C452C3}" type="pres">
-      <dgm:prSet presAssocID="{3A0FF982-2F57-40C2-8CD8-815AC626C9C6}" presName="hierChild2" presStyleCnt="0"/>
-      <dgm:spPr/>
-    </dgm:pt>
-    <dgm:pt modelId="{4C537B6B-A235-4FA1-9896-9F2522911666}" type="pres">
-      <dgm:prSet presAssocID="{C72DB701-16B4-4B41-BD36-AF7CABFD4265}" presName="Name25" presStyleLbl="parChTrans1D2" presStyleIdx="0" presStyleCnt="1"/>
-      <dgm:spPr/>
-      <dgm:t>
-        <a:bodyPr/>
-        <a:lstStyle/>
-        <a:p>
-          <a:endParaRPr lang="en-US"/>
-        </a:p>
-      </dgm:t>
-    </dgm:pt>
-    <dgm:pt modelId="{7B5734FF-5CAA-4885-8194-858B3DEEF547}" type="pres">
-      <dgm:prSet presAssocID="{C72DB701-16B4-4B41-BD36-AF7CABFD4265}" presName="connTx" presStyleLbl="parChTrans1D2" presStyleIdx="0" presStyleCnt="1"/>
-      <dgm:spPr/>
-      <dgm:t>
-        <a:bodyPr/>
-        <a:lstStyle/>
-        <a:p>
-          <a:endParaRPr lang="en-US"/>
-        </a:p>
-      </dgm:t>
-    </dgm:pt>
-    <dgm:pt modelId="{75DA2D12-65CD-49E1-9749-B7A952F8491A}" type="pres">
-      <dgm:prSet presAssocID="{3F6E5BFC-474B-48D5-9DE2-E8304CA4738E}" presName="Name30" presStyleCnt="0"/>
-      <dgm:spPr/>
-    </dgm:pt>
-    <dgm:pt modelId="{8E298DD4-11D9-4948-89C6-CB2BE63829C7}" type="pres">
-      <dgm:prSet presAssocID="{3F6E5BFC-474B-48D5-9DE2-E8304CA4738E}" presName="level2Shape" presStyleLbl="node2" presStyleIdx="0" presStyleCnt="1" custLinFactNeighborX="-5083" custLinFactNeighborY="-84714"/>
-      <dgm:spPr/>
-      <dgm:t>
-        <a:bodyPr/>
-        <a:lstStyle/>
-        <a:p>
-          <a:endParaRPr lang="en-US"/>
-        </a:p>
-      </dgm:t>
-    </dgm:pt>
-    <dgm:pt modelId="{47DF664E-ADBE-4414-AC18-53315C963F13}" type="pres">
-      <dgm:prSet presAssocID="{3F6E5BFC-474B-48D5-9DE2-E8304CA4738E}" presName="hierChild3" presStyleCnt="0"/>
-      <dgm:spPr/>
-    </dgm:pt>
-    <dgm:pt modelId="{41C983E8-4110-4694-9A3A-803CE11A3A5E}" type="pres">
-      <dgm:prSet presAssocID="{AB44D09D-778B-428F-A61F-81CE0C063910}" presName="Name25" presStyleLbl="parChTrans1D3" presStyleIdx="0" presStyleCnt="1"/>
-      <dgm:spPr/>
-      <dgm:t>
-        <a:bodyPr/>
-        <a:lstStyle/>
-        <a:p>
-          <a:endParaRPr lang="en-US"/>
-        </a:p>
-      </dgm:t>
-    </dgm:pt>
-    <dgm:pt modelId="{A4EB6696-5A7F-4195-A89D-1441CE00D6D7}" type="pres">
-      <dgm:prSet presAssocID="{AB44D09D-778B-428F-A61F-81CE0C063910}" presName="connTx" presStyleLbl="parChTrans1D3" presStyleIdx="0" presStyleCnt="1"/>
-      <dgm:spPr/>
-      <dgm:t>
-        <a:bodyPr/>
-        <a:lstStyle/>
-        <a:p>
-          <a:endParaRPr lang="en-US"/>
-        </a:p>
-      </dgm:t>
-    </dgm:pt>
-    <dgm:pt modelId="{D78FDF10-1545-43E0-A1E7-EB2AB7DFD6C3}" type="pres">
-      <dgm:prSet presAssocID="{532E4FEA-5F72-4649-A5A1-FACB31272067}" presName="Name30" presStyleCnt="0"/>
-      <dgm:spPr/>
-    </dgm:pt>
-    <dgm:pt modelId="{8FD25671-F1E9-4E5A-9E75-0B68C3ADC8AB}" type="pres">
-      <dgm:prSet presAssocID="{532E4FEA-5F72-4649-A5A1-FACB31272067}" presName="level2Shape" presStyleLbl="node3" presStyleIdx="0" presStyleCnt="1" custLinFactNeighborX="-27531" custLinFactNeighborY="-86408"/>
-      <dgm:spPr/>
-      <dgm:t>
-        <a:bodyPr/>
-        <a:lstStyle/>
-        <a:p>
-          <a:endParaRPr lang="en-US"/>
-        </a:p>
-      </dgm:t>
-    </dgm:pt>
-    <dgm:pt modelId="{F2AC7CF7-4C12-4CD8-A83A-FFB9ED64573F}" type="pres">
-      <dgm:prSet presAssocID="{532E4FEA-5F72-4649-A5A1-FACB31272067}" presName="hierChild3" presStyleCnt="0"/>
-      <dgm:spPr/>
-    </dgm:pt>
-    <dgm:pt modelId="{5B44A250-2CEA-415F-9F18-E7DD521B99B0}" type="pres">
-      <dgm:prSet presAssocID="{6DD6A2C0-98CF-4461-B8A5-2215F8F8C1F1}" presName="Name25" presStyleLbl="parChTrans1D4" presStyleIdx="0" presStyleCnt="3"/>
-      <dgm:spPr/>
-      <dgm:t>
-        <a:bodyPr/>
-        <a:lstStyle/>
-        <a:p>
-          <a:endParaRPr lang="en-US"/>
-        </a:p>
-      </dgm:t>
-    </dgm:pt>
-    <dgm:pt modelId="{74D2FB9D-519E-4824-9E27-3D2243BACABF}" type="pres">
-      <dgm:prSet presAssocID="{6DD6A2C0-98CF-4461-B8A5-2215F8F8C1F1}" presName="connTx" presStyleLbl="parChTrans1D4" presStyleIdx="0" presStyleCnt="3"/>
-      <dgm:spPr/>
-      <dgm:t>
-        <a:bodyPr/>
-        <a:lstStyle/>
-        <a:p>
-          <a:endParaRPr lang="en-US"/>
-        </a:p>
-      </dgm:t>
-    </dgm:pt>
-    <dgm:pt modelId="{B85473A0-8F06-4103-8023-1CD8D18D1297}" type="pres">
-      <dgm:prSet presAssocID="{BE4DA2D6-9F51-4B5D-85B0-33CF95947483}" presName="Name30" presStyleCnt="0"/>
-      <dgm:spPr/>
-    </dgm:pt>
-    <dgm:pt modelId="{6B960B71-3DA8-4014-8465-2FA6F0498E35}" type="pres">
-      <dgm:prSet presAssocID="{BE4DA2D6-9F51-4B5D-85B0-33CF95947483}" presName="level2Shape" presStyleLbl="node4" presStyleIdx="0" presStyleCnt="3" custLinFactNeighborX="-87597" custLinFactNeighborY="-35838"/>
-      <dgm:spPr/>
-      <dgm:t>
-        <a:bodyPr/>
-        <a:lstStyle/>
-        <a:p>
-          <a:endParaRPr lang="en-US"/>
-        </a:p>
-      </dgm:t>
-    </dgm:pt>
-    <dgm:pt modelId="{1456FEE6-6075-43AA-82DF-BD3615877E10}" type="pres">
-      <dgm:prSet presAssocID="{BE4DA2D6-9F51-4B5D-85B0-33CF95947483}" presName="hierChild3" presStyleCnt="0"/>
-      <dgm:spPr/>
-    </dgm:pt>
-    <dgm:pt modelId="{A7575152-F179-4F04-8D5B-F78E95B2FAE1}" type="pres">
-      <dgm:prSet presAssocID="{9A1FF567-A189-4891-9536-1E960DB0B2A3}" presName="Name25" presStyleLbl="parChTrans1D4" presStyleIdx="1" presStyleCnt="3"/>
-      <dgm:spPr/>
-      <dgm:t>
-        <a:bodyPr/>
-        <a:lstStyle/>
-        <a:p>
-          <a:endParaRPr lang="en-US"/>
-        </a:p>
-      </dgm:t>
-    </dgm:pt>
-    <dgm:pt modelId="{48BA3B68-184E-4443-BCE6-6DEF28D21AEE}" type="pres">
-      <dgm:prSet presAssocID="{9A1FF567-A189-4891-9536-1E960DB0B2A3}" presName="connTx" presStyleLbl="parChTrans1D4" presStyleIdx="1" presStyleCnt="3"/>
-      <dgm:spPr/>
-      <dgm:t>
-        <a:bodyPr/>
-        <a:lstStyle/>
-        <a:p>
-          <a:endParaRPr lang="en-US"/>
-        </a:p>
-      </dgm:t>
-    </dgm:pt>
-    <dgm:pt modelId="{9511F5F6-3760-402F-B20B-A6C1CF115A87}" type="pres">
-      <dgm:prSet presAssocID="{8D7E42D4-E78E-49FA-9135-E24132F15590}" presName="Name30" presStyleCnt="0"/>
-      <dgm:spPr/>
-    </dgm:pt>
-    <dgm:pt modelId="{E2DB1759-7249-4D87-BDBC-F7A1F4835AD1}" type="pres">
-      <dgm:prSet presAssocID="{8D7E42D4-E78E-49FA-9135-E24132F15590}" presName="level2Shape" presStyleLbl="node4" presStyleIdx="1" presStyleCnt="3" custLinFactNeighborX="-88444" custLinFactNeighborY="-32192"/>
-      <dgm:spPr/>
-      <dgm:t>
-        <a:bodyPr/>
-        <a:lstStyle/>
-        <a:p>
-          <a:endParaRPr lang="en-US"/>
-        </a:p>
-      </dgm:t>
-    </dgm:pt>
-    <dgm:pt modelId="{6F458C98-33DD-4C39-93A0-BB326A692B32}" type="pres">
-      <dgm:prSet presAssocID="{8D7E42D4-E78E-49FA-9135-E24132F15590}" presName="hierChild3" presStyleCnt="0"/>
-      <dgm:spPr/>
-    </dgm:pt>
-    <dgm:pt modelId="{9246F981-632C-4E4D-81DA-10CF6EF52731}" type="pres">
-      <dgm:prSet presAssocID="{D904D87B-F3DD-4D58-B614-D4B992D8890D}" presName="Name25" presStyleLbl="parChTrans1D4" presStyleIdx="2" presStyleCnt="3"/>
-      <dgm:spPr/>
-      <dgm:t>
-        <a:bodyPr/>
-        <a:lstStyle/>
-        <a:p>
-          <a:endParaRPr lang="en-US"/>
-        </a:p>
-      </dgm:t>
-    </dgm:pt>
-    <dgm:pt modelId="{4FBA2317-9391-467A-8D74-FDF4261AC436}" type="pres">
-      <dgm:prSet presAssocID="{D904D87B-F3DD-4D58-B614-D4B992D8890D}" presName="connTx" presStyleLbl="parChTrans1D4" presStyleIdx="2" presStyleCnt="3"/>
-      <dgm:spPr/>
-      <dgm:t>
-        <a:bodyPr/>
-        <a:lstStyle/>
-        <a:p>
-          <a:endParaRPr lang="en-US"/>
-        </a:p>
-      </dgm:t>
-    </dgm:pt>
-    <dgm:pt modelId="{6D93CA51-E50C-4055-9450-B19E9F9D549C}" type="pres">
-      <dgm:prSet presAssocID="{DDB9C6A4-0FFA-42A0-9356-364F394CF0A2}" presName="Name30" presStyleCnt="0"/>
-      <dgm:spPr/>
-    </dgm:pt>
-    <dgm:pt modelId="{634B9FA7-CDEC-4500-A91B-BCC8AB4D4318}" type="pres">
-      <dgm:prSet presAssocID="{DDB9C6A4-0FFA-42A0-9356-364F394CF0A2}" presName="level2Shape" presStyleLbl="node4" presStyleIdx="2" presStyleCnt="3" custLinFactNeighborX="-88444" custLinFactNeighborY="-27108"/>
-      <dgm:spPr/>
-      <dgm:t>
-        <a:bodyPr/>
-        <a:lstStyle/>
-        <a:p>
-          <a:endParaRPr lang="en-US"/>
-        </a:p>
-      </dgm:t>
-    </dgm:pt>
-    <dgm:pt modelId="{51E1E602-92F8-407B-B31C-7BDD687DB313}" type="pres">
-      <dgm:prSet presAssocID="{DDB9C6A4-0FFA-42A0-9356-364F394CF0A2}" presName="hierChild3" presStyleCnt="0"/>
-      <dgm:spPr/>
-    </dgm:pt>
-    <dgm:pt modelId="{C841A686-B7FD-40C8-9C62-7E65BF68EDD3}" type="pres">
-      <dgm:prSet presAssocID="{F8BD94DD-566A-499A-A503-EF680403EBFD}" presName="bgShapesFlow" presStyleCnt="0"/>
-      <dgm:spPr/>
-    </dgm:pt>
-    <dgm:pt modelId="{3F7BCA01-E631-4138-A4FD-8277AAF7FFDA}" type="pres">
-      <dgm:prSet presAssocID="{34A66873-0C0E-4B68-A4FF-B5135F2A61A9}" presName="rectComp" presStyleCnt="0"/>
-      <dgm:spPr/>
-    </dgm:pt>
-    <dgm:pt modelId="{4C3E5FA3-04CA-4321-BE03-AB1CF14768B1}" type="pres">
-      <dgm:prSet presAssocID="{34A66873-0C0E-4B68-A4FF-B5135F2A61A9}" presName="bgRect" presStyleLbl="bgShp" presStyleIdx="0" presStyleCnt="2" custScaleX="220259" custLinFactNeighborX="-2331"/>
-      <dgm:spPr/>
-      <dgm:t>
-        <a:bodyPr/>
-        <a:lstStyle/>
-        <a:p>
-          <a:endParaRPr lang="en-US"/>
-        </a:p>
-      </dgm:t>
-    </dgm:pt>
-    <dgm:pt modelId="{38623598-BC9D-4C34-B6AA-376EBF1742C6}" type="pres">
-      <dgm:prSet presAssocID="{34A66873-0C0E-4B68-A4FF-B5135F2A61A9}" presName="bgRectTx" presStyleLbl="bgShp" presStyleIdx="0" presStyleCnt="2">
-        <dgm:presLayoutVars>
-          <dgm:bulletEnabled val="1"/>
-        </dgm:presLayoutVars>
-      </dgm:prSet>
-      <dgm:spPr/>
-      <dgm:t>
-        <a:bodyPr/>
-        <a:lstStyle/>
-        <a:p>
-          <a:endParaRPr lang="en-US"/>
-        </a:p>
-      </dgm:t>
-    </dgm:pt>
-    <dgm:pt modelId="{84C25D6F-A599-4E6D-B6F7-BE6956CB5EEA}" type="pres">
-      <dgm:prSet presAssocID="{34A66873-0C0E-4B68-A4FF-B5135F2A61A9}" presName="spComp" presStyleCnt="0"/>
-      <dgm:spPr/>
-    </dgm:pt>
-    <dgm:pt modelId="{8AF85F7D-E275-4AE1-BE7C-18C1B643F4DE}" type="pres">
-      <dgm:prSet presAssocID="{34A66873-0C0E-4B68-A4FF-B5135F2A61A9}" presName="hSp" presStyleCnt="0"/>
-      <dgm:spPr/>
-    </dgm:pt>
-    <dgm:pt modelId="{1E7AD1FD-8CDC-435A-BAB7-CAF18E9F8716}" type="pres">
-      <dgm:prSet presAssocID="{3073E0B2-71FD-42C6-988B-328774FE49D1}" presName="rectComp" presStyleCnt="0"/>
-      <dgm:spPr/>
-    </dgm:pt>
-    <dgm:pt modelId="{0EF7BDCE-DFBF-46C2-953E-1E3BF70E5743}" type="pres">
-      <dgm:prSet presAssocID="{3073E0B2-71FD-42C6-988B-328774FE49D1}" presName="bgRect" presStyleLbl="bgShp" presStyleIdx="1" presStyleCnt="2" custScaleX="292207"/>
-      <dgm:spPr/>
-      <dgm:t>
-        <a:bodyPr/>
-        <a:lstStyle/>
-        <a:p>
-          <a:endParaRPr lang="en-US"/>
-        </a:p>
-      </dgm:t>
-    </dgm:pt>
-    <dgm:pt modelId="{7A1153DF-7204-4A95-A166-062FC66FD4AF}" type="pres">
-      <dgm:prSet presAssocID="{3073E0B2-71FD-42C6-988B-328774FE49D1}" presName="bgRectTx" presStyleLbl="bgShp" presStyleIdx="1" presStyleCnt="2">
-        <dgm:presLayoutVars>
-          <dgm:bulletEnabled val="1"/>
-        </dgm:presLayoutVars>
-      </dgm:prSet>
-      <dgm:spPr/>
-      <dgm:t>
-        <a:bodyPr/>
-        <a:lstStyle/>
-        <a:p>
-          <a:endParaRPr lang="en-US"/>
-        </a:p>
-      </dgm:t>
-    </dgm:pt>
-  </dgm:ptLst>
-  <dgm:cxnLst>
-    <dgm:cxn modelId="{47FA5428-BD85-4972-B7B9-32DB1CEA672D}" type="presOf" srcId="{D904D87B-F3DD-4D58-B614-D4B992D8890D}" destId="{9246F981-632C-4E4D-81DA-10CF6EF52731}" srcOrd="0" destOrd="0" presId="urn:microsoft.com/office/officeart/2005/8/layout/hierarchy5"/>
-    <dgm:cxn modelId="{B9D5E895-C98B-4C17-9EE5-C29EE99F3C73}" type="presOf" srcId="{532E4FEA-5F72-4649-A5A1-FACB31272067}" destId="{8FD25671-F1E9-4E5A-9E75-0B68C3ADC8AB}" srcOrd="0" destOrd="0" presId="urn:microsoft.com/office/officeart/2005/8/layout/hierarchy5"/>
-    <dgm:cxn modelId="{0621EE18-8070-41DD-B0D5-CCFC1C9E0FEF}" type="presOf" srcId="{C72DB701-16B4-4B41-BD36-AF7CABFD4265}" destId="{4C537B6B-A235-4FA1-9896-9F2522911666}" srcOrd="0" destOrd="0" presId="urn:microsoft.com/office/officeart/2005/8/layout/hierarchy5"/>
-    <dgm:cxn modelId="{D7E69F41-62AA-4B98-BD3D-5A681E1FC668}" type="presOf" srcId="{C72DB701-16B4-4B41-BD36-AF7CABFD4265}" destId="{7B5734FF-5CAA-4885-8194-858B3DEEF547}" srcOrd="1" destOrd="0" presId="urn:microsoft.com/office/officeart/2005/8/layout/hierarchy5"/>
-    <dgm:cxn modelId="{0E368356-B3BD-44C9-8C55-A707C6BB9341}" srcId="{3A0FF982-2F57-40C2-8CD8-815AC626C9C6}" destId="{3F6E5BFC-474B-48D5-9DE2-E8304CA4738E}" srcOrd="0" destOrd="0" parTransId="{C72DB701-16B4-4B41-BD36-AF7CABFD4265}" sibTransId="{E7AB871E-6FD4-49DD-9B01-FB294D34E374}"/>
-    <dgm:cxn modelId="{E1D9218B-E8ED-4866-8164-7AA3EDE97FB9}" srcId="{532E4FEA-5F72-4649-A5A1-FACB31272067}" destId="{BE4DA2D6-9F51-4B5D-85B0-33CF95947483}" srcOrd="0" destOrd="0" parTransId="{6DD6A2C0-98CF-4461-B8A5-2215F8F8C1F1}" sibTransId="{F1799600-DC8D-4D25-99A9-A29DEF6DB888}"/>
-    <dgm:cxn modelId="{31226DC1-20B5-4240-B817-DF596E489BED}" type="presOf" srcId="{BE4DA2D6-9F51-4B5D-85B0-33CF95947483}" destId="{6B960B71-3DA8-4014-8465-2FA6F0498E35}" srcOrd="0" destOrd="0" presId="urn:microsoft.com/office/officeart/2005/8/layout/hierarchy5"/>
-    <dgm:cxn modelId="{0F2A9A85-1CFC-45C7-9BF6-29FC0DBE6807}" type="presOf" srcId="{34A66873-0C0E-4B68-A4FF-B5135F2A61A9}" destId="{38623598-BC9D-4C34-B6AA-376EBF1742C6}" srcOrd="1" destOrd="0" presId="urn:microsoft.com/office/officeart/2005/8/layout/hierarchy5"/>
-    <dgm:cxn modelId="{CAEC1C3F-814E-4221-8DA1-D4E443E2BBF5}" type="presOf" srcId="{3F6E5BFC-474B-48D5-9DE2-E8304CA4738E}" destId="{8E298DD4-11D9-4948-89C6-CB2BE63829C7}" srcOrd="0" destOrd="0" presId="urn:microsoft.com/office/officeart/2005/8/layout/hierarchy5"/>
-    <dgm:cxn modelId="{F6F4A204-7F61-4774-8B48-FB97642E51F3}" srcId="{532E4FEA-5F72-4649-A5A1-FACB31272067}" destId="{DDB9C6A4-0FFA-42A0-9356-364F394CF0A2}" srcOrd="2" destOrd="0" parTransId="{D904D87B-F3DD-4D58-B614-D4B992D8890D}" sibTransId="{FB375A65-13CD-4D46-99ED-16238E6FAD80}"/>
-    <dgm:cxn modelId="{4136C7F9-8330-425E-9E85-AC7D791AA477}" type="presOf" srcId="{9A1FF567-A189-4891-9536-1E960DB0B2A3}" destId="{48BA3B68-184E-4443-BCE6-6DEF28D21AEE}" srcOrd="1" destOrd="0" presId="urn:microsoft.com/office/officeart/2005/8/layout/hierarchy5"/>
-    <dgm:cxn modelId="{B334CAF5-5849-450A-A142-667F9DDEBC3D}" type="presOf" srcId="{3073E0B2-71FD-42C6-988B-328774FE49D1}" destId="{0EF7BDCE-DFBF-46C2-953E-1E3BF70E5743}" srcOrd="0" destOrd="0" presId="urn:microsoft.com/office/officeart/2005/8/layout/hierarchy5"/>
-    <dgm:cxn modelId="{7A23D836-58A5-4AA1-BAF4-4E826DA36AD5}" srcId="{532E4FEA-5F72-4649-A5A1-FACB31272067}" destId="{8D7E42D4-E78E-49FA-9135-E24132F15590}" srcOrd="1" destOrd="0" parTransId="{9A1FF567-A189-4891-9536-1E960DB0B2A3}" sibTransId="{0656268F-CF6F-446A-B82F-21B8278E6811}"/>
-    <dgm:cxn modelId="{48725D68-3807-49E5-8715-EC70BA9D2432}" srcId="{F8BD94DD-566A-499A-A503-EF680403EBFD}" destId="{3073E0B2-71FD-42C6-988B-328774FE49D1}" srcOrd="2" destOrd="0" parTransId="{DEC76A8C-DD22-4277-BDB8-24F70F8658A4}" sibTransId="{4066C69A-7AF5-4B2B-B90C-5A17C0DEF022}"/>
-    <dgm:cxn modelId="{1304BA51-1AB8-47F6-9FB9-6F6473930299}" type="presOf" srcId="{9A1FF567-A189-4891-9536-1E960DB0B2A3}" destId="{A7575152-F179-4F04-8D5B-F78E95B2FAE1}" srcOrd="0" destOrd="0" presId="urn:microsoft.com/office/officeart/2005/8/layout/hierarchy5"/>
-    <dgm:cxn modelId="{B2D99670-9789-4458-A29D-F7BFBF4BD814}" type="presOf" srcId="{AB44D09D-778B-428F-A61F-81CE0C063910}" destId="{A4EB6696-5A7F-4195-A89D-1441CE00D6D7}" srcOrd="1" destOrd="0" presId="urn:microsoft.com/office/officeart/2005/8/layout/hierarchy5"/>
-    <dgm:cxn modelId="{6A43585F-E7A7-4BE0-A1FB-36A0051A4762}" type="presOf" srcId="{34A66873-0C0E-4B68-A4FF-B5135F2A61A9}" destId="{4C3E5FA3-04CA-4321-BE03-AB1CF14768B1}" srcOrd="0" destOrd="0" presId="urn:microsoft.com/office/officeart/2005/8/layout/hierarchy5"/>
-    <dgm:cxn modelId="{ED88C911-FB7C-4B0C-B1D2-A566A5177B2F}" type="presOf" srcId="{3A0FF982-2F57-40C2-8CD8-815AC626C9C6}" destId="{695DB62C-3EA4-429E-A762-0E7948385A84}" srcOrd="0" destOrd="0" presId="urn:microsoft.com/office/officeart/2005/8/layout/hierarchy5"/>
-    <dgm:cxn modelId="{D9D32234-D08C-48B8-A03A-E3608A6BCF08}" type="presOf" srcId="{8D7E42D4-E78E-49FA-9135-E24132F15590}" destId="{E2DB1759-7249-4D87-BDBC-F7A1F4835AD1}" srcOrd="0" destOrd="0" presId="urn:microsoft.com/office/officeart/2005/8/layout/hierarchy5"/>
-    <dgm:cxn modelId="{EF23FD71-20F4-4642-95D4-2E16F2A3BA28}" type="presOf" srcId="{DDB9C6A4-0FFA-42A0-9356-364F394CF0A2}" destId="{634B9FA7-CDEC-4500-A91B-BCC8AB4D4318}" srcOrd="0" destOrd="0" presId="urn:microsoft.com/office/officeart/2005/8/layout/hierarchy5"/>
-    <dgm:cxn modelId="{DBC5C8FC-CA7F-47C5-B492-E5DB1A41799F}" type="presOf" srcId="{D904D87B-F3DD-4D58-B614-D4B992D8890D}" destId="{4FBA2317-9391-467A-8D74-FDF4261AC436}" srcOrd="1" destOrd="0" presId="urn:microsoft.com/office/officeart/2005/8/layout/hierarchy5"/>
-    <dgm:cxn modelId="{D0859F13-FF6A-48F4-B7D5-DCA7F365BB61}" type="presOf" srcId="{AB44D09D-778B-428F-A61F-81CE0C063910}" destId="{41C983E8-4110-4694-9A3A-803CE11A3A5E}" srcOrd="0" destOrd="0" presId="urn:microsoft.com/office/officeart/2005/8/layout/hierarchy5"/>
-    <dgm:cxn modelId="{121BCAD2-D482-4561-85D3-D5306BF4D785}" type="presOf" srcId="{6DD6A2C0-98CF-4461-B8A5-2215F8F8C1F1}" destId="{5B44A250-2CEA-415F-9F18-E7DD521B99B0}" srcOrd="0" destOrd="0" presId="urn:microsoft.com/office/officeart/2005/8/layout/hierarchy5"/>
-    <dgm:cxn modelId="{BB52EA14-9B72-4D3A-9338-C888E7774BFA}" type="presOf" srcId="{F8BD94DD-566A-499A-A503-EF680403EBFD}" destId="{8D79E0FE-B2D1-454C-B0D7-E6FBD2B5875A}" srcOrd="0" destOrd="0" presId="urn:microsoft.com/office/officeart/2005/8/layout/hierarchy5"/>
-    <dgm:cxn modelId="{9C1AD598-B2FD-427C-A8C9-0F27C4397EE3}" srcId="{F8BD94DD-566A-499A-A503-EF680403EBFD}" destId="{3A0FF982-2F57-40C2-8CD8-815AC626C9C6}" srcOrd="0" destOrd="0" parTransId="{C3547413-6DBA-44A2-8F76-B1FDE8828E4D}" sibTransId="{93B28DD8-96DB-434A-8C14-DD30FCF62C59}"/>
-    <dgm:cxn modelId="{8F049D32-1907-4BE9-833D-71FC555739CB}" srcId="{F8BD94DD-566A-499A-A503-EF680403EBFD}" destId="{34A66873-0C0E-4B68-A4FF-B5135F2A61A9}" srcOrd="1" destOrd="0" parTransId="{FDC0B1EE-F454-4C89-B9C3-B19C008BB61C}" sibTransId="{8816E5F8-838C-4C78-8EBB-53AFA130AD36}"/>
-    <dgm:cxn modelId="{D3742C32-B772-4CB0-9DD2-8B9B6824A3A0}" srcId="{3F6E5BFC-474B-48D5-9DE2-E8304CA4738E}" destId="{532E4FEA-5F72-4649-A5A1-FACB31272067}" srcOrd="0" destOrd="0" parTransId="{AB44D09D-778B-428F-A61F-81CE0C063910}" sibTransId="{DBC874B8-5FEA-43A3-9CC0-284ECE51FC75}"/>
-    <dgm:cxn modelId="{6EEAE286-9B81-4108-9D60-800355DF483E}" type="presOf" srcId="{6DD6A2C0-98CF-4461-B8A5-2215F8F8C1F1}" destId="{74D2FB9D-519E-4824-9E27-3D2243BACABF}" srcOrd="1" destOrd="0" presId="urn:microsoft.com/office/officeart/2005/8/layout/hierarchy5"/>
-    <dgm:cxn modelId="{578F7478-8F9D-409A-A00F-44EE308F0CCD}" type="presOf" srcId="{3073E0B2-71FD-42C6-988B-328774FE49D1}" destId="{7A1153DF-7204-4A95-A166-062FC66FD4AF}" srcOrd="1" destOrd="0" presId="urn:microsoft.com/office/officeart/2005/8/layout/hierarchy5"/>
-    <dgm:cxn modelId="{3FEF7EC0-1E5A-4DE8-BD37-49D38E29DC73}" type="presParOf" srcId="{8D79E0FE-B2D1-454C-B0D7-E6FBD2B5875A}" destId="{DD8C7A1E-529D-4A3F-A859-305D4AAB0659}" srcOrd="0" destOrd="0" presId="urn:microsoft.com/office/officeart/2005/8/layout/hierarchy5"/>
-    <dgm:cxn modelId="{C207C532-285E-4CCD-AD0C-F0DDBE3E75B8}" type="presParOf" srcId="{DD8C7A1E-529D-4A3F-A859-305D4AAB0659}" destId="{1C1A8C1A-E83D-42D3-924C-3E328191174E}" srcOrd="0" destOrd="0" presId="urn:microsoft.com/office/officeart/2005/8/layout/hierarchy5"/>
-    <dgm:cxn modelId="{CA77263F-3413-4DE6-ADE8-90A7F9224857}" type="presParOf" srcId="{DD8C7A1E-529D-4A3F-A859-305D4AAB0659}" destId="{B9650AC4-A690-45B2-8F08-17AA80237551}" srcOrd="1" destOrd="0" presId="urn:microsoft.com/office/officeart/2005/8/layout/hierarchy5"/>
-    <dgm:cxn modelId="{2B0FAECA-C001-4471-95EE-A2E74CD9837D}" type="presParOf" srcId="{B9650AC4-A690-45B2-8F08-17AA80237551}" destId="{96FC6BA6-25FB-49EF-BEAA-34AB83FD6CF1}" srcOrd="0" destOrd="0" presId="urn:microsoft.com/office/officeart/2005/8/layout/hierarchy5"/>
-    <dgm:cxn modelId="{F946530B-51F8-4843-A4D9-4FD4CF45E8C3}" type="presParOf" srcId="{96FC6BA6-25FB-49EF-BEAA-34AB83FD6CF1}" destId="{695DB62C-3EA4-429E-A762-0E7948385A84}" srcOrd="0" destOrd="0" presId="urn:microsoft.com/office/officeart/2005/8/layout/hierarchy5"/>
-    <dgm:cxn modelId="{3B2A0F5F-283F-4B5A-A22F-9349FA39AA83}" type="presParOf" srcId="{96FC6BA6-25FB-49EF-BEAA-34AB83FD6CF1}" destId="{7E0E58D3-F39F-45DF-A17E-D2DF18C452C3}" srcOrd="1" destOrd="0" presId="urn:microsoft.com/office/officeart/2005/8/layout/hierarchy5"/>
-    <dgm:cxn modelId="{3192657B-1CA2-4CFB-8313-DF650FE8B028}" type="presParOf" srcId="{7E0E58D3-F39F-45DF-A17E-D2DF18C452C3}" destId="{4C537B6B-A235-4FA1-9896-9F2522911666}" srcOrd="0" destOrd="0" presId="urn:microsoft.com/office/officeart/2005/8/layout/hierarchy5"/>
-    <dgm:cxn modelId="{ACD207F7-FC6F-44FA-A9F0-D091DCB37ECE}" type="presParOf" srcId="{4C537B6B-A235-4FA1-9896-9F2522911666}" destId="{7B5734FF-5CAA-4885-8194-858B3DEEF547}" srcOrd="0" destOrd="0" presId="urn:microsoft.com/office/officeart/2005/8/layout/hierarchy5"/>
-    <dgm:cxn modelId="{14FB5E85-FAA2-4FA8-B97A-06704979A2E2}" type="presParOf" srcId="{7E0E58D3-F39F-45DF-A17E-D2DF18C452C3}" destId="{75DA2D12-65CD-49E1-9749-B7A952F8491A}" srcOrd="1" destOrd="0" presId="urn:microsoft.com/office/officeart/2005/8/layout/hierarchy5"/>
-    <dgm:cxn modelId="{B3E33603-0E4D-4C6D-AA8F-4601D653D873}" type="presParOf" srcId="{75DA2D12-65CD-49E1-9749-B7A952F8491A}" destId="{8E298DD4-11D9-4948-89C6-CB2BE63829C7}" srcOrd="0" destOrd="0" presId="urn:microsoft.com/office/officeart/2005/8/layout/hierarchy5"/>
-    <dgm:cxn modelId="{59056A0F-6949-444A-8CA7-851031FCA694}" type="presParOf" srcId="{75DA2D12-65CD-49E1-9749-B7A952F8491A}" destId="{47DF664E-ADBE-4414-AC18-53315C963F13}" srcOrd="1" destOrd="0" presId="urn:microsoft.com/office/officeart/2005/8/layout/hierarchy5"/>
-    <dgm:cxn modelId="{1FDB25AB-57DB-44A3-B77A-EC50D72D680B}" type="presParOf" srcId="{47DF664E-ADBE-4414-AC18-53315C963F13}" destId="{41C983E8-4110-4694-9A3A-803CE11A3A5E}" srcOrd="0" destOrd="0" presId="urn:microsoft.com/office/officeart/2005/8/layout/hierarchy5"/>
-    <dgm:cxn modelId="{12EC96A5-65E2-4CCC-82DF-3E82845C1A9A}" type="presParOf" srcId="{41C983E8-4110-4694-9A3A-803CE11A3A5E}" destId="{A4EB6696-5A7F-4195-A89D-1441CE00D6D7}" srcOrd="0" destOrd="0" presId="urn:microsoft.com/office/officeart/2005/8/layout/hierarchy5"/>
-    <dgm:cxn modelId="{FCA628D7-454F-479C-A8D1-1DB84F50E844}" type="presParOf" srcId="{47DF664E-ADBE-4414-AC18-53315C963F13}" destId="{D78FDF10-1545-43E0-A1E7-EB2AB7DFD6C3}" srcOrd="1" destOrd="0" presId="urn:microsoft.com/office/officeart/2005/8/layout/hierarchy5"/>
-    <dgm:cxn modelId="{5A9250F5-CF8C-4C6F-90FF-4D3B1FD379C7}" type="presParOf" srcId="{D78FDF10-1545-43E0-A1E7-EB2AB7DFD6C3}" destId="{8FD25671-F1E9-4E5A-9E75-0B68C3ADC8AB}" srcOrd="0" destOrd="0" presId="urn:microsoft.com/office/officeart/2005/8/layout/hierarchy5"/>
-    <dgm:cxn modelId="{95C487DC-3AE5-4BDF-85D9-AFDF9ACD68B6}" type="presParOf" srcId="{D78FDF10-1545-43E0-A1E7-EB2AB7DFD6C3}" destId="{F2AC7CF7-4C12-4CD8-A83A-FFB9ED64573F}" srcOrd="1" destOrd="0" presId="urn:microsoft.com/office/officeart/2005/8/layout/hierarchy5"/>
-    <dgm:cxn modelId="{C9331E8E-34AD-46BF-A357-105AFB35E2AE}" type="presParOf" srcId="{F2AC7CF7-4C12-4CD8-A83A-FFB9ED64573F}" destId="{5B44A250-2CEA-415F-9F18-E7DD521B99B0}" srcOrd="0" destOrd="0" presId="urn:microsoft.com/office/officeart/2005/8/layout/hierarchy5"/>
-    <dgm:cxn modelId="{54DBD3DA-C365-4E5F-A3B7-F52052E7D951}" type="presParOf" srcId="{5B44A250-2CEA-415F-9F18-E7DD521B99B0}" destId="{74D2FB9D-519E-4824-9E27-3D2243BACABF}" srcOrd="0" destOrd="0" presId="urn:microsoft.com/office/officeart/2005/8/layout/hierarchy5"/>
-    <dgm:cxn modelId="{F1A0974E-C0C2-4A3A-B519-4C781BE639FC}" type="presParOf" srcId="{F2AC7CF7-4C12-4CD8-A83A-FFB9ED64573F}" destId="{B85473A0-8F06-4103-8023-1CD8D18D1297}" srcOrd="1" destOrd="0" presId="urn:microsoft.com/office/officeart/2005/8/layout/hierarchy5"/>
-    <dgm:cxn modelId="{0C128855-1A36-4DA8-A829-9BA5C309442A}" type="presParOf" srcId="{B85473A0-8F06-4103-8023-1CD8D18D1297}" destId="{6B960B71-3DA8-4014-8465-2FA6F0498E35}" srcOrd="0" destOrd="0" presId="urn:microsoft.com/office/officeart/2005/8/layout/hierarchy5"/>
-    <dgm:cxn modelId="{1F7A4FF8-8992-479F-B305-E7403AFD4D07}" type="presParOf" srcId="{B85473A0-8F06-4103-8023-1CD8D18D1297}" destId="{1456FEE6-6075-43AA-82DF-BD3615877E10}" srcOrd="1" destOrd="0" presId="urn:microsoft.com/office/officeart/2005/8/layout/hierarchy5"/>
-    <dgm:cxn modelId="{3FCDF786-3508-4A45-B636-F1D63F6FE716}" type="presParOf" srcId="{F2AC7CF7-4C12-4CD8-A83A-FFB9ED64573F}" destId="{A7575152-F179-4F04-8D5B-F78E95B2FAE1}" srcOrd="2" destOrd="0" presId="urn:microsoft.com/office/officeart/2005/8/layout/hierarchy5"/>
-    <dgm:cxn modelId="{3FC43895-878C-40F3-8AC8-2CB4A38E622A}" type="presParOf" srcId="{A7575152-F179-4F04-8D5B-F78E95B2FAE1}" destId="{48BA3B68-184E-4443-BCE6-6DEF28D21AEE}" srcOrd="0" destOrd="0" presId="urn:microsoft.com/office/officeart/2005/8/layout/hierarchy5"/>
-    <dgm:cxn modelId="{A03FC371-03BA-490A-B317-EB6B16F9018A}" type="presParOf" srcId="{F2AC7CF7-4C12-4CD8-A83A-FFB9ED64573F}" destId="{9511F5F6-3760-402F-B20B-A6C1CF115A87}" srcOrd="3" destOrd="0" presId="urn:microsoft.com/office/officeart/2005/8/layout/hierarchy5"/>
-    <dgm:cxn modelId="{83A04E68-F147-4C2A-9D86-D68C8195317D}" type="presParOf" srcId="{9511F5F6-3760-402F-B20B-A6C1CF115A87}" destId="{E2DB1759-7249-4D87-BDBC-F7A1F4835AD1}" srcOrd="0" destOrd="0" presId="urn:microsoft.com/office/officeart/2005/8/layout/hierarchy5"/>
-    <dgm:cxn modelId="{91B62A5B-96D6-47C0-AC3A-6201BDB5D8B2}" type="presParOf" srcId="{9511F5F6-3760-402F-B20B-A6C1CF115A87}" destId="{6F458C98-33DD-4C39-93A0-BB326A692B32}" srcOrd="1" destOrd="0" presId="urn:microsoft.com/office/officeart/2005/8/layout/hierarchy5"/>
-    <dgm:cxn modelId="{24DC1921-4145-43C4-98A9-A6F151103564}" type="presParOf" srcId="{F2AC7CF7-4C12-4CD8-A83A-FFB9ED64573F}" destId="{9246F981-632C-4E4D-81DA-10CF6EF52731}" srcOrd="4" destOrd="0" presId="urn:microsoft.com/office/officeart/2005/8/layout/hierarchy5"/>
-    <dgm:cxn modelId="{62F6D765-FA50-4851-B061-766BD04D9BB5}" type="presParOf" srcId="{9246F981-632C-4E4D-81DA-10CF6EF52731}" destId="{4FBA2317-9391-467A-8D74-FDF4261AC436}" srcOrd="0" destOrd="0" presId="urn:microsoft.com/office/officeart/2005/8/layout/hierarchy5"/>
-    <dgm:cxn modelId="{FC3B4F65-3B80-4568-A745-89F6D76CCE95}" type="presParOf" srcId="{F2AC7CF7-4C12-4CD8-A83A-FFB9ED64573F}" destId="{6D93CA51-E50C-4055-9450-B19E9F9D549C}" srcOrd="5" destOrd="0" presId="urn:microsoft.com/office/officeart/2005/8/layout/hierarchy5"/>
-    <dgm:cxn modelId="{CA1AEAB7-E4CB-485A-AB72-DAC44CC1FF85}" type="presParOf" srcId="{6D93CA51-E50C-4055-9450-B19E9F9D549C}" destId="{634B9FA7-CDEC-4500-A91B-BCC8AB4D4318}" srcOrd="0" destOrd="0" presId="urn:microsoft.com/office/officeart/2005/8/layout/hierarchy5"/>
-    <dgm:cxn modelId="{6D2732FF-2AF1-421B-8C22-E2528C6C75F9}" type="presParOf" srcId="{6D93CA51-E50C-4055-9450-B19E9F9D549C}" destId="{51E1E602-92F8-407B-B31C-7BDD687DB313}" srcOrd="1" destOrd="0" presId="urn:microsoft.com/office/officeart/2005/8/layout/hierarchy5"/>
-    <dgm:cxn modelId="{1CB06B06-F0BE-4300-82DA-B56E591A9A81}" type="presParOf" srcId="{8D79E0FE-B2D1-454C-B0D7-E6FBD2B5875A}" destId="{C841A686-B7FD-40C8-9C62-7E65BF68EDD3}" srcOrd="1" destOrd="0" presId="urn:microsoft.com/office/officeart/2005/8/layout/hierarchy5"/>
-    <dgm:cxn modelId="{84AA7F81-CC90-4CA5-BE33-08467ECB9D1C}" type="presParOf" srcId="{C841A686-B7FD-40C8-9C62-7E65BF68EDD3}" destId="{3F7BCA01-E631-4138-A4FD-8277AAF7FFDA}" srcOrd="0" destOrd="0" presId="urn:microsoft.com/office/officeart/2005/8/layout/hierarchy5"/>
-    <dgm:cxn modelId="{1FD0996E-1F4B-4B60-831C-DE5CE516F506}" type="presParOf" srcId="{3F7BCA01-E631-4138-A4FD-8277AAF7FFDA}" destId="{4C3E5FA3-04CA-4321-BE03-AB1CF14768B1}" srcOrd="0" destOrd="0" presId="urn:microsoft.com/office/officeart/2005/8/layout/hierarchy5"/>
-    <dgm:cxn modelId="{F597F701-1463-4DF8-9308-F1F272B843F3}" type="presParOf" srcId="{3F7BCA01-E631-4138-A4FD-8277AAF7FFDA}" destId="{38623598-BC9D-4C34-B6AA-376EBF1742C6}" srcOrd="1" destOrd="0" presId="urn:microsoft.com/office/officeart/2005/8/layout/hierarchy5"/>
-    <dgm:cxn modelId="{0BDE66BC-EDE2-4744-BBE5-4D26E6665473}" type="presParOf" srcId="{C841A686-B7FD-40C8-9C62-7E65BF68EDD3}" destId="{84C25D6F-A599-4E6D-B6F7-BE6956CB5EEA}" srcOrd="1" destOrd="0" presId="urn:microsoft.com/office/officeart/2005/8/layout/hierarchy5"/>
-    <dgm:cxn modelId="{187B1268-47E8-465D-8C45-7002EF34929D}" type="presParOf" srcId="{84C25D6F-A599-4E6D-B6F7-BE6956CB5EEA}" destId="{8AF85F7D-E275-4AE1-BE7C-18C1B643F4DE}" srcOrd="0" destOrd="0" presId="urn:microsoft.com/office/officeart/2005/8/layout/hierarchy5"/>
-    <dgm:cxn modelId="{710A2943-56CF-4277-A55C-D1BABCAD6539}" type="presParOf" srcId="{C841A686-B7FD-40C8-9C62-7E65BF68EDD3}" destId="{1E7AD1FD-8CDC-435A-BAB7-CAF18E9F8716}" srcOrd="2" destOrd="0" presId="urn:microsoft.com/office/officeart/2005/8/layout/hierarchy5"/>
-    <dgm:cxn modelId="{76891E56-7AA7-4E94-AD72-5408B86E5C0E}" type="presParOf" srcId="{1E7AD1FD-8CDC-435A-BAB7-CAF18E9F8716}" destId="{0EF7BDCE-DFBF-46C2-953E-1E3BF70E5743}" srcOrd="0" destOrd="0" presId="urn:microsoft.com/office/officeart/2005/8/layout/hierarchy5"/>
-    <dgm:cxn modelId="{D8AA5348-DAD3-4DC1-B7F5-5591F60A7BF2}" type="presParOf" srcId="{1E7AD1FD-8CDC-435A-BAB7-CAF18E9F8716}" destId="{7A1153DF-7204-4A95-A166-062FC66FD4AF}" srcOrd="1" destOrd="0" presId="urn:microsoft.com/office/officeart/2005/8/layout/hierarchy5"/>
   </dgm:cxnLst>
   <dgm:bg/>
   <dgm:whole/>
@@ -10316,7 +8849,7 @@
             </a:spcAft>
           </a:pPr>
           <a:r>
-            <a:rPr lang="en-US" sz="2300" b="0" kern="1200" cap="none" spc="0" smtClean="0">
+            <a:rPr lang="en-US" sz="2300" b="0" kern="1200" cap="none" spc="0" dirty="0" smtClean="0">
               <a:ln w="0"/>
               <a:effectLst>
                 <a:outerShdw blurRad="38100" dist="19050" dir="2700000" algn="tl" rotWithShape="0">
@@ -10326,7 +8859,20 @@
                 </a:outerShdw>
               </a:effectLst>
             </a:rPr>
-            <a:t>Soil Temperature Sensor (lm-35)</a:t>
+            <a:t>Soil Temperature </a:t>
+          </a:r>
+          <a:r>
+            <a:rPr lang="en-US" sz="2300" b="0" kern="1200" cap="none" spc="0" dirty="0" smtClean="0">
+              <a:ln w="0"/>
+              <a:effectLst>
+                <a:outerShdw blurRad="38100" dist="19050" dir="2700000" algn="tl" rotWithShape="0">
+                  <a:schemeClr val="dk1">
+                    <a:alpha val="40000"/>
+                  </a:schemeClr>
+                </a:outerShdw>
+              </a:effectLst>
+            </a:rPr>
+            <a:t>Sensor</a:t>
           </a:r>
           <a:endParaRPr lang="en-US" sz="2300" b="0" kern="1200" cap="none" spc="0" dirty="0">
             <a:ln w="0"/>
@@ -10408,12 +8954,12 @@
         </a:fontRef>
       </dsp:style>
       <dsp:txBody>
-        <a:bodyPr spcFirstLastPara="0" vert="horz" wrap="square" lIns="20320" tIns="20320" rIns="20320" bIns="20320" numCol="1" spcCol="1270" anchor="ctr" anchorCtr="0">
+        <a:bodyPr spcFirstLastPara="0" vert="horz" wrap="square" lIns="22860" tIns="22860" rIns="22860" bIns="22860" numCol="1" spcCol="1270" anchor="ctr" anchorCtr="0">
           <a:noAutofit/>
         </a:bodyPr>
         <a:lstStyle/>
         <a:p>
-          <a:pPr lvl="0" algn="ctr" defTabSz="1422400">
+          <a:pPr lvl="0" algn="ctr" defTabSz="1600200">
             <a:lnSpc>
               <a:spcPct val="90000"/>
             </a:lnSpc>
@@ -10425,10 +8971,10 @@
             </a:spcAft>
           </a:pPr>
           <a:r>
-            <a:rPr lang="en-US" sz="3200" kern="1200" dirty="0" smtClean="0"/>
+            <a:rPr lang="en-US" sz="3600" kern="1200" dirty="0" smtClean="0"/>
             <a:t>RF-Wireless Receiver</a:t>
           </a:r>
-          <a:endParaRPr lang="en-US" sz="3200" kern="1200" dirty="0"/>
+          <a:endParaRPr lang="en-US" sz="3600" kern="1200" dirty="0"/>
         </a:p>
       </dsp:txBody>
       <dsp:txXfrm>
@@ -10560,12 +9106,12 @@
         </a:fontRef>
       </dsp:style>
       <dsp:txBody>
-        <a:bodyPr spcFirstLastPara="0" vert="horz" wrap="square" lIns="20320" tIns="20320" rIns="20320" bIns="20320" numCol="1" spcCol="1270" anchor="ctr" anchorCtr="0">
+        <a:bodyPr spcFirstLastPara="0" vert="horz" wrap="square" lIns="22860" tIns="22860" rIns="22860" bIns="22860" numCol="1" spcCol="1270" anchor="ctr" anchorCtr="0">
           <a:noAutofit/>
         </a:bodyPr>
         <a:lstStyle/>
         <a:p>
-          <a:pPr lvl="0" algn="ctr" defTabSz="1422400">
+          <a:pPr lvl="0" algn="ctr" defTabSz="1600200">
             <a:lnSpc>
               <a:spcPct val="90000"/>
             </a:lnSpc>
@@ -10577,10 +9123,10 @@
             </a:spcAft>
           </a:pPr>
           <a:r>
-            <a:rPr lang="en-US" sz="3200" kern="1200" dirty="0" smtClean="0"/>
+            <a:rPr lang="en-US" sz="3600" kern="1200" dirty="0" smtClean="0"/>
             <a:t>µController</a:t>
           </a:r>
-          <a:endParaRPr lang="en-US" sz="3200" kern="1200" dirty="0"/>
+          <a:endParaRPr lang="en-US" sz="3600" kern="1200" dirty="0"/>
         </a:p>
       </dsp:txBody>
       <dsp:txXfrm>
@@ -10712,12 +9258,12 @@
         </a:fontRef>
       </dsp:style>
       <dsp:txBody>
-        <a:bodyPr spcFirstLastPara="0" vert="horz" wrap="square" lIns="20320" tIns="20320" rIns="20320" bIns="20320" numCol="1" spcCol="1270" anchor="ctr" anchorCtr="0">
+        <a:bodyPr spcFirstLastPara="0" vert="horz" wrap="square" lIns="22860" tIns="22860" rIns="22860" bIns="22860" numCol="1" spcCol="1270" anchor="ctr" anchorCtr="0">
           <a:noAutofit/>
         </a:bodyPr>
         <a:lstStyle/>
         <a:p>
-          <a:pPr lvl="0" algn="ctr" defTabSz="1422400">
+          <a:pPr lvl="0" algn="ctr" defTabSz="1600200">
             <a:lnSpc>
               <a:spcPct val="90000"/>
             </a:lnSpc>
@@ -10729,10 +9275,10 @@
             </a:spcAft>
           </a:pPr>
           <a:r>
-            <a:rPr lang="en-US" sz="3200" kern="1200" dirty="0" smtClean="0"/>
-            <a:t>Wi-Fi Module (ESP8266)</a:t>
+            <a:rPr lang="en-US" sz="3600" kern="1200" dirty="0" err="1" smtClean="0"/>
+            <a:t>NodeMCU</a:t>
           </a:r>
-          <a:endParaRPr lang="en-US" sz="3200" kern="1200" dirty="0"/>
+          <a:endParaRPr lang="en-US" sz="3600" kern="1200" dirty="0"/>
         </a:p>
       </dsp:txBody>
       <dsp:txXfrm>
@@ -11784,1021 +10330,6 @@
       <dsp:txXfrm>
         <a:off x="6488824" y="2434526"/>
         <a:ext cx="1457783" cy="706898"/>
-      </dsp:txXfrm>
-    </dsp:sp>
-  </dsp:spTree>
-</dsp:drawing>
-</file>
-
-<file path=ppt/diagrams/drawing6.xml><?xml version="1.0" encoding="utf-8"?>
-<dsp:drawing xmlns:dgm="http://schemas.openxmlformats.org/drawingml/2006/diagram" xmlns:dsp="http://schemas.microsoft.com/office/drawing/2008/diagram" xmlns:a="http://schemas.openxmlformats.org/drawingml/2006/main">
-  <dsp:spTree>
-    <dsp:nvGrpSpPr>
-      <dsp:cNvPr id="0" name=""/>
-      <dsp:cNvGrpSpPr/>
-    </dsp:nvGrpSpPr>
-    <dsp:grpSpPr/>
-    <dsp:sp modelId="{0EF7BDCE-DFBF-46C2-953E-1E3BF70E5743}">
-      <dsp:nvSpPr>
-        <dsp:cNvPr id="0" name=""/>
-        <dsp:cNvSpPr/>
-      </dsp:nvSpPr>
-      <dsp:spPr>
-        <a:xfrm>
-          <a:off x="237803" y="0"/>
-          <a:ext cx="5046509" cy="3598863"/>
-        </a:xfrm>
-        <a:prstGeom prst="roundRect">
-          <a:avLst>
-            <a:gd name="adj" fmla="val 10000"/>
-          </a:avLst>
-        </a:prstGeom>
-        <a:solidFill>
-          <a:schemeClr val="accent1">
-            <a:tint val="40000"/>
-            <a:hueOff val="0"/>
-            <a:satOff val="0"/>
-            <a:lumOff val="0"/>
-            <a:alphaOff val="0"/>
-          </a:schemeClr>
-        </a:solidFill>
-        <a:ln>
-          <a:noFill/>
-        </a:ln>
-        <a:effectLst/>
-      </dsp:spPr>
-      <dsp:style>
-        <a:lnRef idx="0">
-          <a:scrgbClr r="0" g="0" b="0"/>
-        </a:lnRef>
-        <a:fillRef idx="1">
-          <a:scrgbClr r="0" g="0" b="0"/>
-        </a:fillRef>
-        <a:effectRef idx="0">
-          <a:scrgbClr r="0" g="0" b="0"/>
-        </a:effectRef>
-        <a:fontRef idx="minor"/>
-      </dsp:style>
-      <dsp:txBody>
-        <a:bodyPr spcFirstLastPara="0" vert="horz" wrap="square" lIns="270256" tIns="270256" rIns="270256" bIns="270256" numCol="1" spcCol="1270" anchor="ctr" anchorCtr="0">
-          <a:noAutofit/>
-        </a:bodyPr>
-        <a:lstStyle/>
-        <a:p>
-          <a:pPr lvl="0" algn="ctr" defTabSz="1689100">
-            <a:lnSpc>
-              <a:spcPct val="90000"/>
-            </a:lnSpc>
-            <a:spcBef>
-              <a:spcPct val="0"/>
-            </a:spcBef>
-            <a:spcAft>
-              <a:spcPct val="35000"/>
-            </a:spcAft>
-          </a:pPr>
-          <a:r>
-            <a:rPr lang="en-US" sz="3800" kern="1200" dirty="0" smtClean="0"/>
-            <a:t>Field</a:t>
-          </a:r>
-          <a:endParaRPr lang="en-US" sz="3800" kern="1200" dirty="0"/>
-        </a:p>
-      </dsp:txBody>
-      <dsp:txXfrm>
-        <a:off x="237803" y="0"/>
-        <a:ext cx="5046509" cy="1079658"/>
-      </dsp:txXfrm>
-    </dsp:sp>
-    <dsp:sp modelId="{4C3E5FA3-04CA-4321-BE03-AB1CF14768B1}">
-      <dsp:nvSpPr>
-        <dsp:cNvPr id="0" name=""/>
-        <dsp:cNvSpPr/>
-      </dsp:nvSpPr>
-      <dsp:spPr>
-        <a:xfrm>
-          <a:off x="5531894" y="0"/>
-          <a:ext cx="3803944" cy="3598863"/>
-        </a:xfrm>
-        <a:prstGeom prst="roundRect">
-          <a:avLst>
-            <a:gd name="adj" fmla="val 10000"/>
-          </a:avLst>
-        </a:prstGeom>
-        <a:solidFill>
-          <a:schemeClr val="accent1">
-            <a:tint val="40000"/>
-            <a:hueOff val="0"/>
-            <a:satOff val="0"/>
-            <a:lumOff val="0"/>
-            <a:alphaOff val="0"/>
-          </a:schemeClr>
-        </a:solidFill>
-        <a:ln>
-          <a:noFill/>
-        </a:ln>
-        <a:effectLst/>
-      </dsp:spPr>
-      <dsp:style>
-        <a:lnRef idx="0">
-          <a:scrgbClr r="0" g="0" b="0"/>
-        </a:lnRef>
-        <a:fillRef idx="1">
-          <a:scrgbClr r="0" g="0" b="0"/>
-        </a:fillRef>
-        <a:effectRef idx="0">
-          <a:scrgbClr r="0" g="0" b="0"/>
-        </a:effectRef>
-        <a:fontRef idx="minor"/>
-      </dsp:style>
-      <dsp:txBody>
-        <a:bodyPr spcFirstLastPara="0" vert="horz" wrap="square" lIns="270256" tIns="270256" rIns="270256" bIns="270256" numCol="1" spcCol="1270" anchor="ctr" anchorCtr="0">
-          <a:noAutofit/>
-        </a:bodyPr>
-        <a:lstStyle/>
-        <a:p>
-          <a:pPr lvl="0" algn="ctr" defTabSz="1689100">
-            <a:lnSpc>
-              <a:spcPct val="90000"/>
-            </a:lnSpc>
-            <a:spcBef>
-              <a:spcPct val="0"/>
-            </a:spcBef>
-            <a:spcAft>
-              <a:spcPct val="35000"/>
-            </a:spcAft>
-          </a:pPr>
-          <a:r>
-            <a:rPr lang="en-US" sz="3800" kern="1200" dirty="0" smtClean="0"/>
-            <a:t>Server</a:t>
-          </a:r>
-          <a:endParaRPr lang="en-US" sz="3800" kern="1200" dirty="0"/>
-        </a:p>
-      </dsp:txBody>
-      <dsp:txXfrm>
-        <a:off x="5531894" y="0"/>
-        <a:ext cx="3803944" cy="1079658"/>
-      </dsp:txXfrm>
-    </dsp:sp>
-    <dsp:sp modelId="{695DB62C-3EA4-429E-A762-0E7948385A84}">
-      <dsp:nvSpPr>
-        <dsp:cNvPr id="0" name=""/>
-        <dsp:cNvSpPr/>
-      </dsp:nvSpPr>
-      <dsp:spPr>
-        <a:xfrm>
-          <a:off x="7732019" y="1297885"/>
-          <a:ext cx="1439193" cy="719596"/>
-        </a:xfrm>
-        <a:prstGeom prst="roundRect">
-          <a:avLst>
-            <a:gd name="adj" fmla="val 10000"/>
-          </a:avLst>
-        </a:prstGeom>
-        <a:solidFill>
-          <a:schemeClr val="accent1">
-            <a:hueOff val="0"/>
-            <a:satOff val="0"/>
-            <a:lumOff val="0"/>
-            <a:alphaOff val="0"/>
-          </a:schemeClr>
-        </a:solidFill>
-        <a:ln w="12700" cap="flat" cmpd="sng" algn="ctr">
-          <a:solidFill>
-            <a:schemeClr val="lt1">
-              <a:hueOff val="0"/>
-              <a:satOff val="0"/>
-              <a:lumOff val="0"/>
-              <a:alphaOff val="0"/>
-            </a:schemeClr>
-          </a:solidFill>
-          <a:prstDash val="solid"/>
-        </a:ln>
-        <a:effectLst/>
-      </dsp:spPr>
-      <dsp:style>
-        <a:lnRef idx="2">
-          <a:scrgbClr r="0" g="0" b="0"/>
-        </a:lnRef>
-        <a:fillRef idx="1">
-          <a:scrgbClr r="0" g="0" b="0"/>
-        </a:fillRef>
-        <a:effectRef idx="0">
-          <a:scrgbClr r="0" g="0" b="0"/>
-        </a:effectRef>
-        <a:fontRef idx="minor">
-          <a:schemeClr val="lt1"/>
-        </a:fontRef>
-      </dsp:style>
-      <dsp:txBody>
-        <a:bodyPr spcFirstLastPara="0" vert="horz" wrap="square" lIns="15240" tIns="15240" rIns="15240" bIns="15240" numCol="1" spcCol="1270" anchor="ctr" anchorCtr="0">
-          <a:noAutofit/>
-        </a:bodyPr>
-        <a:lstStyle/>
-        <a:p>
-          <a:pPr lvl="0" algn="ctr" defTabSz="1066800">
-            <a:lnSpc>
-              <a:spcPct val="90000"/>
-            </a:lnSpc>
-            <a:spcBef>
-              <a:spcPct val="0"/>
-            </a:spcBef>
-            <a:spcAft>
-              <a:spcPct val="35000"/>
-            </a:spcAft>
-          </a:pPr>
-          <a:r>
-            <a:rPr lang="en-US" sz="2400" kern="1200" dirty="0" smtClean="0"/>
-            <a:t>User Interface</a:t>
-          </a:r>
-          <a:endParaRPr lang="en-US" sz="2400" kern="1200" dirty="0"/>
-        </a:p>
-      </dsp:txBody>
-      <dsp:txXfrm>
-        <a:off x="7753095" y="1318961"/>
-        <a:ext cx="1397041" cy="677444"/>
-      </dsp:txXfrm>
-    </dsp:sp>
-    <dsp:sp modelId="{4C537B6B-A235-4FA1-9896-9F2522911666}">
-      <dsp:nvSpPr>
-        <dsp:cNvPr id="0" name=""/>
-        <dsp:cNvSpPr/>
-      </dsp:nvSpPr>
-      <dsp:spPr>
-        <a:xfrm rot="10800000">
-          <a:off x="7144151" y="1639688"/>
-          <a:ext cx="587867" cy="35991"/>
-        </a:xfrm>
-        <a:custGeom>
-          <a:avLst/>
-          <a:gdLst/>
-          <a:ahLst/>
-          <a:cxnLst/>
-          <a:rect l="0" t="0" r="0" b="0"/>
-          <a:pathLst>
-            <a:path>
-              <a:moveTo>
-                <a:pt x="0" y="17995"/>
-              </a:moveTo>
-              <a:lnTo>
-                <a:pt x="587867" y="17995"/>
-              </a:lnTo>
-            </a:path>
-          </a:pathLst>
-        </a:custGeom>
-        <a:noFill/>
-        <a:ln w="12700" cap="flat" cmpd="sng" algn="ctr">
-          <a:solidFill>
-            <a:schemeClr val="accent1">
-              <a:shade val="60000"/>
-              <a:hueOff val="0"/>
-              <a:satOff val="0"/>
-              <a:lumOff val="0"/>
-              <a:alphaOff val="0"/>
-            </a:schemeClr>
-          </a:solidFill>
-          <a:prstDash val="solid"/>
-        </a:ln>
-        <a:effectLst/>
-      </dsp:spPr>
-      <dsp:style>
-        <a:lnRef idx="2">
-          <a:scrgbClr r="0" g="0" b="0"/>
-        </a:lnRef>
-        <a:fillRef idx="0">
-          <a:scrgbClr r="0" g="0" b="0"/>
-        </a:fillRef>
-        <a:effectRef idx="0">
-          <a:scrgbClr r="0" g="0" b="0"/>
-        </a:effectRef>
-        <a:fontRef idx="minor"/>
-      </dsp:style>
-      <dsp:txBody>
-        <a:bodyPr spcFirstLastPara="0" vert="horz" wrap="square" lIns="12700" tIns="0" rIns="12700" bIns="0" numCol="1" spcCol="1270" anchor="ctr" anchorCtr="0">
-          <a:noAutofit/>
-        </a:bodyPr>
-        <a:lstStyle/>
-        <a:p>
-          <a:pPr lvl="0" algn="ctr" defTabSz="222250">
-            <a:lnSpc>
-              <a:spcPct val="90000"/>
-            </a:lnSpc>
-            <a:spcBef>
-              <a:spcPct val="0"/>
-            </a:spcBef>
-            <a:spcAft>
-              <a:spcPct val="35000"/>
-            </a:spcAft>
-          </a:pPr>
-          <a:endParaRPr lang="en-US" sz="500" kern="1200"/>
-        </a:p>
-      </dsp:txBody>
-      <dsp:txXfrm rot="10800000">
-        <a:off x="7423388" y="1642987"/>
-        <a:ext cx="29393" cy="29393"/>
-      </dsp:txXfrm>
-    </dsp:sp>
-    <dsp:sp modelId="{8E298DD4-11D9-4948-89C6-CB2BE63829C7}">
-      <dsp:nvSpPr>
-        <dsp:cNvPr id="0" name=""/>
-        <dsp:cNvSpPr/>
-      </dsp:nvSpPr>
-      <dsp:spPr>
-        <a:xfrm>
-          <a:off x="5704957" y="1297885"/>
-          <a:ext cx="1439193" cy="719596"/>
-        </a:xfrm>
-        <a:prstGeom prst="roundRect">
-          <a:avLst>
-            <a:gd name="adj" fmla="val 10000"/>
-          </a:avLst>
-        </a:prstGeom>
-        <a:solidFill>
-          <a:schemeClr val="accent1">
-            <a:hueOff val="0"/>
-            <a:satOff val="0"/>
-            <a:lumOff val="0"/>
-            <a:alphaOff val="0"/>
-          </a:schemeClr>
-        </a:solidFill>
-        <a:ln w="12700" cap="flat" cmpd="sng" algn="ctr">
-          <a:solidFill>
-            <a:schemeClr val="lt1">
-              <a:hueOff val="0"/>
-              <a:satOff val="0"/>
-              <a:lumOff val="0"/>
-              <a:alphaOff val="0"/>
-            </a:schemeClr>
-          </a:solidFill>
-          <a:prstDash val="solid"/>
-        </a:ln>
-        <a:effectLst/>
-      </dsp:spPr>
-      <dsp:style>
-        <a:lnRef idx="2">
-          <a:scrgbClr r="0" g="0" b="0"/>
-        </a:lnRef>
-        <a:fillRef idx="1">
-          <a:scrgbClr r="0" g="0" b="0"/>
-        </a:fillRef>
-        <a:effectRef idx="0">
-          <a:scrgbClr r="0" g="0" b="0"/>
-        </a:effectRef>
-        <a:fontRef idx="minor">
-          <a:schemeClr val="lt1"/>
-        </a:fontRef>
-      </dsp:style>
-      <dsp:txBody>
-        <a:bodyPr spcFirstLastPara="0" vert="horz" wrap="square" lIns="15240" tIns="15240" rIns="15240" bIns="15240" numCol="1" spcCol="1270" anchor="ctr" anchorCtr="0">
-          <a:noAutofit/>
-        </a:bodyPr>
-        <a:lstStyle/>
-        <a:p>
-          <a:pPr lvl="0" algn="ctr" defTabSz="1066800">
-            <a:lnSpc>
-              <a:spcPct val="90000"/>
-            </a:lnSpc>
-            <a:spcBef>
-              <a:spcPct val="0"/>
-            </a:spcBef>
-            <a:spcAft>
-              <a:spcPct val="35000"/>
-            </a:spcAft>
-          </a:pPr>
-          <a:r>
-            <a:rPr lang="en-US" sz="2400" kern="1200" dirty="0" smtClean="0"/>
-            <a:t>Database</a:t>
-          </a:r>
-          <a:endParaRPr lang="en-US" sz="2400" kern="1200" dirty="0"/>
-        </a:p>
-      </dsp:txBody>
-      <dsp:txXfrm>
-        <a:off x="5726033" y="1318961"/>
-        <a:ext cx="1397041" cy="677444"/>
-      </dsp:txXfrm>
-    </dsp:sp>
-    <dsp:sp modelId="{41C983E8-4110-4694-9A3A-803CE11A3A5E}">
-      <dsp:nvSpPr>
-        <dsp:cNvPr id="0" name=""/>
-        <dsp:cNvSpPr/>
-      </dsp:nvSpPr>
-      <dsp:spPr>
-        <a:xfrm rot="10846624">
-          <a:off x="4806168" y="1633593"/>
-          <a:ext cx="898830" cy="35991"/>
-        </a:xfrm>
-        <a:custGeom>
-          <a:avLst/>
-          <a:gdLst/>
-          <a:ahLst/>
-          <a:cxnLst/>
-          <a:rect l="0" t="0" r="0" b="0"/>
-          <a:pathLst>
-            <a:path>
-              <a:moveTo>
-                <a:pt x="0" y="17995"/>
-              </a:moveTo>
-              <a:lnTo>
-                <a:pt x="898830" y="17995"/>
-              </a:lnTo>
-            </a:path>
-          </a:pathLst>
-        </a:custGeom>
-        <a:noFill/>
-        <a:ln w="19050" cap="flat" cmpd="sng" algn="ctr">
-          <a:solidFill>
-            <a:schemeClr val="accent4"/>
-          </a:solidFill>
-          <a:prstDash val="solid"/>
-        </a:ln>
-        <a:effectLst/>
-      </dsp:spPr>
-      <dsp:style>
-        <a:lnRef idx="2">
-          <a:scrgbClr r="0" g="0" b="0"/>
-        </a:lnRef>
-        <a:fillRef idx="0">
-          <a:scrgbClr r="0" g="0" b="0"/>
-        </a:fillRef>
-        <a:effectRef idx="0">
-          <a:scrgbClr r="0" g="0" b="0"/>
-        </a:effectRef>
-        <a:fontRef idx="minor"/>
-      </dsp:style>
-      <dsp:txBody>
-        <a:bodyPr spcFirstLastPara="0" vert="horz" wrap="square" lIns="12700" tIns="0" rIns="12700" bIns="0" numCol="1" spcCol="1270" anchor="ctr" anchorCtr="0">
-          <a:noAutofit/>
-        </a:bodyPr>
-        <a:lstStyle/>
-        <a:p>
-          <a:pPr lvl="0" algn="ctr" defTabSz="222250">
-            <a:lnSpc>
-              <a:spcPct val="90000"/>
-            </a:lnSpc>
-            <a:spcBef>
-              <a:spcPct val="0"/>
-            </a:spcBef>
-            <a:spcAft>
-              <a:spcPct val="35000"/>
-            </a:spcAft>
-          </a:pPr>
-          <a:endParaRPr lang="en-US" sz="500" kern="1200"/>
-        </a:p>
-      </dsp:txBody>
-      <dsp:txXfrm rot="10800000">
-        <a:off x="5233113" y="1629118"/>
-        <a:ext cx="44941" cy="44941"/>
-      </dsp:txXfrm>
-    </dsp:sp>
-    <dsp:sp modelId="{8FD25671-F1E9-4E5A-9E75-0B68C3ADC8AB}">
-      <dsp:nvSpPr>
-        <dsp:cNvPr id="0" name=""/>
-        <dsp:cNvSpPr/>
-      </dsp:nvSpPr>
-      <dsp:spPr>
-        <a:xfrm>
-          <a:off x="3367016" y="1285695"/>
-          <a:ext cx="1439193" cy="719596"/>
-        </a:xfrm>
-        <a:prstGeom prst="roundRect">
-          <a:avLst>
-            <a:gd name="adj" fmla="val 10000"/>
-          </a:avLst>
-        </a:prstGeom>
-        <a:solidFill>
-          <a:schemeClr val="accent1">
-            <a:hueOff val="0"/>
-            <a:satOff val="0"/>
-            <a:lumOff val="0"/>
-            <a:alphaOff val="0"/>
-          </a:schemeClr>
-        </a:solidFill>
-        <a:ln w="12700" cap="flat" cmpd="sng" algn="ctr">
-          <a:solidFill>
-            <a:schemeClr val="lt1">
-              <a:hueOff val="0"/>
-              <a:satOff val="0"/>
-              <a:lumOff val="0"/>
-              <a:alphaOff val="0"/>
-            </a:schemeClr>
-          </a:solidFill>
-          <a:prstDash val="solid"/>
-        </a:ln>
-        <a:effectLst/>
-      </dsp:spPr>
-      <dsp:style>
-        <a:lnRef idx="2">
-          <a:scrgbClr r="0" g="0" b="0"/>
-        </a:lnRef>
-        <a:fillRef idx="1">
-          <a:scrgbClr r="0" g="0" b="0"/>
-        </a:fillRef>
-        <a:effectRef idx="0">
-          <a:scrgbClr r="0" g="0" b="0"/>
-        </a:effectRef>
-        <a:fontRef idx="minor">
-          <a:schemeClr val="lt1"/>
-        </a:fontRef>
-      </dsp:style>
-      <dsp:txBody>
-        <a:bodyPr spcFirstLastPara="0" vert="horz" wrap="square" lIns="15240" tIns="15240" rIns="15240" bIns="15240" numCol="1" spcCol="1270" anchor="ctr" anchorCtr="0">
-          <a:noAutofit/>
-        </a:bodyPr>
-        <a:lstStyle/>
-        <a:p>
-          <a:pPr lvl="0" algn="ctr" defTabSz="1066800">
-            <a:lnSpc>
-              <a:spcPct val="90000"/>
-            </a:lnSpc>
-            <a:spcBef>
-              <a:spcPct val="0"/>
-            </a:spcBef>
-            <a:spcAft>
-              <a:spcPct val="35000"/>
-            </a:spcAft>
-          </a:pPr>
-          <a:r>
-            <a:rPr lang="en-US" sz="2400" kern="1200" dirty="0" smtClean="0"/>
-            <a:t>Hub</a:t>
-          </a:r>
-          <a:endParaRPr lang="en-US" sz="2400" kern="1200" dirty="0"/>
-        </a:p>
-      </dsp:txBody>
-      <dsp:txXfrm>
-        <a:off x="3388092" y="1306771"/>
-        <a:ext cx="1397041" cy="677444"/>
-      </dsp:txXfrm>
-    </dsp:sp>
-    <dsp:sp modelId="{5B44A250-2CEA-415F-9F18-E7DD521B99B0}">
-      <dsp:nvSpPr>
-        <dsp:cNvPr id="0" name=""/>
-        <dsp:cNvSpPr/>
-      </dsp:nvSpPr>
-      <dsp:spPr>
-        <a:xfrm rot="11870719">
-          <a:off x="1890477" y="1395680"/>
-          <a:ext cx="1512934" cy="35991"/>
-        </a:xfrm>
-        <a:custGeom>
-          <a:avLst/>
-          <a:gdLst/>
-          <a:ahLst/>
-          <a:cxnLst/>
-          <a:rect l="0" t="0" r="0" b="0"/>
-          <a:pathLst>
-            <a:path>
-              <a:moveTo>
-                <a:pt x="0" y="17995"/>
-              </a:moveTo>
-              <a:lnTo>
-                <a:pt x="1512934" y="17995"/>
-              </a:lnTo>
-            </a:path>
-          </a:pathLst>
-        </a:custGeom>
-        <a:noFill/>
-        <a:ln w="12700" cap="flat" cmpd="sng" algn="ctr">
-          <a:solidFill>
-            <a:schemeClr val="accent1">
-              <a:shade val="80000"/>
-              <a:hueOff val="0"/>
-              <a:satOff val="0"/>
-              <a:lumOff val="0"/>
-              <a:alphaOff val="0"/>
-            </a:schemeClr>
-          </a:solidFill>
-          <a:prstDash val="solid"/>
-        </a:ln>
-        <a:effectLst/>
-      </dsp:spPr>
-      <dsp:style>
-        <a:lnRef idx="2">
-          <a:scrgbClr r="0" g="0" b="0"/>
-        </a:lnRef>
-        <a:fillRef idx="0">
-          <a:scrgbClr r="0" g="0" b="0"/>
-        </a:fillRef>
-        <a:effectRef idx="0">
-          <a:scrgbClr r="0" g="0" b="0"/>
-        </a:effectRef>
-        <a:fontRef idx="minor"/>
-      </dsp:style>
-      <dsp:txBody>
-        <a:bodyPr spcFirstLastPara="0" vert="horz" wrap="square" lIns="12700" tIns="0" rIns="12700" bIns="0" numCol="1" spcCol="1270" anchor="ctr" anchorCtr="0">
-          <a:noAutofit/>
-        </a:bodyPr>
-        <a:lstStyle/>
-        <a:p>
-          <a:pPr lvl="0" algn="ctr" defTabSz="222250">
-            <a:lnSpc>
-              <a:spcPct val="90000"/>
-            </a:lnSpc>
-            <a:spcBef>
-              <a:spcPct val="0"/>
-            </a:spcBef>
-            <a:spcAft>
-              <a:spcPct val="35000"/>
-            </a:spcAft>
-          </a:pPr>
-          <a:endParaRPr lang="en-US" sz="500" kern="1200"/>
-        </a:p>
-      </dsp:txBody>
-      <dsp:txXfrm rot="10800000">
-        <a:off x="2609121" y="1375852"/>
-        <a:ext cx="75646" cy="75646"/>
-      </dsp:txXfrm>
-    </dsp:sp>
-    <dsp:sp modelId="{6B960B71-3DA8-4014-8465-2FA6F0498E35}">
-      <dsp:nvSpPr>
-        <dsp:cNvPr id="0" name=""/>
-        <dsp:cNvSpPr/>
-      </dsp:nvSpPr>
-      <dsp:spPr>
-        <a:xfrm>
-          <a:off x="487679" y="822059"/>
-          <a:ext cx="1439193" cy="719596"/>
-        </a:xfrm>
-        <a:prstGeom prst="roundRect">
-          <a:avLst>
-            <a:gd name="adj" fmla="val 10000"/>
-          </a:avLst>
-        </a:prstGeom>
-        <a:solidFill>
-          <a:schemeClr val="accent1">
-            <a:hueOff val="0"/>
-            <a:satOff val="0"/>
-            <a:lumOff val="0"/>
-            <a:alphaOff val="0"/>
-          </a:schemeClr>
-        </a:solidFill>
-        <a:ln w="12700" cap="flat" cmpd="sng" algn="ctr">
-          <a:solidFill>
-            <a:schemeClr val="lt1">
-              <a:hueOff val="0"/>
-              <a:satOff val="0"/>
-              <a:lumOff val="0"/>
-              <a:alphaOff val="0"/>
-            </a:schemeClr>
-          </a:solidFill>
-          <a:prstDash val="solid"/>
-        </a:ln>
-        <a:effectLst/>
-      </dsp:spPr>
-      <dsp:style>
-        <a:lnRef idx="2">
-          <a:scrgbClr r="0" g="0" b="0"/>
-        </a:lnRef>
-        <a:fillRef idx="1">
-          <a:scrgbClr r="0" g="0" b="0"/>
-        </a:fillRef>
-        <a:effectRef idx="0">
-          <a:scrgbClr r="0" g="0" b="0"/>
-        </a:effectRef>
-        <a:fontRef idx="minor">
-          <a:schemeClr val="lt1"/>
-        </a:fontRef>
-      </dsp:style>
-      <dsp:txBody>
-        <a:bodyPr spcFirstLastPara="0" vert="horz" wrap="square" lIns="15240" tIns="15240" rIns="15240" bIns="15240" numCol="1" spcCol="1270" anchor="ctr" anchorCtr="0">
-          <a:noAutofit/>
-        </a:bodyPr>
-        <a:lstStyle/>
-        <a:p>
-          <a:pPr lvl="0" algn="ctr" defTabSz="1066800">
-            <a:lnSpc>
-              <a:spcPct val="90000"/>
-            </a:lnSpc>
-            <a:spcBef>
-              <a:spcPct val="0"/>
-            </a:spcBef>
-            <a:spcAft>
-              <a:spcPct val="35000"/>
-            </a:spcAft>
-          </a:pPr>
-          <a:r>
-            <a:rPr lang="en-US" sz="2400" kern="1200" dirty="0" smtClean="0"/>
-            <a:t>Probe</a:t>
-          </a:r>
-          <a:endParaRPr lang="en-US" sz="2400" kern="1200" dirty="0"/>
-        </a:p>
-      </dsp:txBody>
-      <dsp:txXfrm>
-        <a:off x="508755" y="843135"/>
-        <a:ext cx="1397041" cy="677444"/>
-      </dsp:txXfrm>
-    </dsp:sp>
-    <dsp:sp modelId="{A7575152-F179-4F04-8D5B-F78E95B2FAE1}">
-      <dsp:nvSpPr>
-        <dsp:cNvPr id="0" name=""/>
-        <dsp:cNvSpPr/>
-      </dsp:nvSpPr>
-      <dsp:spPr>
-        <a:xfrm rot="9897825">
-          <a:off x="1888938" y="1822567"/>
-          <a:ext cx="1503821" cy="35991"/>
-        </a:xfrm>
-        <a:custGeom>
-          <a:avLst/>
-          <a:gdLst/>
-          <a:ahLst/>
-          <a:cxnLst/>
-          <a:rect l="0" t="0" r="0" b="0"/>
-          <a:pathLst>
-            <a:path>
-              <a:moveTo>
-                <a:pt x="0" y="17995"/>
-              </a:moveTo>
-              <a:lnTo>
-                <a:pt x="1503821" y="17995"/>
-              </a:lnTo>
-            </a:path>
-          </a:pathLst>
-        </a:custGeom>
-        <a:noFill/>
-        <a:ln w="12700" cap="flat" cmpd="sng" algn="ctr">
-          <a:solidFill>
-            <a:schemeClr val="accent1">
-              <a:shade val="80000"/>
-              <a:hueOff val="0"/>
-              <a:satOff val="0"/>
-              <a:lumOff val="0"/>
-              <a:alphaOff val="0"/>
-            </a:schemeClr>
-          </a:solidFill>
-          <a:prstDash val="solid"/>
-        </a:ln>
-        <a:effectLst/>
-      </dsp:spPr>
-      <dsp:style>
-        <a:lnRef idx="2">
-          <a:scrgbClr r="0" g="0" b="0"/>
-        </a:lnRef>
-        <a:fillRef idx="0">
-          <a:scrgbClr r="0" g="0" b="0"/>
-        </a:fillRef>
-        <a:effectRef idx="0">
-          <a:scrgbClr r="0" g="0" b="0"/>
-        </a:effectRef>
-        <a:fontRef idx="minor"/>
-      </dsp:style>
-      <dsp:txBody>
-        <a:bodyPr spcFirstLastPara="0" vert="horz" wrap="square" lIns="12700" tIns="0" rIns="12700" bIns="0" numCol="1" spcCol="1270" anchor="ctr" anchorCtr="0">
-          <a:noAutofit/>
-        </a:bodyPr>
-        <a:lstStyle/>
-        <a:p>
-          <a:pPr lvl="0" algn="ctr" defTabSz="222250">
-            <a:lnSpc>
-              <a:spcPct val="90000"/>
-            </a:lnSpc>
-            <a:spcBef>
-              <a:spcPct val="0"/>
-            </a:spcBef>
-            <a:spcAft>
-              <a:spcPct val="35000"/>
-            </a:spcAft>
-          </a:pPr>
-          <a:endParaRPr lang="en-US" sz="500" kern="1200"/>
-        </a:p>
-      </dsp:txBody>
-      <dsp:txXfrm rot="10800000">
-        <a:off x="2603254" y="1802967"/>
-        <a:ext cx="75191" cy="75191"/>
-      </dsp:txXfrm>
-    </dsp:sp>
-    <dsp:sp modelId="{E2DB1759-7249-4D87-BDBC-F7A1F4835AD1}">
-      <dsp:nvSpPr>
-        <dsp:cNvPr id="0" name=""/>
-        <dsp:cNvSpPr/>
-      </dsp:nvSpPr>
-      <dsp:spPr>
-        <a:xfrm>
-          <a:off x="475489" y="1675832"/>
-          <a:ext cx="1439193" cy="719596"/>
-        </a:xfrm>
-        <a:prstGeom prst="roundRect">
-          <a:avLst>
-            <a:gd name="adj" fmla="val 10000"/>
-          </a:avLst>
-        </a:prstGeom>
-        <a:solidFill>
-          <a:schemeClr val="accent1">
-            <a:hueOff val="0"/>
-            <a:satOff val="0"/>
-            <a:lumOff val="0"/>
-            <a:alphaOff val="0"/>
-          </a:schemeClr>
-        </a:solidFill>
-        <a:ln w="12700" cap="flat" cmpd="sng" algn="ctr">
-          <a:solidFill>
-            <a:schemeClr val="lt1">
-              <a:hueOff val="0"/>
-              <a:satOff val="0"/>
-              <a:lumOff val="0"/>
-              <a:alphaOff val="0"/>
-            </a:schemeClr>
-          </a:solidFill>
-          <a:prstDash val="solid"/>
-        </a:ln>
-        <a:effectLst/>
-      </dsp:spPr>
-      <dsp:style>
-        <a:lnRef idx="2">
-          <a:scrgbClr r="0" g="0" b="0"/>
-        </a:lnRef>
-        <a:fillRef idx="1">
-          <a:scrgbClr r="0" g="0" b="0"/>
-        </a:fillRef>
-        <a:effectRef idx="0">
-          <a:scrgbClr r="0" g="0" b="0"/>
-        </a:effectRef>
-        <a:fontRef idx="minor">
-          <a:schemeClr val="lt1"/>
-        </a:fontRef>
-      </dsp:style>
-      <dsp:txBody>
-        <a:bodyPr spcFirstLastPara="0" vert="horz" wrap="square" lIns="15240" tIns="15240" rIns="15240" bIns="15240" numCol="1" spcCol="1270" anchor="ctr" anchorCtr="0">
-          <a:noAutofit/>
-        </a:bodyPr>
-        <a:lstStyle/>
-        <a:p>
-          <a:pPr lvl="0" algn="ctr" defTabSz="1066800">
-            <a:lnSpc>
-              <a:spcPct val="90000"/>
-            </a:lnSpc>
-            <a:spcBef>
-              <a:spcPct val="0"/>
-            </a:spcBef>
-            <a:spcAft>
-              <a:spcPct val="35000"/>
-            </a:spcAft>
-          </a:pPr>
-          <a:r>
-            <a:rPr lang="en-US" sz="2400" kern="1200" dirty="0" smtClean="0"/>
-            <a:t>Probe</a:t>
-          </a:r>
-          <a:endParaRPr lang="en-US" sz="2400" kern="1200" dirty="0"/>
-        </a:p>
-      </dsp:txBody>
-      <dsp:txXfrm>
-        <a:off x="496565" y="1696908"/>
-        <a:ext cx="1397041" cy="677444"/>
-      </dsp:txXfrm>
-    </dsp:sp>
-    <dsp:sp modelId="{9246F981-632C-4E4D-81DA-10CF6EF52731}">
-      <dsp:nvSpPr>
-        <dsp:cNvPr id="0" name=""/>
-        <dsp:cNvSpPr/>
-      </dsp:nvSpPr>
-      <dsp:spPr>
-        <a:xfrm rot="8351137">
-          <a:off x="1681366" y="2254627"/>
-          <a:ext cx="1918967" cy="35991"/>
-        </a:xfrm>
-        <a:custGeom>
-          <a:avLst/>
-          <a:gdLst/>
-          <a:ahLst/>
-          <a:cxnLst/>
-          <a:rect l="0" t="0" r="0" b="0"/>
-          <a:pathLst>
-            <a:path>
-              <a:moveTo>
-                <a:pt x="0" y="17995"/>
-              </a:moveTo>
-              <a:lnTo>
-                <a:pt x="1918967" y="17995"/>
-              </a:lnTo>
-            </a:path>
-          </a:pathLst>
-        </a:custGeom>
-        <a:noFill/>
-        <a:ln w="12700" cap="flat" cmpd="sng" algn="ctr">
-          <a:solidFill>
-            <a:schemeClr val="accent1">
-              <a:shade val="80000"/>
-              <a:hueOff val="0"/>
-              <a:satOff val="0"/>
-              <a:lumOff val="0"/>
-              <a:alphaOff val="0"/>
-            </a:schemeClr>
-          </a:solidFill>
-          <a:prstDash val="solid"/>
-        </a:ln>
-        <a:effectLst/>
-      </dsp:spPr>
-      <dsp:style>
-        <a:lnRef idx="2">
-          <a:scrgbClr r="0" g="0" b="0"/>
-        </a:lnRef>
-        <a:fillRef idx="0">
-          <a:scrgbClr r="0" g="0" b="0"/>
-        </a:fillRef>
-        <a:effectRef idx="0">
-          <a:scrgbClr r="0" g="0" b="0"/>
-        </a:effectRef>
-        <a:fontRef idx="minor"/>
-      </dsp:style>
-      <dsp:txBody>
-        <a:bodyPr spcFirstLastPara="0" vert="horz" wrap="square" lIns="12700" tIns="0" rIns="12700" bIns="0" numCol="1" spcCol="1270" anchor="ctr" anchorCtr="0">
-          <a:noAutofit/>
-        </a:bodyPr>
-        <a:lstStyle/>
-        <a:p>
-          <a:pPr lvl="0" algn="ctr" defTabSz="311150">
-            <a:lnSpc>
-              <a:spcPct val="90000"/>
-            </a:lnSpc>
-            <a:spcBef>
-              <a:spcPct val="0"/>
-            </a:spcBef>
-            <a:spcAft>
-              <a:spcPct val="35000"/>
-            </a:spcAft>
-          </a:pPr>
-          <a:endParaRPr lang="en-US" sz="700" kern="1200"/>
-        </a:p>
-      </dsp:txBody>
-      <dsp:txXfrm rot="10800000">
-        <a:off x="2592875" y="2224648"/>
-        <a:ext cx="95948" cy="95948"/>
-      </dsp:txXfrm>
-    </dsp:sp>
-    <dsp:sp modelId="{634B9FA7-CDEC-4500-A91B-BCC8AB4D4318}">
-      <dsp:nvSpPr>
-        <dsp:cNvPr id="0" name=""/>
-        <dsp:cNvSpPr/>
-      </dsp:nvSpPr>
-      <dsp:spPr>
-        <a:xfrm>
-          <a:off x="475489" y="2539953"/>
-          <a:ext cx="1439193" cy="719596"/>
-        </a:xfrm>
-        <a:prstGeom prst="roundRect">
-          <a:avLst>
-            <a:gd name="adj" fmla="val 10000"/>
-          </a:avLst>
-        </a:prstGeom>
-        <a:solidFill>
-          <a:schemeClr val="accent1">
-            <a:hueOff val="0"/>
-            <a:satOff val="0"/>
-            <a:lumOff val="0"/>
-            <a:alphaOff val="0"/>
-          </a:schemeClr>
-        </a:solidFill>
-        <a:ln w="12700" cap="flat" cmpd="sng" algn="ctr">
-          <a:solidFill>
-            <a:schemeClr val="lt1">
-              <a:hueOff val="0"/>
-              <a:satOff val="0"/>
-              <a:lumOff val="0"/>
-              <a:alphaOff val="0"/>
-            </a:schemeClr>
-          </a:solidFill>
-          <a:prstDash val="solid"/>
-        </a:ln>
-        <a:effectLst/>
-      </dsp:spPr>
-      <dsp:style>
-        <a:lnRef idx="2">
-          <a:scrgbClr r="0" g="0" b="0"/>
-        </a:lnRef>
-        <a:fillRef idx="1">
-          <a:scrgbClr r="0" g="0" b="0"/>
-        </a:fillRef>
-        <a:effectRef idx="0">
-          <a:scrgbClr r="0" g="0" b="0"/>
-        </a:effectRef>
-        <a:fontRef idx="minor">
-          <a:schemeClr val="lt1"/>
-        </a:fontRef>
-      </dsp:style>
-      <dsp:txBody>
-        <a:bodyPr spcFirstLastPara="0" vert="horz" wrap="square" lIns="15240" tIns="15240" rIns="15240" bIns="15240" numCol="1" spcCol="1270" anchor="ctr" anchorCtr="0">
-          <a:noAutofit/>
-        </a:bodyPr>
-        <a:lstStyle/>
-        <a:p>
-          <a:pPr lvl="0" algn="ctr" defTabSz="1066800">
-            <a:lnSpc>
-              <a:spcPct val="90000"/>
-            </a:lnSpc>
-            <a:spcBef>
-              <a:spcPct val="0"/>
-            </a:spcBef>
-            <a:spcAft>
-              <a:spcPct val="35000"/>
-            </a:spcAft>
-          </a:pPr>
-          <a:r>
-            <a:rPr lang="en-US" sz="2400" kern="1200" dirty="0" smtClean="0"/>
-            <a:t>Probe</a:t>
-          </a:r>
-          <a:endParaRPr lang="en-US" sz="2400" kern="1200" dirty="0"/>
-        </a:p>
-      </dsp:txBody>
-      <dsp:txXfrm>
-        <a:off x="496565" y="2561029"/>
-        <a:ext cx="1397041" cy="677444"/>
       </dsp:txXfrm>
     </dsp:sp>
   </dsp:spTree>
@@ -14993,580 +12524,6 @@
 </dgm:layoutDef>
 </file>
 
-<file path=ppt/diagrams/layout6.xml><?xml version="1.0" encoding="utf-8"?>
-<dgm:layoutDef xmlns:dgm="http://schemas.openxmlformats.org/drawingml/2006/diagram" xmlns:a="http://schemas.openxmlformats.org/drawingml/2006/main" uniqueId="urn:microsoft.com/office/officeart/2005/8/layout/hierarchy5">
-  <dgm:title val=""/>
-  <dgm:desc val=""/>
-  <dgm:catLst>
-    <dgm:cat type="hierarchy" pri="6000"/>
-  </dgm:catLst>
-  <dgm:sampData>
-    <dgm:dataModel>
-      <dgm:ptLst>
-        <dgm:pt modelId="0" type="doc"/>
-        <dgm:pt modelId="1">
-          <dgm:prSet phldr="1"/>
-        </dgm:pt>
-        <dgm:pt modelId="2">
-          <dgm:prSet phldr="1"/>
-        </dgm:pt>
-        <dgm:pt modelId="21">
-          <dgm:prSet phldr="1"/>
-        </dgm:pt>
-        <dgm:pt modelId="22">
-          <dgm:prSet phldr="1"/>
-        </dgm:pt>
-        <dgm:pt modelId="3">
-          <dgm:prSet phldr="1"/>
-        </dgm:pt>
-        <dgm:pt modelId="31">
-          <dgm:prSet phldr="1"/>
-        </dgm:pt>
-        <dgm:pt modelId="4">
-          <dgm:prSet phldr="1"/>
-        </dgm:pt>
-        <dgm:pt modelId="5">
-          <dgm:prSet phldr="1"/>
-        </dgm:pt>
-        <dgm:pt modelId="6">
-          <dgm:prSet phldr="1"/>
-        </dgm:pt>
-      </dgm:ptLst>
-      <dgm:cxnLst>
-        <dgm:cxn modelId="7" srcId="0" destId="1" srcOrd="0" destOrd="0"/>
-        <dgm:cxn modelId="8" srcId="1" destId="2" srcOrd="0" destOrd="0"/>
-        <dgm:cxn modelId="9" srcId="1" destId="3" srcOrd="1" destOrd="0"/>
-        <dgm:cxn modelId="23" srcId="2" destId="21" srcOrd="0" destOrd="0"/>
-        <dgm:cxn modelId="24" srcId="2" destId="22" srcOrd="1" destOrd="0"/>
-        <dgm:cxn modelId="33" srcId="3" destId="31" srcOrd="0" destOrd="0"/>
-        <dgm:cxn modelId="10" srcId="0" destId="4" srcOrd="1" destOrd="0"/>
-        <dgm:cxn modelId="11" srcId="0" destId="5" srcOrd="2" destOrd="0"/>
-        <dgm:cxn modelId="12" srcId="0" destId="6" srcOrd="3" destOrd="0"/>
-      </dgm:cxnLst>
-      <dgm:bg/>
-      <dgm:whole/>
-    </dgm:dataModel>
-  </dgm:sampData>
-  <dgm:styleData>
-    <dgm:dataModel>
-      <dgm:ptLst>
-        <dgm:pt modelId="0" type="doc"/>
-        <dgm:pt modelId="1"/>
-        <dgm:pt modelId="11"/>
-        <dgm:pt modelId="12"/>
-        <dgm:pt modelId="2"/>
-        <dgm:pt modelId="3"/>
-      </dgm:ptLst>
-      <dgm:cxnLst>
-        <dgm:cxn modelId="4" srcId="0" destId="1" srcOrd="0" destOrd="0"/>
-        <dgm:cxn modelId="13" srcId="1" destId="11" srcOrd="0" destOrd="0"/>
-        <dgm:cxn modelId="14" srcId="1" destId="12" srcOrd="1" destOrd="0"/>
-        <dgm:cxn modelId="5" srcId="0" destId="2" srcOrd="1" destOrd="0"/>
-        <dgm:cxn modelId="6" srcId="0" destId="3" srcOrd="2" destOrd="0"/>
-      </dgm:cxnLst>
-      <dgm:bg/>
-      <dgm:whole/>
-    </dgm:dataModel>
-  </dgm:styleData>
-  <dgm:clrData>
-    <dgm:dataModel>
-      <dgm:ptLst>
-        <dgm:pt modelId="0" type="doc"/>
-        <dgm:pt modelId="1"/>
-        <dgm:pt modelId="2"/>
-        <dgm:pt modelId="21"/>
-        <dgm:pt modelId="211"/>
-        <dgm:pt modelId="3"/>
-        <dgm:pt modelId="31"/>
-        <dgm:pt modelId="311"/>
-        <dgm:pt modelId="4"/>
-        <dgm:pt modelId="5"/>
-        <dgm:pt modelId="6"/>
-        <dgm:pt modelId="7"/>
-      </dgm:ptLst>
-      <dgm:cxnLst>
-        <dgm:cxn modelId="8" srcId="0" destId="1" srcOrd="0" destOrd="0"/>
-        <dgm:cxn modelId="9" srcId="1" destId="2" srcOrd="0" destOrd="0"/>
-        <dgm:cxn modelId="10" srcId="1" destId="3" srcOrd="1" destOrd="0"/>
-        <dgm:cxn modelId="23" srcId="2" destId="21" srcOrd="0" destOrd="0"/>
-        <dgm:cxn modelId="24" srcId="21" destId="211" srcOrd="0" destOrd="0"/>
-        <dgm:cxn modelId="33" srcId="3" destId="31" srcOrd="0" destOrd="0"/>
-        <dgm:cxn modelId="34" srcId="31" destId="311" srcOrd="0" destOrd="0"/>
-        <dgm:cxn modelId="11" srcId="0" destId="4" srcOrd="1" destOrd="0"/>
-        <dgm:cxn modelId="12" srcId="0" destId="5" srcOrd="2" destOrd="0"/>
-        <dgm:cxn modelId="13" srcId="0" destId="6" srcOrd="3" destOrd="0"/>
-        <dgm:cxn modelId="14" srcId="0" destId="7" srcOrd="4" destOrd="0"/>
-      </dgm:cxnLst>
-      <dgm:bg/>
-      <dgm:whole/>
-    </dgm:dataModel>
-  </dgm:clrData>
-  <dgm:layoutNode name="mainComposite">
-    <dgm:varLst>
-      <dgm:chPref val="1"/>
-      <dgm:dir/>
-      <dgm:animOne val="branch"/>
-      <dgm:animLvl val="lvl"/>
-      <dgm:resizeHandles val="exact"/>
-    </dgm:varLst>
-    <dgm:alg type="composite"/>
-    <dgm:presOf/>
-    <dgm:shape xmlns:r="http://schemas.openxmlformats.org/officeDocument/2006/relationships" r:blip="">
-      <dgm:adjLst/>
-    </dgm:shape>
-    <dgm:choose name="Name0">
-      <dgm:if name="Name1" axis="ch" ptType="node" func="cnt" op="gte" val="2">
-        <dgm:choose name="Name2">
-          <dgm:if name="Name3" func="var" arg="dir" op="equ" val="norm">
-            <dgm:constrLst>
-              <dgm:constr type="l" for="ch" forName="hierFlow"/>
-              <dgm:constr type="t" for="ch" forName="hierFlow" refType="h" fact="0.3"/>
-              <dgm:constr type="r" for="ch" forName="hierFlow" refType="w" fact="0.98"/>
-              <dgm:constr type="b" for="ch" forName="hierFlow" refType="h" fact="0.96"/>
-              <dgm:constr type="l" for="ch" forName="bgShapesFlow"/>
-              <dgm:constr type="t" for="ch" forName="bgShapesFlow"/>
-              <dgm:constr type="r" for="ch" forName="bgShapesFlow" refType="w"/>
-              <dgm:constr type="b" for="ch" forName="bgShapesFlow" refType="h"/>
-              <dgm:constr type="h" for="des" forName="level1Shape" refType="h"/>
-              <dgm:constr type="w" for="des" forName="level1Shape" refType="h" refFor="des" refForName="level1Shape" fact="2"/>
-              <dgm:constr type="w" for="des" forName="level2Shape" refType="w" refFor="des" refForName="level1Shape" op="equ"/>
-              <dgm:constr type="h" for="des" forName="level2Shape" refType="h" refFor="des" refForName="level1Shape" op="equ"/>
-              <dgm:constr type="sp" for="des" refType="w" refFor="des" refForName="level1Shape" op="equ" fact="0.4"/>
-              <dgm:constr type="sibSp" for="des" forName="hierChild1" refType="h" refFor="des" refForName="level1Shape" op="equ" fact="0.15"/>
-              <dgm:constr type="sibSp" for="des" forName="hierChild2" refType="sibSp" refFor="des" refForName="hierChild1" op="equ"/>
-              <dgm:constr type="sibSp" for="des" forName="hierChild3" refType="sibSp" refFor="des" refForName="hierChild1" op="equ"/>
-              <dgm:constr type="userA" for="des" refType="w" refFor="des" refForName="level1Shape" op="equ"/>
-              <dgm:constr type="userB" for="des" refType="sp" refFor="des" op="equ"/>
-              <dgm:constr type="w" for="des" forName="firstBuf" refType="w" refFor="des" refForName="level1Shape" fact="0.1"/>
-            </dgm:constrLst>
-          </dgm:if>
-          <dgm:else name="Name4">
-            <dgm:constrLst>
-              <dgm:constr type="l" for="ch" forName="hierFlow" refType="w" fact="0.02"/>
-              <dgm:constr type="t" for="ch" forName="hierFlow" refType="h" fact="0.3"/>
-              <dgm:constr type="r" for="ch" forName="hierFlow" refType="w"/>
-              <dgm:constr type="b" for="ch" forName="hierFlow" refType="h" fact="0.96"/>
-              <dgm:constr type="l" for="ch" forName="bgShapesFlow"/>
-              <dgm:constr type="t" for="ch" forName="bgShapesFlow"/>
-              <dgm:constr type="r" for="ch" forName="bgShapesFlow" refType="w"/>
-              <dgm:constr type="b" for="ch" forName="bgShapesFlow" refType="h"/>
-              <dgm:constr type="h" for="des" forName="level1Shape" refType="h"/>
-              <dgm:constr type="w" for="des" forName="level1Shape" refType="h" refFor="des" refForName="level1Shape" fact="2"/>
-              <dgm:constr type="w" for="des" forName="level2Shape" refType="w" refFor="des" refForName="level1Shape" op="equ"/>
-              <dgm:constr type="h" for="des" forName="level2Shape" refType="h" refFor="des" refForName="level1Shape" op="equ"/>
-              <dgm:constr type="sp" for="des" refType="w" refFor="des" refForName="level1Shape" op="equ" fact="0.4"/>
-              <dgm:constr type="sibSp" for="des" forName="hierChild1" refType="h" refFor="des" refForName="level1Shape" op="equ" fact="0.15"/>
-              <dgm:constr type="sibSp" for="des" forName="hierChild2" refType="sibSp" refFor="des" refForName="hierChild1" op="equ"/>
-              <dgm:constr type="sibSp" for="des" forName="hierChild3" refType="sibSp" refFor="des" refForName="hierChild1" op="equ"/>
-              <dgm:constr type="userA" for="des" refType="w" refFor="des" refForName="level1Shape" op="equ"/>
-              <dgm:constr type="userB" for="des" refType="sp" refFor="des" op="equ"/>
-              <dgm:constr type="w" for="des" forName="firstBuf" refType="w" refFor="des" refForName="level1Shape" fact="0.1"/>
-            </dgm:constrLst>
-          </dgm:else>
-        </dgm:choose>
-      </dgm:if>
-      <dgm:else name="Name5">
-        <dgm:constrLst>
-          <dgm:constr type="l" for="ch" forName="hierFlow"/>
-          <dgm:constr type="t" for="ch" forName="hierFlow"/>
-          <dgm:constr type="r" for="ch" forName="hierFlow" refType="w"/>
-          <dgm:constr type="b" for="ch" forName="hierFlow" refType="h"/>
-          <dgm:constr type="l" for="ch" forName="bgShapesFlow"/>
-          <dgm:constr type="t" for="ch" forName="bgShapesFlow"/>
-          <dgm:constr type="r" for="ch" forName="bgShapesFlow" refType="w"/>
-          <dgm:constr type="b" for="ch" forName="bgShapesFlow" refType="h"/>
-          <dgm:constr type="h" for="des" forName="level1Shape" refType="h"/>
-          <dgm:constr type="w" for="des" forName="level1Shape" refType="h" refFor="des" refForName="level1Shape" fact="2"/>
-          <dgm:constr type="w" for="des" forName="level2Shape" refType="w" refFor="des" refForName="level1Shape" op="equ"/>
-          <dgm:constr type="h" for="des" forName="level2Shape" refType="h" refFor="des" refForName="level1Shape" op="equ"/>
-          <dgm:constr type="sp" for="des" refType="w" refFor="des" refForName="level1Shape" op="equ" fact="0.4"/>
-          <dgm:constr type="sibSp" for="des" forName="hierChild1" refType="h" refFor="des" refForName="level1Shape" op="equ" fact="0.15"/>
-          <dgm:constr type="sibSp" for="des" forName="hierChild2" refType="sibSp" refFor="des" refForName="hierChild1" op="equ"/>
-          <dgm:constr type="sibSp" for="des" forName="hierChild3" refType="sibSp" refFor="des" refForName="hierChild1" op="equ"/>
-          <dgm:constr type="userA" for="des" refType="w" refFor="des" refForName="level1Shape" op="equ"/>
-          <dgm:constr type="userB" for="des" refType="sp" refFor="des" op="equ"/>
-          <dgm:constr type="w" for="des" forName="firstBuf" refType="w" refFor="des" refForName="level1Shape" fact="0.1"/>
-        </dgm:constrLst>
-      </dgm:else>
-    </dgm:choose>
-    <dgm:ruleLst/>
-    <dgm:layoutNode name="hierFlow">
-      <dgm:choose name="Name6">
-        <dgm:if name="Name7" func="var" arg="dir" op="equ" val="norm">
-          <dgm:alg type="lin">
-            <dgm:param type="linDir" val="fromL"/>
-            <dgm:param type="nodeVertAlign" val="mid"/>
-            <dgm:param type="vertAlign" val="mid"/>
-            <dgm:param type="nodeHorzAlign" val="l"/>
-            <dgm:param type="horzAlign" val="l"/>
-            <dgm:param type="fallback" val="2D"/>
-          </dgm:alg>
-        </dgm:if>
-        <dgm:else name="Name8">
-          <dgm:alg type="lin">
-            <dgm:param type="linDir" val="fromR"/>
-            <dgm:param type="nodeVertAlign" val="mid"/>
-            <dgm:param type="vertAlign" val="mid"/>
-            <dgm:param type="nodeHorzAlign" val="r"/>
-            <dgm:param type="horzAlign" val="r"/>
-            <dgm:param type="fallback" val="2D"/>
-          </dgm:alg>
-        </dgm:else>
-      </dgm:choose>
-      <dgm:shape xmlns:r="http://schemas.openxmlformats.org/officeDocument/2006/relationships" r:blip="">
-        <dgm:adjLst/>
-      </dgm:shape>
-      <dgm:presOf/>
-      <dgm:constrLst>
-        <dgm:constr type="primFontSz" for="des" ptType="node" op="equ" val="65"/>
-        <dgm:constr type="primFontSz" for="des" forName="connTx" op="equ" val="55"/>
-        <dgm:constr type="primFontSz" for="des" forName="connTx" refType="primFontSz" refFor="des" refPtType="node" op="lte" fact="0.8"/>
-      </dgm:constrLst>
-      <dgm:ruleLst/>
-      <dgm:choose name="Name9">
-        <dgm:if name="Name10" axis="ch" ptType="node" func="cnt" op="gte" val="2">
-          <dgm:layoutNode name="firstBuf">
-            <dgm:alg type="sp"/>
-            <dgm:shape xmlns:r="http://schemas.openxmlformats.org/officeDocument/2006/relationships" r:blip="">
-              <dgm:adjLst/>
-            </dgm:shape>
-            <dgm:presOf/>
-            <dgm:constrLst/>
-            <dgm:ruleLst/>
-          </dgm:layoutNode>
-        </dgm:if>
-        <dgm:else name="Name11"/>
-      </dgm:choose>
-      <dgm:layoutNode name="hierChild1">
-        <dgm:varLst>
-          <dgm:chPref val="1"/>
-          <dgm:animOne val="branch"/>
-          <dgm:animLvl val="lvl"/>
-        </dgm:varLst>
-        <dgm:choose name="Name12">
-          <dgm:if name="Name13" func="var" arg="dir" op="equ" val="norm">
-            <dgm:alg type="hierChild">
-              <dgm:param type="linDir" val="fromT"/>
-              <dgm:param type="chAlign" val="l"/>
-            </dgm:alg>
-          </dgm:if>
-          <dgm:else name="Name14">
-            <dgm:alg type="hierChild">
-              <dgm:param type="linDir" val="fromT"/>
-              <dgm:param type="chAlign" val="r"/>
-            </dgm:alg>
-          </dgm:else>
-        </dgm:choose>
-        <dgm:shape xmlns:r="http://schemas.openxmlformats.org/officeDocument/2006/relationships" r:blip="">
-          <dgm:adjLst/>
-        </dgm:shape>
-        <dgm:presOf/>
-        <dgm:constrLst/>
-        <dgm:ruleLst/>
-        <dgm:forEach name="Name15" axis="ch" cnt="3">
-          <dgm:forEach name="Name16" axis="self" ptType="node">
-            <dgm:layoutNode name="Name17">
-              <dgm:choose name="Name18">
-                <dgm:if name="Name19" func="var" arg="dir" op="equ" val="norm">
-                  <dgm:alg type="hierRoot">
-                    <dgm:param type="hierAlign" val="lCtrCh"/>
-                  </dgm:alg>
-                </dgm:if>
-                <dgm:else name="Name20">
-                  <dgm:alg type="hierRoot">
-                    <dgm:param type="hierAlign" val="rCtrCh"/>
-                  </dgm:alg>
-                </dgm:else>
-              </dgm:choose>
-              <dgm:shape xmlns:r="http://schemas.openxmlformats.org/officeDocument/2006/relationships" r:blip="">
-                <dgm:adjLst/>
-              </dgm:shape>
-              <dgm:presOf/>
-              <dgm:constrLst/>
-              <dgm:ruleLst/>
-              <dgm:layoutNode name="level1Shape" styleLbl="node0">
-                <dgm:varLst>
-                  <dgm:chPref val="3"/>
-                </dgm:varLst>
-                <dgm:alg type="tx"/>
-                <dgm:shape xmlns:r="http://schemas.openxmlformats.org/officeDocument/2006/relationships" type="roundRect" r:blip="">
-                  <dgm:adjLst>
-                    <dgm:adj idx="1" val="0.1"/>
-                  </dgm:adjLst>
-                </dgm:shape>
-                <dgm:presOf axis="self"/>
-                <dgm:constrLst>
-                  <dgm:constr type="tMarg" refType="primFontSz" fact="0.05"/>
-                  <dgm:constr type="bMarg" refType="primFontSz" fact="0.05"/>
-                  <dgm:constr type="lMarg" refType="primFontSz" fact="0.05"/>
-                  <dgm:constr type="rMarg" refType="primFontSz" fact="0.05"/>
-                </dgm:constrLst>
-                <dgm:ruleLst>
-                  <dgm:rule type="primFontSz" val="5" fact="NaN" max="NaN"/>
-                </dgm:ruleLst>
-              </dgm:layoutNode>
-              <dgm:layoutNode name="hierChild2">
-                <dgm:choose name="Name21">
-                  <dgm:if name="Name22" func="var" arg="dir" op="equ" val="norm">
-                    <dgm:alg type="hierChild">
-                      <dgm:param type="linDir" val="fromT"/>
-                      <dgm:param type="chAlign" val="l"/>
-                    </dgm:alg>
-                  </dgm:if>
-                  <dgm:else name="Name23">
-                    <dgm:alg type="hierChild">
-                      <dgm:param type="linDir" val="fromT"/>
-                      <dgm:param type="chAlign" val="r"/>
-                    </dgm:alg>
-                  </dgm:else>
-                </dgm:choose>
-                <dgm:shape xmlns:r="http://schemas.openxmlformats.org/officeDocument/2006/relationships" r:blip="">
-                  <dgm:adjLst/>
-                </dgm:shape>
-                <dgm:presOf/>
-                <dgm:constrLst/>
-                <dgm:ruleLst/>
-                <dgm:forEach name="repeat" axis="ch">
-                  <dgm:forEach name="Name24" axis="self" ptType="parTrans" cnt="1">
-                    <dgm:layoutNode name="Name25">
-                      <dgm:choose name="Name26">
-                        <dgm:if name="Name27" func="var" arg="dir" op="equ" val="norm">
-                          <dgm:alg type="conn">
-                            <dgm:param type="dim" val="1D"/>
-                            <dgm:param type="begPts" val="midR"/>
-                            <dgm:param type="endPts" val="midL"/>
-                            <dgm:param type="endSty" val="noArr"/>
-                          </dgm:alg>
-                        </dgm:if>
-                        <dgm:else name="Name28">
-                          <dgm:alg type="conn">
-                            <dgm:param type="dim" val="1D"/>
-                            <dgm:param type="begPts" val="midL"/>
-                            <dgm:param type="endPts" val="midR"/>
-                            <dgm:param type="endSty" val="noArr"/>
-                          </dgm:alg>
-                        </dgm:else>
-                      </dgm:choose>
-                      <dgm:shape xmlns:r="http://schemas.openxmlformats.org/officeDocument/2006/relationships" type="conn" r:blip="">
-                        <dgm:adjLst/>
-                      </dgm:shape>
-                      <dgm:presOf axis="self"/>
-                      <dgm:constrLst>
-                        <dgm:constr type="w" val="1"/>
-                        <dgm:constr type="h" val="5"/>
-                        <dgm:constr type="connDist"/>
-                        <dgm:constr type="begPad"/>
-                        <dgm:constr type="endPad"/>
-                        <dgm:constr type="userA" for="ch" refType="connDist"/>
-                      </dgm:constrLst>
-                      <dgm:ruleLst/>
-                      <dgm:layoutNode name="connTx">
-                        <dgm:alg type="tx">
-                          <dgm:param type="autoTxRot" val="grav"/>
-                        </dgm:alg>
-                        <dgm:shape xmlns:r="http://schemas.openxmlformats.org/officeDocument/2006/relationships" type="rect" r:blip="" hideGeom="1">
-                          <dgm:adjLst/>
-                        </dgm:shape>
-                        <dgm:presOf axis="self"/>
-                        <dgm:constrLst>
-                          <dgm:constr type="userA"/>
-                          <dgm:constr type="w" refType="userA" fact="0.05"/>
-                          <dgm:constr type="h" refType="userA" fact="0.05"/>
-                          <dgm:constr type="lMarg" val="1"/>
-                          <dgm:constr type="rMarg" val="1"/>
-                          <dgm:constr type="tMarg"/>
-                          <dgm:constr type="bMarg"/>
-                        </dgm:constrLst>
-                        <dgm:ruleLst>
-                          <dgm:rule type="h" val="NaN" fact="0.25" max="NaN"/>
-                          <dgm:rule type="w" val="NaN" fact="0.8" max="NaN"/>
-                          <dgm:rule type="primFontSz" val="5" fact="NaN" max="NaN"/>
-                        </dgm:ruleLst>
-                      </dgm:layoutNode>
-                    </dgm:layoutNode>
-                  </dgm:forEach>
-                  <dgm:forEach name="Name29" axis="self" ptType="node">
-                    <dgm:layoutNode name="Name30">
-                      <dgm:choose name="Name31">
-                        <dgm:if name="Name32" func="var" arg="dir" op="equ" val="norm">
-                          <dgm:alg type="hierRoot">
-                            <dgm:param type="hierAlign" val="lCtrCh"/>
-                          </dgm:alg>
-                        </dgm:if>
-                        <dgm:else name="Name33">
-                          <dgm:alg type="hierRoot">
-                            <dgm:param type="hierAlign" val="rCtrCh"/>
-                          </dgm:alg>
-                        </dgm:else>
-                      </dgm:choose>
-                      <dgm:shape xmlns:r="http://schemas.openxmlformats.org/officeDocument/2006/relationships" r:blip="">
-                        <dgm:adjLst/>
-                      </dgm:shape>
-                      <dgm:presOf/>
-                      <dgm:constrLst/>
-                      <dgm:ruleLst/>
-                      <dgm:layoutNode name="level2Shape">
-                        <dgm:alg type="tx"/>
-                        <dgm:shape xmlns:r="http://schemas.openxmlformats.org/officeDocument/2006/relationships" type="roundRect" r:blip="">
-                          <dgm:adjLst>
-                            <dgm:adj idx="1" val="0.1"/>
-                          </dgm:adjLst>
-                        </dgm:shape>
-                        <dgm:presOf axis="self"/>
-                        <dgm:constrLst>
-                          <dgm:constr type="tMarg" refType="primFontSz" fact="0.05"/>
-                          <dgm:constr type="bMarg" refType="primFontSz" fact="0.05"/>
-                          <dgm:constr type="lMarg" refType="primFontSz" fact="0.05"/>
-                          <dgm:constr type="rMarg" refType="primFontSz" fact="0.05"/>
-                        </dgm:constrLst>
-                        <dgm:ruleLst>
-                          <dgm:rule type="primFontSz" val="5" fact="NaN" max="NaN"/>
-                        </dgm:ruleLst>
-                      </dgm:layoutNode>
-                      <dgm:layoutNode name="hierChild3">
-                        <dgm:choose name="Name34">
-                          <dgm:if name="Name35" func="var" arg="dir" op="equ" val="norm">
-                            <dgm:alg type="hierChild">
-                              <dgm:param type="linDir" val="fromT"/>
-                              <dgm:param type="chAlign" val="l"/>
-                            </dgm:alg>
-                          </dgm:if>
-                          <dgm:else name="Name36">
-                            <dgm:alg type="hierChild">
-                              <dgm:param type="linDir" val="fromT"/>
-                              <dgm:param type="chAlign" val="r"/>
-                            </dgm:alg>
-                          </dgm:else>
-                        </dgm:choose>
-                        <dgm:shape xmlns:r="http://schemas.openxmlformats.org/officeDocument/2006/relationships" r:blip="">
-                          <dgm:adjLst/>
-                        </dgm:shape>
-                        <dgm:presOf/>
-                        <dgm:constrLst/>
-                        <dgm:ruleLst/>
-                        <dgm:forEach name="Name37" ref="repeat"/>
-                      </dgm:layoutNode>
-                    </dgm:layoutNode>
-                  </dgm:forEach>
-                </dgm:forEach>
-              </dgm:layoutNode>
-            </dgm:layoutNode>
-          </dgm:forEach>
-        </dgm:forEach>
-      </dgm:layoutNode>
-    </dgm:layoutNode>
-    <dgm:layoutNode name="bgShapesFlow">
-      <dgm:choose name="Name38">
-        <dgm:if name="Name39" func="var" arg="dir" op="equ" val="norm">
-          <dgm:alg type="lin">
-            <dgm:param type="linDir" val="fromL"/>
-            <dgm:param type="nodeVertAlign" val="mid"/>
-            <dgm:param type="vertAlign" val="mid"/>
-            <dgm:param type="nodeHorzAlign" val="l"/>
-            <dgm:param type="horzAlign" val="l"/>
-          </dgm:alg>
-        </dgm:if>
-        <dgm:else name="Name40">
-          <dgm:alg type="lin">
-            <dgm:param type="linDir" val="fromR"/>
-            <dgm:param type="nodeVertAlign" val="mid"/>
-            <dgm:param type="vertAlign" val="mid"/>
-            <dgm:param type="nodeHorzAlign" val="r"/>
-            <dgm:param type="horzAlign" val="r"/>
-          </dgm:alg>
-        </dgm:else>
-      </dgm:choose>
-      <dgm:shape xmlns:r="http://schemas.openxmlformats.org/officeDocument/2006/relationships" r:blip="">
-        <dgm:adjLst/>
-      </dgm:shape>
-      <dgm:presOf/>
-      <dgm:constrLst>
-        <dgm:constr type="w" for="ch" forName="rectComp" refType="w"/>
-        <dgm:constr type="h" for="ch" forName="rectComp" refType="h"/>
-        <dgm:constr type="h" for="des" forName="bgRect" refType="h"/>
-        <dgm:constr type="primFontSz" for="des" forName="bgRectTx" op="equ" val="65"/>
-      </dgm:constrLst>
-      <dgm:ruleLst/>
-      <dgm:forEach name="Name41" axis="ch" ptType="node" st="2">
-        <dgm:layoutNode name="rectComp">
-          <dgm:alg type="composite"/>
-          <dgm:shape xmlns:r="http://schemas.openxmlformats.org/officeDocument/2006/relationships" r:blip="">
-            <dgm:adjLst/>
-          </dgm:shape>
-          <dgm:presOf/>
-          <dgm:constrLst>
-            <dgm:constr type="userA"/>
-            <dgm:constr type="l" for="ch" forName="bgRect"/>
-            <dgm:constr type="t" for="ch" forName="bgRect"/>
-            <dgm:constr type="w" for="ch" forName="bgRect" refType="userA" fact="1.2"/>
-            <dgm:constr type="l" for="ch" forName="bgRectTx"/>
-            <dgm:constr type="t" for="ch" forName="bgRectTx"/>
-            <dgm:constr type="h" for="ch" forName="bgRectTx" refType="h" refFor="ch" refForName="bgRect" fact="0.3"/>
-            <dgm:constr type="w" for="ch" forName="bgRectTx" refType="w" refFor="ch" refForName="bgRect" op="equ"/>
-          </dgm:constrLst>
-          <dgm:ruleLst/>
-          <dgm:layoutNode name="bgRect" styleLbl="bgShp">
-            <dgm:alg type="sp"/>
-            <dgm:shape xmlns:r="http://schemas.openxmlformats.org/officeDocument/2006/relationships" type="roundRect" r:blip="" zOrderOff="-999">
-              <dgm:adjLst>
-                <dgm:adj idx="1" val="0.1"/>
-              </dgm:adjLst>
-            </dgm:shape>
-            <dgm:presOf axis="desOrSelf" ptType="node"/>
-            <dgm:constrLst/>
-            <dgm:ruleLst/>
-          </dgm:layoutNode>
-          <dgm:layoutNode name="bgRectTx" styleLbl="bgShp">
-            <dgm:varLst>
-              <dgm:bulletEnabled val="1"/>
-            </dgm:varLst>
-            <dgm:alg type="tx"/>
-            <dgm:shape xmlns:r="http://schemas.openxmlformats.org/officeDocument/2006/relationships" type="rect" r:blip="" zOrderOff="-999" hideGeom="1">
-              <dgm:adjLst/>
-            </dgm:shape>
-            <dgm:presOf axis="desOrSelf" ptType="node"/>
-            <dgm:constrLst/>
-            <dgm:ruleLst>
-              <dgm:rule type="primFontSz" val="5" fact="NaN" max="NaN"/>
-            </dgm:ruleLst>
-          </dgm:layoutNode>
-        </dgm:layoutNode>
-        <dgm:choose name="Name42">
-          <dgm:if name="Name43" axis="self" ptType="node" func="revPos" op="gte" val="2">
-            <dgm:layoutNode name="spComp">
-              <dgm:alg type="composite"/>
-              <dgm:shape xmlns:r="http://schemas.openxmlformats.org/officeDocument/2006/relationships" r:blip="">
-                <dgm:adjLst/>
-              </dgm:shape>
-              <dgm:presOf/>
-              <dgm:constrLst>
-                <dgm:constr type="userA"/>
-                <dgm:constr type="userB"/>
-                <dgm:constr type="l" for="ch" forName="hSp"/>
-                <dgm:constr type="t" for="ch" forName="hSp"/>
-                <dgm:constr type="w" for="ch" forName="hSp" refType="userB"/>
-                <dgm:constr type="wOff" for="ch" forName="hSp" refType="userA" fact="-0.2"/>
-              </dgm:constrLst>
-              <dgm:ruleLst/>
-              <dgm:layoutNode name="hSp">
-                <dgm:alg type="sp"/>
-                <dgm:shape xmlns:r="http://schemas.openxmlformats.org/officeDocument/2006/relationships" r:blip="">
-                  <dgm:adjLst/>
-                </dgm:shape>
-                <dgm:presOf/>
-                <dgm:constrLst/>
-                <dgm:ruleLst/>
-              </dgm:layoutNode>
-            </dgm:layoutNode>
-          </dgm:if>
-          <dgm:else name="Name44"/>
-        </dgm:choose>
-      </dgm:forEach>
-    </dgm:layoutNode>
-  </dgm:layoutNode>
-</dgm:layoutDef>
-</file>
-
 <file path=ppt/diagrams/quickStyle1.xml><?xml version="1.0" encoding="utf-8"?>
 <dgm:styleDef xmlns:dgm="http://schemas.openxmlformats.org/drawingml/2006/diagram" xmlns:a="http://schemas.openxmlformats.org/drawingml/2006/main" uniqueId="urn:microsoft.com/office/officeart/2005/8/quickstyle/simple1">
   <dgm:title val=""/>
@@ -19704,1040 +16661,6 @@
 </file>
 
 <file path=ppt/diagrams/quickStyle5.xml><?xml version="1.0" encoding="utf-8"?>
-<dgm:styleDef xmlns:dgm="http://schemas.openxmlformats.org/drawingml/2006/diagram" xmlns:a="http://schemas.openxmlformats.org/drawingml/2006/main" uniqueId="urn:microsoft.com/office/officeart/2005/8/quickstyle/simple1">
-  <dgm:title val=""/>
-  <dgm:desc val=""/>
-  <dgm:catLst>
-    <dgm:cat type="simple" pri="10100"/>
-  </dgm:catLst>
-  <dgm:scene3d>
-    <a:camera prst="orthographicFront"/>
-    <a:lightRig rig="threePt" dir="t"/>
-  </dgm:scene3d>
-  <dgm:styleLbl name="node0">
-    <dgm:scene3d>
-      <a:camera prst="orthographicFront"/>
-      <a:lightRig rig="threePt" dir="t"/>
-    </dgm:scene3d>
-    <dgm:sp3d/>
-    <dgm:txPr/>
-    <dgm:style>
-      <a:lnRef idx="2">
-        <a:scrgbClr r="0" g="0" b="0"/>
-      </a:lnRef>
-      <a:fillRef idx="1">
-        <a:scrgbClr r="0" g="0" b="0"/>
-      </a:fillRef>
-      <a:effectRef idx="0">
-        <a:scrgbClr r="0" g="0" b="0"/>
-      </a:effectRef>
-      <a:fontRef idx="minor">
-        <a:schemeClr val="lt1"/>
-      </a:fontRef>
-    </dgm:style>
-  </dgm:styleLbl>
-  <dgm:styleLbl name="lnNode1">
-    <dgm:scene3d>
-      <a:camera prst="orthographicFront"/>
-      <a:lightRig rig="threePt" dir="t"/>
-    </dgm:scene3d>
-    <dgm:sp3d/>
-    <dgm:txPr/>
-    <dgm:style>
-      <a:lnRef idx="2">
-        <a:scrgbClr r="0" g="0" b="0"/>
-      </a:lnRef>
-      <a:fillRef idx="1">
-        <a:scrgbClr r="0" g="0" b="0"/>
-      </a:fillRef>
-      <a:effectRef idx="0">
-        <a:scrgbClr r="0" g="0" b="0"/>
-      </a:effectRef>
-      <a:fontRef idx="minor">
-        <a:schemeClr val="lt1"/>
-      </a:fontRef>
-    </dgm:style>
-  </dgm:styleLbl>
-  <dgm:styleLbl name="vennNode1">
-    <dgm:scene3d>
-      <a:camera prst="orthographicFront"/>
-      <a:lightRig rig="threePt" dir="t"/>
-    </dgm:scene3d>
-    <dgm:sp3d/>
-    <dgm:txPr/>
-    <dgm:style>
-      <a:lnRef idx="2">
-        <a:scrgbClr r="0" g="0" b="0"/>
-      </a:lnRef>
-      <a:fillRef idx="1">
-        <a:scrgbClr r="0" g="0" b="0"/>
-      </a:fillRef>
-      <a:effectRef idx="0">
-        <a:scrgbClr r="0" g="0" b="0"/>
-      </a:effectRef>
-      <a:fontRef idx="minor">
-        <a:schemeClr val="tx1"/>
-      </a:fontRef>
-    </dgm:style>
-  </dgm:styleLbl>
-  <dgm:styleLbl name="alignNode1">
-    <dgm:scene3d>
-      <a:camera prst="orthographicFront"/>
-      <a:lightRig rig="threePt" dir="t"/>
-    </dgm:scene3d>
-    <dgm:sp3d/>
-    <dgm:txPr/>
-    <dgm:style>
-      <a:lnRef idx="2">
-        <a:scrgbClr r="0" g="0" b="0"/>
-      </a:lnRef>
-      <a:fillRef idx="1">
-        <a:scrgbClr r="0" g="0" b="0"/>
-      </a:fillRef>
-      <a:effectRef idx="0">
-        <a:scrgbClr r="0" g="0" b="0"/>
-      </a:effectRef>
-      <a:fontRef idx="minor">
-        <a:schemeClr val="lt1"/>
-      </a:fontRef>
-    </dgm:style>
-  </dgm:styleLbl>
-  <dgm:styleLbl name="node1">
-    <dgm:scene3d>
-      <a:camera prst="orthographicFront"/>
-      <a:lightRig rig="threePt" dir="t"/>
-    </dgm:scene3d>
-    <dgm:sp3d/>
-    <dgm:txPr/>
-    <dgm:style>
-      <a:lnRef idx="2">
-        <a:scrgbClr r="0" g="0" b="0"/>
-      </a:lnRef>
-      <a:fillRef idx="1">
-        <a:scrgbClr r="0" g="0" b="0"/>
-      </a:fillRef>
-      <a:effectRef idx="0">
-        <a:scrgbClr r="0" g="0" b="0"/>
-      </a:effectRef>
-      <a:fontRef idx="minor">
-        <a:schemeClr val="lt1"/>
-      </a:fontRef>
-    </dgm:style>
-  </dgm:styleLbl>
-  <dgm:styleLbl name="node2">
-    <dgm:scene3d>
-      <a:camera prst="orthographicFront"/>
-      <a:lightRig rig="threePt" dir="t"/>
-    </dgm:scene3d>
-    <dgm:sp3d/>
-    <dgm:txPr/>
-    <dgm:style>
-      <a:lnRef idx="2">
-        <a:scrgbClr r="0" g="0" b="0"/>
-      </a:lnRef>
-      <a:fillRef idx="1">
-        <a:scrgbClr r="0" g="0" b="0"/>
-      </a:fillRef>
-      <a:effectRef idx="0">
-        <a:scrgbClr r="0" g="0" b="0"/>
-      </a:effectRef>
-      <a:fontRef idx="minor">
-        <a:schemeClr val="lt1"/>
-      </a:fontRef>
-    </dgm:style>
-  </dgm:styleLbl>
-  <dgm:styleLbl name="node3">
-    <dgm:scene3d>
-      <a:camera prst="orthographicFront"/>
-      <a:lightRig rig="threePt" dir="t"/>
-    </dgm:scene3d>
-    <dgm:sp3d/>
-    <dgm:txPr/>
-    <dgm:style>
-      <a:lnRef idx="2">
-        <a:scrgbClr r="0" g="0" b="0"/>
-      </a:lnRef>
-      <a:fillRef idx="1">
-        <a:scrgbClr r="0" g="0" b="0"/>
-      </a:fillRef>
-      <a:effectRef idx="0">
-        <a:scrgbClr r="0" g="0" b="0"/>
-      </a:effectRef>
-      <a:fontRef idx="minor">
-        <a:schemeClr val="lt1"/>
-      </a:fontRef>
-    </dgm:style>
-  </dgm:styleLbl>
-  <dgm:styleLbl name="node4">
-    <dgm:scene3d>
-      <a:camera prst="orthographicFront"/>
-      <a:lightRig rig="threePt" dir="t"/>
-    </dgm:scene3d>
-    <dgm:sp3d/>
-    <dgm:txPr/>
-    <dgm:style>
-      <a:lnRef idx="2">
-        <a:scrgbClr r="0" g="0" b="0"/>
-      </a:lnRef>
-      <a:fillRef idx="1">
-        <a:scrgbClr r="0" g="0" b="0"/>
-      </a:fillRef>
-      <a:effectRef idx="0">
-        <a:scrgbClr r="0" g="0" b="0"/>
-      </a:effectRef>
-      <a:fontRef idx="minor">
-        <a:schemeClr val="lt1"/>
-      </a:fontRef>
-    </dgm:style>
-  </dgm:styleLbl>
-  <dgm:styleLbl name="fgImgPlace1">
-    <dgm:scene3d>
-      <a:camera prst="orthographicFront"/>
-      <a:lightRig rig="threePt" dir="t"/>
-    </dgm:scene3d>
-    <dgm:sp3d/>
-    <dgm:txPr/>
-    <dgm:style>
-      <a:lnRef idx="2">
-        <a:scrgbClr r="0" g="0" b="0"/>
-      </a:lnRef>
-      <a:fillRef idx="1">
-        <a:scrgbClr r="0" g="0" b="0"/>
-      </a:fillRef>
-      <a:effectRef idx="0">
-        <a:scrgbClr r="0" g="0" b="0"/>
-      </a:effectRef>
-      <a:fontRef idx="minor"/>
-    </dgm:style>
-  </dgm:styleLbl>
-  <dgm:styleLbl name="alignImgPlace1">
-    <dgm:scene3d>
-      <a:camera prst="orthographicFront"/>
-      <a:lightRig rig="threePt" dir="t"/>
-    </dgm:scene3d>
-    <dgm:sp3d/>
-    <dgm:txPr/>
-    <dgm:style>
-      <a:lnRef idx="2">
-        <a:scrgbClr r="0" g="0" b="0"/>
-      </a:lnRef>
-      <a:fillRef idx="1">
-        <a:scrgbClr r="0" g="0" b="0"/>
-      </a:fillRef>
-      <a:effectRef idx="0">
-        <a:scrgbClr r="0" g="0" b="0"/>
-      </a:effectRef>
-      <a:fontRef idx="minor"/>
-    </dgm:style>
-  </dgm:styleLbl>
-  <dgm:styleLbl name="bgImgPlace1">
-    <dgm:scene3d>
-      <a:camera prst="orthographicFront"/>
-      <a:lightRig rig="threePt" dir="t"/>
-    </dgm:scene3d>
-    <dgm:sp3d/>
-    <dgm:txPr/>
-    <dgm:style>
-      <a:lnRef idx="2">
-        <a:scrgbClr r="0" g="0" b="0"/>
-      </a:lnRef>
-      <a:fillRef idx="1">
-        <a:scrgbClr r="0" g="0" b="0"/>
-      </a:fillRef>
-      <a:effectRef idx="0">
-        <a:scrgbClr r="0" g="0" b="0"/>
-      </a:effectRef>
-      <a:fontRef idx="minor"/>
-    </dgm:style>
-  </dgm:styleLbl>
-  <dgm:styleLbl name="sibTrans2D1">
-    <dgm:scene3d>
-      <a:camera prst="orthographicFront"/>
-      <a:lightRig rig="threePt" dir="t"/>
-    </dgm:scene3d>
-    <dgm:sp3d/>
-    <dgm:txPr/>
-    <dgm:style>
-      <a:lnRef idx="0">
-        <a:scrgbClr r="0" g="0" b="0"/>
-      </a:lnRef>
-      <a:fillRef idx="1">
-        <a:scrgbClr r="0" g="0" b="0"/>
-      </a:fillRef>
-      <a:effectRef idx="0">
-        <a:scrgbClr r="0" g="0" b="0"/>
-      </a:effectRef>
-      <a:fontRef idx="minor">
-        <a:schemeClr val="lt1"/>
-      </a:fontRef>
-    </dgm:style>
-  </dgm:styleLbl>
-  <dgm:styleLbl name="fgSibTrans2D1">
-    <dgm:scene3d>
-      <a:camera prst="orthographicFront"/>
-      <a:lightRig rig="threePt" dir="t"/>
-    </dgm:scene3d>
-    <dgm:sp3d/>
-    <dgm:txPr/>
-    <dgm:style>
-      <a:lnRef idx="0">
-        <a:scrgbClr r="0" g="0" b="0"/>
-      </a:lnRef>
-      <a:fillRef idx="1">
-        <a:scrgbClr r="0" g="0" b="0"/>
-      </a:fillRef>
-      <a:effectRef idx="0">
-        <a:scrgbClr r="0" g="0" b="0"/>
-      </a:effectRef>
-      <a:fontRef idx="minor">
-        <a:schemeClr val="lt1"/>
-      </a:fontRef>
-    </dgm:style>
-  </dgm:styleLbl>
-  <dgm:styleLbl name="bgSibTrans2D1">
-    <dgm:scene3d>
-      <a:camera prst="orthographicFront"/>
-      <a:lightRig rig="threePt" dir="t"/>
-    </dgm:scene3d>
-    <dgm:sp3d/>
-    <dgm:txPr/>
-    <dgm:style>
-      <a:lnRef idx="0">
-        <a:scrgbClr r="0" g="0" b="0"/>
-      </a:lnRef>
-      <a:fillRef idx="1">
-        <a:scrgbClr r="0" g="0" b="0"/>
-      </a:fillRef>
-      <a:effectRef idx="0">
-        <a:scrgbClr r="0" g="0" b="0"/>
-      </a:effectRef>
-      <a:fontRef idx="minor">
-        <a:schemeClr val="lt1"/>
-      </a:fontRef>
-    </dgm:style>
-  </dgm:styleLbl>
-  <dgm:styleLbl name="sibTrans1D1">
-    <dgm:scene3d>
-      <a:camera prst="orthographicFront"/>
-      <a:lightRig rig="threePt" dir="t"/>
-    </dgm:scene3d>
-    <dgm:sp3d/>
-    <dgm:txPr/>
-    <dgm:style>
-      <a:lnRef idx="1">
-        <a:scrgbClr r="0" g="0" b="0"/>
-      </a:lnRef>
-      <a:fillRef idx="0">
-        <a:scrgbClr r="0" g="0" b="0"/>
-      </a:fillRef>
-      <a:effectRef idx="0">
-        <a:scrgbClr r="0" g="0" b="0"/>
-      </a:effectRef>
-      <a:fontRef idx="minor"/>
-    </dgm:style>
-  </dgm:styleLbl>
-  <dgm:styleLbl name="callout">
-    <dgm:scene3d>
-      <a:camera prst="orthographicFront"/>
-      <a:lightRig rig="threePt" dir="t"/>
-    </dgm:scene3d>
-    <dgm:sp3d/>
-    <dgm:txPr/>
-    <dgm:style>
-      <a:lnRef idx="2">
-        <a:scrgbClr r="0" g="0" b="0"/>
-      </a:lnRef>
-      <a:fillRef idx="1">
-        <a:scrgbClr r="0" g="0" b="0"/>
-      </a:fillRef>
-      <a:effectRef idx="0">
-        <a:scrgbClr r="0" g="0" b="0"/>
-      </a:effectRef>
-      <a:fontRef idx="minor"/>
-    </dgm:style>
-  </dgm:styleLbl>
-  <dgm:styleLbl name="asst0">
-    <dgm:scene3d>
-      <a:camera prst="orthographicFront"/>
-      <a:lightRig rig="threePt" dir="t"/>
-    </dgm:scene3d>
-    <dgm:sp3d/>
-    <dgm:txPr/>
-    <dgm:style>
-      <a:lnRef idx="2">
-        <a:scrgbClr r="0" g="0" b="0"/>
-      </a:lnRef>
-      <a:fillRef idx="1">
-        <a:scrgbClr r="0" g="0" b="0"/>
-      </a:fillRef>
-      <a:effectRef idx="0">
-        <a:scrgbClr r="0" g="0" b="0"/>
-      </a:effectRef>
-      <a:fontRef idx="minor">
-        <a:schemeClr val="lt1"/>
-      </a:fontRef>
-    </dgm:style>
-  </dgm:styleLbl>
-  <dgm:styleLbl name="asst1">
-    <dgm:scene3d>
-      <a:camera prst="orthographicFront"/>
-      <a:lightRig rig="threePt" dir="t"/>
-    </dgm:scene3d>
-    <dgm:sp3d/>
-    <dgm:txPr/>
-    <dgm:style>
-      <a:lnRef idx="2">
-        <a:scrgbClr r="0" g="0" b="0"/>
-      </a:lnRef>
-      <a:fillRef idx="1">
-        <a:scrgbClr r="0" g="0" b="0"/>
-      </a:fillRef>
-      <a:effectRef idx="0">
-        <a:scrgbClr r="0" g="0" b="0"/>
-      </a:effectRef>
-      <a:fontRef idx="minor">
-        <a:schemeClr val="lt1"/>
-      </a:fontRef>
-    </dgm:style>
-  </dgm:styleLbl>
-  <dgm:styleLbl name="asst2">
-    <dgm:scene3d>
-      <a:camera prst="orthographicFront"/>
-      <a:lightRig rig="threePt" dir="t"/>
-    </dgm:scene3d>
-    <dgm:sp3d/>
-    <dgm:txPr/>
-    <dgm:style>
-      <a:lnRef idx="2">
-        <a:scrgbClr r="0" g="0" b="0"/>
-      </a:lnRef>
-      <a:fillRef idx="1">
-        <a:scrgbClr r="0" g="0" b="0"/>
-      </a:fillRef>
-      <a:effectRef idx="0">
-        <a:scrgbClr r="0" g="0" b="0"/>
-      </a:effectRef>
-      <a:fontRef idx="minor">
-        <a:schemeClr val="lt1"/>
-      </a:fontRef>
-    </dgm:style>
-  </dgm:styleLbl>
-  <dgm:styleLbl name="asst3">
-    <dgm:scene3d>
-      <a:camera prst="orthographicFront"/>
-      <a:lightRig rig="threePt" dir="t"/>
-    </dgm:scene3d>
-    <dgm:sp3d/>
-    <dgm:txPr/>
-    <dgm:style>
-      <a:lnRef idx="2">
-        <a:scrgbClr r="0" g="0" b="0"/>
-      </a:lnRef>
-      <a:fillRef idx="1">
-        <a:scrgbClr r="0" g="0" b="0"/>
-      </a:fillRef>
-      <a:effectRef idx="0">
-        <a:scrgbClr r="0" g="0" b="0"/>
-      </a:effectRef>
-      <a:fontRef idx="minor">
-        <a:schemeClr val="lt1"/>
-      </a:fontRef>
-    </dgm:style>
-  </dgm:styleLbl>
-  <dgm:styleLbl name="asst4">
-    <dgm:scene3d>
-      <a:camera prst="orthographicFront"/>
-      <a:lightRig rig="threePt" dir="t"/>
-    </dgm:scene3d>
-    <dgm:sp3d/>
-    <dgm:txPr/>
-    <dgm:style>
-      <a:lnRef idx="2">
-        <a:scrgbClr r="0" g="0" b="0"/>
-      </a:lnRef>
-      <a:fillRef idx="1">
-        <a:scrgbClr r="0" g="0" b="0"/>
-      </a:fillRef>
-      <a:effectRef idx="0">
-        <a:scrgbClr r="0" g="0" b="0"/>
-      </a:effectRef>
-      <a:fontRef idx="minor">
-        <a:schemeClr val="lt1"/>
-      </a:fontRef>
-    </dgm:style>
-  </dgm:styleLbl>
-  <dgm:styleLbl name="parChTrans2D1">
-    <dgm:scene3d>
-      <a:camera prst="orthographicFront"/>
-      <a:lightRig rig="threePt" dir="t"/>
-    </dgm:scene3d>
-    <dgm:sp3d/>
-    <dgm:txPr/>
-    <dgm:style>
-      <a:lnRef idx="2">
-        <a:scrgbClr r="0" g="0" b="0"/>
-      </a:lnRef>
-      <a:fillRef idx="1">
-        <a:scrgbClr r="0" g="0" b="0"/>
-      </a:fillRef>
-      <a:effectRef idx="0">
-        <a:scrgbClr r="0" g="0" b="0"/>
-      </a:effectRef>
-      <a:fontRef idx="minor">
-        <a:schemeClr val="lt1"/>
-      </a:fontRef>
-    </dgm:style>
-  </dgm:styleLbl>
-  <dgm:styleLbl name="parChTrans2D2">
-    <dgm:scene3d>
-      <a:camera prst="orthographicFront"/>
-      <a:lightRig rig="threePt" dir="t"/>
-    </dgm:scene3d>
-    <dgm:sp3d/>
-    <dgm:txPr/>
-    <dgm:style>
-      <a:lnRef idx="2">
-        <a:scrgbClr r="0" g="0" b="0"/>
-      </a:lnRef>
-      <a:fillRef idx="1">
-        <a:scrgbClr r="0" g="0" b="0"/>
-      </a:fillRef>
-      <a:effectRef idx="0">
-        <a:scrgbClr r="0" g="0" b="0"/>
-      </a:effectRef>
-      <a:fontRef idx="minor">
-        <a:schemeClr val="lt1"/>
-      </a:fontRef>
-    </dgm:style>
-  </dgm:styleLbl>
-  <dgm:styleLbl name="parChTrans2D3">
-    <dgm:scene3d>
-      <a:camera prst="orthographicFront"/>
-      <a:lightRig rig="threePt" dir="t"/>
-    </dgm:scene3d>
-    <dgm:sp3d/>
-    <dgm:txPr/>
-    <dgm:style>
-      <a:lnRef idx="2">
-        <a:scrgbClr r="0" g="0" b="0"/>
-      </a:lnRef>
-      <a:fillRef idx="1">
-        <a:scrgbClr r="0" g="0" b="0"/>
-      </a:fillRef>
-      <a:effectRef idx="0">
-        <a:scrgbClr r="0" g="0" b="0"/>
-      </a:effectRef>
-      <a:fontRef idx="minor">
-        <a:schemeClr val="lt1"/>
-      </a:fontRef>
-    </dgm:style>
-  </dgm:styleLbl>
-  <dgm:styleLbl name="parChTrans2D4">
-    <dgm:scene3d>
-      <a:camera prst="orthographicFront"/>
-      <a:lightRig rig="threePt" dir="t"/>
-    </dgm:scene3d>
-    <dgm:sp3d/>
-    <dgm:txPr/>
-    <dgm:style>
-      <a:lnRef idx="2">
-        <a:scrgbClr r="0" g="0" b="0"/>
-      </a:lnRef>
-      <a:fillRef idx="1">
-        <a:scrgbClr r="0" g="0" b="0"/>
-      </a:fillRef>
-      <a:effectRef idx="0">
-        <a:scrgbClr r="0" g="0" b="0"/>
-      </a:effectRef>
-      <a:fontRef idx="minor">
-        <a:schemeClr val="lt1"/>
-      </a:fontRef>
-    </dgm:style>
-  </dgm:styleLbl>
-  <dgm:styleLbl name="parChTrans1D1">
-    <dgm:scene3d>
-      <a:camera prst="orthographicFront"/>
-      <a:lightRig rig="threePt" dir="t"/>
-    </dgm:scene3d>
-    <dgm:sp3d/>
-    <dgm:txPr/>
-    <dgm:style>
-      <a:lnRef idx="2">
-        <a:scrgbClr r="0" g="0" b="0"/>
-      </a:lnRef>
-      <a:fillRef idx="0">
-        <a:scrgbClr r="0" g="0" b="0"/>
-      </a:fillRef>
-      <a:effectRef idx="0">
-        <a:scrgbClr r="0" g="0" b="0"/>
-      </a:effectRef>
-      <a:fontRef idx="minor"/>
-    </dgm:style>
-  </dgm:styleLbl>
-  <dgm:styleLbl name="parChTrans1D2">
-    <dgm:scene3d>
-      <a:camera prst="orthographicFront"/>
-      <a:lightRig rig="threePt" dir="t"/>
-    </dgm:scene3d>
-    <dgm:sp3d/>
-    <dgm:txPr/>
-    <dgm:style>
-      <a:lnRef idx="2">
-        <a:scrgbClr r="0" g="0" b="0"/>
-      </a:lnRef>
-      <a:fillRef idx="0">
-        <a:scrgbClr r="0" g="0" b="0"/>
-      </a:fillRef>
-      <a:effectRef idx="0">
-        <a:scrgbClr r="0" g="0" b="0"/>
-      </a:effectRef>
-      <a:fontRef idx="minor"/>
-    </dgm:style>
-  </dgm:styleLbl>
-  <dgm:styleLbl name="parChTrans1D3">
-    <dgm:scene3d>
-      <a:camera prst="orthographicFront"/>
-      <a:lightRig rig="threePt" dir="t"/>
-    </dgm:scene3d>
-    <dgm:sp3d/>
-    <dgm:txPr/>
-    <dgm:style>
-      <a:lnRef idx="2">
-        <a:scrgbClr r="0" g="0" b="0"/>
-      </a:lnRef>
-      <a:fillRef idx="0">
-        <a:scrgbClr r="0" g="0" b="0"/>
-      </a:fillRef>
-      <a:effectRef idx="0">
-        <a:scrgbClr r="0" g="0" b="0"/>
-      </a:effectRef>
-      <a:fontRef idx="minor"/>
-    </dgm:style>
-  </dgm:styleLbl>
-  <dgm:styleLbl name="parChTrans1D4">
-    <dgm:scene3d>
-      <a:camera prst="orthographicFront"/>
-      <a:lightRig rig="threePt" dir="t"/>
-    </dgm:scene3d>
-    <dgm:sp3d/>
-    <dgm:txPr/>
-    <dgm:style>
-      <a:lnRef idx="2">
-        <a:scrgbClr r="0" g="0" b="0"/>
-      </a:lnRef>
-      <a:fillRef idx="0">
-        <a:scrgbClr r="0" g="0" b="0"/>
-      </a:fillRef>
-      <a:effectRef idx="0">
-        <a:scrgbClr r="0" g="0" b="0"/>
-      </a:effectRef>
-      <a:fontRef idx="minor"/>
-    </dgm:style>
-  </dgm:styleLbl>
-  <dgm:styleLbl name="fgAcc1">
-    <dgm:scene3d>
-      <a:camera prst="orthographicFront"/>
-      <a:lightRig rig="threePt" dir="t"/>
-    </dgm:scene3d>
-    <dgm:sp3d/>
-    <dgm:txPr/>
-    <dgm:style>
-      <a:lnRef idx="2">
-        <a:scrgbClr r="0" g="0" b="0"/>
-      </a:lnRef>
-      <a:fillRef idx="1">
-        <a:scrgbClr r="0" g="0" b="0"/>
-      </a:fillRef>
-      <a:effectRef idx="0">
-        <a:scrgbClr r="0" g="0" b="0"/>
-      </a:effectRef>
-      <a:fontRef idx="minor"/>
-    </dgm:style>
-  </dgm:styleLbl>
-  <dgm:styleLbl name="conFgAcc1">
-    <dgm:scene3d>
-      <a:camera prst="orthographicFront"/>
-      <a:lightRig rig="threePt" dir="t"/>
-    </dgm:scene3d>
-    <dgm:sp3d/>
-    <dgm:txPr/>
-    <dgm:style>
-      <a:lnRef idx="2">
-        <a:scrgbClr r="0" g="0" b="0"/>
-      </a:lnRef>
-      <a:fillRef idx="1">
-        <a:scrgbClr r="0" g="0" b="0"/>
-      </a:fillRef>
-      <a:effectRef idx="0">
-        <a:scrgbClr r="0" g="0" b="0"/>
-      </a:effectRef>
-      <a:fontRef idx="minor"/>
-    </dgm:style>
-  </dgm:styleLbl>
-  <dgm:styleLbl name="alignAcc1">
-    <dgm:scene3d>
-      <a:camera prst="orthographicFront"/>
-      <a:lightRig rig="threePt" dir="t"/>
-    </dgm:scene3d>
-    <dgm:sp3d/>
-    <dgm:txPr/>
-    <dgm:style>
-      <a:lnRef idx="2">
-        <a:scrgbClr r="0" g="0" b="0"/>
-      </a:lnRef>
-      <a:fillRef idx="1">
-        <a:scrgbClr r="0" g="0" b="0"/>
-      </a:fillRef>
-      <a:effectRef idx="0">
-        <a:scrgbClr r="0" g="0" b="0"/>
-      </a:effectRef>
-      <a:fontRef idx="minor"/>
-    </dgm:style>
-  </dgm:styleLbl>
-  <dgm:styleLbl name="trAlignAcc1">
-    <dgm:scene3d>
-      <a:camera prst="orthographicFront"/>
-      <a:lightRig rig="threePt" dir="t"/>
-    </dgm:scene3d>
-    <dgm:sp3d/>
-    <dgm:txPr/>
-    <dgm:style>
-      <a:lnRef idx="1">
-        <a:scrgbClr r="0" g="0" b="0"/>
-      </a:lnRef>
-      <a:fillRef idx="1">
-        <a:scrgbClr r="0" g="0" b="0"/>
-      </a:fillRef>
-      <a:effectRef idx="0">
-        <a:scrgbClr r="0" g="0" b="0"/>
-      </a:effectRef>
-      <a:fontRef idx="minor"/>
-    </dgm:style>
-  </dgm:styleLbl>
-  <dgm:styleLbl name="bgAcc1">
-    <dgm:scene3d>
-      <a:camera prst="orthographicFront"/>
-      <a:lightRig rig="threePt" dir="t"/>
-    </dgm:scene3d>
-    <dgm:sp3d/>
-    <dgm:txPr/>
-    <dgm:style>
-      <a:lnRef idx="2">
-        <a:scrgbClr r="0" g="0" b="0"/>
-      </a:lnRef>
-      <a:fillRef idx="1">
-        <a:scrgbClr r="0" g="0" b="0"/>
-      </a:fillRef>
-      <a:effectRef idx="0">
-        <a:scrgbClr r="0" g="0" b="0"/>
-      </a:effectRef>
-      <a:fontRef idx="minor"/>
-    </dgm:style>
-  </dgm:styleLbl>
-  <dgm:styleLbl name="solidFgAcc1">
-    <dgm:scene3d>
-      <a:camera prst="orthographicFront"/>
-      <a:lightRig rig="threePt" dir="t"/>
-    </dgm:scene3d>
-    <dgm:sp3d/>
-    <dgm:txPr/>
-    <dgm:style>
-      <a:lnRef idx="2">
-        <a:scrgbClr r="0" g="0" b="0"/>
-      </a:lnRef>
-      <a:fillRef idx="1">
-        <a:scrgbClr r="0" g="0" b="0"/>
-      </a:fillRef>
-      <a:effectRef idx="0">
-        <a:scrgbClr r="0" g="0" b="0"/>
-      </a:effectRef>
-      <a:fontRef idx="minor"/>
-    </dgm:style>
-  </dgm:styleLbl>
-  <dgm:styleLbl name="solidAlignAcc1">
-    <dgm:scene3d>
-      <a:camera prst="orthographicFront"/>
-      <a:lightRig rig="threePt" dir="t"/>
-    </dgm:scene3d>
-    <dgm:sp3d/>
-    <dgm:txPr/>
-    <dgm:style>
-      <a:lnRef idx="2">
-        <a:scrgbClr r="0" g="0" b="0"/>
-      </a:lnRef>
-      <a:fillRef idx="1">
-        <a:scrgbClr r="0" g="0" b="0"/>
-      </a:fillRef>
-      <a:effectRef idx="0">
-        <a:scrgbClr r="0" g="0" b="0"/>
-      </a:effectRef>
-      <a:fontRef idx="minor"/>
-    </dgm:style>
-  </dgm:styleLbl>
-  <dgm:styleLbl name="solidBgAcc1">
-    <dgm:scene3d>
-      <a:camera prst="orthographicFront"/>
-      <a:lightRig rig="threePt" dir="t"/>
-    </dgm:scene3d>
-    <dgm:sp3d/>
-    <dgm:txPr/>
-    <dgm:style>
-      <a:lnRef idx="2">
-        <a:scrgbClr r="0" g="0" b="0"/>
-      </a:lnRef>
-      <a:fillRef idx="1">
-        <a:scrgbClr r="0" g="0" b="0"/>
-      </a:fillRef>
-      <a:effectRef idx="0">
-        <a:scrgbClr r="0" g="0" b="0"/>
-      </a:effectRef>
-      <a:fontRef idx="minor"/>
-    </dgm:style>
-  </dgm:styleLbl>
-  <dgm:styleLbl name="fgAccFollowNode1">
-    <dgm:scene3d>
-      <a:camera prst="orthographicFront"/>
-      <a:lightRig rig="threePt" dir="t"/>
-    </dgm:scene3d>
-    <dgm:sp3d/>
-    <dgm:txPr/>
-    <dgm:style>
-      <a:lnRef idx="2">
-        <a:scrgbClr r="0" g="0" b="0"/>
-      </a:lnRef>
-      <a:fillRef idx="1">
-        <a:scrgbClr r="0" g="0" b="0"/>
-      </a:fillRef>
-      <a:effectRef idx="0">
-        <a:scrgbClr r="0" g="0" b="0"/>
-      </a:effectRef>
-      <a:fontRef idx="minor"/>
-    </dgm:style>
-  </dgm:styleLbl>
-  <dgm:styleLbl name="alignAccFollowNode1">
-    <dgm:scene3d>
-      <a:camera prst="orthographicFront"/>
-      <a:lightRig rig="threePt" dir="t"/>
-    </dgm:scene3d>
-    <dgm:sp3d/>
-    <dgm:txPr/>
-    <dgm:style>
-      <a:lnRef idx="2">
-        <a:scrgbClr r="0" g="0" b="0"/>
-      </a:lnRef>
-      <a:fillRef idx="1">
-        <a:scrgbClr r="0" g="0" b="0"/>
-      </a:fillRef>
-      <a:effectRef idx="0">
-        <a:scrgbClr r="0" g="0" b="0"/>
-      </a:effectRef>
-      <a:fontRef idx="minor"/>
-    </dgm:style>
-  </dgm:styleLbl>
-  <dgm:styleLbl name="bgAccFollowNode1">
-    <dgm:scene3d>
-      <a:camera prst="orthographicFront"/>
-      <a:lightRig rig="threePt" dir="t"/>
-    </dgm:scene3d>
-    <dgm:sp3d/>
-    <dgm:txPr/>
-    <dgm:style>
-      <a:lnRef idx="2">
-        <a:scrgbClr r="0" g="0" b="0"/>
-      </a:lnRef>
-      <a:fillRef idx="1">
-        <a:scrgbClr r="0" g="0" b="0"/>
-      </a:fillRef>
-      <a:effectRef idx="0">
-        <a:scrgbClr r="0" g="0" b="0"/>
-      </a:effectRef>
-      <a:fontRef idx="minor"/>
-    </dgm:style>
-  </dgm:styleLbl>
-  <dgm:styleLbl name="fgAcc0">
-    <dgm:scene3d>
-      <a:camera prst="orthographicFront"/>
-      <a:lightRig rig="threePt" dir="t"/>
-    </dgm:scene3d>
-    <dgm:sp3d/>
-    <dgm:txPr/>
-    <dgm:style>
-      <a:lnRef idx="2">
-        <a:scrgbClr r="0" g="0" b="0"/>
-      </a:lnRef>
-      <a:fillRef idx="1">
-        <a:scrgbClr r="0" g="0" b="0"/>
-      </a:fillRef>
-      <a:effectRef idx="0">
-        <a:scrgbClr r="0" g="0" b="0"/>
-      </a:effectRef>
-      <a:fontRef idx="minor"/>
-    </dgm:style>
-  </dgm:styleLbl>
-  <dgm:styleLbl name="fgAcc2">
-    <dgm:scene3d>
-      <a:camera prst="orthographicFront"/>
-      <a:lightRig rig="threePt" dir="t"/>
-    </dgm:scene3d>
-    <dgm:sp3d/>
-    <dgm:txPr/>
-    <dgm:style>
-      <a:lnRef idx="2">
-        <a:scrgbClr r="0" g="0" b="0"/>
-      </a:lnRef>
-      <a:fillRef idx="1">
-        <a:scrgbClr r="0" g="0" b="0"/>
-      </a:fillRef>
-      <a:effectRef idx="0">
-        <a:scrgbClr r="0" g="0" b="0"/>
-      </a:effectRef>
-      <a:fontRef idx="minor"/>
-    </dgm:style>
-  </dgm:styleLbl>
-  <dgm:styleLbl name="fgAcc3">
-    <dgm:scene3d>
-      <a:camera prst="orthographicFront"/>
-      <a:lightRig rig="threePt" dir="t"/>
-    </dgm:scene3d>
-    <dgm:sp3d/>
-    <dgm:txPr/>
-    <dgm:style>
-      <a:lnRef idx="2">
-        <a:scrgbClr r="0" g="0" b="0"/>
-      </a:lnRef>
-      <a:fillRef idx="1">
-        <a:scrgbClr r="0" g="0" b="0"/>
-      </a:fillRef>
-      <a:effectRef idx="0">
-        <a:scrgbClr r="0" g="0" b="0"/>
-      </a:effectRef>
-      <a:fontRef idx="minor"/>
-    </dgm:style>
-  </dgm:styleLbl>
-  <dgm:styleLbl name="fgAcc4">
-    <dgm:scene3d>
-      <a:camera prst="orthographicFront"/>
-      <a:lightRig rig="threePt" dir="t"/>
-    </dgm:scene3d>
-    <dgm:sp3d/>
-    <dgm:txPr/>
-    <dgm:style>
-      <a:lnRef idx="2">
-        <a:scrgbClr r="0" g="0" b="0"/>
-      </a:lnRef>
-      <a:fillRef idx="1">
-        <a:scrgbClr r="0" g="0" b="0"/>
-      </a:fillRef>
-      <a:effectRef idx="0">
-        <a:scrgbClr r="0" g="0" b="0"/>
-      </a:effectRef>
-      <a:fontRef idx="minor"/>
-    </dgm:style>
-  </dgm:styleLbl>
-  <dgm:styleLbl name="bgShp">
-    <dgm:scene3d>
-      <a:camera prst="orthographicFront"/>
-      <a:lightRig rig="threePt" dir="t"/>
-    </dgm:scene3d>
-    <dgm:sp3d/>
-    <dgm:txPr/>
-    <dgm:style>
-      <a:lnRef idx="0">
-        <a:scrgbClr r="0" g="0" b="0"/>
-      </a:lnRef>
-      <a:fillRef idx="1">
-        <a:scrgbClr r="0" g="0" b="0"/>
-      </a:fillRef>
-      <a:effectRef idx="0">
-        <a:scrgbClr r="0" g="0" b="0"/>
-      </a:effectRef>
-      <a:fontRef idx="minor"/>
-    </dgm:style>
-  </dgm:styleLbl>
-  <dgm:styleLbl name="dkBgShp">
-    <dgm:scene3d>
-      <a:camera prst="orthographicFront"/>
-      <a:lightRig rig="threePt" dir="t"/>
-    </dgm:scene3d>
-    <dgm:sp3d/>
-    <dgm:txPr/>
-    <dgm:style>
-      <a:lnRef idx="0">
-        <a:scrgbClr r="0" g="0" b="0"/>
-      </a:lnRef>
-      <a:fillRef idx="1">
-        <a:scrgbClr r="0" g="0" b="0"/>
-      </a:fillRef>
-      <a:effectRef idx="0">
-        <a:scrgbClr r="0" g="0" b="0"/>
-      </a:effectRef>
-      <a:fontRef idx="minor"/>
-    </dgm:style>
-  </dgm:styleLbl>
-  <dgm:styleLbl name="trBgShp">
-    <dgm:scene3d>
-      <a:camera prst="orthographicFront"/>
-      <a:lightRig rig="threePt" dir="t"/>
-    </dgm:scene3d>
-    <dgm:sp3d/>
-    <dgm:txPr/>
-    <dgm:style>
-      <a:lnRef idx="0">
-        <a:scrgbClr r="0" g="0" b="0"/>
-      </a:lnRef>
-      <a:fillRef idx="1">
-        <a:scrgbClr r="0" g="0" b="0"/>
-      </a:fillRef>
-      <a:effectRef idx="0">
-        <a:scrgbClr r="0" g="0" b="0"/>
-      </a:effectRef>
-      <a:fontRef idx="minor"/>
-    </dgm:style>
-  </dgm:styleLbl>
-  <dgm:styleLbl name="fgShp">
-    <dgm:scene3d>
-      <a:camera prst="orthographicFront"/>
-      <a:lightRig rig="threePt" dir="t"/>
-    </dgm:scene3d>
-    <dgm:sp3d/>
-    <dgm:txPr/>
-    <dgm:style>
-      <a:lnRef idx="2">
-        <a:scrgbClr r="0" g="0" b="0"/>
-      </a:lnRef>
-      <a:fillRef idx="1">
-        <a:scrgbClr r="0" g="0" b="0"/>
-      </a:fillRef>
-      <a:effectRef idx="0">
-        <a:scrgbClr r="0" g="0" b="0"/>
-      </a:effectRef>
-      <a:fontRef idx="minor"/>
-    </dgm:style>
-  </dgm:styleLbl>
-  <dgm:styleLbl name="revTx">
-    <dgm:scene3d>
-      <a:camera prst="orthographicFront"/>
-      <a:lightRig rig="threePt" dir="t"/>
-    </dgm:scene3d>
-    <dgm:sp3d/>
-    <dgm:txPr/>
-    <dgm:style>
-      <a:lnRef idx="0">
-        <a:scrgbClr r="0" g="0" b="0"/>
-      </a:lnRef>
-      <a:fillRef idx="0">
-        <a:scrgbClr r="0" g="0" b="0"/>
-      </a:fillRef>
-      <a:effectRef idx="0">
-        <a:scrgbClr r="0" g="0" b="0"/>
-      </a:effectRef>
-      <a:fontRef idx="minor"/>
-    </dgm:style>
-  </dgm:styleLbl>
-</dgm:styleDef>
-</file>
-
-<file path=ppt/diagrams/quickStyle6.xml><?xml version="1.0" encoding="utf-8"?>
 <dgm:styleDef xmlns:dgm="http://schemas.openxmlformats.org/drawingml/2006/diagram" xmlns:a="http://schemas.openxmlformats.org/drawingml/2006/main" uniqueId="urn:microsoft.com/office/officeart/2005/8/quickstyle/simple1">
   <dgm:title val=""/>
   <dgm:desc val=""/>
@@ -21853,7 +17776,7 @@
           <a:p>
             <a:fld id="{E3775AAE-0936-40B9-ACF9-A981EEF95D23}" type="datetimeFigureOut">
               <a:rPr lang="en-US" smtClean="0"/>
-              <a:t>9/28/2018</a:t>
+              <a:t>10/10/2018</a:t>
             </a:fld>
             <a:endParaRPr lang="en-US"/>
           </a:p>
@@ -23010,7 +18933,7 @@
           <a:p>
             <a:fld id="{78ABE3C1-DBE1-495D-B57B-2849774B866A}" type="datetimeFigureOut">
               <a:rPr lang="en-US" smtClean="0"/>
-              <a:t>9/28/2018</a:t>
+              <a:t>10/10/2018</a:t>
             </a:fld>
             <a:endParaRPr lang="en-US" dirty="0"/>
           </a:p>
@@ -23436,7 +19359,7 @@
           <a:p>
             <a:fld id="{446C117F-5CCF-4837-BE5F-2B92066CAFAF}" type="datetimeFigureOut">
               <a:rPr lang="en-US" smtClean="0"/>
-              <a:t>9/28/2018</a:t>
+              <a:t>10/10/2018</a:t>
             </a:fld>
             <a:endParaRPr lang="en-US" dirty="0"/>
           </a:p>
@@ -23784,7 +19707,7 @@
           <a:p>
             <a:fld id="{84EB90BD-B6CE-46B7-997F-7313B992CCDC}" type="datetimeFigureOut">
               <a:rPr lang="en-US" smtClean="0"/>
-              <a:t>9/28/2018</a:t>
+              <a:t>10/10/2018</a:t>
             </a:fld>
             <a:endParaRPr lang="en-US" dirty="0"/>
           </a:p>
@@ -24201,7 +20124,7 @@
           <a:p>
             <a:fld id="{CDB9D11F-B188-461D-B23F-39381795C052}" type="datetimeFigureOut">
               <a:rPr lang="en-US" smtClean="0"/>
-              <a:t>9/28/2018</a:t>
+              <a:t>10/10/2018</a:t>
             </a:fld>
             <a:endParaRPr lang="en-US" dirty="0"/>
           </a:p>
@@ -24781,7 +20704,7 @@
           <a:p>
             <a:fld id="{52E6D8D9-55A2-4063-B0F3-121F44549695}" type="datetimeFigureOut">
               <a:rPr lang="en-US" smtClean="0"/>
-              <a:t>9/28/2018</a:t>
+              <a:t>10/10/2018</a:t>
             </a:fld>
             <a:endParaRPr lang="en-US" dirty="0"/>
           </a:p>
@@ -25474,7 +21397,7 @@
           <a:p>
             <a:fld id="{D4B24536-994D-4021-A283-9F449C0DB509}" type="datetimeFigureOut">
               <a:rPr lang="en-US" smtClean="0"/>
-              <a:t>9/28/2018</a:t>
+              <a:t>10/10/2018</a:t>
             </a:fld>
             <a:endParaRPr lang="en-US" dirty="0"/>
           </a:p>
@@ -26399,7 +22322,7 @@
           <a:p>
             <a:fld id="{3CBBBB78-C96F-47B7-AB17-D852CA960AC9}" type="datetimeFigureOut">
               <a:rPr lang="en-US" smtClean="0"/>
-              <a:t>9/28/2018</a:t>
+              <a:t>10/10/2018</a:t>
             </a:fld>
             <a:endParaRPr lang="en-US" dirty="0"/>
           </a:p>
@@ -26724,7 +22647,7 @@
           <a:p>
             <a:fld id="{1FA3F48C-C7C6-4055-9F49-3777875E72AE}" type="datetimeFigureOut">
               <a:rPr lang="en-US" smtClean="0"/>
-              <a:t>9/28/2018</a:t>
+              <a:t>10/10/2018</a:t>
             </a:fld>
             <a:endParaRPr lang="en-US" dirty="0"/>
           </a:p>
@@ -27000,7 +22923,7 @@
           <a:p>
             <a:fld id="{6178E61D-D431-422C-9764-11DAFE33AB63}" type="datetimeFigureOut">
               <a:rPr lang="en-US" smtClean="0"/>
-              <a:t>9/28/2018</a:t>
+              <a:t>10/10/2018</a:t>
             </a:fld>
             <a:endParaRPr lang="en-US" dirty="0"/>
           </a:p>
@@ -27354,7 +23277,7 @@
           <a:p>
             <a:fld id="{12DE42F4-6EEF-4EF7-8ED4-2208F0F89A08}" type="datetimeFigureOut">
               <a:rPr lang="en-US" smtClean="0"/>
-              <a:t>9/28/2018</a:t>
+              <a:t>10/10/2018</a:t>
             </a:fld>
             <a:endParaRPr lang="en-US" dirty="0"/>
           </a:p>
@@ -27755,7 +23678,7 @@
           <a:p>
             <a:fld id="{30578ACC-22D6-47C1-A373-4FD133E34F3C}" type="datetimeFigureOut">
               <a:rPr lang="en-US" smtClean="0"/>
-              <a:t>9/28/2018</a:t>
+              <a:t>10/10/2018</a:t>
             </a:fld>
             <a:endParaRPr lang="en-US" dirty="0"/>
           </a:p>
@@ -28143,7 +24066,7 @@
           <a:p>
             <a:fld id="{4E5A6C69-6797-4E8A-BF37-F2C3751466E9}" type="datetimeFigureOut">
               <a:rPr lang="en-US" smtClean="0"/>
-              <a:t>9/28/2018</a:t>
+              <a:t>10/10/2018</a:t>
             </a:fld>
             <a:endParaRPr lang="en-US" dirty="0"/>
           </a:p>
@@ -28661,7 +24584,7 @@
           <a:p>
             <a:fld id="{D82014A1-A632-4878-A0D3-F52BA7563730}" type="datetimeFigureOut">
               <a:rPr lang="en-US" smtClean="0"/>
-              <a:t>9/28/2018</a:t>
+              <a:t>10/10/2018</a:t>
             </a:fld>
             <a:endParaRPr lang="en-US" dirty="0"/>
           </a:p>
@@ -28930,7 +24853,7 @@
           <a:p>
             <a:fld id="{CE99F462-093F-4566-844B-4C71F2739DA5}" type="datetimeFigureOut">
               <a:rPr lang="en-US" smtClean="0"/>
-              <a:t>9/28/2018</a:t>
+              <a:t>10/10/2018</a:t>
             </a:fld>
             <a:endParaRPr lang="en-US" dirty="0"/>
           </a:p>
@@ -29105,7 +25028,7 @@
           <a:p>
             <a:fld id="{3D24A7AC-904D-4781-85BA-7D10C17ED021}" type="datetimeFigureOut">
               <a:rPr lang="en-US" smtClean="0"/>
-              <a:t>9/28/2018</a:t>
+              <a:t>10/10/2018</a:t>
             </a:fld>
             <a:endParaRPr lang="en-US" dirty="0"/>
           </a:p>
@@ -29507,7 +25430,7 @@
           <a:p>
             <a:fld id="{E331444B-B92B-4E27-8C94-BB93EAF5CB18}" type="datetimeFigureOut">
               <a:rPr lang="en-US" smtClean="0"/>
-              <a:t>9/28/2018</a:t>
+              <a:t>10/10/2018</a:t>
             </a:fld>
             <a:endParaRPr lang="en-US" dirty="0"/>
           </a:p>
@@ -29928,7 +25851,7 @@
           <a:p>
             <a:fld id="{363EFA5E-FA76-400D-B3DC-F0BA90E6D107}" type="datetimeFigureOut">
               <a:rPr lang="en-US" smtClean="0"/>
-              <a:t>9/28/2018</a:t>
+              <a:t>10/10/2018</a:t>
             </a:fld>
             <a:endParaRPr lang="en-US" dirty="0"/>
           </a:p>
@@ -30184,7 +26107,7 @@
           <a:p>
             <a:fld id="{9D6E9DEC-419B-4CC5-A080-3B06BD5A8291}" type="datetimeFigureOut">
               <a:rPr lang="en-US" smtClean="0"/>
-              <a:t>9/28/2018</a:t>
+              <a:t>10/10/2018</a:t>
             </a:fld>
             <a:endParaRPr lang="en-US" dirty="0"/>
           </a:p>
@@ -30912,7 +26835,7 @@
             <p:ph idx="1"/>
             <p:extLst>
               <p:ext uri="{D42A27DB-BD31-4B8C-83A1-F6EECF244321}">
-                <p14:modId xmlns:p14="http://schemas.microsoft.com/office/powerpoint/2010/main" val="881538801"/>
+                <p14:modId xmlns:p14="http://schemas.microsoft.com/office/powerpoint/2010/main" val="1565508455"/>
               </p:ext>
             </p:extLst>
           </p:nvPr>
@@ -31706,13 +27629,8 @@
           <a:p>
             <a:r>
               <a:rPr lang="en-US" dirty="0" smtClean="0"/>
-              <a:t>So far we </a:t>
+              <a:t>So far we have achieved,</a:t>
             </a:r>
-            <a:r>
-              <a:rPr lang="en-US" dirty="0" smtClean="0"/>
-              <a:t>have achieved,</a:t>
-            </a:r>
-            <a:endParaRPr lang="en-US" dirty="0" smtClean="0"/>
           </a:p>
           <a:p>
             <a:pPr lvl="1">
@@ -31724,13 +27642,8 @@
             </a:pPr>
             <a:r>
               <a:rPr lang="en-US" sz="2400" dirty="0" smtClean="0"/>
-              <a:t> Sensor </a:t>
+              <a:t> Sensor Interfacing.</a:t>
             </a:r>
-            <a:r>
-              <a:rPr lang="en-US" sz="2400" dirty="0" smtClean="0"/>
-              <a:t>Interfacing.</a:t>
-            </a:r>
-            <a:endParaRPr lang="en-US" sz="2400" dirty="0" smtClean="0"/>
           </a:p>
           <a:p>
             <a:pPr lvl="1">
@@ -31759,11 +27672,7 @@
             </a:pPr>
             <a:r>
               <a:rPr lang="en-US" sz="2400" dirty="0" smtClean="0"/>
-              <a:t> Created </a:t>
-            </a:r>
-            <a:r>
-              <a:rPr lang="en-US" sz="2400" dirty="0" smtClean="0"/>
-              <a:t>MySQL database for sensor’s readings.</a:t>
+              <a:t> Created MySQL database for sensor’s readings.</a:t>
             </a:r>
           </a:p>
           <a:p>
@@ -31776,11 +27685,7 @@
             </a:pPr>
             <a:r>
               <a:rPr lang="en-US" sz="2400" dirty="0" smtClean="0"/>
-              <a:t> Plotting </a:t>
-            </a:r>
-            <a:r>
-              <a:rPr lang="en-US" sz="2400" dirty="0" smtClean="0"/>
-              <a:t>of data using chart.js library.</a:t>
+              <a:t> Plotting of data using chart.js library.</a:t>
             </a:r>
           </a:p>
           <a:p>
@@ -31797,11 +27702,7 @@
             </a:r>
             <a:r>
               <a:rPr lang="en-US" sz="2400" dirty="0" smtClean="0"/>
-              <a:t>Created </a:t>
-            </a:r>
-            <a:r>
-              <a:rPr lang="en-US" sz="2400" dirty="0" smtClean="0"/>
-              <a:t>a Website for displaying sensor readings and graphs over the period of time for analysis purpose.</a:t>
+              <a:t>Created a Website for displaying sensor readings and graphs over the period of time for analysis purpose.</a:t>
             </a:r>
           </a:p>
         </p:txBody>
@@ -31872,7 +27773,11 @@
           <a:p>
             <a:r>
               <a:rPr lang="en-US" dirty="0" smtClean="0"/>
-              <a:t>Achieved Sensor interfacing and data transmission</a:t>
+              <a:t>Sensor </a:t>
+            </a:r>
+            <a:r>
+              <a:rPr lang="en-US" dirty="0" smtClean="0"/>
+              <a:t>interfacing and data transmission</a:t>
             </a:r>
             <a:endParaRPr lang="en-US" dirty="0"/>
           </a:p>
@@ -31917,13 +27822,13 @@
   <p:clrMapOvr>
     <a:masterClrMapping/>
   </p:clrMapOvr>
-  <mc:AlternateContent xmlns:mc="http://schemas.openxmlformats.org/markup-compatibility/2006">
-    <mc:Choice xmlns:p14="http://schemas.microsoft.com/office/powerpoint/2010/main" Requires="p14">
+  <mc:AlternateContent xmlns:mc="http://schemas.openxmlformats.org/markup-compatibility/2006" xmlns:p14="http://schemas.microsoft.com/office/powerpoint/2010/main">
+    <mc:Choice Requires="p14">
       <p:transition spd="med" p14:dur="700">
         <p:fade/>
       </p:transition>
     </mc:Choice>
-    <mc:Fallback>
+    <mc:Fallback xmlns="">
       <p:transition spd="med">
         <p:fade/>
       </p:transition>
@@ -31973,7 +27878,11 @@
           <a:p>
             <a:r>
               <a:rPr lang="en-US" dirty="0" smtClean="0"/>
-              <a:t>Achieved data reception at the Hub</a:t>
+              <a:t>Data received at </a:t>
+            </a:r>
+            <a:r>
+              <a:rPr lang="en-US" dirty="0" smtClean="0"/>
+              <a:t>the Hub</a:t>
             </a:r>
             <a:endParaRPr lang="en-US" dirty="0"/>
           </a:p>
@@ -32017,13 +27926,13 @@
   <p:clrMapOvr>
     <a:masterClrMapping/>
   </p:clrMapOvr>
-  <mc:AlternateContent xmlns:mc="http://schemas.openxmlformats.org/markup-compatibility/2006">
-    <mc:Choice xmlns:p14="http://schemas.microsoft.com/office/powerpoint/2010/main" Requires="p14">
+  <mc:AlternateContent xmlns:mc="http://schemas.openxmlformats.org/markup-compatibility/2006" xmlns:p14="http://schemas.microsoft.com/office/powerpoint/2010/main">
+    <mc:Choice Requires="p14">
       <p:transition spd="med" p14:dur="700">
         <p:fade/>
       </p:transition>
     </mc:Choice>
-    <mc:Fallback>
+    <mc:Fallback xmlns="">
       <p:transition spd="med">
         <p:fade/>
       </p:transition>
@@ -32073,280 +27982,53 @@
           <a:p>
             <a:r>
               <a:rPr lang="en-US" dirty="0" smtClean="0"/>
-              <a:t>Progress Status In Terms of Block Diagram</a:t>
+              <a:t>Website Interface</a:t>
             </a:r>
             <a:endParaRPr lang="en-US" dirty="0"/>
           </a:p>
         </p:txBody>
       </p:sp>
-      <p:graphicFrame>
-        <p:nvGraphicFramePr>
-          <p:cNvPr id="25" name="Content Placeholder 24"/>
-          <p:cNvGraphicFramePr>
-            <a:graphicFrameLocks noGrp="1"/>
-          </p:cNvGraphicFramePr>
+      <p:pic>
+        <p:nvPicPr>
+          <p:cNvPr id="4" name="Content Placeholder 3"/>
+          <p:cNvPicPr>
+            <a:picLocks noGrp="1"/>
+          </p:cNvPicPr>
           <p:nvPr>
             <p:ph idx="1"/>
-            <p:extLst>
-              <p:ext uri="{D42A27DB-BD31-4B8C-83A1-F6EECF244321}">
-                <p14:modId xmlns:p14="http://schemas.microsoft.com/office/powerpoint/2010/main" val="2218548855"/>
-              </p:ext>
-            </p:extLst>
           </p:nvPr>
-        </p:nvGraphicFramePr>
-        <p:xfrm>
-          <a:off x="0" y="2540920"/>
-          <a:ext cx="9613900" cy="3598863"/>
-        </p:xfrm>
-        <a:graphic>
-          <a:graphicData uri="http://schemas.openxmlformats.org/drawingml/2006/diagram">
-            <dgm:relIds xmlns:dgm="http://schemas.openxmlformats.org/drawingml/2006/diagram" xmlns:r="http://schemas.openxmlformats.org/officeDocument/2006/relationships" r:dm="rId2" r:lo="rId3" r:qs="rId4" r:cs="rId5"/>
-          </a:graphicData>
-        </a:graphic>
-      </p:graphicFrame>
-      <p:pic>
-        <p:nvPicPr>
-          <p:cNvPr id="3" name="Picture 2"/>
-          <p:cNvPicPr>
-            <a:picLocks noChangeAspect="1"/>
-          </p:cNvPicPr>
-          <p:nvPr/>
         </p:nvPicPr>
         <p:blipFill>
-          <a:blip r:embed="rId7">
+          <a:blip r:embed="rId2">
             <a:extLst>
               <a:ext uri="{28A0092B-C50C-407E-A947-70E740481C1C}">
                 <a14:useLocalDpi xmlns:a14="http://schemas.microsoft.com/office/drawing/2010/main" val="0"/>
               </a:ext>
             </a:extLst>
           </a:blip>
+          <a:srcRect/>
           <a:stretch>
             <a:fillRect/>
           </a:stretch>
         </p:blipFill>
-        <p:spPr>
+        <p:spPr bwMode="auto">
           <a:xfrm>
-            <a:off x="3328416" y="5060020"/>
-            <a:ext cx="1584960" cy="767756"/>
-          </a:xfrm>
-          <a:prstGeom prst="rect">
-            <a:avLst/>
-          </a:prstGeom>
-        </p:spPr>
-      </p:pic>
-      <p:cxnSp>
-        <p:nvCxnSpPr>
-          <p:cNvPr id="5" name="Straight Connector 4"/>
-          <p:cNvCxnSpPr>
-            <a:endCxn id="3" idx="0"/>
-          </p:cNvCxnSpPr>
-          <p:nvPr/>
-        </p:nvCxnSpPr>
-        <p:spPr>
-          <a:xfrm>
-            <a:off x="4120896" y="4559808"/>
-            <a:ext cx="0" cy="500212"/>
-          </a:xfrm>
-          <a:prstGeom prst="line">
-            <a:avLst/>
-          </a:prstGeom>
-          <a:ln w="19050">
-            <a:solidFill>
-              <a:schemeClr val="accent4"/>
-            </a:solidFill>
-          </a:ln>
-        </p:spPr>
-        <p:style>
-          <a:lnRef idx="1">
-            <a:schemeClr val="accent1"/>
-          </a:lnRef>
-          <a:fillRef idx="0">
-            <a:schemeClr val="accent1"/>
-          </a:fillRef>
-          <a:effectRef idx="0">
-            <a:schemeClr val="accent1"/>
-          </a:effectRef>
-          <a:fontRef idx="minor">
-            <a:schemeClr val="tx1"/>
-          </a:fontRef>
-        </p:style>
-      </p:cxnSp>
-      <p:sp>
-        <p:nvSpPr>
-          <p:cNvPr id="6" name="Rectangle 5"/>
-          <p:cNvSpPr/>
-          <p:nvPr/>
-        </p:nvSpPr>
-        <p:spPr>
-          <a:xfrm>
-            <a:off x="9729879" y="3206368"/>
-            <a:ext cx="517495" cy="191203"/>
-          </a:xfrm>
-          <a:prstGeom prst="rect">
-            <a:avLst/>
-          </a:prstGeom>
-          <a:solidFill>
-            <a:schemeClr val="accent4"/>
-          </a:solidFill>
-          <a:ln>
-            <a:solidFill>
-              <a:schemeClr val="tx1"/>
-            </a:solidFill>
-          </a:ln>
-        </p:spPr>
-        <p:style>
-          <a:lnRef idx="2">
-            <a:schemeClr val="accent1">
-              <a:shade val="50000"/>
-            </a:schemeClr>
-          </a:lnRef>
-          <a:fillRef idx="1">
-            <a:schemeClr val="accent1"/>
-          </a:fillRef>
-          <a:effectRef idx="0">
-            <a:schemeClr val="accent1"/>
-          </a:effectRef>
-          <a:fontRef idx="minor">
-            <a:schemeClr val="lt1"/>
-          </a:fontRef>
-        </p:style>
-        <p:txBody>
-          <a:bodyPr rtlCol="0" anchor="ctr"/>
-          <a:lstStyle/>
-          <a:p>
-            <a:pPr algn="ctr"/>
-            <a:endParaRPr lang="en-US"/>
-          </a:p>
-        </p:txBody>
-      </p:sp>
-      <p:sp>
-        <p:nvSpPr>
-          <p:cNvPr id="10" name="Rectangle 9"/>
-          <p:cNvSpPr/>
-          <p:nvPr/>
-        </p:nvSpPr>
-        <p:spPr>
-          <a:xfrm>
-            <a:off x="9729879" y="2778749"/>
-            <a:ext cx="517495" cy="171124"/>
-          </a:xfrm>
-          <a:prstGeom prst="rect">
-            <a:avLst/>
-          </a:prstGeom>
-          <a:solidFill>
-            <a:schemeClr val="accent1"/>
-          </a:solidFill>
-          <a:ln>
-            <a:solidFill>
-              <a:schemeClr val="tx1"/>
-            </a:solidFill>
-          </a:ln>
-        </p:spPr>
-        <p:style>
-          <a:lnRef idx="2">
-            <a:schemeClr val="accent1">
-              <a:shade val="50000"/>
-            </a:schemeClr>
-          </a:lnRef>
-          <a:fillRef idx="1">
-            <a:schemeClr val="accent1"/>
-          </a:fillRef>
-          <a:effectRef idx="0">
-            <a:schemeClr val="accent1"/>
-          </a:effectRef>
-          <a:fontRef idx="minor">
-            <a:schemeClr val="lt1"/>
-          </a:fontRef>
-        </p:style>
-        <p:txBody>
-          <a:bodyPr rtlCol="0" anchor="ctr"/>
-          <a:lstStyle/>
-          <a:p>
-            <a:pPr algn="ctr"/>
-            <a:endParaRPr lang="en-US"/>
-          </a:p>
-        </p:txBody>
-      </p:sp>
-      <p:sp>
-        <p:nvSpPr>
-          <p:cNvPr id="7" name="TextBox 6"/>
-          <p:cNvSpPr txBox="1"/>
-          <p:nvPr/>
-        </p:nvSpPr>
-        <p:spPr>
-          <a:xfrm>
-            <a:off x="10294182" y="3117303"/>
-            <a:ext cx="1657505" cy="369332"/>
+            <a:off x="0" y="1964724"/>
+            <a:ext cx="12192000" cy="4893276"/>
           </a:xfrm>
           <a:prstGeom prst="rect">
             <a:avLst/>
           </a:prstGeom>
           <a:noFill/>
+          <a:ln>
+            <a:noFill/>
+          </a:ln>
         </p:spPr>
-        <p:txBody>
-          <a:bodyPr wrap="none" rtlCol="0">
-            <a:spAutoFit/>
-          </a:bodyPr>
-          <a:lstStyle/>
-          <a:p>
-            <a:r>
-              <a:rPr lang="en-US" sz="1600" dirty="0" smtClean="0"/>
-              <a:t>Remaining</a:t>
-            </a:r>
-            <a:r>
-              <a:rPr lang="en-US" dirty="0" smtClean="0"/>
-              <a:t> </a:t>
-            </a:r>
-            <a:r>
-              <a:rPr lang="en-US" sz="1600" dirty="0" smtClean="0"/>
-              <a:t>Parts</a:t>
-            </a:r>
-            <a:endParaRPr lang="en-US" dirty="0"/>
-          </a:p>
-        </p:txBody>
-      </p:sp>
-      <p:sp>
-        <p:nvSpPr>
-          <p:cNvPr id="8" name="TextBox 7"/>
-          <p:cNvSpPr txBox="1"/>
-          <p:nvPr/>
-        </p:nvSpPr>
-        <p:spPr>
-          <a:xfrm>
-            <a:off x="10247374" y="2689156"/>
-            <a:ext cx="1704313" cy="338554"/>
-          </a:xfrm>
-          <a:prstGeom prst="rect">
-            <a:avLst/>
-          </a:prstGeom>
-          <a:noFill/>
-        </p:spPr>
-        <p:txBody>
-          <a:bodyPr wrap="none" rtlCol="0">
-            <a:spAutoFit/>
-          </a:bodyPr>
-          <a:lstStyle/>
-          <a:p>
-            <a:r>
-              <a:rPr lang="en-US" sz="1600" dirty="0" smtClean="0"/>
-              <a:t>Completed</a:t>
-            </a:r>
-            <a:r>
-              <a:rPr lang="en-US" sz="1400" dirty="0" smtClean="0"/>
-              <a:t> </a:t>
-            </a:r>
-            <a:r>
-              <a:rPr lang="en-US" sz="1600" dirty="0" smtClean="0"/>
-              <a:t>parts</a:t>
-            </a:r>
-            <a:endParaRPr lang="en-US" sz="1400" dirty="0"/>
-          </a:p>
-        </p:txBody>
-      </p:sp>
+      </p:pic>
     </p:spTree>
     <p:extLst>
       <p:ext uri="{BB962C8B-B14F-4D97-AF65-F5344CB8AC3E}">
-        <p14:creationId xmlns:p14="http://schemas.microsoft.com/office/powerpoint/2010/main" val="3560452183"/>
+        <p14:creationId xmlns:p14="http://schemas.microsoft.com/office/powerpoint/2010/main" val="1390691460"/>
       </p:ext>
     </p:extLst>
   </p:cSld>
@@ -32365,13 +28047,6 @@
       </p:transition>
     </mc:Fallback>
   </mc:AlternateContent>
-  <p:timing>
-    <p:tnLst>
-      <p:par>
-        <p:cTn id="1" dur="indefinite" restart="never" nodeType="tmRoot"/>
-      </p:par>
-    </p:tnLst>
-  </p:timing>
 </p:sld>
 </file>
 
@@ -32409,98 +28084,53 @@
           <a:p>
             <a:r>
               <a:rPr lang="en-US" dirty="0" smtClean="0"/>
-              <a:t>Path Forward</a:t>
+              <a:t>Website Interface</a:t>
             </a:r>
             <a:endParaRPr lang="en-US" dirty="0"/>
           </a:p>
         </p:txBody>
       </p:sp>
-      <p:sp>
-        <p:nvSpPr>
-          <p:cNvPr id="3" name="Content Placeholder 2"/>
-          <p:cNvSpPr>
-            <a:spLocks noGrp="1"/>
-          </p:cNvSpPr>
+      <p:pic>
+        <p:nvPicPr>
+          <p:cNvPr id="6" name="Content Placeholder 5"/>
+          <p:cNvPicPr>
+            <a:picLocks noGrp="1"/>
+          </p:cNvPicPr>
           <p:nvPr>
             <p:ph idx="1"/>
           </p:nvPr>
-        </p:nvSpPr>
-        <p:spPr/>
-        <p:txBody>
-          <a:bodyPr/>
-          <a:lstStyle/>
-          <a:p>
-            <a:pPr>
-              <a:lnSpc>
-                <a:spcPct val="200000"/>
-              </a:lnSpc>
-            </a:pPr>
-            <a:r>
-              <a:rPr lang="en-US" sz="2000" dirty="0" smtClean="0"/>
-              <a:t>Connecting the </a:t>
-            </a:r>
-            <a:r>
-              <a:rPr lang="en-US" sz="2000" dirty="0"/>
-              <a:t>Hub to MySQL </a:t>
-            </a:r>
-            <a:r>
-              <a:rPr lang="en-US" sz="2000" dirty="0" smtClean="0"/>
-              <a:t>database via Wi-Fi.</a:t>
-            </a:r>
-            <a:endParaRPr lang="en-US" sz="2000" dirty="0"/>
-          </a:p>
-          <a:p>
-            <a:pPr>
-              <a:lnSpc>
-                <a:spcPct val="200000"/>
-              </a:lnSpc>
-            </a:pPr>
-            <a:r>
-              <a:rPr lang="en-US" sz="2000" dirty="0" smtClean="0"/>
-              <a:t>Setting </a:t>
-            </a:r>
-            <a:r>
-              <a:rPr lang="en-US" sz="2000" dirty="0"/>
-              <a:t>up </a:t>
-            </a:r>
-            <a:r>
-              <a:rPr lang="en-US" sz="2000" dirty="0" smtClean="0"/>
-              <a:t>an </a:t>
-            </a:r>
-            <a:r>
-              <a:rPr lang="en-US" sz="2000" dirty="0"/>
-              <a:t>A</a:t>
-            </a:r>
-            <a:r>
-              <a:rPr lang="en-US" sz="2000" dirty="0" smtClean="0"/>
-              <a:t>rduino </a:t>
-            </a:r>
-            <a:r>
-              <a:rPr lang="en-US" sz="2000" dirty="0"/>
-              <a:t>controlled water valve.</a:t>
-            </a:r>
-          </a:p>
-          <a:p>
-            <a:pPr>
-              <a:lnSpc>
-                <a:spcPct val="200000"/>
-              </a:lnSpc>
-            </a:pPr>
-            <a:r>
-              <a:rPr lang="en-US" sz="2000" dirty="0" smtClean="0"/>
-              <a:t>Prototype Designing.</a:t>
-            </a:r>
-            <a:endParaRPr lang="en-US" dirty="0" smtClean="0"/>
-          </a:p>
-          <a:p>
-            <a:endParaRPr lang="en-US" dirty="0"/>
-          </a:p>
-        </p:txBody>
-      </p:sp>
+        </p:nvPicPr>
+        <p:blipFill>
+          <a:blip r:embed="rId2">
+            <a:extLst>
+              <a:ext uri="{28A0092B-C50C-407E-A947-70E740481C1C}">
+                <a14:useLocalDpi xmlns:a14="http://schemas.microsoft.com/office/drawing/2010/main" val="0"/>
+              </a:ext>
+            </a:extLst>
+          </a:blip>
+          <a:srcRect/>
+          <a:stretch>
+            <a:fillRect/>
+          </a:stretch>
+        </p:blipFill>
+        <p:spPr bwMode="auto">
+          <a:xfrm>
+            <a:off x="680322" y="2248930"/>
+            <a:ext cx="10230694" cy="4386648"/>
+          </a:xfrm>
+          <a:prstGeom prst="rect">
+            <a:avLst/>
+          </a:prstGeom>
+          <a:noFill/>
+          <a:ln>
+            <a:noFill/>
+          </a:ln>
+        </p:spPr>
+      </p:pic>
     </p:spTree>
     <p:extLst>
       <p:ext uri="{BB962C8B-B14F-4D97-AF65-F5344CB8AC3E}">
-        <p14:creationId xmlns:p14="http://schemas.microsoft.com/office/powerpoint/2010/main" val="1866118323"/>
+        <p14:creationId xmlns:p14="http://schemas.microsoft.com/office/powerpoint/2010/main" val="1868057414"/>
       </p:ext>
     </p:extLst>
   </p:cSld>
@@ -32519,13 +28149,6 @@
       </p:transition>
     </mc:Fallback>
   </mc:AlternateContent>
-  <p:timing>
-    <p:tnLst>
-      <p:par>
-        <p:cTn id="1" dur="indefinite" restart="never" nodeType="tmRoot"/>
-      </p:par>
-    </p:tnLst>
-  </p:timing>
 </p:sld>
 </file>
 
@@ -32563,11 +28186,7 @@
           <a:p>
             <a:r>
               <a:rPr lang="en-US" dirty="0" smtClean="0"/>
-              <a:t>Table Of </a:t>
-            </a:r>
-            <a:r>
-              <a:rPr lang="en-US" dirty="0" smtClean="0"/>
-              <a:t>Contents</a:t>
+              <a:t>Table Of Contents</a:t>
             </a:r>
             <a:endParaRPr lang="en-US" dirty="0"/>
           </a:p>
@@ -32760,6 +28379,160 @@
           <a:p>
             <a:r>
               <a:rPr lang="en-US" dirty="0" smtClean="0"/>
+              <a:t>Path Forward</a:t>
+            </a:r>
+            <a:endParaRPr lang="en-US" dirty="0"/>
+          </a:p>
+        </p:txBody>
+      </p:sp>
+      <p:sp>
+        <p:nvSpPr>
+          <p:cNvPr id="3" name="Content Placeholder 2"/>
+          <p:cNvSpPr>
+            <a:spLocks noGrp="1"/>
+          </p:cNvSpPr>
+          <p:nvPr>
+            <p:ph idx="1"/>
+          </p:nvPr>
+        </p:nvSpPr>
+        <p:spPr/>
+        <p:txBody>
+          <a:bodyPr/>
+          <a:lstStyle/>
+          <a:p>
+            <a:pPr>
+              <a:lnSpc>
+                <a:spcPct val="200000"/>
+              </a:lnSpc>
+            </a:pPr>
+            <a:r>
+              <a:rPr lang="en-US" sz="2000" dirty="0" smtClean="0"/>
+              <a:t>Connecting the </a:t>
+            </a:r>
+            <a:r>
+              <a:rPr lang="en-US" sz="2000" dirty="0"/>
+              <a:t>Hub to MySQL </a:t>
+            </a:r>
+            <a:r>
+              <a:rPr lang="en-US" sz="2000" dirty="0" smtClean="0"/>
+              <a:t>database via Wi-Fi.</a:t>
+            </a:r>
+            <a:endParaRPr lang="en-US" sz="2000" dirty="0"/>
+          </a:p>
+          <a:p>
+            <a:pPr>
+              <a:lnSpc>
+                <a:spcPct val="200000"/>
+              </a:lnSpc>
+            </a:pPr>
+            <a:r>
+              <a:rPr lang="en-US" sz="2000" dirty="0" smtClean="0"/>
+              <a:t>Setting </a:t>
+            </a:r>
+            <a:r>
+              <a:rPr lang="en-US" sz="2000" dirty="0"/>
+              <a:t>up </a:t>
+            </a:r>
+            <a:r>
+              <a:rPr lang="en-US" sz="2000" dirty="0" smtClean="0"/>
+              <a:t>an </a:t>
+            </a:r>
+            <a:r>
+              <a:rPr lang="en-US" sz="2000" dirty="0"/>
+              <a:t>A</a:t>
+            </a:r>
+            <a:r>
+              <a:rPr lang="en-US" sz="2000" dirty="0" smtClean="0"/>
+              <a:t>rduino </a:t>
+            </a:r>
+            <a:r>
+              <a:rPr lang="en-US" sz="2000" dirty="0"/>
+              <a:t>controlled water valve.</a:t>
+            </a:r>
+          </a:p>
+          <a:p>
+            <a:pPr>
+              <a:lnSpc>
+                <a:spcPct val="200000"/>
+              </a:lnSpc>
+            </a:pPr>
+            <a:r>
+              <a:rPr lang="en-US" sz="2000" dirty="0" smtClean="0"/>
+              <a:t>Prototype Designing.</a:t>
+            </a:r>
+            <a:endParaRPr lang="en-US" dirty="0" smtClean="0"/>
+          </a:p>
+          <a:p>
+            <a:endParaRPr lang="en-US" dirty="0"/>
+          </a:p>
+        </p:txBody>
+      </p:sp>
+    </p:spTree>
+    <p:extLst>
+      <p:ext uri="{BB962C8B-B14F-4D97-AF65-F5344CB8AC3E}">
+        <p14:creationId xmlns:p14="http://schemas.microsoft.com/office/powerpoint/2010/main" val="1866118323"/>
+      </p:ext>
+    </p:extLst>
+  </p:cSld>
+  <p:clrMapOvr>
+    <a:masterClrMapping/>
+  </p:clrMapOvr>
+  <mc:AlternateContent xmlns:mc="http://schemas.openxmlformats.org/markup-compatibility/2006" xmlns:p14="http://schemas.microsoft.com/office/powerpoint/2010/main">
+    <mc:Choice Requires="p14">
+      <p:transition spd="med" p14:dur="700">
+        <p:fade/>
+      </p:transition>
+    </mc:Choice>
+    <mc:Fallback xmlns="">
+      <p:transition spd="med">
+        <p:fade/>
+      </p:transition>
+    </mc:Fallback>
+  </mc:AlternateContent>
+  <p:timing>
+    <p:tnLst>
+      <p:par>
+        <p:cTn id="1" dur="indefinite" restart="never" nodeType="tmRoot"/>
+      </p:par>
+    </p:tnLst>
+  </p:timing>
+</p:sld>
+</file>
+
+<file path=ppt/slides/slide21.xml><?xml version="1.0" encoding="utf-8"?>
+<p:sld xmlns:a="http://schemas.openxmlformats.org/drawingml/2006/main" xmlns:r="http://schemas.openxmlformats.org/officeDocument/2006/relationships" xmlns:p="http://schemas.openxmlformats.org/presentationml/2006/main">
+  <p:cSld>
+    <p:spTree>
+      <p:nvGrpSpPr>
+        <p:cNvPr id="1" name=""/>
+        <p:cNvGrpSpPr/>
+        <p:nvPr/>
+      </p:nvGrpSpPr>
+      <p:grpSpPr>
+        <a:xfrm>
+          <a:off x="0" y="0"/>
+          <a:ext cx="0" cy="0"/>
+          <a:chOff x="0" y="0"/>
+          <a:chExt cx="0" cy="0"/>
+        </a:xfrm>
+      </p:grpSpPr>
+      <p:sp>
+        <p:nvSpPr>
+          <p:cNvPr id="2" name="Title 1"/>
+          <p:cNvSpPr>
+            <a:spLocks noGrp="1"/>
+          </p:cNvSpPr>
+          <p:nvPr>
+            <p:ph type="title"/>
+          </p:nvPr>
+        </p:nvSpPr>
+        <p:spPr/>
+        <p:txBody>
+          <a:bodyPr/>
+          <a:lstStyle/>
+          <a:p>
+            <a:r>
+              <a:rPr lang="en-US" dirty="0" smtClean="0"/>
               <a:t>Timeline</a:t>
             </a:r>
             <a:endParaRPr lang="en-US" dirty="0"/>
@@ -32825,15 +28598,7 @@
             </a:r>
             <a:r>
               <a:rPr lang="en-US" dirty="0" smtClean="0"/>
-              <a:t>Study of Internet of Things (</a:t>
-            </a:r>
-            <a:r>
-              <a:rPr lang="en-US" dirty="0" err="1" smtClean="0"/>
-              <a:t>IoT</a:t>
-            </a:r>
-            <a:r>
-              <a:rPr lang="en-US" dirty="0" smtClean="0"/>
-              <a:t>), Precision Agriculture and Project 		       Planning</a:t>
+              <a:t>Study of Internet of Things (IoT), Precision Agriculture and Project 		       Planning</a:t>
             </a:r>
           </a:p>
           <a:p>
@@ -32891,11 +28656,7 @@
             </a:r>
             <a:r>
               <a:rPr lang="en-US" dirty="0" smtClean="0"/>
-              <a:t>Conclusion, Demo </a:t>
-            </a:r>
-            <a:r>
-              <a:rPr lang="en-US" dirty="0" smtClean="0"/>
-              <a:t>&amp; Presentation</a:t>
+              <a:t>Conclusion, Demo &amp; Presentation</a:t>
             </a:r>
           </a:p>
           <a:p>
@@ -32940,7 +28701,7 @@
 </p:sld>
 </file>
 
-<file path=ppt/slides/slide21.xml><?xml version="1.0" encoding="utf-8"?>
+<file path=ppt/slides/slide22.xml><?xml version="1.0" encoding="utf-8"?>
 <p:sld xmlns:a="http://schemas.openxmlformats.org/drawingml/2006/main" xmlns:r="http://schemas.openxmlformats.org/officeDocument/2006/relationships" xmlns:p="http://schemas.openxmlformats.org/presentationml/2006/main">
   <p:cSld>
     <p:spTree>
@@ -33095,19 +28856,7 @@
             </a:r>
             <a:r>
               <a:rPr lang="en-US" sz="2400" dirty="0" smtClean="0"/>
-              <a:t>application of </a:t>
-            </a:r>
-            <a:r>
-              <a:rPr lang="en-US" sz="2400" dirty="0" err="1" smtClean="0"/>
-              <a:t>IoT</a:t>
-            </a:r>
-            <a:r>
-              <a:rPr lang="en-US" sz="2400" dirty="0" smtClean="0"/>
-              <a:t> (Internet of Things)</a:t>
-            </a:r>
-            <a:r>
-              <a:rPr lang="en-US" sz="2400" dirty="0" smtClean="0"/>
-              <a:t> </a:t>
+              <a:t>application of IoT (Internet of Things) </a:t>
             </a:r>
             <a:r>
               <a:rPr lang="en-US" sz="2400" dirty="0"/>
@@ -33115,11 +28864,7 @@
             </a:r>
             <a:r>
               <a:rPr lang="en-US" sz="2400" dirty="0" smtClean="0"/>
-              <a:t>of</a:t>
-            </a:r>
-            <a:r>
-              <a:rPr lang="en-US" sz="2400" dirty="0" smtClean="0"/>
-              <a:t> using </a:t>
+              <a:t>of using </a:t>
             </a:r>
             <a:r>
               <a:rPr lang="en-US" sz="2400" dirty="0"/>
@@ -33135,19 +28880,7 @@
             </a:r>
             <a:r>
               <a:rPr lang="en-US" sz="2400" dirty="0" smtClean="0"/>
-              <a:t>of</a:t>
-            </a:r>
-            <a:r>
-              <a:rPr lang="en-US" sz="2400" dirty="0" smtClean="0"/>
-              <a:t> </a:t>
-            </a:r>
-            <a:r>
-              <a:rPr lang="en-US" sz="2400" dirty="0" smtClean="0"/>
-              <a:t>crops </a:t>
-            </a:r>
-            <a:r>
-              <a:rPr lang="en-US" sz="2400" dirty="0" smtClean="0"/>
-              <a:t> </a:t>
+              <a:t>of crops  </a:t>
             </a:r>
             <a:endParaRPr lang="en-US" sz="2400" dirty="0"/>
           </a:p>
@@ -33284,15 +29017,7 @@
             </a:pPr>
             <a:r>
               <a:rPr lang="en-US" sz="2000" dirty="0" smtClean="0"/>
-              <a:t>Crop Irrigation requirements may vary with changing environment. Precision Irrigation provide means for evaluating crop’s water requirements and means for applying the right </a:t>
-            </a:r>
-            <a:r>
-              <a:rPr lang="en-US" sz="2000" dirty="0" smtClean="0"/>
-              <a:t>amount of water at the </a:t>
-            </a:r>
-            <a:r>
-              <a:rPr lang="en-US" sz="2000" dirty="0" smtClean="0"/>
-              <a:t>right time.       </a:t>
+              <a:t>Crop Irrigation requirements may vary with changing environment. Precision Irrigation provide means for evaluating crop’s water requirements and means for applying the right amount of water at the right time.       </a:t>
             </a:r>
           </a:p>
           <a:p>
@@ -33396,23 +29121,7 @@
             </a:pPr>
             <a:r>
               <a:rPr lang="en-US" sz="2000" dirty="0" smtClean="0"/>
-              <a:t>In our project we aim at </a:t>
-            </a:r>
-            <a:r>
-              <a:rPr lang="en-US" sz="2000" dirty="0" smtClean="0"/>
-              <a:t>monitoring the </a:t>
-            </a:r>
-            <a:r>
-              <a:rPr lang="en-US" sz="2000" dirty="0" smtClean="0"/>
-              <a:t>crops and </a:t>
-            </a:r>
-            <a:r>
-              <a:rPr lang="en-US" sz="2000" dirty="0" smtClean="0"/>
-              <a:t>achieving </a:t>
-            </a:r>
-            <a:r>
-              <a:rPr lang="en-US" sz="2000" dirty="0" smtClean="0"/>
-              <a:t>precision irrigation.</a:t>
+              <a:t>In our project we aim at monitoring the crops and achieving precision irrigation.</a:t>
             </a:r>
           </a:p>
           <a:p>
@@ -33431,19 +29140,7 @@
             </a:r>
             <a:r>
               <a:rPr lang="en-US" sz="2000" dirty="0" smtClean="0"/>
-              <a:t> </a:t>
-            </a:r>
-            <a:r>
-              <a:rPr lang="en-US" sz="2000" dirty="0" smtClean="0"/>
-              <a:t>(based on the </a:t>
-            </a:r>
-            <a:r>
-              <a:rPr lang="en-US" sz="2000" dirty="0" smtClean="0"/>
-              <a:t>readings from various sensors in </a:t>
-            </a:r>
-            <a:r>
-              <a:rPr lang="en-US" sz="2000" dirty="0" smtClean="0"/>
-              <a:t>probe). </a:t>
+              <a:t> (based on the readings from various sensors in probe). </a:t>
             </a:r>
             <a:endParaRPr lang="en-US" sz="2000" dirty="0"/>
           </a:p>
@@ -33455,23 +29152,7 @@
             </a:pPr>
             <a:r>
               <a:rPr lang="en-US" sz="2000" dirty="0" smtClean="0"/>
-              <a:t>Sensor data is also </a:t>
-            </a:r>
-            <a:r>
-              <a:rPr lang="en-US" sz="2000" dirty="0" smtClean="0"/>
-              <a:t>logged in a database and shown </a:t>
-            </a:r>
-            <a:r>
-              <a:rPr lang="en-US" sz="2000" dirty="0" smtClean="0"/>
-              <a:t>graphically </a:t>
-            </a:r>
-            <a:r>
-              <a:rPr lang="en-US" sz="2000" dirty="0" smtClean="0"/>
-              <a:t>on a </a:t>
-            </a:r>
-            <a:r>
-              <a:rPr lang="en-US" sz="2000" dirty="0" smtClean="0"/>
-              <a:t>User Interface.</a:t>
+              <a:t>Sensor data is also logged in a database and shown graphically on a User Interface.</a:t>
             </a:r>
           </a:p>
           <a:p>
@@ -33732,23 +29413,7 @@
             </a:pPr>
             <a:r>
               <a:rPr lang="en-US" sz="3800" dirty="0" smtClean="0"/>
-              <a:t>Probes are installed in the field. It is the platform which contains all the </a:t>
-            </a:r>
-            <a:r>
-              <a:rPr lang="en-US" sz="3800" dirty="0" smtClean="0"/>
-              <a:t>sensors </a:t>
-            </a:r>
-            <a:r>
-              <a:rPr lang="en-US" sz="3800" dirty="0" smtClean="0"/>
-              <a:t>and </a:t>
-            </a:r>
-            <a:r>
-              <a:rPr lang="en-US" sz="3800" dirty="0" smtClean="0"/>
-              <a:t>a microcontroller</a:t>
-            </a:r>
-            <a:r>
-              <a:rPr lang="en-US" sz="3800" dirty="0" smtClean="0"/>
-              <a:t>.</a:t>
+              <a:t>Probes are installed in the field. It is the platform which contains all the sensors and a microcontroller.</a:t>
             </a:r>
           </a:p>
           <a:p>
@@ -33759,23 +29424,7 @@
             </a:pPr>
             <a:r>
               <a:rPr lang="en-US" sz="3800" dirty="0" smtClean="0"/>
-              <a:t>The </a:t>
-            </a:r>
-            <a:r>
-              <a:rPr lang="en-US" sz="3800" dirty="0" smtClean="0"/>
-              <a:t>sensors </a:t>
-            </a:r>
-            <a:r>
-              <a:rPr lang="en-US" sz="3800" dirty="0" smtClean="0"/>
-              <a:t>are connected </a:t>
-            </a:r>
-            <a:r>
-              <a:rPr lang="en-US" sz="3800" dirty="0" smtClean="0"/>
-              <a:t>to a microcontroller board </a:t>
-            </a:r>
-            <a:r>
-              <a:rPr lang="en-US" sz="3800" dirty="0" smtClean="0"/>
-              <a:t>“LoRaduino”.</a:t>
+              <a:t>The sensors are connected to a microcontroller board “LoRaduino”.</a:t>
             </a:r>
             <a:endParaRPr lang="en-US" sz="3800" dirty="0"/>
           </a:p>
@@ -33806,11 +29455,7 @@
             </a:r>
             <a:r>
               <a:rPr lang="en-US" sz="3800" dirty="0" smtClean="0"/>
-              <a:t>a built-in </a:t>
-            </a:r>
-            <a:r>
-              <a:rPr lang="en-US" sz="3800" dirty="0" smtClean="0"/>
-              <a:t>radio transmitter.</a:t>
+              <a:t>a built-in radio transmitter.</a:t>
             </a:r>
             <a:endParaRPr lang="en-US" sz="3800" dirty="0"/>
           </a:p>
@@ -33954,7 +29599,7 @@
           <p:nvPr>
             <p:extLst>
               <p:ext uri="{D42A27DB-BD31-4B8C-83A1-F6EECF244321}">
-                <p14:modId xmlns:p14="http://schemas.microsoft.com/office/powerpoint/2010/main" val="2467229429"/>
+                <p14:modId xmlns:p14="http://schemas.microsoft.com/office/powerpoint/2010/main" val="967151877"/>
               </p:ext>
             </p:extLst>
           </p:nvPr>
@@ -34114,15 +29759,7 @@
             </a:pPr>
             <a:r>
               <a:rPr lang="en-US" sz="1800" dirty="0" smtClean="0"/>
-              <a:t>Communication Hub also </a:t>
-            </a:r>
-            <a:r>
-              <a:rPr lang="en-US" sz="1800" dirty="0" smtClean="0"/>
-              <a:t>contains a LoRaduino </a:t>
-            </a:r>
-            <a:r>
-              <a:rPr lang="en-US" sz="1800" dirty="0" smtClean="0"/>
-              <a:t>microcontroller.</a:t>
+              <a:t>Communication Hub also contains a LoRaduino microcontroller.</a:t>
             </a:r>
           </a:p>
           <a:p>
@@ -34144,11 +29781,7 @@
             </a:pPr>
             <a:r>
               <a:rPr lang="en-US" sz="1800" dirty="0" smtClean="0"/>
-              <a:t>A Wi-Fi </a:t>
-            </a:r>
-            <a:r>
-              <a:rPr lang="en-US" sz="1800" dirty="0" smtClean="0"/>
-              <a:t>module is connected to LoRaduino.</a:t>
+              <a:t>A Wi-Fi module is connected to LoRaduino.</a:t>
             </a:r>
           </a:p>
           <a:p>
@@ -34175,15 +29808,7 @@
             </a:r>
             <a:r>
               <a:rPr lang="en-US" sz="1800" dirty="0" smtClean="0"/>
-              <a:t>using </a:t>
-            </a:r>
-            <a:r>
-              <a:rPr lang="en-US" sz="1800" dirty="0" smtClean="0"/>
-              <a:t>the </a:t>
-            </a:r>
-            <a:r>
-              <a:rPr lang="en-US" sz="1800" dirty="0" smtClean="0"/>
-              <a:t>Wi-Fi Module.</a:t>
+              <a:t>using the Wi-Fi Module.</a:t>
             </a:r>
             <a:endParaRPr lang="en-US" sz="1800" dirty="0"/>
           </a:p>

--- a/Presentation PA.pptx
+++ b/Presentation PA.pptx
@@ -5,7 +5,7 @@
     <p:sldMasterId id="2147483669" r:id="rId1"/>
   </p:sldMasterIdLst>
   <p:notesMasterIdLst>
-    <p:notesMasterId r:id="rId24"/>
+    <p:notesMasterId r:id="rId23"/>
   </p:notesMasterIdLst>
   <p:sldIdLst>
     <p:sldId id="257" r:id="rId2"/>
@@ -25,11 +25,10 @@
     <p:sldId id="282" r:id="rId16"/>
     <p:sldId id="290" r:id="rId17"/>
     <p:sldId id="291" r:id="rId18"/>
-    <p:sldId id="292" r:id="rId19"/>
-    <p:sldId id="293" r:id="rId20"/>
-    <p:sldId id="283" r:id="rId21"/>
-    <p:sldId id="284" r:id="rId22"/>
-    <p:sldId id="288" r:id="rId23"/>
+    <p:sldId id="289" r:id="rId19"/>
+    <p:sldId id="283" r:id="rId20"/>
+    <p:sldId id="284" r:id="rId21"/>
+    <p:sldId id="288" r:id="rId22"/>
   </p:sldIdLst>
   <p:sldSz cx="12192000" cy="6858000"/>
   <p:notesSz cx="6858000" cy="9144000"/>
@@ -150,8 +149,7 @@
             <p14:sldId id="282"/>
             <p14:sldId id="290"/>
             <p14:sldId id="291"/>
-            <p14:sldId id="292"/>
-            <p14:sldId id="293"/>
+            <p14:sldId id="289"/>
             <p14:sldId id="283"/>
             <p14:sldId id="284"/>
             <p14:sldId id="288"/>
@@ -3291,6 +3289,753 @@
 </file>
 
 <file path=ppt/diagrams/colors5.xml><?xml version="1.0" encoding="utf-8"?>
+<dgm:colorsDef xmlns:dgm="http://schemas.openxmlformats.org/drawingml/2006/diagram" xmlns:a="http://schemas.openxmlformats.org/drawingml/2006/main" uniqueId="urn:microsoft.com/office/officeart/2005/8/colors/accent1_2">
+  <dgm:title val=""/>
+  <dgm:desc val=""/>
+  <dgm:catLst>
+    <dgm:cat type="accent1" pri="11200"/>
+  </dgm:catLst>
+  <dgm:styleLbl name="node0">
+    <dgm:fillClrLst meth="repeat">
+      <a:schemeClr val="accent1"/>
+    </dgm:fillClrLst>
+    <dgm:linClrLst meth="repeat">
+      <a:schemeClr val="lt1"/>
+    </dgm:linClrLst>
+    <dgm:effectClrLst/>
+    <dgm:txLinClrLst/>
+    <dgm:txFillClrLst/>
+    <dgm:txEffectClrLst/>
+  </dgm:styleLbl>
+  <dgm:styleLbl name="alignNode1">
+    <dgm:fillClrLst meth="repeat">
+      <a:schemeClr val="accent1"/>
+    </dgm:fillClrLst>
+    <dgm:linClrLst meth="repeat">
+      <a:schemeClr val="accent1"/>
+    </dgm:linClrLst>
+    <dgm:effectClrLst/>
+    <dgm:txLinClrLst/>
+    <dgm:txFillClrLst/>
+    <dgm:txEffectClrLst/>
+  </dgm:styleLbl>
+  <dgm:styleLbl name="node1">
+    <dgm:fillClrLst meth="repeat">
+      <a:schemeClr val="accent1"/>
+    </dgm:fillClrLst>
+    <dgm:linClrLst meth="repeat">
+      <a:schemeClr val="lt1"/>
+    </dgm:linClrLst>
+    <dgm:effectClrLst/>
+    <dgm:txLinClrLst/>
+    <dgm:txFillClrLst/>
+    <dgm:txEffectClrLst/>
+  </dgm:styleLbl>
+  <dgm:styleLbl name="lnNode1">
+    <dgm:fillClrLst meth="repeat">
+      <a:schemeClr val="accent1"/>
+    </dgm:fillClrLst>
+    <dgm:linClrLst meth="repeat">
+      <a:schemeClr val="lt1"/>
+    </dgm:linClrLst>
+    <dgm:effectClrLst/>
+    <dgm:txLinClrLst/>
+    <dgm:txFillClrLst/>
+    <dgm:txEffectClrLst/>
+  </dgm:styleLbl>
+  <dgm:styleLbl name="vennNode1">
+    <dgm:fillClrLst meth="repeat">
+      <a:schemeClr val="accent1">
+        <a:alpha val="50000"/>
+      </a:schemeClr>
+    </dgm:fillClrLst>
+    <dgm:linClrLst meth="repeat">
+      <a:schemeClr val="lt1"/>
+    </dgm:linClrLst>
+    <dgm:effectClrLst/>
+    <dgm:txLinClrLst/>
+    <dgm:txFillClrLst/>
+    <dgm:txEffectClrLst/>
+  </dgm:styleLbl>
+  <dgm:styleLbl name="node2">
+    <dgm:fillClrLst meth="repeat">
+      <a:schemeClr val="accent1"/>
+    </dgm:fillClrLst>
+    <dgm:linClrLst meth="repeat">
+      <a:schemeClr val="lt1"/>
+    </dgm:linClrLst>
+    <dgm:effectClrLst/>
+    <dgm:txLinClrLst/>
+    <dgm:txFillClrLst/>
+    <dgm:txEffectClrLst/>
+  </dgm:styleLbl>
+  <dgm:styleLbl name="node3">
+    <dgm:fillClrLst meth="repeat">
+      <a:schemeClr val="accent1"/>
+    </dgm:fillClrLst>
+    <dgm:linClrLst meth="repeat">
+      <a:schemeClr val="lt1"/>
+    </dgm:linClrLst>
+    <dgm:effectClrLst/>
+    <dgm:txLinClrLst/>
+    <dgm:txFillClrLst/>
+    <dgm:txEffectClrLst/>
+  </dgm:styleLbl>
+  <dgm:styleLbl name="node4">
+    <dgm:fillClrLst meth="repeat">
+      <a:schemeClr val="accent1"/>
+    </dgm:fillClrLst>
+    <dgm:linClrLst meth="repeat">
+      <a:schemeClr val="lt1"/>
+    </dgm:linClrLst>
+    <dgm:effectClrLst/>
+    <dgm:txLinClrLst/>
+    <dgm:txFillClrLst/>
+    <dgm:txEffectClrLst/>
+  </dgm:styleLbl>
+  <dgm:styleLbl name="fgImgPlace1">
+    <dgm:fillClrLst meth="repeat">
+      <a:schemeClr val="accent1">
+        <a:tint val="50000"/>
+      </a:schemeClr>
+    </dgm:fillClrLst>
+    <dgm:linClrLst meth="repeat">
+      <a:schemeClr val="lt1"/>
+    </dgm:linClrLst>
+    <dgm:effectClrLst/>
+    <dgm:txLinClrLst/>
+    <dgm:txFillClrLst meth="repeat">
+      <a:schemeClr val="lt1"/>
+    </dgm:txFillClrLst>
+    <dgm:txEffectClrLst/>
+  </dgm:styleLbl>
+  <dgm:styleLbl name="alignImgPlace1">
+    <dgm:fillClrLst meth="repeat">
+      <a:schemeClr val="accent1">
+        <a:tint val="50000"/>
+      </a:schemeClr>
+    </dgm:fillClrLst>
+    <dgm:linClrLst meth="repeat">
+      <a:schemeClr val="lt1"/>
+    </dgm:linClrLst>
+    <dgm:effectClrLst/>
+    <dgm:txLinClrLst/>
+    <dgm:txFillClrLst meth="repeat">
+      <a:schemeClr val="lt1"/>
+    </dgm:txFillClrLst>
+    <dgm:txEffectClrLst/>
+  </dgm:styleLbl>
+  <dgm:styleLbl name="bgImgPlace1">
+    <dgm:fillClrLst meth="repeat">
+      <a:schemeClr val="accent1">
+        <a:tint val="50000"/>
+      </a:schemeClr>
+    </dgm:fillClrLst>
+    <dgm:linClrLst meth="repeat">
+      <a:schemeClr val="lt1"/>
+    </dgm:linClrLst>
+    <dgm:effectClrLst/>
+    <dgm:txLinClrLst/>
+    <dgm:txFillClrLst meth="repeat">
+      <a:schemeClr val="lt1"/>
+    </dgm:txFillClrLst>
+    <dgm:txEffectClrLst/>
+  </dgm:styleLbl>
+  <dgm:styleLbl name="sibTrans2D1">
+    <dgm:fillClrLst meth="repeat">
+      <a:schemeClr val="accent1">
+        <a:tint val="60000"/>
+      </a:schemeClr>
+    </dgm:fillClrLst>
+    <dgm:linClrLst meth="repeat">
+      <a:schemeClr val="accent1">
+        <a:tint val="60000"/>
+      </a:schemeClr>
+    </dgm:linClrLst>
+    <dgm:effectClrLst/>
+    <dgm:txLinClrLst/>
+    <dgm:txFillClrLst/>
+    <dgm:txEffectClrLst/>
+  </dgm:styleLbl>
+  <dgm:styleLbl name="fgSibTrans2D1">
+    <dgm:fillClrLst meth="repeat">
+      <a:schemeClr val="accent1">
+        <a:tint val="60000"/>
+      </a:schemeClr>
+    </dgm:fillClrLst>
+    <dgm:linClrLst meth="repeat">
+      <a:schemeClr val="accent1">
+        <a:tint val="60000"/>
+      </a:schemeClr>
+    </dgm:linClrLst>
+    <dgm:effectClrLst/>
+    <dgm:txLinClrLst/>
+    <dgm:txFillClrLst/>
+    <dgm:txEffectClrLst/>
+  </dgm:styleLbl>
+  <dgm:styleLbl name="bgSibTrans2D1">
+    <dgm:fillClrLst meth="repeat">
+      <a:schemeClr val="accent1">
+        <a:tint val="60000"/>
+      </a:schemeClr>
+    </dgm:fillClrLst>
+    <dgm:linClrLst meth="repeat">
+      <a:schemeClr val="accent1">
+        <a:tint val="60000"/>
+      </a:schemeClr>
+    </dgm:linClrLst>
+    <dgm:effectClrLst/>
+    <dgm:txLinClrLst/>
+    <dgm:txFillClrLst/>
+    <dgm:txEffectClrLst/>
+  </dgm:styleLbl>
+  <dgm:styleLbl name="sibTrans1D1">
+    <dgm:fillClrLst meth="repeat">
+      <a:schemeClr val="accent1"/>
+    </dgm:fillClrLst>
+    <dgm:linClrLst meth="repeat">
+      <a:schemeClr val="accent1"/>
+    </dgm:linClrLst>
+    <dgm:effectClrLst/>
+    <dgm:txLinClrLst/>
+    <dgm:txFillClrLst meth="repeat">
+      <a:schemeClr val="tx1"/>
+    </dgm:txFillClrLst>
+    <dgm:txEffectClrLst/>
+  </dgm:styleLbl>
+  <dgm:styleLbl name="callout">
+    <dgm:fillClrLst meth="repeat">
+      <a:schemeClr val="accent1"/>
+    </dgm:fillClrLst>
+    <dgm:linClrLst meth="repeat">
+      <a:schemeClr val="accent1">
+        <a:tint val="50000"/>
+      </a:schemeClr>
+    </dgm:linClrLst>
+    <dgm:effectClrLst/>
+    <dgm:txLinClrLst/>
+    <dgm:txFillClrLst meth="repeat">
+      <a:schemeClr val="tx1"/>
+    </dgm:txFillClrLst>
+    <dgm:txEffectClrLst/>
+  </dgm:styleLbl>
+  <dgm:styleLbl name="asst0">
+    <dgm:fillClrLst meth="repeat">
+      <a:schemeClr val="accent1"/>
+    </dgm:fillClrLst>
+    <dgm:linClrLst meth="repeat">
+      <a:schemeClr val="lt1"/>
+    </dgm:linClrLst>
+    <dgm:effectClrLst/>
+    <dgm:txLinClrLst/>
+    <dgm:txFillClrLst/>
+    <dgm:txEffectClrLst/>
+  </dgm:styleLbl>
+  <dgm:styleLbl name="asst1">
+    <dgm:fillClrLst meth="repeat">
+      <a:schemeClr val="accent1"/>
+    </dgm:fillClrLst>
+    <dgm:linClrLst meth="repeat">
+      <a:schemeClr val="lt1"/>
+    </dgm:linClrLst>
+    <dgm:effectClrLst/>
+    <dgm:txLinClrLst/>
+    <dgm:txFillClrLst/>
+    <dgm:txEffectClrLst/>
+  </dgm:styleLbl>
+  <dgm:styleLbl name="asst2">
+    <dgm:fillClrLst meth="repeat">
+      <a:schemeClr val="accent1"/>
+    </dgm:fillClrLst>
+    <dgm:linClrLst meth="repeat">
+      <a:schemeClr val="lt1"/>
+    </dgm:linClrLst>
+    <dgm:effectClrLst/>
+    <dgm:txLinClrLst/>
+    <dgm:txFillClrLst/>
+    <dgm:txEffectClrLst/>
+  </dgm:styleLbl>
+  <dgm:styleLbl name="asst3">
+    <dgm:fillClrLst meth="repeat">
+      <a:schemeClr val="accent1"/>
+    </dgm:fillClrLst>
+    <dgm:linClrLst meth="repeat">
+      <a:schemeClr val="lt1"/>
+    </dgm:linClrLst>
+    <dgm:effectClrLst/>
+    <dgm:txLinClrLst/>
+    <dgm:txFillClrLst/>
+    <dgm:txEffectClrLst/>
+  </dgm:styleLbl>
+  <dgm:styleLbl name="asst4">
+    <dgm:fillClrLst meth="repeat">
+      <a:schemeClr val="accent1"/>
+    </dgm:fillClrLst>
+    <dgm:linClrLst meth="repeat">
+      <a:schemeClr val="lt1"/>
+    </dgm:linClrLst>
+    <dgm:effectClrLst/>
+    <dgm:txLinClrLst/>
+    <dgm:txFillClrLst/>
+    <dgm:txEffectClrLst/>
+  </dgm:styleLbl>
+  <dgm:styleLbl name="parChTrans2D1">
+    <dgm:fillClrLst meth="repeat">
+      <a:schemeClr val="accent1">
+        <a:tint val="60000"/>
+      </a:schemeClr>
+    </dgm:fillClrLst>
+    <dgm:linClrLst meth="repeat">
+      <a:schemeClr val="accent1">
+        <a:tint val="60000"/>
+      </a:schemeClr>
+    </dgm:linClrLst>
+    <dgm:effectClrLst/>
+    <dgm:txLinClrLst/>
+    <dgm:txFillClrLst meth="repeat">
+      <a:schemeClr val="lt1"/>
+    </dgm:txFillClrLst>
+    <dgm:txEffectClrLst/>
+  </dgm:styleLbl>
+  <dgm:styleLbl name="parChTrans2D2">
+    <dgm:fillClrLst meth="repeat">
+      <a:schemeClr val="accent1"/>
+    </dgm:fillClrLst>
+    <dgm:linClrLst meth="repeat">
+      <a:schemeClr val="accent1"/>
+    </dgm:linClrLst>
+    <dgm:effectClrLst/>
+    <dgm:txLinClrLst/>
+    <dgm:txFillClrLst meth="repeat">
+      <a:schemeClr val="lt1"/>
+    </dgm:txFillClrLst>
+    <dgm:txEffectClrLst/>
+  </dgm:styleLbl>
+  <dgm:styleLbl name="parChTrans2D3">
+    <dgm:fillClrLst meth="repeat">
+      <a:schemeClr val="accent1"/>
+    </dgm:fillClrLst>
+    <dgm:linClrLst meth="repeat">
+      <a:schemeClr val="accent1"/>
+    </dgm:linClrLst>
+    <dgm:effectClrLst/>
+    <dgm:txLinClrLst/>
+    <dgm:txFillClrLst meth="repeat">
+      <a:schemeClr val="lt1"/>
+    </dgm:txFillClrLst>
+    <dgm:txEffectClrLst/>
+  </dgm:styleLbl>
+  <dgm:styleLbl name="parChTrans2D4">
+    <dgm:fillClrLst meth="repeat">
+      <a:schemeClr val="accent1"/>
+    </dgm:fillClrLst>
+    <dgm:linClrLst meth="repeat">
+      <a:schemeClr val="accent1"/>
+    </dgm:linClrLst>
+    <dgm:effectClrLst/>
+    <dgm:txLinClrLst/>
+    <dgm:txFillClrLst meth="repeat">
+      <a:schemeClr val="lt1"/>
+    </dgm:txFillClrLst>
+    <dgm:txEffectClrLst/>
+  </dgm:styleLbl>
+  <dgm:styleLbl name="parChTrans1D1">
+    <dgm:fillClrLst meth="repeat">
+      <a:schemeClr val="accent1"/>
+    </dgm:fillClrLst>
+    <dgm:linClrLst meth="repeat">
+      <a:schemeClr val="accent1">
+        <a:shade val="60000"/>
+      </a:schemeClr>
+    </dgm:linClrLst>
+    <dgm:effectClrLst/>
+    <dgm:txLinClrLst/>
+    <dgm:txFillClrLst meth="repeat">
+      <a:schemeClr val="tx1"/>
+    </dgm:txFillClrLst>
+    <dgm:txEffectClrLst/>
+  </dgm:styleLbl>
+  <dgm:styleLbl name="parChTrans1D2">
+    <dgm:fillClrLst meth="repeat">
+      <a:schemeClr val="accent1"/>
+    </dgm:fillClrLst>
+    <dgm:linClrLst meth="repeat">
+      <a:schemeClr val="accent1">
+        <a:shade val="60000"/>
+      </a:schemeClr>
+    </dgm:linClrLst>
+    <dgm:effectClrLst/>
+    <dgm:txLinClrLst/>
+    <dgm:txFillClrLst meth="repeat">
+      <a:schemeClr val="tx1"/>
+    </dgm:txFillClrLst>
+    <dgm:txEffectClrLst/>
+  </dgm:styleLbl>
+  <dgm:styleLbl name="parChTrans1D3">
+    <dgm:fillClrLst meth="repeat">
+      <a:schemeClr val="accent1"/>
+    </dgm:fillClrLst>
+    <dgm:linClrLst meth="repeat">
+      <a:schemeClr val="accent1">
+        <a:shade val="80000"/>
+      </a:schemeClr>
+    </dgm:linClrLst>
+    <dgm:effectClrLst/>
+    <dgm:txLinClrLst/>
+    <dgm:txFillClrLst meth="repeat">
+      <a:schemeClr val="tx1"/>
+    </dgm:txFillClrLst>
+    <dgm:txEffectClrLst/>
+  </dgm:styleLbl>
+  <dgm:styleLbl name="parChTrans1D4">
+    <dgm:fillClrLst meth="repeat">
+      <a:schemeClr val="accent1"/>
+    </dgm:fillClrLst>
+    <dgm:linClrLst meth="repeat">
+      <a:schemeClr val="accent1">
+        <a:shade val="80000"/>
+      </a:schemeClr>
+    </dgm:linClrLst>
+    <dgm:effectClrLst/>
+    <dgm:txLinClrLst/>
+    <dgm:txFillClrLst meth="repeat">
+      <a:schemeClr val="tx1"/>
+    </dgm:txFillClrLst>
+    <dgm:txEffectClrLst/>
+  </dgm:styleLbl>
+  <dgm:styleLbl name="fgAcc1">
+    <dgm:fillClrLst meth="repeat">
+      <a:schemeClr val="lt1">
+        <a:alpha val="90000"/>
+      </a:schemeClr>
+    </dgm:fillClrLst>
+    <dgm:linClrLst meth="repeat">
+      <a:schemeClr val="accent1"/>
+    </dgm:linClrLst>
+    <dgm:effectClrLst/>
+    <dgm:txLinClrLst/>
+    <dgm:txFillClrLst meth="repeat">
+      <a:schemeClr val="dk1"/>
+    </dgm:txFillClrLst>
+    <dgm:txEffectClrLst/>
+  </dgm:styleLbl>
+  <dgm:styleLbl name="conFgAcc1">
+    <dgm:fillClrLst meth="repeat">
+      <a:schemeClr val="lt1">
+        <a:alpha val="90000"/>
+      </a:schemeClr>
+    </dgm:fillClrLst>
+    <dgm:linClrLst meth="repeat">
+      <a:schemeClr val="accent1"/>
+    </dgm:linClrLst>
+    <dgm:effectClrLst/>
+    <dgm:txLinClrLst/>
+    <dgm:txFillClrLst meth="repeat">
+      <a:schemeClr val="dk1"/>
+    </dgm:txFillClrLst>
+    <dgm:txEffectClrLst/>
+  </dgm:styleLbl>
+  <dgm:styleLbl name="alignAcc1">
+    <dgm:fillClrLst meth="repeat">
+      <a:schemeClr val="lt1">
+        <a:alpha val="90000"/>
+      </a:schemeClr>
+    </dgm:fillClrLst>
+    <dgm:linClrLst meth="repeat">
+      <a:schemeClr val="accent1"/>
+    </dgm:linClrLst>
+    <dgm:effectClrLst/>
+    <dgm:txLinClrLst/>
+    <dgm:txFillClrLst meth="repeat">
+      <a:schemeClr val="dk1"/>
+    </dgm:txFillClrLst>
+    <dgm:txEffectClrLst/>
+  </dgm:styleLbl>
+  <dgm:styleLbl name="trAlignAcc1">
+    <dgm:fillClrLst meth="repeat">
+      <a:schemeClr val="lt1">
+        <a:alpha val="40000"/>
+      </a:schemeClr>
+    </dgm:fillClrLst>
+    <dgm:linClrLst meth="repeat">
+      <a:schemeClr val="accent1"/>
+    </dgm:linClrLst>
+    <dgm:effectClrLst/>
+    <dgm:txLinClrLst/>
+    <dgm:txFillClrLst meth="repeat">
+      <a:schemeClr val="dk1"/>
+    </dgm:txFillClrLst>
+    <dgm:txEffectClrLst/>
+  </dgm:styleLbl>
+  <dgm:styleLbl name="bgAcc1">
+    <dgm:fillClrLst meth="repeat">
+      <a:schemeClr val="lt1">
+        <a:alpha val="90000"/>
+      </a:schemeClr>
+    </dgm:fillClrLst>
+    <dgm:linClrLst meth="repeat">
+      <a:schemeClr val="accent1"/>
+    </dgm:linClrLst>
+    <dgm:effectClrLst/>
+    <dgm:txLinClrLst/>
+    <dgm:txFillClrLst meth="repeat">
+      <a:schemeClr val="dk1"/>
+    </dgm:txFillClrLst>
+    <dgm:txEffectClrLst/>
+  </dgm:styleLbl>
+  <dgm:styleLbl name="solidFgAcc1">
+    <dgm:fillClrLst meth="repeat">
+      <a:schemeClr val="lt1"/>
+    </dgm:fillClrLst>
+    <dgm:linClrLst meth="repeat">
+      <a:schemeClr val="accent1"/>
+    </dgm:linClrLst>
+    <dgm:effectClrLst/>
+    <dgm:txLinClrLst/>
+    <dgm:txFillClrLst meth="repeat">
+      <a:schemeClr val="dk1"/>
+    </dgm:txFillClrLst>
+    <dgm:txEffectClrLst/>
+  </dgm:styleLbl>
+  <dgm:styleLbl name="solidAlignAcc1">
+    <dgm:fillClrLst meth="repeat">
+      <a:schemeClr val="lt1"/>
+    </dgm:fillClrLst>
+    <dgm:linClrLst meth="repeat">
+      <a:schemeClr val="accent1"/>
+    </dgm:linClrLst>
+    <dgm:effectClrLst/>
+    <dgm:txLinClrLst/>
+    <dgm:txFillClrLst meth="repeat">
+      <a:schemeClr val="dk1"/>
+    </dgm:txFillClrLst>
+    <dgm:txEffectClrLst/>
+  </dgm:styleLbl>
+  <dgm:styleLbl name="solidBgAcc1">
+    <dgm:fillClrLst meth="repeat">
+      <a:schemeClr val="lt1"/>
+    </dgm:fillClrLst>
+    <dgm:linClrLst meth="repeat">
+      <a:schemeClr val="accent1"/>
+    </dgm:linClrLst>
+    <dgm:effectClrLst/>
+    <dgm:txLinClrLst/>
+    <dgm:txFillClrLst meth="repeat">
+      <a:schemeClr val="dk1"/>
+    </dgm:txFillClrLst>
+    <dgm:txEffectClrLst/>
+  </dgm:styleLbl>
+  <dgm:styleLbl name="fgAccFollowNode1">
+    <dgm:fillClrLst meth="repeat">
+      <a:schemeClr val="accent1">
+        <a:alpha val="90000"/>
+        <a:tint val="40000"/>
+      </a:schemeClr>
+    </dgm:fillClrLst>
+    <dgm:linClrLst meth="repeat">
+      <a:schemeClr val="accent1">
+        <a:alpha val="90000"/>
+        <a:tint val="40000"/>
+      </a:schemeClr>
+    </dgm:linClrLst>
+    <dgm:effectClrLst/>
+    <dgm:txLinClrLst/>
+    <dgm:txFillClrLst meth="repeat">
+      <a:schemeClr val="dk1"/>
+    </dgm:txFillClrLst>
+    <dgm:txEffectClrLst/>
+  </dgm:styleLbl>
+  <dgm:styleLbl name="alignAccFollowNode1">
+    <dgm:fillClrLst meth="repeat">
+      <a:schemeClr val="accent1">
+        <a:alpha val="90000"/>
+        <a:tint val="40000"/>
+      </a:schemeClr>
+    </dgm:fillClrLst>
+    <dgm:linClrLst meth="repeat">
+      <a:schemeClr val="accent1">
+        <a:alpha val="90000"/>
+        <a:tint val="40000"/>
+      </a:schemeClr>
+    </dgm:linClrLst>
+    <dgm:effectClrLst/>
+    <dgm:txLinClrLst/>
+    <dgm:txFillClrLst meth="repeat">
+      <a:schemeClr val="dk1"/>
+    </dgm:txFillClrLst>
+    <dgm:txEffectClrLst/>
+  </dgm:styleLbl>
+  <dgm:styleLbl name="bgAccFollowNode1">
+    <dgm:fillClrLst meth="repeat">
+      <a:schemeClr val="accent1">
+        <a:alpha val="90000"/>
+        <a:tint val="40000"/>
+      </a:schemeClr>
+    </dgm:fillClrLst>
+    <dgm:linClrLst meth="repeat">
+      <a:schemeClr val="accent1">
+        <a:alpha val="90000"/>
+        <a:tint val="40000"/>
+      </a:schemeClr>
+    </dgm:linClrLst>
+    <dgm:effectClrLst/>
+    <dgm:txLinClrLst/>
+    <dgm:txFillClrLst meth="repeat">
+      <a:schemeClr val="dk1"/>
+    </dgm:txFillClrLst>
+    <dgm:txEffectClrLst/>
+  </dgm:styleLbl>
+  <dgm:styleLbl name="fgAcc0">
+    <dgm:fillClrLst meth="repeat">
+      <a:schemeClr val="lt1">
+        <a:alpha val="90000"/>
+      </a:schemeClr>
+    </dgm:fillClrLst>
+    <dgm:linClrLst meth="repeat">
+      <a:schemeClr val="accent1"/>
+    </dgm:linClrLst>
+    <dgm:effectClrLst/>
+    <dgm:txLinClrLst/>
+    <dgm:txFillClrLst meth="repeat">
+      <a:schemeClr val="dk1"/>
+    </dgm:txFillClrLst>
+    <dgm:txEffectClrLst/>
+  </dgm:styleLbl>
+  <dgm:styleLbl name="fgAcc2">
+    <dgm:fillClrLst meth="repeat">
+      <a:schemeClr val="lt1">
+        <a:alpha val="90000"/>
+      </a:schemeClr>
+    </dgm:fillClrLst>
+    <dgm:linClrLst meth="repeat">
+      <a:schemeClr val="accent1"/>
+    </dgm:linClrLst>
+    <dgm:effectClrLst/>
+    <dgm:txLinClrLst/>
+    <dgm:txFillClrLst meth="repeat">
+      <a:schemeClr val="dk1"/>
+    </dgm:txFillClrLst>
+    <dgm:txEffectClrLst/>
+  </dgm:styleLbl>
+  <dgm:styleLbl name="fgAcc3">
+    <dgm:fillClrLst meth="repeat">
+      <a:schemeClr val="lt1">
+        <a:alpha val="90000"/>
+      </a:schemeClr>
+    </dgm:fillClrLst>
+    <dgm:linClrLst meth="repeat">
+      <a:schemeClr val="accent1"/>
+    </dgm:linClrLst>
+    <dgm:effectClrLst/>
+    <dgm:txLinClrLst/>
+    <dgm:txFillClrLst meth="repeat">
+      <a:schemeClr val="dk1"/>
+    </dgm:txFillClrLst>
+    <dgm:txEffectClrLst/>
+  </dgm:styleLbl>
+  <dgm:styleLbl name="fgAcc4">
+    <dgm:fillClrLst meth="repeat">
+      <a:schemeClr val="lt1">
+        <a:alpha val="90000"/>
+      </a:schemeClr>
+    </dgm:fillClrLst>
+    <dgm:linClrLst meth="repeat">
+      <a:schemeClr val="accent1"/>
+    </dgm:linClrLst>
+    <dgm:effectClrLst/>
+    <dgm:txLinClrLst/>
+    <dgm:txFillClrLst meth="repeat">
+      <a:schemeClr val="dk1"/>
+    </dgm:txFillClrLst>
+    <dgm:txEffectClrLst/>
+  </dgm:styleLbl>
+  <dgm:styleLbl name="bgShp">
+    <dgm:fillClrLst meth="repeat">
+      <a:schemeClr val="accent1">
+        <a:tint val="40000"/>
+      </a:schemeClr>
+    </dgm:fillClrLst>
+    <dgm:linClrLst meth="repeat">
+      <a:schemeClr val="accent1"/>
+    </dgm:linClrLst>
+    <dgm:effectClrLst/>
+    <dgm:txLinClrLst/>
+    <dgm:txFillClrLst meth="repeat">
+      <a:schemeClr val="dk1"/>
+    </dgm:txFillClrLst>
+    <dgm:txEffectClrLst/>
+  </dgm:styleLbl>
+  <dgm:styleLbl name="dkBgShp">
+    <dgm:fillClrLst meth="repeat">
+      <a:schemeClr val="accent1">
+        <a:shade val="80000"/>
+      </a:schemeClr>
+    </dgm:fillClrLst>
+    <dgm:linClrLst meth="repeat">
+      <a:schemeClr val="accent1"/>
+    </dgm:linClrLst>
+    <dgm:effectClrLst/>
+    <dgm:txLinClrLst/>
+    <dgm:txFillClrLst meth="repeat">
+      <a:schemeClr val="lt1"/>
+    </dgm:txFillClrLst>
+    <dgm:txEffectClrLst/>
+  </dgm:styleLbl>
+  <dgm:styleLbl name="trBgShp">
+    <dgm:fillClrLst meth="repeat">
+      <a:schemeClr val="accent1">
+        <a:tint val="50000"/>
+        <a:alpha val="40000"/>
+      </a:schemeClr>
+    </dgm:fillClrLst>
+    <dgm:linClrLst meth="repeat">
+      <a:schemeClr val="accent1"/>
+    </dgm:linClrLst>
+    <dgm:effectClrLst/>
+    <dgm:txLinClrLst/>
+    <dgm:txFillClrLst meth="repeat">
+      <a:schemeClr val="lt1"/>
+    </dgm:txFillClrLst>
+    <dgm:txEffectClrLst/>
+  </dgm:styleLbl>
+  <dgm:styleLbl name="fgShp">
+    <dgm:fillClrLst meth="repeat">
+      <a:schemeClr val="accent1">
+        <a:tint val="60000"/>
+      </a:schemeClr>
+    </dgm:fillClrLst>
+    <dgm:linClrLst meth="repeat">
+      <a:schemeClr val="lt1"/>
+    </dgm:linClrLst>
+    <dgm:effectClrLst/>
+    <dgm:txLinClrLst/>
+    <dgm:txFillClrLst meth="repeat">
+      <a:schemeClr val="dk1"/>
+    </dgm:txFillClrLst>
+    <dgm:txEffectClrLst/>
+  </dgm:styleLbl>
+  <dgm:styleLbl name="revTx">
+    <dgm:fillClrLst meth="repeat">
+      <a:schemeClr val="lt1">
+        <a:alpha val="0"/>
+      </a:schemeClr>
+    </dgm:fillClrLst>
+    <dgm:linClrLst meth="repeat">
+      <a:schemeClr val="dk1">
+        <a:alpha val="0"/>
+      </a:schemeClr>
+    </dgm:linClrLst>
+    <dgm:effectClrLst/>
+    <dgm:txLinClrLst/>
+    <dgm:txFillClrLst meth="repeat">
+      <a:schemeClr val="tx1"/>
+    </dgm:txFillClrLst>
+    <dgm:txEffectClrLst/>
+  </dgm:styleLbl>
+</dgm:colorsDef>
+</file>
+
+<file path=ppt/diagrams/colors6.xml><?xml version="1.0" encoding="utf-8"?>
 <dgm:colorsDef xmlns:dgm="http://schemas.openxmlformats.org/drawingml/2006/diagram" xmlns:a="http://schemas.openxmlformats.org/drawingml/2006/main" uniqueId="urn:microsoft.com/office/officeart/2005/8/colors/accent1_2">
   <dgm:title val=""/>
   <dgm:desc val=""/>
@@ -4686,35 +5431,35 @@
     </dgm:pt>
   </dgm:ptLst>
   <dgm:cxnLst>
-    <dgm:cxn modelId="{A041AC4E-EA55-4F41-B677-8E762796DB68}" type="presOf" srcId="{6DD6A2C0-98CF-4461-B8A5-2215F8F8C1F1}" destId="{5B44A250-2CEA-415F-9F18-E7DD521B99B0}" srcOrd="0" destOrd="0" presId="urn:microsoft.com/office/officeart/2005/8/layout/hierarchy5"/>
     <dgm:cxn modelId="{CDB1C961-7321-4598-8E4A-028FA5C8426A}" type="presOf" srcId="{3073E0B2-71FD-42C6-988B-328774FE49D1}" destId="{0EF7BDCE-DFBF-46C2-953E-1E3BF70E5743}" srcOrd="0" destOrd="0" presId="urn:microsoft.com/office/officeart/2005/8/layout/hierarchy5"/>
-    <dgm:cxn modelId="{2D112C46-2AAA-4E97-B1C7-8004E4DBC7E9}" type="presOf" srcId="{C72DB701-16B4-4B41-BD36-AF7CABFD4265}" destId="{4C537B6B-A235-4FA1-9896-9F2522911666}" srcOrd="0" destOrd="0" presId="urn:microsoft.com/office/officeart/2005/8/layout/hierarchy5"/>
-    <dgm:cxn modelId="{9B94531F-9099-457B-B799-E41004EC3D78}" type="presOf" srcId="{9A1FF567-A189-4891-9536-1E960DB0B2A3}" destId="{48BA3B68-184E-4443-BCE6-6DEF28D21AEE}" srcOrd="1" destOrd="0" presId="urn:microsoft.com/office/officeart/2005/8/layout/hierarchy5"/>
+    <dgm:cxn modelId="{2E9ED4ED-41EC-4E20-908A-A1E78C737592}" type="presOf" srcId="{AB44D09D-778B-428F-A61F-81CE0C063910}" destId="{A4EB6696-5A7F-4195-A89D-1441CE00D6D7}" srcOrd="1" destOrd="0" presId="urn:microsoft.com/office/officeart/2005/8/layout/hierarchy5"/>
+    <dgm:cxn modelId="{37974DD2-B8B6-4872-AC49-8A9B4865FA52}" type="presOf" srcId="{DDB9C6A4-0FFA-42A0-9356-364F394CF0A2}" destId="{634B9FA7-CDEC-4500-A91B-BCC8AB4D4318}" srcOrd="0" destOrd="0" presId="urn:microsoft.com/office/officeart/2005/8/layout/hierarchy5"/>
+    <dgm:cxn modelId="{4A812752-504B-43C6-96AB-F579E713B2D6}" type="presOf" srcId="{3F6E5BFC-474B-48D5-9DE2-E8304CA4738E}" destId="{8E298DD4-11D9-4948-89C6-CB2BE63829C7}" srcOrd="0" destOrd="0" presId="urn:microsoft.com/office/officeart/2005/8/layout/hierarchy5"/>
+    <dgm:cxn modelId="{67CDA748-3F6C-44C4-B25E-7704CF0BD9AC}" type="presOf" srcId="{9A1FF567-A189-4891-9536-1E960DB0B2A3}" destId="{A7575152-F179-4F04-8D5B-F78E95B2FAE1}" srcOrd="0" destOrd="0" presId="urn:microsoft.com/office/officeart/2005/8/layout/hierarchy5"/>
+    <dgm:cxn modelId="{0E368356-B3BD-44C9-8C55-A707C6BB9341}" srcId="{3A0FF982-2F57-40C2-8CD8-815AC626C9C6}" destId="{3F6E5BFC-474B-48D5-9DE2-E8304CA4738E}" srcOrd="0" destOrd="0" parTransId="{C72DB701-16B4-4B41-BD36-AF7CABFD4265}" sibTransId="{E7AB871E-6FD4-49DD-9B01-FB294D34E374}"/>
+    <dgm:cxn modelId="{E1D9218B-E8ED-4866-8164-7AA3EDE97FB9}" srcId="{532E4FEA-5F72-4649-A5A1-FACB31272067}" destId="{BE4DA2D6-9F51-4B5D-85B0-33CF95947483}" srcOrd="0" destOrd="0" parTransId="{6DD6A2C0-98CF-4461-B8A5-2215F8F8C1F1}" sibTransId="{F1799600-DC8D-4D25-99A9-A29DEF6DB888}"/>
+    <dgm:cxn modelId="{F8693100-7DE7-4E53-B178-F0A4D6EE26D6}" type="presOf" srcId="{8D7E42D4-E78E-49FA-9135-E24132F15590}" destId="{E2DB1759-7249-4D87-BDBC-F7A1F4835AD1}" srcOrd="0" destOrd="0" presId="urn:microsoft.com/office/officeart/2005/8/layout/hierarchy5"/>
+    <dgm:cxn modelId="{3FB3FAEF-7E3D-4CAF-8899-A0A49762B9F9}" type="presOf" srcId="{C72DB701-16B4-4B41-BD36-AF7CABFD4265}" destId="{7B5734FF-5CAA-4885-8194-858B3DEEF547}" srcOrd="1" destOrd="0" presId="urn:microsoft.com/office/officeart/2005/8/layout/hierarchy5"/>
+    <dgm:cxn modelId="{F6F4A204-7F61-4774-8B48-FB97642E51F3}" srcId="{532E4FEA-5F72-4649-A5A1-FACB31272067}" destId="{DDB9C6A4-0FFA-42A0-9356-364F394CF0A2}" srcOrd="2" destOrd="0" parTransId="{D904D87B-F3DD-4D58-B614-D4B992D8890D}" sibTransId="{FB375A65-13CD-4D46-99ED-16238E6FAD80}"/>
     <dgm:cxn modelId="{3B93145A-6459-45E8-B5B5-CFE9B8BDC040}" type="presOf" srcId="{AB44D09D-778B-428F-A61F-81CE0C063910}" destId="{41C983E8-4110-4694-9A3A-803CE11A3A5E}" srcOrd="0" destOrd="0" presId="urn:microsoft.com/office/officeart/2005/8/layout/hierarchy5"/>
     <dgm:cxn modelId="{60606CCE-5675-4A80-96ED-13AC8FDD427B}" type="presOf" srcId="{BE4DA2D6-9F51-4B5D-85B0-33CF95947483}" destId="{6B960B71-3DA8-4014-8465-2FA6F0498E35}" srcOrd="0" destOrd="0" presId="urn:microsoft.com/office/officeart/2005/8/layout/hierarchy5"/>
+    <dgm:cxn modelId="{7A23D836-58A5-4AA1-BAF4-4E826DA36AD5}" srcId="{532E4FEA-5F72-4649-A5A1-FACB31272067}" destId="{8D7E42D4-E78E-49FA-9135-E24132F15590}" srcOrd="1" destOrd="0" parTransId="{9A1FF567-A189-4891-9536-1E960DB0B2A3}" sibTransId="{0656268F-CF6F-446A-B82F-21B8278E6811}"/>
+    <dgm:cxn modelId="{48725D68-3807-49E5-8715-EC70BA9D2432}" srcId="{F8BD94DD-566A-499A-A503-EF680403EBFD}" destId="{3073E0B2-71FD-42C6-988B-328774FE49D1}" srcOrd="2" destOrd="0" parTransId="{DEC76A8C-DD22-4277-BDB8-24F70F8658A4}" sibTransId="{4066C69A-7AF5-4B2B-B90C-5A17C0DEF022}"/>
+    <dgm:cxn modelId="{9B94531F-9099-457B-B799-E41004EC3D78}" type="presOf" srcId="{9A1FF567-A189-4891-9536-1E960DB0B2A3}" destId="{48BA3B68-184E-4443-BCE6-6DEF28D21AEE}" srcOrd="1" destOrd="0" presId="urn:microsoft.com/office/officeart/2005/8/layout/hierarchy5"/>
     <dgm:cxn modelId="{105F74F5-9EBE-4EAE-B007-A65CB3F0EB33}" type="presOf" srcId="{D904D87B-F3DD-4D58-B614-D4B992D8890D}" destId="{4FBA2317-9391-467A-8D74-FDF4261AC436}" srcOrd="1" destOrd="0" presId="urn:microsoft.com/office/officeart/2005/8/layout/hierarchy5"/>
+    <dgm:cxn modelId="{42C07D06-E3E8-47A2-BC3D-9934E566F535}" type="presOf" srcId="{6DD6A2C0-98CF-4461-B8A5-2215F8F8C1F1}" destId="{74D2FB9D-519E-4824-9E27-3D2243BACABF}" srcOrd="1" destOrd="0" presId="urn:microsoft.com/office/officeart/2005/8/layout/hierarchy5"/>
+    <dgm:cxn modelId="{A041AC4E-EA55-4F41-B677-8E762796DB68}" type="presOf" srcId="{6DD6A2C0-98CF-4461-B8A5-2215F8F8C1F1}" destId="{5B44A250-2CEA-415F-9F18-E7DD521B99B0}" srcOrd="0" destOrd="0" presId="urn:microsoft.com/office/officeart/2005/8/layout/hierarchy5"/>
+    <dgm:cxn modelId="{2D112C46-2AAA-4E97-B1C7-8004E4DBC7E9}" type="presOf" srcId="{C72DB701-16B4-4B41-BD36-AF7CABFD4265}" destId="{4C537B6B-A235-4FA1-9896-9F2522911666}" srcOrd="0" destOrd="0" presId="urn:microsoft.com/office/officeart/2005/8/layout/hierarchy5"/>
+    <dgm:cxn modelId="{30AEDD49-00ED-4F62-99F0-A31A3AB9D22D}" type="presOf" srcId="{3073E0B2-71FD-42C6-988B-328774FE49D1}" destId="{7A1153DF-7204-4A95-A166-062FC66FD4AF}" srcOrd="1" destOrd="0" presId="urn:microsoft.com/office/officeart/2005/8/layout/hierarchy5"/>
+    <dgm:cxn modelId="{9CF8E5E8-291E-4D07-AF74-12D6DD04C28E}" type="presOf" srcId="{3A0FF982-2F57-40C2-8CD8-815AC626C9C6}" destId="{695DB62C-3EA4-429E-A762-0E7948385A84}" srcOrd="0" destOrd="0" presId="urn:microsoft.com/office/officeart/2005/8/layout/hierarchy5"/>
+    <dgm:cxn modelId="{AF6ED6FF-95D3-4F82-A64A-B50948087F1E}" type="presOf" srcId="{F8BD94DD-566A-499A-A503-EF680403EBFD}" destId="{8D79E0FE-B2D1-454C-B0D7-E6FBD2B5875A}" srcOrd="0" destOrd="0" presId="urn:microsoft.com/office/officeart/2005/8/layout/hierarchy5"/>
+    <dgm:cxn modelId="{DE66C17F-C69F-4929-A604-F44DC045EA4C}" type="presOf" srcId="{D904D87B-F3DD-4D58-B614-D4B992D8890D}" destId="{9246F981-632C-4E4D-81DA-10CF6EF52731}" srcOrd="0" destOrd="0" presId="urn:microsoft.com/office/officeart/2005/8/layout/hierarchy5"/>
+    <dgm:cxn modelId="{9C1AD598-B2FD-427C-A8C9-0F27C4397EE3}" srcId="{F8BD94DD-566A-499A-A503-EF680403EBFD}" destId="{3A0FF982-2F57-40C2-8CD8-815AC626C9C6}" srcOrd="0" destOrd="0" parTransId="{C3547413-6DBA-44A2-8F76-B1FDE8828E4D}" sibTransId="{93B28DD8-96DB-434A-8C14-DD30FCF62C59}"/>
+    <dgm:cxn modelId="{5CBA8F34-29E1-4AA6-9D2E-D9C2903CF3B2}" type="presOf" srcId="{532E4FEA-5F72-4649-A5A1-FACB31272067}" destId="{8FD25671-F1E9-4E5A-9E75-0B68C3ADC8AB}" srcOrd="0" destOrd="0" presId="urn:microsoft.com/office/officeart/2005/8/layout/hierarchy5"/>
+    <dgm:cxn modelId="{8F049D32-1907-4BE9-833D-71FC555739CB}" srcId="{F8BD94DD-566A-499A-A503-EF680403EBFD}" destId="{34A66873-0C0E-4B68-A4FF-B5135F2A61A9}" srcOrd="1" destOrd="0" parTransId="{FDC0B1EE-F454-4C89-B9C3-B19C008BB61C}" sibTransId="{8816E5F8-838C-4C78-8EBB-53AFA130AD36}"/>
+    <dgm:cxn modelId="{D3742C32-B772-4CB0-9DD2-8B9B6824A3A0}" srcId="{3F6E5BFC-474B-48D5-9DE2-E8304CA4738E}" destId="{532E4FEA-5F72-4649-A5A1-FACB31272067}" srcOrd="0" destOrd="0" parTransId="{AB44D09D-778B-428F-A61F-81CE0C063910}" sibTransId="{DBC874B8-5FEA-43A3-9CC0-284ECE51FC75}"/>
     <dgm:cxn modelId="{5FCCED49-106C-4ACE-A512-32D00CD51999}" type="presOf" srcId="{34A66873-0C0E-4B68-A4FF-B5135F2A61A9}" destId="{38623598-BC9D-4C34-B6AA-376EBF1742C6}" srcOrd="1" destOrd="0" presId="urn:microsoft.com/office/officeart/2005/8/layout/hierarchy5"/>
-    <dgm:cxn modelId="{9C1AD598-B2FD-427C-A8C9-0F27C4397EE3}" srcId="{F8BD94DD-566A-499A-A503-EF680403EBFD}" destId="{3A0FF982-2F57-40C2-8CD8-815AC626C9C6}" srcOrd="0" destOrd="0" parTransId="{C3547413-6DBA-44A2-8F76-B1FDE8828E4D}" sibTransId="{93B28DD8-96DB-434A-8C14-DD30FCF62C59}"/>
-    <dgm:cxn modelId="{8F049D32-1907-4BE9-833D-71FC555739CB}" srcId="{F8BD94DD-566A-499A-A503-EF680403EBFD}" destId="{34A66873-0C0E-4B68-A4FF-B5135F2A61A9}" srcOrd="1" destOrd="0" parTransId="{FDC0B1EE-F454-4C89-B9C3-B19C008BB61C}" sibTransId="{8816E5F8-838C-4C78-8EBB-53AFA130AD36}"/>
-    <dgm:cxn modelId="{AF6ED6FF-95D3-4F82-A64A-B50948087F1E}" type="presOf" srcId="{F8BD94DD-566A-499A-A503-EF680403EBFD}" destId="{8D79E0FE-B2D1-454C-B0D7-E6FBD2B5875A}" srcOrd="0" destOrd="0" presId="urn:microsoft.com/office/officeart/2005/8/layout/hierarchy5"/>
-    <dgm:cxn modelId="{F6F4A204-7F61-4774-8B48-FB97642E51F3}" srcId="{532E4FEA-5F72-4649-A5A1-FACB31272067}" destId="{DDB9C6A4-0FFA-42A0-9356-364F394CF0A2}" srcOrd="2" destOrd="0" parTransId="{D904D87B-F3DD-4D58-B614-D4B992D8890D}" sibTransId="{FB375A65-13CD-4D46-99ED-16238E6FAD80}"/>
-    <dgm:cxn modelId="{E1D9218B-E8ED-4866-8164-7AA3EDE97FB9}" srcId="{532E4FEA-5F72-4649-A5A1-FACB31272067}" destId="{BE4DA2D6-9F51-4B5D-85B0-33CF95947483}" srcOrd="0" destOrd="0" parTransId="{6DD6A2C0-98CF-4461-B8A5-2215F8F8C1F1}" sibTransId="{F1799600-DC8D-4D25-99A9-A29DEF6DB888}"/>
-    <dgm:cxn modelId="{37974DD2-B8B6-4872-AC49-8A9B4865FA52}" type="presOf" srcId="{DDB9C6A4-0FFA-42A0-9356-364F394CF0A2}" destId="{634B9FA7-CDEC-4500-A91B-BCC8AB4D4318}" srcOrd="0" destOrd="0" presId="urn:microsoft.com/office/officeart/2005/8/layout/hierarchy5"/>
-    <dgm:cxn modelId="{67CDA748-3F6C-44C4-B25E-7704CF0BD9AC}" type="presOf" srcId="{9A1FF567-A189-4891-9536-1E960DB0B2A3}" destId="{A7575152-F179-4F04-8D5B-F78E95B2FAE1}" srcOrd="0" destOrd="0" presId="urn:microsoft.com/office/officeart/2005/8/layout/hierarchy5"/>
-    <dgm:cxn modelId="{9CF8E5E8-291E-4D07-AF74-12D6DD04C28E}" type="presOf" srcId="{3A0FF982-2F57-40C2-8CD8-815AC626C9C6}" destId="{695DB62C-3EA4-429E-A762-0E7948385A84}" srcOrd="0" destOrd="0" presId="urn:microsoft.com/office/officeart/2005/8/layout/hierarchy5"/>
-    <dgm:cxn modelId="{F8693100-7DE7-4E53-B178-F0A4D6EE26D6}" type="presOf" srcId="{8D7E42D4-E78E-49FA-9135-E24132F15590}" destId="{E2DB1759-7249-4D87-BDBC-F7A1F4835AD1}" srcOrd="0" destOrd="0" presId="urn:microsoft.com/office/officeart/2005/8/layout/hierarchy5"/>
-    <dgm:cxn modelId="{30AEDD49-00ED-4F62-99F0-A31A3AB9D22D}" type="presOf" srcId="{3073E0B2-71FD-42C6-988B-328774FE49D1}" destId="{7A1153DF-7204-4A95-A166-062FC66FD4AF}" srcOrd="1" destOrd="0" presId="urn:microsoft.com/office/officeart/2005/8/layout/hierarchy5"/>
-    <dgm:cxn modelId="{5CBA8F34-29E1-4AA6-9D2E-D9C2903CF3B2}" type="presOf" srcId="{532E4FEA-5F72-4649-A5A1-FACB31272067}" destId="{8FD25671-F1E9-4E5A-9E75-0B68C3ADC8AB}" srcOrd="0" destOrd="0" presId="urn:microsoft.com/office/officeart/2005/8/layout/hierarchy5"/>
-    <dgm:cxn modelId="{DE66C17F-C69F-4929-A604-F44DC045EA4C}" type="presOf" srcId="{D904D87B-F3DD-4D58-B614-D4B992D8890D}" destId="{9246F981-632C-4E4D-81DA-10CF6EF52731}" srcOrd="0" destOrd="0" presId="urn:microsoft.com/office/officeart/2005/8/layout/hierarchy5"/>
     <dgm:cxn modelId="{6AF68AB2-985D-45E9-B70B-DE2F557FAA52}" type="presOf" srcId="{34A66873-0C0E-4B68-A4FF-B5135F2A61A9}" destId="{4C3E5FA3-04CA-4321-BE03-AB1CF14768B1}" srcOrd="0" destOrd="0" presId="urn:microsoft.com/office/officeart/2005/8/layout/hierarchy5"/>
-    <dgm:cxn modelId="{4A812752-504B-43C6-96AB-F579E713B2D6}" type="presOf" srcId="{3F6E5BFC-474B-48D5-9DE2-E8304CA4738E}" destId="{8E298DD4-11D9-4948-89C6-CB2BE63829C7}" srcOrd="0" destOrd="0" presId="urn:microsoft.com/office/officeart/2005/8/layout/hierarchy5"/>
-    <dgm:cxn modelId="{42C07D06-E3E8-47A2-BC3D-9934E566F535}" type="presOf" srcId="{6DD6A2C0-98CF-4461-B8A5-2215F8F8C1F1}" destId="{74D2FB9D-519E-4824-9E27-3D2243BACABF}" srcOrd="1" destOrd="0" presId="urn:microsoft.com/office/officeart/2005/8/layout/hierarchy5"/>
-    <dgm:cxn modelId="{2E9ED4ED-41EC-4E20-908A-A1E78C737592}" type="presOf" srcId="{AB44D09D-778B-428F-A61F-81CE0C063910}" destId="{A4EB6696-5A7F-4195-A89D-1441CE00D6D7}" srcOrd="1" destOrd="0" presId="urn:microsoft.com/office/officeart/2005/8/layout/hierarchy5"/>
-    <dgm:cxn modelId="{48725D68-3807-49E5-8715-EC70BA9D2432}" srcId="{F8BD94DD-566A-499A-A503-EF680403EBFD}" destId="{3073E0B2-71FD-42C6-988B-328774FE49D1}" srcOrd="2" destOrd="0" parTransId="{DEC76A8C-DD22-4277-BDB8-24F70F8658A4}" sibTransId="{4066C69A-7AF5-4B2B-B90C-5A17C0DEF022}"/>
-    <dgm:cxn modelId="{0E368356-B3BD-44C9-8C55-A707C6BB9341}" srcId="{3A0FF982-2F57-40C2-8CD8-815AC626C9C6}" destId="{3F6E5BFC-474B-48D5-9DE2-E8304CA4738E}" srcOrd="0" destOrd="0" parTransId="{C72DB701-16B4-4B41-BD36-AF7CABFD4265}" sibTransId="{E7AB871E-6FD4-49DD-9B01-FB294D34E374}"/>
-    <dgm:cxn modelId="{D3742C32-B772-4CB0-9DD2-8B9B6824A3A0}" srcId="{3F6E5BFC-474B-48D5-9DE2-E8304CA4738E}" destId="{532E4FEA-5F72-4649-A5A1-FACB31272067}" srcOrd="0" destOrd="0" parTransId="{AB44D09D-778B-428F-A61F-81CE0C063910}" sibTransId="{DBC874B8-5FEA-43A3-9CC0-284ECE51FC75}"/>
-    <dgm:cxn modelId="{3FB3FAEF-7E3D-4CAF-8899-A0A49762B9F9}" type="presOf" srcId="{C72DB701-16B4-4B41-BD36-AF7CABFD4265}" destId="{7B5734FF-5CAA-4885-8194-858B3DEEF547}" srcOrd="1" destOrd="0" presId="urn:microsoft.com/office/officeart/2005/8/layout/hierarchy5"/>
-    <dgm:cxn modelId="{7A23D836-58A5-4AA1-BAF4-4E826DA36AD5}" srcId="{532E4FEA-5F72-4649-A5A1-FACB31272067}" destId="{8D7E42D4-E78E-49FA-9135-E24132F15590}" srcOrd="1" destOrd="0" parTransId="{9A1FF567-A189-4891-9536-1E960DB0B2A3}" sibTransId="{0656268F-CF6F-446A-B82F-21B8278E6811}"/>
     <dgm:cxn modelId="{C2424E5D-EE0E-45A8-A411-413F1CC36285}" type="presParOf" srcId="{8D79E0FE-B2D1-454C-B0D7-E6FBD2B5875A}" destId="{DD8C7A1E-529D-4A3F-A859-305D4AAB0659}" srcOrd="0" destOrd="0" presId="urn:microsoft.com/office/officeart/2005/8/layout/hierarchy5"/>
     <dgm:cxn modelId="{9C9BBDD4-1D86-4E49-815E-0D5B92B9151A}" type="presParOf" srcId="{DD8C7A1E-529D-4A3F-A859-305D4AAB0659}" destId="{1C1A8C1A-E83D-42D3-924C-3E328191174E}" srcOrd="0" destOrd="0" presId="urn:microsoft.com/office/officeart/2005/8/layout/hierarchy5"/>
     <dgm:cxn modelId="{0C13312A-8ADE-43DC-B8C1-A01BBEA85DEB}" type="presParOf" srcId="{DD8C7A1E-529D-4A3F-A859-305D4AAB0659}" destId="{B9650AC4-A690-45B2-8F08-17AA80237551}" srcOrd="1" destOrd="0" presId="urn:microsoft.com/office/officeart/2005/8/layout/hierarchy5"/>
@@ -4857,7 +5602,7 @@
         <a:lstStyle/>
         <a:p>
           <a:r>
-            <a:rPr lang="en-US" b="0" cap="none" spc="0" dirty="0" smtClean="0">
+            <a:rPr lang="en-US" b="0" cap="none" spc="0" smtClean="0">
               <a:ln w="0"/>
               <a:effectLst>
                 <a:outerShdw blurRad="38100" dist="19050" dir="2700000" algn="tl" rotWithShape="0">
@@ -4867,20 +5612,7 @@
                 </a:outerShdw>
               </a:effectLst>
             </a:rPr>
-            <a:t>Soil Temperature </a:t>
-          </a:r>
-          <a:r>
-            <a:rPr lang="en-US" b="0" cap="none" spc="0" dirty="0" smtClean="0">
-              <a:ln w="0"/>
-              <a:effectLst>
-                <a:outerShdw blurRad="38100" dist="19050" dir="2700000" algn="tl" rotWithShape="0">
-                  <a:schemeClr val="dk1">
-                    <a:alpha val="40000"/>
-                  </a:schemeClr>
-                </a:outerShdw>
-              </a:effectLst>
-            </a:rPr>
-            <a:t>Sensor</a:t>
+            <a:t>Soil Temperature Sensor (lm-35)</a:t>
           </a:r>
           <a:endParaRPr lang="en-US" b="0" cap="none" spc="0" dirty="0">
             <a:ln w="0"/>
@@ -5664,8 +6396,8 @@
         <a:lstStyle/>
         <a:p>
           <a:r>
-            <a:rPr lang="en-US" dirty="0" err="1" smtClean="0"/>
-            <a:t>NodeMCU</a:t>
+            <a:rPr lang="en-US" dirty="0" smtClean="0"/>
+            <a:t>Wi-Fi Module (ESP8266)</a:t>
           </a:r>
           <a:endParaRPr lang="en-US" dirty="0"/>
         </a:p>
@@ -6834,6 +7566,741 @@
     <dgm:cxn modelId="{4183FAAF-1AE7-4F20-A79A-4887CE25C8AA}" type="presParOf" srcId="{B872A3DB-FF71-4F91-B1A3-778C6D5563F8}" destId="{601A65BA-E4AB-401E-B3EE-08464D858951}" srcOrd="6" destOrd="0" presId="urn:microsoft.com/office/officeart/2005/8/layout/hierarchy5"/>
     <dgm:cxn modelId="{F6CA9BBC-50B4-4E44-8DCA-494D6F97AB63}" type="presParOf" srcId="{601A65BA-E4AB-401E-B3EE-08464D858951}" destId="{DD038E64-7183-4052-89EE-291804996506}" srcOrd="0" destOrd="0" presId="urn:microsoft.com/office/officeart/2005/8/layout/hierarchy5"/>
     <dgm:cxn modelId="{46FC569B-FE7D-4B85-B7BF-8D3BB327D520}" type="presParOf" srcId="{601A65BA-E4AB-401E-B3EE-08464D858951}" destId="{FACEC999-2DA5-4F4A-832F-ECF5D9D59F77}" srcOrd="1" destOrd="0" presId="urn:microsoft.com/office/officeart/2005/8/layout/hierarchy5"/>
+  </dgm:cxnLst>
+  <dgm:bg/>
+  <dgm:whole/>
+  <dgm:extLst>
+    <a:ext uri="http://schemas.microsoft.com/office/drawing/2008/diagram">
+      <dsp:dataModelExt xmlns:dsp="http://schemas.microsoft.com/office/drawing/2008/diagram" relId="rId6" minVer="http://schemas.openxmlformats.org/drawingml/2006/diagram"/>
+    </a:ext>
+  </dgm:extLst>
+</dgm:dataModel>
+</file>
+
+<file path=ppt/diagrams/data6.xml><?xml version="1.0" encoding="utf-8"?>
+<dgm:dataModel xmlns:dgm="http://schemas.openxmlformats.org/drawingml/2006/diagram" xmlns:a="http://schemas.openxmlformats.org/drawingml/2006/main">
+  <dgm:ptLst>
+    <dgm:pt modelId="{F8BD94DD-566A-499A-A503-EF680403EBFD}" type="doc">
+      <dgm:prSet loTypeId="urn:microsoft.com/office/officeart/2005/8/layout/hierarchy5" loCatId="hierarchy" qsTypeId="urn:microsoft.com/office/officeart/2005/8/quickstyle/simple1" qsCatId="simple" csTypeId="urn:microsoft.com/office/officeart/2005/8/colors/accent1_2" csCatId="accent1" phldr="1"/>
+      <dgm:spPr/>
+      <dgm:t>
+        <a:bodyPr/>
+        <a:lstStyle/>
+        <a:p>
+          <a:endParaRPr lang="en-US"/>
+        </a:p>
+      </dgm:t>
+    </dgm:pt>
+    <dgm:pt modelId="{3A0FF982-2F57-40C2-8CD8-815AC626C9C6}">
+      <dgm:prSet phldrT="[Text]"/>
+      <dgm:spPr/>
+      <dgm:t>
+        <a:bodyPr/>
+        <a:lstStyle/>
+        <a:p>
+          <a:r>
+            <a:rPr lang="en-US" dirty="0" smtClean="0"/>
+            <a:t>User Interface</a:t>
+          </a:r>
+          <a:endParaRPr lang="en-US" dirty="0"/>
+        </a:p>
+      </dgm:t>
+    </dgm:pt>
+    <dgm:pt modelId="{C3547413-6DBA-44A2-8F76-B1FDE8828E4D}" type="parTrans" cxnId="{9C1AD598-B2FD-427C-A8C9-0F27C4397EE3}">
+      <dgm:prSet/>
+      <dgm:spPr/>
+      <dgm:t>
+        <a:bodyPr/>
+        <a:lstStyle/>
+        <a:p>
+          <a:endParaRPr lang="en-US"/>
+        </a:p>
+      </dgm:t>
+    </dgm:pt>
+    <dgm:pt modelId="{93B28DD8-96DB-434A-8C14-DD30FCF62C59}" type="sibTrans" cxnId="{9C1AD598-B2FD-427C-A8C9-0F27C4397EE3}">
+      <dgm:prSet/>
+      <dgm:spPr/>
+      <dgm:t>
+        <a:bodyPr/>
+        <a:lstStyle/>
+        <a:p>
+          <a:endParaRPr lang="en-US"/>
+        </a:p>
+      </dgm:t>
+    </dgm:pt>
+    <dgm:pt modelId="{3F6E5BFC-474B-48D5-9DE2-E8304CA4738E}">
+      <dgm:prSet phldrT="[Text]"/>
+      <dgm:spPr/>
+      <dgm:t>
+        <a:bodyPr/>
+        <a:lstStyle/>
+        <a:p>
+          <a:r>
+            <a:rPr lang="en-US" dirty="0" smtClean="0"/>
+            <a:t>Database</a:t>
+          </a:r>
+          <a:endParaRPr lang="en-US" dirty="0"/>
+        </a:p>
+      </dgm:t>
+    </dgm:pt>
+    <dgm:pt modelId="{C72DB701-16B4-4B41-BD36-AF7CABFD4265}" type="parTrans" cxnId="{0E368356-B3BD-44C9-8C55-A707C6BB9341}">
+      <dgm:prSet/>
+      <dgm:spPr/>
+      <dgm:t>
+        <a:bodyPr/>
+        <a:lstStyle/>
+        <a:p>
+          <a:endParaRPr lang="en-US"/>
+        </a:p>
+      </dgm:t>
+    </dgm:pt>
+    <dgm:pt modelId="{E7AB871E-6FD4-49DD-9B01-FB294D34E374}" type="sibTrans" cxnId="{0E368356-B3BD-44C9-8C55-A707C6BB9341}">
+      <dgm:prSet/>
+      <dgm:spPr/>
+      <dgm:t>
+        <a:bodyPr/>
+        <a:lstStyle/>
+        <a:p>
+          <a:endParaRPr lang="en-US"/>
+        </a:p>
+      </dgm:t>
+    </dgm:pt>
+    <dgm:pt modelId="{BE4DA2D6-9F51-4B5D-85B0-33CF95947483}">
+      <dgm:prSet phldrT="[Text]"/>
+      <dgm:spPr/>
+      <dgm:t>
+        <a:bodyPr/>
+        <a:lstStyle/>
+        <a:p>
+          <a:r>
+            <a:rPr lang="en-US" dirty="0" smtClean="0"/>
+            <a:t>Probe</a:t>
+          </a:r>
+          <a:endParaRPr lang="en-US" dirty="0"/>
+        </a:p>
+      </dgm:t>
+    </dgm:pt>
+    <dgm:pt modelId="{6DD6A2C0-98CF-4461-B8A5-2215F8F8C1F1}" type="parTrans" cxnId="{E1D9218B-E8ED-4866-8164-7AA3EDE97FB9}">
+      <dgm:prSet/>
+      <dgm:spPr/>
+      <dgm:t>
+        <a:bodyPr/>
+        <a:lstStyle/>
+        <a:p>
+          <a:endParaRPr lang="en-US"/>
+        </a:p>
+      </dgm:t>
+    </dgm:pt>
+    <dgm:pt modelId="{F1799600-DC8D-4D25-99A9-A29DEF6DB888}" type="sibTrans" cxnId="{E1D9218B-E8ED-4866-8164-7AA3EDE97FB9}">
+      <dgm:prSet/>
+      <dgm:spPr/>
+      <dgm:t>
+        <a:bodyPr/>
+        <a:lstStyle/>
+        <a:p>
+          <a:endParaRPr lang="en-US"/>
+        </a:p>
+      </dgm:t>
+    </dgm:pt>
+    <dgm:pt modelId="{8D7E42D4-E78E-49FA-9135-E24132F15590}">
+      <dgm:prSet phldrT="[Text]"/>
+      <dgm:spPr/>
+      <dgm:t>
+        <a:bodyPr/>
+        <a:lstStyle/>
+        <a:p>
+          <a:r>
+            <a:rPr lang="en-US" dirty="0" smtClean="0"/>
+            <a:t>Probe</a:t>
+          </a:r>
+          <a:endParaRPr lang="en-US" dirty="0"/>
+        </a:p>
+      </dgm:t>
+    </dgm:pt>
+    <dgm:pt modelId="{9A1FF567-A189-4891-9536-1E960DB0B2A3}" type="parTrans" cxnId="{7A23D836-58A5-4AA1-BAF4-4E826DA36AD5}">
+      <dgm:prSet/>
+      <dgm:spPr/>
+      <dgm:t>
+        <a:bodyPr/>
+        <a:lstStyle/>
+        <a:p>
+          <a:endParaRPr lang="en-US"/>
+        </a:p>
+      </dgm:t>
+    </dgm:pt>
+    <dgm:pt modelId="{0656268F-CF6F-446A-B82F-21B8278E6811}" type="sibTrans" cxnId="{7A23D836-58A5-4AA1-BAF4-4E826DA36AD5}">
+      <dgm:prSet/>
+      <dgm:spPr/>
+      <dgm:t>
+        <a:bodyPr/>
+        <a:lstStyle/>
+        <a:p>
+          <a:endParaRPr lang="en-US"/>
+        </a:p>
+      </dgm:t>
+    </dgm:pt>
+    <dgm:pt modelId="{DDB9C6A4-0FFA-42A0-9356-364F394CF0A2}">
+      <dgm:prSet phldrT="[Text]"/>
+      <dgm:spPr/>
+      <dgm:t>
+        <a:bodyPr/>
+        <a:lstStyle/>
+        <a:p>
+          <a:r>
+            <a:rPr lang="en-US" dirty="0" smtClean="0"/>
+            <a:t>Probe</a:t>
+          </a:r>
+          <a:endParaRPr lang="en-US" dirty="0"/>
+        </a:p>
+      </dgm:t>
+    </dgm:pt>
+    <dgm:pt modelId="{FB375A65-13CD-4D46-99ED-16238E6FAD80}" type="sibTrans" cxnId="{F6F4A204-7F61-4774-8B48-FB97642E51F3}">
+      <dgm:prSet/>
+      <dgm:spPr/>
+      <dgm:t>
+        <a:bodyPr/>
+        <a:lstStyle/>
+        <a:p>
+          <a:endParaRPr lang="en-US"/>
+        </a:p>
+      </dgm:t>
+    </dgm:pt>
+    <dgm:pt modelId="{D904D87B-F3DD-4D58-B614-D4B992D8890D}" type="parTrans" cxnId="{F6F4A204-7F61-4774-8B48-FB97642E51F3}">
+      <dgm:prSet/>
+      <dgm:spPr/>
+      <dgm:t>
+        <a:bodyPr/>
+        <a:lstStyle/>
+        <a:p>
+          <a:endParaRPr lang="en-US"/>
+        </a:p>
+      </dgm:t>
+    </dgm:pt>
+    <dgm:pt modelId="{34A66873-0C0E-4B68-A4FF-B5135F2A61A9}">
+      <dgm:prSet phldrT="[Text]"/>
+      <dgm:spPr/>
+      <dgm:t>
+        <a:bodyPr/>
+        <a:lstStyle/>
+        <a:p>
+          <a:r>
+            <a:rPr lang="en-US" dirty="0" smtClean="0"/>
+            <a:t>Server</a:t>
+          </a:r>
+          <a:endParaRPr lang="en-US" dirty="0"/>
+        </a:p>
+      </dgm:t>
+    </dgm:pt>
+    <dgm:pt modelId="{8816E5F8-838C-4C78-8EBB-53AFA130AD36}" type="sibTrans" cxnId="{8F049D32-1907-4BE9-833D-71FC555739CB}">
+      <dgm:prSet/>
+      <dgm:spPr/>
+      <dgm:t>
+        <a:bodyPr/>
+        <a:lstStyle/>
+        <a:p>
+          <a:endParaRPr lang="en-US"/>
+        </a:p>
+      </dgm:t>
+    </dgm:pt>
+    <dgm:pt modelId="{FDC0B1EE-F454-4C89-B9C3-B19C008BB61C}" type="parTrans" cxnId="{8F049D32-1907-4BE9-833D-71FC555739CB}">
+      <dgm:prSet/>
+      <dgm:spPr/>
+      <dgm:t>
+        <a:bodyPr/>
+        <a:lstStyle/>
+        <a:p>
+          <a:endParaRPr lang="en-US"/>
+        </a:p>
+      </dgm:t>
+    </dgm:pt>
+    <dgm:pt modelId="{3073E0B2-71FD-42C6-988B-328774FE49D1}">
+      <dgm:prSet phldrT="[Text]"/>
+      <dgm:spPr/>
+      <dgm:t>
+        <a:bodyPr/>
+        <a:lstStyle/>
+        <a:p>
+          <a:r>
+            <a:rPr lang="en-US" dirty="0" smtClean="0"/>
+            <a:t>Field</a:t>
+          </a:r>
+          <a:endParaRPr lang="en-US" dirty="0"/>
+        </a:p>
+      </dgm:t>
+    </dgm:pt>
+    <dgm:pt modelId="{4066C69A-7AF5-4B2B-B90C-5A17C0DEF022}" type="sibTrans" cxnId="{48725D68-3807-49E5-8715-EC70BA9D2432}">
+      <dgm:prSet/>
+      <dgm:spPr/>
+      <dgm:t>
+        <a:bodyPr/>
+        <a:lstStyle/>
+        <a:p>
+          <a:endParaRPr lang="en-US"/>
+        </a:p>
+      </dgm:t>
+    </dgm:pt>
+    <dgm:pt modelId="{DEC76A8C-DD22-4277-BDB8-24F70F8658A4}" type="parTrans" cxnId="{48725D68-3807-49E5-8715-EC70BA9D2432}">
+      <dgm:prSet/>
+      <dgm:spPr/>
+      <dgm:t>
+        <a:bodyPr/>
+        <a:lstStyle/>
+        <a:p>
+          <a:endParaRPr lang="en-US"/>
+        </a:p>
+      </dgm:t>
+    </dgm:pt>
+    <dgm:pt modelId="{532E4FEA-5F72-4649-A5A1-FACB31272067}">
+      <dgm:prSet phldrT="[Text]"/>
+      <dgm:spPr/>
+      <dgm:t>
+        <a:bodyPr/>
+        <a:lstStyle/>
+        <a:p>
+          <a:r>
+            <a:rPr lang="en-US" dirty="0" smtClean="0"/>
+            <a:t>Hub</a:t>
+          </a:r>
+          <a:endParaRPr lang="en-US" dirty="0"/>
+        </a:p>
+      </dgm:t>
+    </dgm:pt>
+    <dgm:pt modelId="{AB44D09D-778B-428F-A61F-81CE0C063910}" type="parTrans" cxnId="{D3742C32-B772-4CB0-9DD2-8B9B6824A3A0}">
+      <dgm:prSet/>
+      <dgm:spPr>
+        <a:ln w="19050">
+          <a:solidFill>
+            <a:schemeClr val="accent4"/>
+          </a:solidFill>
+        </a:ln>
+      </dgm:spPr>
+      <dgm:t>
+        <a:bodyPr/>
+        <a:lstStyle/>
+        <a:p>
+          <a:endParaRPr lang="en-US"/>
+        </a:p>
+      </dgm:t>
+    </dgm:pt>
+    <dgm:pt modelId="{DBC874B8-5FEA-43A3-9CC0-284ECE51FC75}" type="sibTrans" cxnId="{D3742C32-B772-4CB0-9DD2-8B9B6824A3A0}">
+      <dgm:prSet/>
+      <dgm:spPr/>
+      <dgm:t>
+        <a:bodyPr/>
+        <a:lstStyle/>
+        <a:p>
+          <a:endParaRPr lang="en-US"/>
+        </a:p>
+      </dgm:t>
+    </dgm:pt>
+    <dgm:pt modelId="{8D79E0FE-B2D1-454C-B0D7-E6FBD2B5875A}" type="pres">
+      <dgm:prSet presAssocID="{F8BD94DD-566A-499A-A503-EF680403EBFD}" presName="mainComposite" presStyleCnt="0">
+        <dgm:presLayoutVars>
+          <dgm:chPref val="1"/>
+          <dgm:dir val="rev"/>
+          <dgm:animOne val="branch"/>
+          <dgm:animLvl val="lvl"/>
+          <dgm:resizeHandles val="exact"/>
+        </dgm:presLayoutVars>
+      </dgm:prSet>
+      <dgm:spPr/>
+      <dgm:t>
+        <a:bodyPr/>
+        <a:lstStyle/>
+        <a:p>
+          <a:endParaRPr lang="en-US"/>
+        </a:p>
+      </dgm:t>
+    </dgm:pt>
+    <dgm:pt modelId="{DD8C7A1E-529D-4A3F-A859-305D4AAB0659}" type="pres">
+      <dgm:prSet presAssocID="{F8BD94DD-566A-499A-A503-EF680403EBFD}" presName="hierFlow" presStyleCnt="0"/>
+      <dgm:spPr/>
+    </dgm:pt>
+    <dgm:pt modelId="{1C1A8C1A-E83D-42D3-924C-3E328191174E}" type="pres">
+      <dgm:prSet presAssocID="{F8BD94DD-566A-499A-A503-EF680403EBFD}" presName="firstBuf" presStyleCnt="0"/>
+      <dgm:spPr/>
+    </dgm:pt>
+    <dgm:pt modelId="{B9650AC4-A690-45B2-8F08-17AA80237551}" type="pres">
+      <dgm:prSet presAssocID="{F8BD94DD-566A-499A-A503-EF680403EBFD}" presName="hierChild1" presStyleCnt="0">
+        <dgm:presLayoutVars>
+          <dgm:chPref val="1"/>
+          <dgm:animOne val="branch"/>
+          <dgm:animLvl val="lvl"/>
+        </dgm:presLayoutVars>
+      </dgm:prSet>
+      <dgm:spPr/>
+    </dgm:pt>
+    <dgm:pt modelId="{96FC6BA6-25FB-49EF-BEAA-34AB83FD6CF1}" type="pres">
+      <dgm:prSet presAssocID="{3A0FF982-2F57-40C2-8CD8-815AC626C9C6}" presName="Name17" presStyleCnt="0"/>
+      <dgm:spPr/>
+    </dgm:pt>
+    <dgm:pt modelId="{695DB62C-3EA4-429E-A762-0E7948385A84}" type="pres">
+      <dgm:prSet presAssocID="{3A0FF982-2F57-40C2-8CD8-815AC626C9C6}" presName="level1Shape" presStyleLbl="node0" presStyleIdx="0" presStyleCnt="1" custLinFactNeighborX="-4236" custLinFactNeighborY="-84714">
+        <dgm:presLayoutVars>
+          <dgm:chPref val="3"/>
+        </dgm:presLayoutVars>
+      </dgm:prSet>
+      <dgm:spPr/>
+      <dgm:t>
+        <a:bodyPr/>
+        <a:lstStyle/>
+        <a:p>
+          <a:endParaRPr lang="en-US"/>
+        </a:p>
+      </dgm:t>
+    </dgm:pt>
+    <dgm:pt modelId="{7E0E58D3-F39F-45DF-A17E-D2DF18C452C3}" type="pres">
+      <dgm:prSet presAssocID="{3A0FF982-2F57-40C2-8CD8-815AC626C9C6}" presName="hierChild2" presStyleCnt="0"/>
+      <dgm:spPr/>
+    </dgm:pt>
+    <dgm:pt modelId="{4C537B6B-A235-4FA1-9896-9F2522911666}" type="pres">
+      <dgm:prSet presAssocID="{C72DB701-16B4-4B41-BD36-AF7CABFD4265}" presName="Name25" presStyleLbl="parChTrans1D2" presStyleIdx="0" presStyleCnt="1"/>
+      <dgm:spPr/>
+      <dgm:t>
+        <a:bodyPr/>
+        <a:lstStyle/>
+        <a:p>
+          <a:endParaRPr lang="en-US"/>
+        </a:p>
+      </dgm:t>
+    </dgm:pt>
+    <dgm:pt modelId="{7B5734FF-5CAA-4885-8194-858B3DEEF547}" type="pres">
+      <dgm:prSet presAssocID="{C72DB701-16B4-4B41-BD36-AF7CABFD4265}" presName="connTx" presStyleLbl="parChTrans1D2" presStyleIdx="0" presStyleCnt="1"/>
+      <dgm:spPr/>
+      <dgm:t>
+        <a:bodyPr/>
+        <a:lstStyle/>
+        <a:p>
+          <a:endParaRPr lang="en-US"/>
+        </a:p>
+      </dgm:t>
+    </dgm:pt>
+    <dgm:pt modelId="{75DA2D12-65CD-49E1-9749-B7A952F8491A}" type="pres">
+      <dgm:prSet presAssocID="{3F6E5BFC-474B-48D5-9DE2-E8304CA4738E}" presName="Name30" presStyleCnt="0"/>
+      <dgm:spPr/>
+    </dgm:pt>
+    <dgm:pt modelId="{8E298DD4-11D9-4948-89C6-CB2BE63829C7}" type="pres">
+      <dgm:prSet presAssocID="{3F6E5BFC-474B-48D5-9DE2-E8304CA4738E}" presName="level2Shape" presStyleLbl="node2" presStyleIdx="0" presStyleCnt="1" custLinFactNeighborX="-5083" custLinFactNeighborY="-84714"/>
+      <dgm:spPr/>
+      <dgm:t>
+        <a:bodyPr/>
+        <a:lstStyle/>
+        <a:p>
+          <a:endParaRPr lang="en-US"/>
+        </a:p>
+      </dgm:t>
+    </dgm:pt>
+    <dgm:pt modelId="{47DF664E-ADBE-4414-AC18-53315C963F13}" type="pres">
+      <dgm:prSet presAssocID="{3F6E5BFC-474B-48D5-9DE2-E8304CA4738E}" presName="hierChild3" presStyleCnt="0"/>
+      <dgm:spPr/>
+    </dgm:pt>
+    <dgm:pt modelId="{41C983E8-4110-4694-9A3A-803CE11A3A5E}" type="pres">
+      <dgm:prSet presAssocID="{AB44D09D-778B-428F-A61F-81CE0C063910}" presName="Name25" presStyleLbl="parChTrans1D3" presStyleIdx="0" presStyleCnt="1"/>
+      <dgm:spPr/>
+      <dgm:t>
+        <a:bodyPr/>
+        <a:lstStyle/>
+        <a:p>
+          <a:endParaRPr lang="en-US"/>
+        </a:p>
+      </dgm:t>
+    </dgm:pt>
+    <dgm:pt modelId="{A4EB6696-5A7F-4195-A89D-1441CE00D6D7}" type="pres">
+      <dgm:prSet presAssocID="{AB44D09D-778B-428F-A61F-81CE0C063910}" presName="connTx" presStyleLbl="parChTrans1D3" presStyleIdx="0" presStyleCnt="1"/>
+      <dgm:spPr/>
+      <dgm:t>
+        <a:bodyPr/>
+        <a:lstStyle/>
+        <a:p>
+          <a:endParaRPr lang="en-US"/>
+        </a:p>
+      </dgm:t>
+    </dgm:pt>
+    <dgm:pt modelId="{D78FDF10-1545-43E0-A1E7-EB2AB7DFD6C3}" type="pres">
+      <dgm:prSet presAssocID="{532E4FEA-5F72-4649-A5A1-FACB31272067}" presName="Name30" presStyleCnt="0"/>
+      <dgm:spPr/>
+    </dgm:pt>
+    <dgm:pt modelId="{8FD25671-F1E9-4E5A-9E75-0B68C3ADC8AB}" type="pres">
+      <dgm:prSet presAssocID="{532E4FEA-5F72-4649-A5A1-FACB31272067}" presName="level2Shape" presStyleLbl="node3" presStyleIdx="0" presStyleCnt="1" custLinFactNeighborX="-27531" custLinFactNeighborY="-86408"/>
+      <dgm:spPr/>
+      <dgm:t>
+        <a:bodyPr/>
+        <a:lstStyle/>
+        <a:p>
+          <a:endParaRPr lang="en-US"/>
+        </a:p>
+      </dgm:t>
+    </dgm:pt>
+    <dgm:pt modelId="{F2AC7CF7-4C12-4CD8-A83A-FFB9ED64573F}" type="pres">
+      <dgm:prSet presAssocID="{532E4FEA-5F72-4649-A5A1-FACB31272067}" presName="hierChild3" presStyleCnt="0"/>
+      <dgm:spPr/>
+    </dgm:pt>
+    <dgm:pt modelId="{5B44A250-2CEA-415F-9F18-E7DD521B99B0}" type="pres">
+      <dgm:prSet presAssocID="{6DD6A2C0-98CF-4461-B8A5-2215F8F8C1F1}" presName="Name25" presStyleLbl="parChTrans1D4" presStyleIdx="0" presStyleCnt="3"/>
+      <dgm:spPr/>
+      <dgm:t>
+        <a:bodyPr/>
+        <a:lstStyle/>
+        <a:p>
+          <a:endParaRPr lang="en-US"/>
+        </a:p>
+      </dgm:t>
+    </dgm:pt>
+    <dgm:pt modelId="{74D2FB9D-519E-4824-9E27-3D2243BACABF}" type="pres">
+      <dgm:prSet presAssocID="{6DD6A2C0-98CF-4461-B8A5-2215F8F8C1F1}" presName="connTx" presStyleLbl="parChTrans1D4" presStyleIdx="0" presStyleCnt="3"/>
+      <dgm:spPr/>
+      <dgm:t>
+        <a:bodyPr/>
+        <a:lstStyle/>
+        <a:p>
+          <a:endParaRPr lang="en-US"/>
+        </a:p>
+      </dgm:t>
+    </dgm:pt>
+    <dgm:pt modelId="{B85473A0-8F06-4103-8023-1CD8D18D1297}" type="pres">
+      <dgm:prSet presAssocID="{BE4DA2D6-9F51-4B5D-85B0-33CF95947483}" presName="Name30" presStyleCnt="0"/>
+      <dgm:spPr/>
+    </dgm:pt>
+    <dgm:pt modelId="{6B960B71-3DA8-4014-8465-2FA6F0498E35}" type="pres">
+      <dgm:prSet presAssocID="{BE4DA2D6-9F51-4B5D-85B0-33CF95947483}" presName="level2Shape" presStyleLbl="node4" presStyleIdx="0" presStyleCnt="3" custLinFactNeighborX="-87597" custLinFactNeighborY="-35838"/>
+      <dgm:spPr/>
+      <dgm:t>
+        <a:bodyPr/>
+        <a:lstStyle/>
+        <a:p>
+          <a:endParaRPr lang="en-US"/>
+        </a:p>
+      </dgm:t>
+    </dgm:pt>
+    <dgm:pt modelId="{1456FEE6-6075-43AA-82DF-BD3615877E10}" type="pres">
+      <dgm:prSet presAssocID="{BE4DA2D6-9F51-4B5D-85B0-33CF95947483}" presName="hierChild3" presStyleCnt="0"/>
+      <dgm:spPr/>
+    </dgm:pt>
+    <dgm:pt modelId="{A7575152-F179-4F04-8D5B-F78E95B2FAE1}" type="pres">
+      <dgm:prSet presAssocID="{9A1FF567-A189-4891-9536-1E960DB0B2A3}" presName="Name25" presStyleLbl="parChTrans1D4" presStyleIdx="1" presStyleCnt="3"/>
+      <dgm:spPr/>
+      <dgm:t>
+        <a:bodyPr/>
+        <a:lstStyle/>
+        <a:p>
+          <a:endParaRPr lang="en-US"/>
+        </a:p>
+      </dgm:t>
+    </dgm:pt>
+    <dgm:pt modelId="{48BA3B68-184E-4443-BCE6-6DEF28D21AEE}" type="pres">
+      <dgm:prSet presAssocID="{9A1FF567-A189-4891-9536-1E960DB0B2A3}" presName="connTx" presStyleLbl="parChTrans1D4" presStyleIdx="1" presStyleCnt="3"/>
+      <dgm:spPr/>
+      <dgm:t>
+        <a:bodyPr/>
+        <a:lstStyle/>
+        <a:p>
+          <a:endParaRPr lang="en-US"/>
+        </a:p>
+      </dgm:t>
+    </dgm:pt>
+    <dgm:pt modelId="{9511F5F6-3760-402F-B20B-A6C1CF115A87}" type="pres">
+      <dgm:prSet presAssocID="{8D7E42D4-E78E-49FA-9135-E24132F15590}" presName="Name30" presStyleCnt="0"/>
+      <dgm:spPr/>
+    </dgm:pt>
+    <dgm:pt modelId="{E2DB1759-7249-4D87-BDBC-F7A1F4835AD1}" type="pres">
+      <dgm:prSet presAssocID="{8D7E42D4-E78E-49FA-9135-E24132F15590}" presName="level2Shape" presStyleLbl="node4" presStyleIdx="1" presStyleCnt="3" custLinFactNeighborX="-88444" custLinFactNeighborY="-32192"/>
+      <dgm:spPr/>
+      <dgm:t>
+        <a:bodyPr/>
+        <a:lstStyle/>
+        <a:p>
+          <a:endParaRPr lang="en-US"/>
+        </a:p>
+      </dgm:t>
+    </dgm:pt>
+    <dgm:pt modelId="{6F458C98-33DD-4C39-93A0-BB326A692B32}" type="pres">
+      <dgm:prSet presAssocID="{8D7E42D4-E78E-49FA-9135-E24132F15590}" presName="hierChild3" presStyleCnt="0"/>
+      <dgm:spPr/>
+    </dgm:pt>
+    <dgm:pt modelId="{9246F981-632C-4E4D-81DA-10CF6EF52731}" type="pres">
+      <dgm:prSet presAssocID="{D904D87B-F3DD-4D58-B614-D4B992D8890D}" presName="Name25" presStyleLbl="parChTrans1D4" presStyleIdx="2" presStyleCnt="3"/>
+      <dgm:spPr/>
+      <dgm:t>
+        <a:bodyPr/>
+        <a:lstStyle/>
+        <a:p>
+          <a:endParaRPr lang="en-US"/>
+        </a:p>
+      </dgm:t>
+    </dgm:pt>
+    <dgm:pt modelId="{4FBA2317-9391-467A-8D74-FDF4261AC436}" type="pres">
+      <dgm:prSet presAssocID="{D904D87B-F3DD-4D58-B614-D4B992D8890D}" presName="connTx" presStyleLbl="parChTrans1D4" presStyleIdx="2" presStyleCnt="3"/>
+      <dgm:spPr/>
+      <dgm:t>
+        <a:bodyPr/>
+        <a:lstStyle/>
+        <a:p>
+          <a:endParaRPr lang="en-US"/>
+        </a:p>
+      </dgm:t>
+    </dgm:pt>
+    <dgm:pt modelId="{6D93CA51-E50C-4055-9450-B19E9F9D549C}" type="pres">
+      <dgm:prSet presAssocID="{DDB9C6A4-0FFA-42A0-9356-364F394CF0A2}" presName="Name30" presStyleCnt="0"/>
+      <dgm:spPr/>
+    </dgm:pt>
+    <dgm:pt modelId="{634B9FA7-CDEC-4500-A91B-BCC8AB4D4318}" type="pres">
+      <dgm:prSet presAssocID="{DDB9C6A4-0FFA-42A0-9356-364F394CF0A2}" presName="level2Shape" presStyleLbl="node4" presStyleIdx="2" presStyleCnt="3" custLinFactNeighborX="-88444" custLinFactNeighborY="-27108"/>
+      <dgm:spPr/>
+      <dgm:t>
+        <a:bodyPr/>
+        <a:lstStyle/>
+        <a:p>
+          <a:endParaRPr lang="en-US"/>
+        </a:p>
+      </dgm:t>
+    </dgm:pt>
+    <dgm:pt modelId="{51E1E602-92F8-407B-B31C-7BDD687DB313}" type="pres">
+      <dgm:prSet presAssocID="{DDB9C6A4-0FFA-42A0-9356-364F394CF0A2}" presName="hierChild3" presStyleCnt="0"/>
+      <dgm:spPr/>
+    </dgm:pt>
+    <dgm:pt modelId="{C841A686-B7FD-40C8-9C62-7E65BF68EDD3}" type="pres">
+      <dgm:prSet presAssocID="{F8BD94DD-566A-499A-A503-EF680403EBFD}" presName="bgShapesFlow" presStyleCnt="0"/>
+      <dgm:spPr/>
+    </dgm:pt>
+    <dgm:pt modelId="{3F7BCA01-E631-4138-A4FD-8277AAF7FFDA}" type="pres">
+      <dgm:prSet presAssocID="{34A66873-0C0E-4B68-A4FF-B5135F2A61A9}" presName="rectComp" presStyleCnt="0"/>
+      <dgm:spPr/>
+    </dgm:pt>
+    <dgm:pt modelId="{4C3E5FA3-04CA-4321-BE03-AB1CF14768B1}" type="pres">
+      <dgm:prSet presAssocID="{34A66873-0C0E-4B68-A4FF-B5135F2A61A9}" presName="bgRect" presStyleLbl="bgShp" presStyleIdx="0" presStyleCnt="2" custScaleX="220259" custLinFactNeighborX="-2331"/>
+      <dgm:spPr/>
+      <dgm:t>
+        <a:bodyPr/>
+        <a:lstStyle/>
+        <a:p>
+          <a:endParaRPr lang="en-US"/>
+        </a:p>
+      </dgm:t>
+    </dgm:pt>
+    <dgm:pt modelId="{38623598-BC9D-4C34-B6AA-376EBF1742C6}" type="pres">
+      <dgm:prSet presAssocID="{34A66873-0C0E-4B68-A4FF-B5135F2A61A9}" presName="bgRectTx" presStyleLbl="bgShp" presStyleIdx="0" presStyleCnt="2">
+        <dgm:presLayoutVars>
+          <dgm:bulletEnabled val="1"/>
+        </dgm:presLayoutVars>
+      </dgm:prSet>
+      <dgm:spPr/>
+      <dgm:t>
+        <a:bodyPr/>
+        <a:lstStyle/>
+        <a:p>
+          <a:endParaRPr lang="en-US"/>
+        </a:p>
+      </dgm:t>
+    </dgm:pt>
+    <dgm:pt modelId="{84C25D6F-A599-4E6D-B6F7-BE6956CB5EEA}" type="pres">
+      <dgm:prSet presAssocID="{34A66873-0C0E-4B68-A4FF-B5135F2A61A9}" presName="spComp" presStyleCnt="0"/>
+      <dgm:spPr/>
+    </dgm:pt>
+    <dgm:pt modelId="{8AF85F7D-E275-4AE1-BE7C-18C1B643F4DE}" type="pres">
+      <dgm:prSet presAssocID="{34A66873-0C0E-4B68-A4FF-B5135F2A61A9}" presName="hSp" presStyleCnt="0"/>
+      <dgm:spPr/>
+    </dgm:pt>
+    <dgm:pt modelId="{1E7AD1FD-8CDC-435A-BAB7-CAF18E9F8716}" type="pres">
+      <dgm:prSet presAssocID="{3073E0B2-71FD-42C6-988B-328774FE49D1}" presName="rectComp" presStyleCnt="0"/>
+      <dgm:spPr/>
+    </dgm:pt>
+    <dgm:pt modelId="{0EF7BDCE-DFBF-46C2-953E-1E3BF70E5743}" type="pres">
+      <dgm:prSet presAssocID="{3073E0B2-71FD-42C6-988B-328774FE49D1}" presName="bgRect" presStyleLbl="bgShp" presStyleIdx="1" presStyleCnt="2" custScaleX="292207"/>
+      <dgm:spPr/>
+      <dgm:t>
+        <a:bodyPr/>
+        <a:lstStyle/>
+        <a:p>
+          <a:endParaRPr lang="en-US"/>
+        </a:p>
+      </dgm:t>
+    </dgm:pt>
+    <dgm:pt modelId="{7A1153DF-7204-4A95-A166-062FC66FD4AF}" type="pres">
+      <dgm:prSet presAssocID="{3073E0B2-71FD-42C6-988B-328774FE49D1}" presName="bgRectTx" presStyleLbl="bgShp" presStyleIdx="1" presStyleCnt="2">
+        <dgm:presLayoutVars>
+          <dgm:bulletEnabled val="1"/>
+        </dgm:presLayoutVars>
+      </dgm:prSet>
+      <dgm:spPr/>
+      <dgm:t>
+        <a:bodyPr/>
+        <a:lstStyle/>
+        <a:p>
+          <a:endParaRPr lang="en-US"/>
+        </a:p>
+      </dgm:t>
+    </dgm:pt>
+  </dgm:ptLst>
+  <dgm:cxnLst>
+    <dgm:cxn modelId="{47FA5428-BD85-4972-B7B9-32DB1CEA672D}" type="presOf" srcId="{D904D87B-F3DD-4D58-B614-D4B992D8890D}" destId="{9246F981-632C-4E4D-81DA-10CF6EF52731}" srcOrd="0" destOrd="0" presId="urn:microsoft.com/office/officeart/2005/8/layout/hierarchy5"/>
+    <dgm:cxn modelId="{B9D5E895-C98B-4C17-9EE5-C29EE99F3C73}" type="presOf" srcId="{532E4FEA-5F72-4649-A5A1-FACB31272067}" destId="{8FD25671-F1E9-4E5A-9E75-0B68C3ADC8AB}" srcOrd="0" destOrd="0" presId="urn:microsoft.com/office/officeart/2005/8/layout/hierarchy5"/>
+    <dgm:cxn modelId="{0621EE18-8070-41DD-B0D5-CCFC1C9E0FEF}" type="presOf" srcId="{C72DB701-16B4-4B41-BD36-AF7CABFD4265}" destId="{4C537B6B-A235-4FA1-9896-9F2522911666}" srcOrd="0" destOrd="0" presId="urn:microsoft.com/office/officeart/2005/8/layout/hierarchy5"/>
+    <dgm:cxn modelId="{D7E69F41-62AA-4B98-BD3D-5A681E1FC668}" type="presOf" srcId="{C72DB701-16B4-4B41-BD36-AF7CABFD4265}" destId="{7B5734FF-5CAA-4885-8194-858B3DEEF547}" srcOrd="1" destOrd="0" presId="urn:microsoft.com/office/officeart/2005/8/layout/hierarchy5"/>
+    <dgm:cxn modelId="{0E368356-B3BD-44C9-8C55-A707C6BB9341}" srcId="{3A0FF982-2F57-40C2-8CD8-815AC626C9C6}" destId="{3F6E5BFC-474B-48D5-9DE2-E8304CA4738E}" srcOrd="0" destOrd="0" parTransId="{C72DB701-16B4-4B41-BD36-AF7CABFD4265}" sibTransId="{E7AB871E-6FD4-49DD-9B01-FB294D34E374}"/>
+    <dgm:cxn modelId="{E1D9218B-E8ED-4866-8164-7AA3EDE97FB9}" srcId="{532E4FEA-5F72-4649-A5A1-FACB31272067}" destId="{BE4DA2D6-9F51-4B5D-85B0-33CF95947483}" srcOrd="0" destOrd="0" parTransId="{6DD6A2C0-98CF-4461-B8A5-2215F8F8C1F1}" sibTransId="{F1799600-DC8D-4D25-99A9-A29DEF6DB888}"/>
+    <dgm:cxn modelId="{31226DC1-20B5-4240-B817-DF596E489BED}" type="presOf" srcId="{BE4DA2D6-9F51-4B5D-85B0-33CF95947483}" destId="{6B960B71-3DA8-4014-8465-2FA6F0498E35}" srcOrd="0" destOrd="0" presId="urn:microsoft.com/office/officeart/2005/8/layout/hierarchy5"/>
+    <dgm:cxn modelId="{0F2A9A85-1CFC-45C7-9BF6-29FC0DBE6807}" type="presOf" srcId="{34A66873-0C0E-4B68-A4FF-B5135F2A61A9}" destId="{38623598-BC9D-4C34-B6AA-376EBF1742C6}" srcOrd="1" destOrd="0" presId="urn:microsoft.com/office/officeart/2005/8/layout/hierarchy5"/>
+    <dgm:cxn modelId="{CAEC1C3F-814E-4221-8DA1-D4E443E2BBF5}" type="presOf" srcId="{3F6E5BFC-474B-48D5-9DE2-E8304CA4738E}" destId="{8E298DD4-11D9-4948-89C6-CB2BE63829C7}" srcOrd="0" destOrd="0" presId="urn:microsoft.com/office/officeart/2005/8/layout/hierarchy5"/>
+    <dgm:cxn modelId="{F6F4A204-7F61-4774-8B48-FB97642E51F3}" srcId="{532E4FEA-5F72-4649-A5A1-FACB31272067}" destId="{DDB9C6A4-0FFA-42A0-9356-364F394CF0A2}" srcOrd="2" destOrd="0" parTransId="{D904D87B-F3DD-4D58-B614-D4B992D8890D}" sibTransId="{FB375A65-13CD-4D46-99ED-16238E6FAD80}"/>
+    <dgm:cxn modelId="{4136C7F9-8330-425E-9E85-AC7D791AA477}" type="presOf" srcId="{9A1FF567-A189-4891-9536-1E960DB0B2A3}" destId="{48BA3B68-184E-4443-BCE6-6DEF28D21AEE}" srcOrd="1" destOrd="0" presId="urn:microsoft.com/office/officeart/2005/8/layout/hierarchy5"/>
+    <dgm:cxn modelId="{B334CAF5-5849-450A-A142-667F9DDEBC3D}" type="presOf" srcId="{3073E0B2-71FD-42C6-988B-328774FE49D1}" destId="{0EF7BDCE-DFBF-46C2-953E-1E3BF70E5743}" srcOrd="0" destOrd="0" presId="urn:microsoft.com/office/officeart/2005/8/layout/hierarchy5"/>
+    <dgm:cxn modelId="{7A23D836-58A5-4AA1-BAF4-4E826DA36AD5}" srcId="{532E4FEA-5F72-4649-A5A1-FACB31272067}" destId="{8D7E42D4-E78E-49FA-9135-E24132F15590}" srcOrd="1" destOrd="0" parTransId="{9A1FF567-A189-4891-9536-1E960DB0B2A3}" sibTransId="{0656268F-CF6F-446A-B82F-21B8278E6811}"/>
+    <dgm:cxn modelId="{48725D68-3807-49E5-8715-EC70BA9D2432}" srcId="{F8BD94DD-566A-499A-A503-EF680403EBFD}" destId="{3073E0B2-71FD-42C6-988B-328774FE49D1}" srcOrd="2" destOrd="0" parTransId="{DEC76A8C-DD22-4277-BDB8-24F70F8658A4}" sibTransId="{4066C69A-7AF5-4B2B-B90C-5A17C0DEF022}"/>
+    <dgm:cxn modelId="{1304BA51-1AB8-47F6-9FB9-6F6473930299}" type="presOf" srcId="{9A1FF567-A189-4891-9536-1E960DB0B2A3}" destId="{A7575152-F179-4F04-8D5B-F78E95B2FAE1}" srcOrd="0" destOrd="0" presId="urn:microsoft.com/office/officeart/2005/8/layout/hierarchy5"/>
+    <dgm:cxn modelId="{B2D99670-9789-4458-A29D-F7BFBF4BD814}" type="presOf" srcId="{AB44D09D-778B-428F-A61F-81CE0C063910}" destId="{A4EB6696-5A7F-4195-A89D-1441CE00D6D7}" srcOrd="1" destOrd="0" presId="urn:microsoft.com/office/officeart/2005/8/layout/hierarchy5"/>
+    <dgm:cxn modelId="{6A43585F-E7A7-4BE0-A1FB-36A0051A4762}" type="presOf" srcId="{34A66873-0C0E-4B68-A4FF-B5135F2A61A9}" destId="{4C3E5FA3-04CA-4321-BE03-AB1CF14768B1}" srcOrd="0" destOrd="0" presId="urn:microsoft.com/office/officeart/2005/8/layout/hierarchy5"/>
+    <dgm:cxn modelId="{ED88C911-FB7C-4B0C-B1D2-A566A5177B2F}" type="presOf" srcId="{3A0FF982-2F57-40C2-8CD8-815AC626C9C6}" destId="{695DB62C-3EA4-429E-A762-0E7948385A84}" srcOrd="0" destOrd="0" presId="urn:microsoft.com/office/officeart/2005/8/layout/hierarchy5"/>
+    <dgm:cxn modelId="{D9D32234-D08C-48B8-A03A-E3608A6BCF08}" type="presOf" srcId="{8D7E42D4-E78E-49FA-9135-E24132F15590}" destId="{E2DB1759-7249-4D87-BDBC-F7A1F4835AD1}" srcOrd="0" destOrd="0" presId="urn:microsoft.com/office/officeart/2005/8/layout/hierarchy5"/>
+    <dgm:cxn modelId="{EF23FD71-20F4-4642-95D4-2E16F2A3BA28}" type="presOf" srcId="{DDB9C6A4-0FFA-42A0-9356-364F394CF0A2}" destId="{634B9FA7-CDEC-4500-A91B-BCC8AB4D4318}" srcOrd="0" destOrd="0" presId="urn:microsoft.com/office/officeart/2005/8/layout/hierarchy5"/>
+    <dgm:cxn modelId="{DBC5C8FC-CA7F-47C5-B492-E5DB1A41799F}" type="presOf" srcId="{D904D87B-F3DD-4D58-B614-D4B992D8890D}" destId="{4FBA2317-9391-467A-8D74-FDF4261AC436}" srcOrd="1" destOrd="0" presId="urn:microsoft.com/office/officeart/2005/8/layout/hierarchy5"/>
+    <dgm:cxn modelId="{D0859F13-FF6A-48F4-B7D5-DCA7F365BB61}" type="presOf" srcId="{AB44D09D-778B-428F-A61F-81CE0C063910}" destId="{41C983E8-4110-4694-9A3A-803CE11A3A5E}" srcOrd="0" destOrd="0" presId="urn:microsoft.com/office/officeart/2005/8/layout/hierarchy5"/>
+    <dgm:cxn modelId="{121BCAD2-D482-4561-85D3-D5306BF4D785}" type="presOf" srcId="{6DD6A2C0-98CF-4461-B8A5-2215F8F8C1F1}" destId="{5B44A250-2CEA-415F-9F18-E7DD521B99B0}" srcOrd="0" destOrd="0" presId="urn:microsoft.com/office/officeart/2005/8/layout/hierarchy5"/>
+    <dgm:cxn modelId="{BB52EA14-9B72-4D3A-9338-C888E7774BFA}" type="presOf" srcId="{F8BD94DD-566A-499A-A503-EF680403EBFD}" destId="{8D79E0FE-B2D1-454C-B0D7-E6FBD2B5875A}" srcOrd="0" destOrd="0" presId="urn:microsoft.com/office/officeart/2005/8/layout/hierarchy5"/>
+    <dgm:cxn modelId="{9C1AD598-B2FD-427C-A8C9-0F27C4397EE3}" srcId="{F8BD94DD-566A-499A-A503-EF680403EBFD}" destId="{3A0FF982-2F57-40C2-8CD8-815AC626C9C6}" srcOrd="0" destOrd="0" parTransId="{C3547413-6DBA-44A2-8F76-B1FDE8828E4D}" sibTransId="{93B28DD8-96DB-434A-8C14-DD30FCF62C59}"/>
+    <dgm:cxn modelId="{8F049D32-1907-4BE9-833D-71FC555739CB}" srcId="{F8BD94DD-566A-499A-A503-EF680403EBFD}" destId="{34A66873-0C0E-4B68-A4FF-B5135F2A61A9}" srcOrd="1" destOrd="0" parTransId="{FDC0B1EE-F454-4C89-B9C3-B19C008BB61C}" sibTransId="{8816E5F8-838C-4C78-8EBB-53AFA130AD36}"/>
+    <dgm:cxn modelId="{D3742C32-B772-4CB0-9DD2-8B9B6824A3A0}" srcId="{3F6E5BFC-474B-48D5-9DE2-E8304CA4738E}" destId="{532E4FEA-5F72-4649-A5A1-FACB31272067}" srcOrd="0" destOrd="0" parTransId="{AB44D09D-778B-428F-A61F-81CE0C063910}" sibTransId="{DBC874B8-5FEA-43A3-9CC0-284ECE51FC75}"/>
+    <dgm:cxn modelId="{6EEAE286-9B81-4108-9D60-800355DF483E}" type="presOf" srcId="{6DD6A2C0-98CF-4461-B8A5-2215F8F8C1F1}" destId="{74D2FB9D-519E-4824-9E27-3D2243BACABF}" srcOrd="1" destOrd="0" presId="urn:microsoft.com/office/officeart/2005/8/layout/hierarchy5"/>
+    <dgm:cxn modelId="{578F7478-8F9D-409A-A00F-44EE308F0CCD}" type="presOf" srcId="{3073E0B2-71FD-42C6-988B-328774FE49D1}" destId="{7A1153DF-7204-4A95-A166-062FC66FD4AF}" srcOrd="1" destOrd="0" presId="urn:microsoft.com/office/officeart/2005/8/layout/hierarchy5"/>
+    <dgm:cxn modelId="{3FEF7EC0-1E5A-4DE8-BD37-49D38E29DC73}" type="presParOf" srcId="{8D79E0FE-B2D1-454C-B0D7-E6FBD2B5875A}" destId="{DD8C7A1E-529D-4A3F-A859-305D4AAB0659}" srcOrd="0" destOrd="0" presId="urn:microsoft.com/office/officeart/2005/8/layout/hierarchy5"/>
+    <dgm:cxn modelId="{C207C532-285E-4CCD-AD0C-F0DDBE3E75B8}" type="presParOf" srcId="{DD8C7A1E-529D-4A3F-A859-305D4AAB0659}" destId="{1C1A8C1A-E83D-42D3-924C-3E328191174E}" srcOrd="0" destOrd="0" presId="urn:microsoft.com/office/officeart/2005/8/layout/hierarchy5"/>
+    <dgm:cxn modelId="{CA77263F-3413-4DE6-ADE8-90A7F9224857}" type="presParOf" srcId="{DD8C7A1E-529D-4A3F-A859-305D4AAB0659}" destId="{B9650AC4-A690-45B2-8F08-17AA80237551}" srcOrd="1" destOrd="0" presId="urn:microsoft.com/office/officeart/2005/8/layout/hierarchy5"/>
+    <dgm:cxn modelId="{2B0FAECA-C001-4471-95EE-A2E74CD9837D}" type="presParOf" srcId="{B9650AC4-A690-45B2-8F08-17AA80237551}" destId="{96FC6BA6-25FB-49EF-BEAA-34AB83FD6CF1}" srcOrd="0" destOrd="0" presId="urn:microsoft.com/office/officeart/2005/8/layout/hierarchy5"/>
+    <dgm:cxn modelId="{F946530B-51F8-4843-A4D9-4FD4CF45E8C3}" type="presParOf" srcId="{96FC6BA6-25FB-49EF-BEAA-34AB83FD6CF1}" destId="{695DB62C-3EA4-429E-A762-0E7948385A84}" srcOrd="0" destOrd="0" presId="urn:microsoft.com/office/officeart/2005/8/layout/hierarchy5"/>
+    <dgm:cxn modelId="{3B2A0F5F-283F-4B5A-A22F-9349FA39AA83}" type="presParOf" srcId="{96FC6BA6-25FB-49EF-BEAA-34AB83FD6CF1}" destId="{7E0E58D3-F39F-45DF-A17E-D2DF18C452C3}" srcOrd="1" destOrd="0" presId="urn:microsoft.com/office/officeart/2005/8/layout/hierarchy5"/>
+    <dgm:cxn modelId="{3192657B-1CA2-4CFB-8313-DF650FE8B028}" type="presParOf" srcId="{7E0E58D3-F39F-45DF-A17E-D2DF18C452C3}" destId="{4C537B6B-A235-4FA1-9896-9F2522911666}" srcOrd="0" destOrd="0" presId="urn:microsoft.com/office/officeart/2005/8/layout/hierarchy5"/>
+    <dgm:cxn modelId="{ACD207F7-FC6F-44FA-A9F0-D091DCB37ECE}" type="presParOf" srcId="{4C537B6B-A235-4FA1-9896-9F2522911666}" destId="{7B5734FF-5CAA-4885-8194-858B3DEEF547}" srcOrd="0" destOrd="0" presId="urn:microsoft.com/office/officeart/2005/8/layout/hierarchy5"/>
+    <dgm:cxn modelId="{14FB5E85-FAA2-4FA8-B97A-06704979A2E2}" type="presParOf" srcId="{7E0E58D3-F39F-45DF-A17E-D2DF18C452C3}" destId="{75DA2D12-65CD-49E1-9749-B7A952F8491A}" srcOrd="1" destOrd="0" presId="urn:microsoft.com/office/officeart/2005/8/layout/hierarchy5"/>
+    <dgm:cxn modelId="{B3E33603-0E4D-4C6D-AA8F-4601D653D873}" type="presParOf" srcId="{75DA2D12-65CD-49E1-9749-B7A952F8491A}" destId="{8E298DD4-11D9-4948-89C6-CB2BE63829C7}" srcOrd="0" destOrd="0" presId="urn:microsoft.com/office/officeart/2005/8/layout/hierarchy5"/>
+    <dgm:cxn modelId="{59056A0F-6949-444A-8CA7-851031FCA694}" type="presParOf" srcId="{75DA2D12-65CD-49E1-9749-B7A952F8491A}" destId="{47DF664E-ADBE-4414-AC18-53315C963F13}" srcOrd="1" destOrd="0" presId="urn:microsoft.com/office/officeart/2005/8/layout/hierarchy5"/>
+    <dgm:cxn modelId="{1FDB25AB-57DB-44A3-B77A-EC50D72D680B}" type="presParOf" srcId="{47DF664E-ADBE-4414-AC18-53315C963F13}" destId="{41C983E8-4110-4694-9A3A-803CE11A3A5E}" srcOrd="0" destOrd="0" presId="urn:microsoft.com/office/officeart/2005/8/layout/hierarchy5"/>
+    <dgm:cxn modelId="{12EC96A5-65E2-4CCC-82DF-3E82845C1A9A}" type="presParOf" srcId="{41C983E8-4110-4694-9A3A-803CE11A3A5E}" destId="{A4EB6696-5A7F-4195-A89D-1441CE00D6D7}" srcOrd="0" destOrd="0" presId="urn:microsoft.com/office/officeart/2005/8/layout/hierarchy5"/>
+    <dgm:cxn modelId="{FCA628D7-454F-479C-A8D1-1DB84F50E844}" type="presParOf" srcId="{47DF664E-ADBE-4414-AC18-53315C963F13}" destId="{D78FDF10-1545-43E0-A1E7-EB2AB7DFD6C3}" srcOrd="1" destOrd="0" presId="urn:microsoft.com/office/officeart/2005/8/layout/hierarchy5"/>
+    <dgm:cxn modelId="{5A9250F5-CF8C-4C6F-90FF-4D3B1FD379C7}" type="presParOf" srcId="{D78FDF10-1545-43E0-A1E7-EB2AB7DFD6C3}" destId="{8FD25671-F1E9-4E5A-9E75-0B68C3ADC8AB}" srcOrd="0" destOrd="0" presId="urn:microsoft.com/office/officeart/2005/8/layout/hierarchy5"/>
+    <dgm:cxn modelId="{95C487DC-3AE5-4BDF-85D9-AFDF9ACD68B6}" type="presParOf" srcId="{D78FDF10-1545-43E0-A1E7-EB2AB7DFD6C3}" destId="{F2AC7CF7-4C12-4CD8-A83A-FFB9ED64573F}" srcOrd="1" destOrd="0" presId="urn:microsoft.com/office/officeart/2005/8/layout/hierarchy5"/>
+    <dgm:cxn modelId="{C9331E8E-34AD-46BF-A357-105AFB35E2AE}" type="presParOf" srcId="{F2AC7CF7-4C12-4CD8-A83A-FFB9ED64573F}" destId="{5B44A250-2CEA-415F-9F18-E7DD521B99B0}" srcOrd="0" destOrd="0" presId="urn:microsoft.com/office/officeart/2005/8/layout/hierarchy5"/>
+    <dgm:cxn modelId="{54DBD3DA-C365-4E5F-A3B7-F52052E7D951}" type="presParOf" srcId="{5B44A250-2CEA-415F-9F18-E7DD521B99B0}" destId="{74D2FB9D-519E-4824-9E27-3D2243BACABF}" srcOrd="0" destOrd="0" presId="urn:microsoft.com/office/officeart/2005/8/layout/hierarchy5"/>
+    <dgm:cxn modelId="{F1A0974E-C0C2-4A3A-B519-4C781BE639FC}" type="presParOf" srcId="{F2AC7CF7-4C12-4CD8-A83A-FFB9ED64573F}" destId="{B85473A0-8F06-4103-8023-1CD8D18D1297}" srcOrd="1" destOrd="0" presId="urn:microsoft.com/office/officeart/2005/8/layout/hierarchy5"/>
+    <dgm:cxn modelId="{0C128855-1A36-4DA8-A829-9BA5C309442A}" type="presParOf" srcId="{B85473A0-8F06-4103-8023-1CD8D18D1297}" destId="{6B960B71-3DA8-4014-8465-2FA6F0498E35}" srcOrd="0" destOrd="0" presId="urn:microsoft.com/office/officeart/2005/8/layout/hierarchy5"/>
+    <dgm:cxn modelId="{1F7A4FF8-8992-479F-B305-E7403AFD4D07}" type="presParOf" srcId="{B85473A0-8F06-4103-8023-1CD8D18D1297}" destId="{1456FEE6-6075-43AA-82DF-BD3615877E10}" srcOrd="1" destOrd="0" presId="urn:microsoft.com/office/officeart/2005/8/layout/hierarchy5"/>
+    <dgm:cxn modelId="{3FCDF786-3508-4A45-B636-F1D63F6FE716}" type="presParOf" srcId="{F2AC7CF7-4C12-4CD8-A83A-FFB9ED64573F}" destId="{A7575152-F179-4F04-8D5B-F78E95B2FAE1}" srcOrd="2" destOrd="0" presId="urn:microsoft.com/office/officeart/2005/8/layout/hierarchy5"/>
+    <dgm:cxn modelId="{3FC43895-878C-40F3-8AC8-2CB4A38E622A}" type="presParOf" srcId="{A7575152-F179-4F04-8D5B-F78E95B2FAE1}" destId="{48BA3B68-184E-4443-BCE6-6DEF28D21AEE}" srcOrd="0" destOrd="0" presId="urn:microsoft.com/office/officeart/2005/8/layout/hierarchy5"/>
+    <dgm:cxn modelId="{A03FC371-03BA-490A-B317-EB6B16F9018A}" type="presParOf" srcId="{F2AC7CF7-4C12-4CD8-A83A-FFB9ED64573F}" destId="{9511F5F6-3760-402F-B20B-A6C1CF115A87}" srcOrd="3" destOrd="0" presId="urn:microsoft.com/office/officeart/2005/8/layout/hierarchy5"/>
+    <dgm:cxn modelId="{83A04E68-F147-4C2A-9D86-D68C8195317D}" type="presParOf" srcId="{9511F5F6-3760-402F-B20B-A6C1CF115A87}" destId="{E2DB1759-7249-4D87-BDBC-F7A1F4835AD1}" srcOrd="0" destOrd="0" presId="urn:microsoft.com/office/officeart/2005/8/layout/hierarchy5"/>
+    <dgm:cxn modelId="{91B62A5B-96D6-47C0-AC3A-6201BDB5D8B2}" type="presParOf" srcId="{9511F5F6-3760-402F-B20B-A6C1CF115A87}" destId="{6F458C98-33DD-4C39-93A0-BB326A692B32}" srcOrd="1" destOrd="0" presId="urn:microsoft.com/office/officeart/2005/8/layout/hierarchy5"/>
+    <dgm:cxn modelId="{24DC1921-4145-43C4-98A9-A6F151103564}" type="presParOf" srcId="{F2AC7CF7-4C12-4CD8-A83A-FFB9ED64573F}" destId="{9246F981-632C-4E4D-81DA-10CF6EF52731}" srcOrd="4" destOrd="0" presId="urn:microsoft.com/office/officeart/2005/8/layout/hierarchy5"/>
+    <dgm:cxn modelId="{62F6D765-FA50-4851-B061-766BD04D9BB5}" type="presParOf" srcId="{9246F981-632C-4E4D-81DA-10CF6EF52731}" destId="{4FBA2317-9391-467A-8D74-FDF4261AC436}" srcOrd="0" destOrd="0" presId="urn:microsoft.com/office/officeart/2005/8/layout/hierarchy5"/>
+    <dgm:cxn modelId="{FC3B4F65-3B80-4568-A745-89F6D76CCE95}" type="presParOf" srcId="{F2AC7CF7-4C12-4CD8-A83A-FFB9ED64573F}" destId="{6D93CA51-E50C-4055-9450-B19E9F9D549C}" srcOrd="5" destOrd="0" presId="urn:microsoft.com/office/officeart/2005/8/layout/hierarchy5"/>
+    <dgm:cxn modelId="{CA1AEAB7-E4CB-485A-AB72-DAC44CC1FF85}" type="presParOf" srcId="{6D93CA51-E50C-4055-9450-B19E9F9D549C}" destId="{634B9FA7-CDEC-4500-A91B-BCC8AB4D4318}" srcOrd="0" destOrd="0" presId="urn:microsoft.com/office/officeart/2005/8/layout/hierarchy5"/>
+    <dgm:cxn modelId="{6D2732FF-2AF1-421B-8C22-E2528C6C75F9}" type="presParOf" srcId="{6D93CA51-E50C-4055-9450-B19E9F9D549C}" destId="{51E1E602-92F8-407B-B31C-7BDD687DB313}" srcOrd="1" destOrd="0" presId="urn:microsoft.com/office/officeart/2005/8/layout/hierarchy5"/>
+    <dgm:cxn modelId="{1CB06B06-F0BE-4300-82DA-B56E591A9A81}" type="presParOf" srcId="{8D79E0FE-B2D1-454C-B0D7-E6FBD2B5875A}" destId="{C841A686-B7FD-40C8-9C62-7E65BF68EDD3}" srcOrd="1" destOrd="0" presId="urn:microsoft.com/office/officeart/2005/8/layout/hierarchy5"/>
+    <dgm:cxn modelId="{84AA7F81-CC90-4CA5-BE33-08467ECB9D1C}" type="presParOf" srcId="{C841A686-B7FD-40C8-9C62-7E65BF68EDD3}" destId="{3F7BCA01-E631-4138-A4FD-8277AAF7FFDA}" srcOrd="0" destOrd="0" presId="urn:microsoft.com/office/officeart/2005/8/layout/hierarchy5"/>
+    <dgm:cxn modelId="{1FD0996E-1F4B-4B60-831C-DE5CE516F506}" type="presParOf" srcId="{3F7BCA01-E631-4138-A4FD-8277AAF7FFDA}" destId="{4C3E5FA3-04CA-4321-BE03-AB1CF14768B1}" srcOrd="0" destOrd="0" presId="urn:microsoft.com/office/officeart/2005/8/layout/hierarchy5"/>
+    <dgm:cxn modelId="{F597F701-1463-4DF8-9308-F1F272B843F3}" type="presParOf" srcId="{3F7BCA01-E631-4138-A4FD-8277AAF7FFDA}" destId="{38623598-BC9D-4C34-B6AA-376EBF1742C6}" srcOrd="1" destOrd="0" presId="urn:microsoft.com/office/officeart/2005/8/layout/hierarchy5"/>
+    <dgm:cxn modelId="{0BDE66BC-EDE2-4744-BBE5-4D26E6665473}" type="presParOf" srcId="{C841A686-B7FD-40C8-9C62-7E65BF68EDD3}" destId="{84C25D6F-A599-4E6D-B6F7-BE6956CB5EEA}" srcOrd="1" destOrd="0" presId="urn:microsoft.com/office/officeart/2005/8/layout/hierarchy5"/>
+    <dgm:cxn modelId="{187B1268-47E8-465D-8C45-7002EF34929D}" type="presParOf" srcId="{84C25D6F-A599-4E6D-B6F7-BE6956CB5EEA}" destId="{8AF85F7D-E275-4AE1-BE7C-18C1B643F4DE}" srcOrd="0" destOrd="0" presId="urn:microsoft.com/office/officeart/2005/8/layout/hierarchy5"/>
+    <dgm:cxn modelId="{710A2943-56CF-4277-A55C-D1BABCAD6539}" type="presParOf" srcId="{C841A686-B7FD-40C8-9C62-7E65BF68EDD3}" destId="{1E7AD1FD-8CDC-435A-BAB7-CAF18E9F8716}" srcOrd="2" destOrd="0" presId="urn:microsoft.com/office/officeart/2005/8/layout/hierarchy5"/>
+    <dgm:cxn modelId="{76891E56-7AA7-4E94-AD72-5408B86E5C0E}" type="presParOf" srcId="{1E7AD1FD-8CDC-435A-BAB7-CAF18E9F8716}" destId="{0EF7BDCE-DFBF-46C2-953E-1E3BF70E5743}" srcOrd="0" destOrd="0" presId="urn:microsoft.com/office/officeart/2005/8/layout/hierarchy5"/>
+    <dgm:cxn modelId="{D8AA5348-DAD3-4DC1-B7F5-5591F60A7BF2}" type="presParOf" srcId="{1E7AD1FD-8CDC-435A-BAB7-CAF18E9F8716}" destId="{7A1153DF-7204-4A95-A166-062FC66FD4AF}" srcOrd="1" destOrd="0" presId="urn:microsoft.com/office/officeart/2005/8/layout/hierarchy5"/>
   </dgm:cxnLst>
   <dgm:bg/>
   <dgm:whole/>
@@ -8849,7 +10316,7 @@
             </a:spcAft>
           </a:pPr>
           <a:r>
-            <a:rPr lang="en-US" sz="2300" b="0" kern="1200" cap="none" spc="0" dirty="0" smtClean="0">
+            <a:rPr lang="en-US" sz="2300" b="0" kern="1200" cap="none" spc="0" smtClean="0">
               <a:ln w="0"/>
               <a:effectLst>
                 <a:outerShdw blurRad="38100" dist="19050" dir="2700000" algn="tl" rotWithShape="0">
@@ -8859,20 +10326,7 @@
                 </a:outerShdw>
               </a:effectLst>
             </a:rPr>
-            <a:t>Soil Temperature </a:t>
-          </a:r>
-          <a:r>
-            <a:rPr lang="en-US" sz="2300" b="0" kern="1200" cap="none" spc="0" dirty="0" smtClean="0">
-              <a:ln w="0"/>
-              <a:effectLst>
-                <a:outerShdw blurRad="38100" dist="19050" dir="2700000" algn="tl" rotWithShape="0">
-                  <a:schemeClr val="dk1">
-                    <a:alpha val="40000"/>
-                  </a:schemeClr>
-                </a:outerShdw>
-              </a:effectLst>
-            </a:rPr>
-            <a:t>Sensor</a:t>
+            <a:t>Soil Temperature Sensor (lm-35)</a:t>
           </a:r>
           <a:endParaRPr lang="en-US" sz="2300" b="0" kern="1200" cap="none" spc="0" dirty="0">
             <a:ln w="0"/>
@@ -8954,12 +10408,12 @@
         </a:fontRef>
       </dsp:style>
       <dsp:txBody>
-        <a:bodyPr spcFirstLastPara="0" vert="horz" wrap="square" lIns="22860" tIns="22860" rIns="22860" bIns="22860" numCol="1" spcCol="1270" anchor="ctr" anchorCtr="0">
+        <a:bodyPr spcFirstLastPara="0" vert="horz" wrap="square" lIns="20320" tIns="20320" rIns="20320" bIns="20320" numCol="1" spcCol="1270" anchor="ctr" anchorCtr="0">
           <a:noAutofit/>
         </a:bodyPr>
         <a:lstStyle/>
         <a:p>
-          <a:pPr lvl="0" algn="ctr" defTabSz="1600200">
+          <a:pPr lvl="0" algn="ctr" defTabSz="1422400">
             <a:lnSpc>
               <a:spcPct val="90000"/>
             </a:lnSpc>
@@ -8971,10 +10425,10 @@
             </a:spcAft>
           </a:pPr>
           <a:r>
-            <a:rPr lang="en-US" sz="3600" kern="1200" dirty="0" smtClean="0"/>
+            <a:rPr lang="en-US" sz="3200" kern="1200" dirty="0" smtClean="0"/>
             <a:t>RF-Wireless Receiver</a:t>
           </a:r>
-          <a:endParaRPr lang="en-US" sz="3600" kern="1200" dirty="0"/>
+          <a:endParaRPr lang="en-US" sz="3200" kern="1200" dirty="0"/>
         </a:p>
       </dsp:txBody>
       <dsp:txXfrm>
@@ -9106,12 +10560,12 @@
         </a:fontRef>
       </dsp:style>
       <dsp:txBody>
-        <a:bodyPr spcFirstLastPara="0" vert="horz" wrap="square" lIns="22860" tIns="22860" rIns="22860" bIns="22860" numCol="1" spcCol="1270" anchor="ctr" anchorCtr="0">
+        <a:bodyPr spcFirstLastPara="0" vert="horz" wrap="square" lIns="20320" tIns="20320" rIns="20320" bIns="20320" numCol="1" spcCol="1270" anchor="ctr" anchorCtr="0">
           <a:noAutofit/>
         </a:bodyPr>
         <a:lstStyle/>
         <a:p>
-          <a:pPr lvl="0" algn="ctr" defTabSz="1600200">
+          <a:pPr lvl="0" algn="ctr" defTabSz="1422400">
             <a:lnSpc>
               <a:spcPct val="90000"/>
             </a:lnSpc>
@@ -9123,10 +10577,10 @@
             </a:spcAft>
           </a:pPr>
           <a:r>
-            <a:rPr lang="en-US" sz="3600" kern="1200" dirty="0" smtClean="0"/>
+            <a:rPr lang="en-US" sz="3200" kern="1200" dirty="0" smtClean="0"/>
             <a:t>µController</a:t>
           </a:r>
-          <a:endParaRPr lang="en-US" sz="3600" kern="1200" dirty="0"/>
+          <a:endParaRPr lang="en-US" sz="3200" kern="1200" dirty="0"/>
         </a:p>
       </dsp:txBody>
       <dsp:txXfrm>
@@ -9258,12 +10712,12 @@
         </a:fontRef>
       </dsp:style>
       <dsp:txBody>
-        <a:bodyPr spcFirstLastPara="0" vert="horz" wrap="square" lIns="22860" tIns="22860" rIns="22860" bIns="22860" numCol="1" spcCol="1270" anchor="ctr" anchorCtr="0">
+        <a:bodyPr spcFirstLastPara="0" vert="horz" wrap="square" lIns="20320" tIns="20320" rIns="20320" bIns="20320" numCol="1" spcCol="1270" anchor="ctr" anchorCtr="0">
           <a:noAutofit/>
         </a:bodyPr>
         <a:lstStyle/>
         <a:p>
-          <a:pPr lvl="0" algn="ctr" defTabSz="1600200">
+          <a:pPr lvl="0" algn="ctr" defTabSz="1422400">
             <a:lnSpc>
               <a:spcPct val="90000"/>
             </a:lnSpc>
@@ -9275,10 +10729,10 @@
             </a:spcAft>
           </a:pPr>
           <a:r>
-            <a:rPr lang="en-US" sz="3600" kern="1200" dirty="0" err="1" smtClean="0"/>
-            <a:t>NodeMCU</a:t>
+            <a:rPr lang="en-US" sz="3200" kern="1200" dirty="0" smtClean="0"/>
+            <a:t>Wi-Fi Module (ESP8266)</a:t>
           </a:r>
-          <a:endParaRPr lang="en-US" sz="3600" kern="1200" dirty="0"/>
+          <a:endParaRPr lang="en-US" sz="3200" kern="1200" dirty="0"/>
         </a:p>
       </dsp:txBody>
       <dsp:txXfrm>
@@ -10330,6 +11784,1021 @@
       <dsp:txXfrm>
         <a:off x="6488824" y="2434526"/>
         <a:ext cx="1457783" cy="706898"/>
+      </dsp:txXfrm>
+    </dsp:sp>
+  </dsp:spTree>
+</dsp:drawing>
+</file>
+
+<file path=ppt/diagrams/drawing6.xml><?xml version="1.0" encoding="utf-8"?>
+<dsp:drawing xmlns:dgm="http://schemas.openxmlformats.org/drawingml/2006/diagram" xmlns:dsp="http://schemas.microsoft.com/office/drawing/2008/diagram" xmlns:a="http://schemas.openxmlformats.org/drawingml/2006/main">
+  <dsp:spTree>
+    <dsp:nvGrpSpPr>
+      <dsp:cNvPr id="0" name=""/>
+      <dsp:cNvGrpSpPr/>
+    </dsp:nvGrpSpPr>
+    <dsp:grpSpPr/>
+    <dsp:sp modelId="{0EF7BDCE-DFBF-46C2-953E-1E3BF70E5743}">
+      <dsp:nvSpPr>
+        <dsp:cNvPr id="0" name=""/>
+        <dsp:cNvSpPr/>
+      </dsp:nvSpPr>
+      <dsp:spPr>
+        <a:xfrm>
+          <a:off x="237803" y="0"/>
+          <a:ext cx="5046509" cy="3598863"/>
+        </a:xfrm>
+        <a:prstGeom prst="roundRect">
+          <a:avLst>
+            <a:gd name="adj" fmla="val 10000"/>
+          </a:avLst>
+        </a:prstGeom>
+        <a:solidFill>
+          <a:schemeClr val="accent1">
+            <a:tint val="40000"/>
+            <a:hueOff val="0"/>
+            <a:satOff val="0"/>
+            <a:lumOff val="0"/>
+            <a:alphaOff val="0"/>
+          </a:schemeClr>
+        </a:solidFill>
+        <a:ln>
+          <a:noFill/>
+        </a:ln>
+        <a:effectLst/>
+      </dsp:spPr>
+      <dsp:style>
+        <a:lnRef idx="0">
+          <a:scrgbClr r="0" g="0" b="0"/>
+        </a:lnRef>
+        <a:fillRef idx="1">
+          <a:scrgbClr r="0" g="0" b="0"/>
+        </a:fillRef>
+        <a:effectRef idx="0">
+          <a:scrgbClr r="0" g="0" b="0"/>
+        </a:effectRef>
+        <a:fontRef idx="minor"/>
+      </dsp:style>
+      <dsp:txBody>
+        <a:bodyPr spcFirstLastPara="0" vert="horz" wrap="square" lIns="270256" tIns="270256" rIns="270256" bIns="270256" numCol="1" spcCol="1270" anchor="ctr" anchorCtr="0">
+          <a:noAutofit/>
+        </a:bodyPr>
+        <a:lstStyle/>
+        <a:p>
+          <a:pPr lvl="0" algn="ctr" defTabSz="1689100">
+            <a:lnSpc>
+              <a:spcPct val="90000"/>
+            </a:lnSpc>
+            <a:spcBef>
+              <a:spcPct val="0"/>
+            </a:spcBef>
+            <a:spcAft>
+              <a:spcPct val="35000"/>
+            </a:spcAft>
+          </a:pPr>
+          <a:r>
+            <a:rPr lang="en-US" sz="3800" kern="1200" dirty="0" smtClean="0"/>
+            <a:t>Field</a:t>
+          </a:r>
+          <a:endParaRPr lang="en-US" sz="3800" kern="1200" dirty="0"/>
+        </a:p>
+      </dsp:txBody>
+      <dsp:txXfrm>
+        <a:off x="237803" y="0"/>
+        <a:ext cx="5046509" cy="1079658"/>
+      </dsp:txXfrm>
+    </dsp:sp>
+    <dsp:sp modelId="{4C3E5FA3-04CA-4321-BE03-AB1CF14768B1}">
+      <dsp:nvSpPr>
+        <dsp:cNvPr id="0" name=""/>
+        <dsp:cNvSpPr/>
+      </dsp:nvSpPr>
+      <dsp:spPr>
+        <a:xfrm>
+          <a:off x="5531894" y="0"/>
+          <a:ext cx="3803944" cy="3598863"/>
+        </a:xfrm>
+        <a:prstGeom prst="roundRect">
+          <a:avLst>
+            <a:gd name="adj" fmla="val 10000"/>
+          </a:avLst>
+        </a:prstGeom>
+        <a:solidFill>
+          <a:schemeClr val="accent1">
+            <a:tint val="40000"/>
+            <a:hueOff val="0"/>
+            <a:satOff val="0"/>
+            <a:lumOff val="0"/>
+            <a:alphaOff val="0"/>
+          </a:schemeClr>
+        </a:solidFill>
+        <a:ln>
+          <a:noFill/>
+        </a:ln>
+        <a:effectLst/>
+      </dsp:spPr>
+      <dsp:style>
+        <a:lnRef idx="0">
+          <a:scrgbClr r="0" g="0" b="0"/>
+        </a:lnRef>
+        <a:fillRef idx="1">
+          <a:scrgbClr r="0" g="0" b="0"/>
+        </a:fillRef>
+        <a:effectRef idx="0">
+          <a:scrgbClr r="0" g="0" b="0"/>
+        </a:effectRef>
+        <a:fontRef idx="minor"/>
+      </dsp:style>
+      <dsp:txBody>
+        <a:bodyPr spcFirstLastPara="0" vert="horz" wrap="square" lIns="270256" tIns="270256" rIns="270256" bIns="270256" numCol="1" spcCol="1270" anchor="ctr" anchorCtr="0">
+          <a:noAutofit/>
+        </a:bodyPr>
+        <a:lstStyle/>
+        <a:p>
+          <a:pPr lvl="0" algn="ctr" defTabSz="1689100">
+            <a:lnSpc>
+              <a:spcPct val="90000"/>
+            </a:lnSpc>
+            <a:spcBef>
+              <a:spcPct val="0"/>
+            </a:spcBef>
+            <a:spcAft>
+              <a:spcPct val="35000"/>
+            </a:spcAft>
+          </a:pPr>
+          <a:r>
+            <a:rPr lang="en-US" sz="3800" kern="1200" dirty="0" smtClean="0"/>
+            <a:t>Server</a:t>
+          </a:r>
+          <a:endParaRPr lang="en-US" sz="3800" kern="1200" dirty="0"/>
+        </a:p>
+      </dsp:txBody>
+      <dsp:txXfrm>
+        <a:off x="5531894" y="0"/>
+        <a:ext cx="3803944" cy="1079658"/>
+      </dsp:txXfrm>
+    </dsp:sp>
+    <dsp:sp modelId="{695DB62C-3EA4-429E-A762-0E7948385A84}">
+      <dsp:nvSpPr>
+        <dsp:cNvPr id="0" name=""/>
+        <dsp:cNvSpPr/>
+      </dsp:nvSpPr>
+      <dsp:spPr>
+        <a:xfrm>
+          <a:off x="7732019" y="1297885"/>
+          <a:ext cx="1439193" cy="719596"/>
+        </a:xfrm>
+        <a:prstGeom prst="roundRect">
+          <a:avLst>
+            <a:gd name="adj" fmla="val 10000"/>
+          </a:avLst>
+        </a:prstGeom>
+        <a:solidFill>
+          <a:schemeClr val="accent1">
+            <a:hueOff val="0"/>
+            <a:satOff val="0"/>
+            <a:lumOff val="0"/>
+            <a:alphaOff val="0"/>
+          </a:schemeClr>
+        </a:solidFill>
+        <a:ln w="12700" cap="flat" cmpd="sng" algn="ctr">
+          <a:solidFill>
+            <a:schemeClr val="lt1">
+              <a:hueOff val="0"/>
+              <a:satOff val="0"/>
+              <a:lumOff val="0"/>
+              <a:alphaOff val="0"/>
+            </a:schemeClr>
+          </a:solidFill>
+          <a:prstDash val="solid"/>
+        </a:ln>
+        <a:effectLst/>
+      </dsp:spPr>
+      <dsp:style>
+        <a:lnRef idx="2">
+          <a:scrgbClr r="0" g="0" b="0"/>
+        </a:lnRef>
+        <a:fillRef idx="1">
+          <a:scrgbClr r="0" g="0" b="0"/>
+        </a:fillRef>
+        <a:effectRef idx="0">
+          <a:scrgbClr r="0" g="0" b="0"/>
+        </a:effectRef>
+        <a:fontRef idx="minor">
+          <a:schemeClr val="lt1"/>
+        </a:fontRef>
+      </dsp:style>
+      <dsp:txBody>
+        <a:bodyPr spcFirstLastPara="0" vert="horz" wrap="square" lIns="15240" tIns="15240" rIns="15240" bIns="15240" numCol="1" spcCol="1270" anchor="ctr" anchorCtr="0">
+          <a:noAutofit/>
+        </a:bodyPr>
+        <a:lstStyle/>
+        <a:p>
+          <a:pPr lvl="0" algn="ctr" defTabSz="1066800">
+            <a:lnSpc>
+              <a:spcPct val="90000"/>
+            </a:lnSpc>
+            <a:spcBef>
+              <a:spcPct val="0"/>
+            </a:spcBef>
+            <a:spcAft>
+              <a:spcPct val="35000"/>
+            </a:spcAft>
+          </a:pPr>
+          <a:r>
+            <a:rPr lang="en-US" sz="2400" kern="1200" dirty="0" smtClean="0"/>
+            <a:t>User Interface</a:t>
+          </a:r>
+          <a:endParaRPr lang="en-US" sz="2400" kern="1200" dirty="0"/>
+        </a:p>
+      </dsp:txBody>
+      <dsp:txXfrm>
+        <a:off x="7753095" y="1318961"/>
+        <a:ext cx="1397041" cy="677444"/>
+      </dsp:txXfrm>
+    </dsp:sp>
+    <dsp:sp modelId="{4C537B6B-A235-4FA1-9896-9F2522911666}">
+      <dsp:nvSpPr>
+        <dsp:cNvPr id="0" name=""/>
+        <dsp:cNvSpPr/>
+      </dsp:nvSpPr>
+      <dsp:spPr>
+        <a:xfrm rot="10800000">
+          <a:off x="7144151" y="1639688"/>
+          <a:ext cx="587867" cy="35991"/>
+        </a:xfrm>
+        <a:custGeom>
+          <a:avLst/>
+          <a:gdLst/>
+          <a:ahLst/>
+          <a:cxnLst/>
+          <a:rect l="0" t="0" r="0" b="0"/>
+          <a:pathLst>
+            <a:path>
+              <a:moveTo>
+                <a:pt x="0" y="17995"/>
+              </a:moveTo>
+              <a:lnTo>
+                <a:pt x="587867" y="17995"/>
+              </a:lnTo>
+            </a:path>
+          </a:pathLst>
+        </a:custGeom>
+        <a:noFill/>
+        <a:ln w="12700" cap="flat" cmpd="sng" algn="ctr">
+          <a:solidFill>
+            <a:schemeClr val="accent1">
+              <a:shade val="60000"/>
+              <a:hueOff val="0"/>
+              <a:satOff val="0"/>
+              <a:lumOff val="0"/>
+              <a:alphaOff val="0"/>
+            </a:schemeClr>
+          </a:solidFill>
+          <a:prstDash val="solid"/>
+        </a:ln>
+        <a:effectLst/>
+      </dsp:spPr>
+      <dsp:style>
+        <a:lnRef idx="2">
+          <a:scrgbClr r="0" g="0" b="0"/>
+        </a:lnRef>
+        <a:fillRef idx="0">
+          <a:scrgbClr r="0" g="0" b="0"/>
+        </a:fillRef>
+        <a:effectRef idx="0">
+          <a:scrgbClr r="0" g="0" b="0"/>
+        </a:effectRef>
+        <a:fontRef idx="minor"/>
+      </dsp:style>
+      <dsp:txBody>
+        <a:bodyPr spcFirstLastPara="0" vert="horz" wrap="square" lIns="12700" tIns="0" rIns="12700" bIns="0" numCol="1" spcCol="1270" anchor="ctr" anchorCtr="0">
+          <a:noAutofit/>
+        </a:bodyPr>
+        <a:lstStyle/>
+        <a:p>
+          <a:pPr lvl="0" algn="ctr" defTabSz="222250">
+            <a:lnSpc>
+              <a:spcPct val="90000"/>
+            </a:lnSpc>
+            <a:spcBef>
+              <a:spcPct val="0"/>
+            </a:spcBef>
+            <a:spcAft>
+              <a:spcPct val="35000"/>
+            </a:spcAft>
+          </a:pPr>
+          <a:endParaRPr lang="en-US" sz="500" kern="1200"/>
+        </a:p>
+      </dsp:txBody>
+      <dsp:txXfrm rot="10800000">
+        <a:off x="7423388" y="1642987"/>
+        <a:ext cx="29393" cy="29393"/>
+      </dsp:txXfrm>
+    </dsp:sp>
+    <dsp:sp modelId="{8E298DD4-11D9-4948-89C6-CB2BE63829C7}">
+      <dsp:nvSpPr>
+        <dsp:cNvPr id="0" name=""/>
+        <dsp:cNvSpPr/>
+      </dsp:nvSpPr>
+      <dsp:spPr>
+        <a:xfrm>
+          <a:off x="5704957" y="1297885"/>
+          <a:ext cx="1439193" cy="719596"/>
+        </a:xfrm>
+        <a:prstGeom prst="roundRect">
+          <a:avLst>
+            <a:gd name="adj" fmla="val 10000"/>
+          </a:avLst>
+        </a:prstGeom>
+        <a:solidFill>
+          <a:schemeClr val="accent1">
+            <a:hueOff val="0"/>
+            <a:satOff val="0"/>
+            <a:lumOff val="0"/>
+            <a:alphaOff val="0"/>
+          </a:schemeClr>
+        </a:solidFill>
+        <a:ln w="12700" cap="flat" cmpd="sng" algn="ctr">
+          <a:solidFill>
+            <a:schemeClr val="lt1">
+              <a:hueOff val="0"/>
+              <a:satOff val="0"/>
+              <a:lumOff val="0"/>
+              <a:alphaOff val="0"/>
+            </a:schemeClr>
+          </a:solidFill>
+          <a:prstDash val="solid"/>
+        </a:ln>
+        <a:effectLst/>
+      </dsp:spPr>
+      <dsp:style>
+        <a:lnRef idx="2">
+          <a:scrgbClr r="0" g="0" b="0"/>
+        </a:lnRef>
+        <a:fillRef idx="1">
+          <a:scrgbClr r="0" g="0" b="0"/>
+        </a:fillRef>
+        <a:effectRef idx="0">
+          <a:scrgbClr r="0" g="0" b="0"/>
+        </a:effectRef>
+        <a:fontRef idx="minor">
+          <a:schemeClr val="lt1"/>
+        </a:fontRef>
+      </dsp:style>
+      <dsp:txBody>
+        <a:bodyPr spcFirstLastPara="0" vert="horz" wrap="square" lIns="15240" tIns="15240" rIns="15240" bIns="15240" numCol="1" spcCol="1270" anchor="ctr" anchorCtr="0">
+          <a:noAutofit/>
+        </a:bodyPr>
+        <a:lstStyle/>
+        <a:p>
+          <a:pPr lvl="0" algn="ctr" defTabSz="1066800">
+            <a:lnSpc>
+              <a:spcPct val="90000"/>
+            </a:lnSpc>
+            <a:spcBef>
+              <a:spcPct val="0"/>
+            </a:spcBef>
+            <a:spcAft>
+              <a:spcPct val="35000"/>
+            </a:spcAft>
+          </a:pPr>
+          <a:r>
+            <a:rPr lang="en-US" sz="2400" kern="1200" dirty="0" smtClean="0"/>
+            <a:t>Database</a:t>
+          </a:r>
+          <a:endParaRPr lang="en-US" sz="2400" kern="1200" dirty="0"/>
+        </a:p>
+      </dsp:txBody>
+      <dsp:txXfrm>
+        <a:off x="5726033" y="1318961"/>
+        <a:ext cx="1397041" cy="677444"/>
+      </dsp:txXfrm>
+    </dsp:sp>
+    <dsp:sp modelId="{41C983E8-4110-4694-9A3A-803CE11A3A5E}">
+      <dsp:nvSpPr>
+        <dsp:cNvPr id="0" name=""/>
+        <dsp:cNvSpPr/>
+      </dsp:nvSpPr>
+      <dsp:spPr>
+        <a:xfrm rot="10846624">
+          <a:off x="4806168" y="1633593"/>
+          <a:ext cx="898830" cy="35991"/>
+        </a:xfrm>
+        <a:custGeom>
+          <a:avLst/>
+          <a:gdLst/>
+          <a:ahLst/>
+          <a:cxnLst/>
+          <a:rect l="0" t="0" r="0" b="0"/>
+          <a:pathLst>
+            <a:path>
+              <a:moveTo>
+                <a:pt x="0" y="17995"/>
+              </a:moveTo>
+              <a:lnTo>
+                <a:pt x="898830" y="17995"/>
+              </a:lnTo>
+            </a:path>
+          </a:pathLst>
+        </a:custGeom>
+        <a:noFill/>
+        <a:ln w="19050" cap="flat" cmpd="sng" algn="ctr">
+          <a:solidFill>
+            <a:schemeClr val="accent4"/>
+          </a:solidFill>
+          <a:prstDash val="solid"/>
+        </a:ln>
+        <a:effectLst/>
+      </dsp:spPr>
+      <dsp:style>
+        <a:lnRef idx="2">
+          <a:scrgbClr r="0" g="0" b="0"/>
+        </a:lnRef>
+        <a:fillRef idx="0">
+          <a:scrgbClr r="0" g="0" b="0"/>
+        </a:fillRef>
+        <a:effectRef idx="0">
+          <a:scrgbClr r="0" g="0" b="0"/>
+        </a:effectRef>
+        <a:fontRef idx="minor"/>
+      </dsp:style>
+      <dsp:txBody>
+        <a:bodyPr spcFirstLastPara="0" vert="horz" wrap="square" lIns="12700" tIns="0" rIns="12700" bIns="0" numCol="1" spcCol="1270" anchor="ctr" anchorCtr="0">
+          <a:noAutofit/>
+        </a:bodyPr>
+        <a:lstStyle/>
+        <a:p>
+          <a:pPr lvl="0" algn="ctr" defTabSz="222250">
+            <a:lnSpc>
+              <a:spcPct val="90000"/>
+            </a:lnSpc>
+            <a:spcBef>
+              <a:spcPct val="0"/>
+            </a:spcBef>
+            <a:spcAft>
+              <a:spcPct val="35000"/>
+            </a:spcAft>
+          </a:pPr>
+          <a:endParaRPr lang="en-US" sz="500" kern="1200"/>
+        </a:p>
+      </dsp:txBody>
+      <dsp:txXfrm rot="10800000">
+        <a:off x="5233113" y="1629118"/>
+        <a:ext cx="44941" cy="44941"/>
+      </dsp:txXfrm>
+    </dsp:sp>
+    <dsp:sp modelId="{8FD25671-F1E9-4E5A-9E75-0B68C3ADC8AB}">
+      <dsp:nvSpPr>
+        <dsp:cNvPr id="0" name=""/>
+        <dsp:cNvSpPr/>
+      </dsp:nvSpPr>
+      <dsp:spPr>
+        <a:xfrm>
+          <a:off x="3367016" y="1285695"/>
+          <a:ext cx="1439193" cy="719596"/>
+        </a:xfrm>
+        <a:prstGeom prst="roundRect">
+          <a:avLst>
+            <a:gd name="adj" fmla="val 10000"/>
+          </a:avLst>
+        </a:prstGeom>
+        <a:solidFill>
+          <a:schemeClr val="accent1">
+            <a:hueOff val="0"/>
+            <a:satOff val="0"/>
+            <a:lumOff val="0"/>
+            <a:alphaOff val="0"/>
+          </a:schemeClr>
+        </a:solidFill>
+        <a:ln w="12700" cap="flat" cmpd="sng" algn="ctr">
+          <a:solidFill>
+            <a:schemeClr val="lt1">
+              <a:hueOff val="0"/>
+              <a:satOff val="0"/>
+              <a:lumOff val="0"/>
+              <a:alphaOff val="0"/>
+            </a:schemeClr>
+          </a:solidFill>
+          <a:prstDash val="solid"/>
+        </a:ln>
+        <a:effectLst/>
+      </dsp:spPr>
+      <dsp:style>
+        <a:lnRef idx="2">
+          <a:scrgbClr r="0" g="0" b="0"/>
+        </a:lnRef>
+        <a:fillRef idx="1">
+          <a:scrgbClr r="0" g="0" b="0"/>
+        </a:fillRef>
+        <a:effectRef idx="0">
+          <a:scrgbClr r="0" g="0" b="0"/>
+        </a:effectRef>
+        <a:fontRef idx="minor">
+          <a:schemeClr val="lt1"/>
+        </a:fontRef>
+      </dsp:style>
+      <dsp:txBody>
+        <a:bodyPr spcFirstLastPara="0" vert="horz" wrap="square" lIns="15240" tIns="15240" rIns="15240" bIns="15240" numCol="1" spcCol="1270" anchor="ctr" anchorCtr="0">
+          <a:noAutofit/>
+        </a:bodyPr>
+        <a:lstStyle/>
+        <a:p>
+          <a:pPr lvl="0" algn="ctr" defTabSz="1066800">
+            <a:lnSpc>
+              <a:spcPct val="90000"/>
+            </a:lnSpc>
+            <a:spcBef>
+              <a:spcPct val="0"/>
+            </a:spcBef>
+            <a:spcAft>
+              <a:spcPct val="35000"/>
+            </a:spcAft>
+          </a:pPr>
+          <a:r>
+            <a:rPr lang="en-US" sz="2400" kern="1200" dirty="0" smtClean="0"/>
+            <a:t>Hub</a:t>
+          </a:r>
+          <a:endParaRPr lang="en-US" sz="2400" kern="1200" dirty="0"/>
+        </a:p>
+      </dsp:txBody>
+      <dsp:txXfrm>
+        <a:off x="3388092" y="1306771"/>
+        <a:ext cx="1397041" cy="677444"/>
+      </dsp:txXfrm>
+    </dsp:sp>
+    <dsp:sp modelId="{5B44A250-2CEA-415F-9F18-E7DD521B99B0}">
+      <dsp:nvSpPr>
+        <dsp:cNvPr id="0" name=""/>
+        <dsp:cNvSpPr/>
+      </dsp:nvSpPr>
+      <dsp:spPr>
+        <a:xfrm rot="11870719">
+          <a:off x="1890477" y="1395680"/>
+          <a:ext cx="1512934" cy="35991"/>
+        </a:xfrm>
+        <a:custGeom>
+          <a:avLst/>
+          <a:gdLst/>
+          <a:ahLst/>
+          <a:cxnLst/>
+          <a:rect l="0" t="0" r="0" b="0"/>
+          <a:pathLst>
+            <a:path>
+              <a:moveTo>
+                <a:pt x="0" y="17995"/>
+              </a:moveTo>
+              <a:lnTo>
+                <a:pt x="1512934" y="17995"/>
+              </a:lnTo>
+            </a:path>
+          </a:pathLst>
+        </a:custGeom>
+        <a:noFill/>
+        <a:ln w="12700" cap="flat" cmpd="sng" algn="ctr">
+          <a:solidFill>
+            <a:schemeClr val="accent1">
+              <a:shade val="80000"/>
+              <a:hueOff val="0"/>
+              <a:satOff val="0"/>
+              <a:lumOff val="0"/>
+              <a:alphaOff val="0"/>
+            </a:schemeClr>
+          </a:solidFill>
+          <a:prstDash val="solid"/>
+        </a:ln>
+        <a:effectLst/>
+      </dsp:spPr>
+      <dsp:style>
+        <a:lnRef idx="2">
+          <a:scrgbClr r="0" g="0" b="0"/>
+        </a:lnRef>
+        <a:fillRef idx="0">
+          <a:scrgbClr r="0" g="0" b="0"/>
+        </a:fillRef>
+        <a:effectRef idx="0">
+          <a:scrgbClr r="0" g="0" b="0"/>
+        </a:effectRef>
+        <a:fontRef idx="minor"/>
+      </dsp:style>
+      <dsp:txBody>
+        <a:bodyPr spcFirstLastPara="0" vert="horz" wrap="square" lIns="12700" tIns="0" rIns="12700" bIns="0" numCol="1" spcCol="1270" anchor="ctr" anchorCtr="0">
+          <a:noAutofit/>
+        </a:bodyPr>
+        <a:lstStyle/>
+        <a:p>
+          <a:pPr lvl="0" algn="ctr" defTabSz="222250">
+            <a:lnSpc>
+              <a:spcPct val="90000"/>
+            </a:lnSpc>
+            <a:spcBef>
+              <a:spcPct val="0"/>
+            </a:spcBef>
+            <a:spcAft>
+              <a:spcPct val="35000"/>
+            </a:spcAft>
+          </a:pPr>
+          <a:endParaRPr lang="en-US" sz="500" kern="1200"/>
+        </a:p>
+      </dsp:txBody>
+      <dsp:txXfrm rot="10800000">
+        <a:off x="2609121" y="1375852"/>
+        <a:ext cx="75646" cy="75646"/>
+      </dsp:txXfrm>
+    </dsp:sp>
+    <dsp:sp modelId="{6B960B71-3DA8-4014-8465-2FA6F0498E35}">
+      <dsp:nvSpPr>
+        <dsp:cNvPr id="0" name=""/>
+        <dsp:cNvSpPr/>
+      </dsp:nvSpPr>
+      <dsp:spPr>
+        <a:xfrm>
+          <a:off x="487679" y="822059"/>
+          <a:ext cx="1439193" cy="719596"/>
+        </a:xfrm>
+        <a:prstGeom prst="roundRect">
+          <a:avLst>
+            <a:gd name="adj" fmla="val 10000"/>
+          </a:avLst>
+        </a:prstGeom>
+        <a:solidFill>
+          <a:schemeClr val="accent1">
+            <a:hueOff val="0"/>
+            <a:satOff val="0"/>
+            <a:lumOff val="0"/>
+            <a:alphaOff val="0"/>
+          </a:schemeClr>
+        </a:solidFill>
+        <a:ln w="12700" cap="flat" cmpd="sng" algn="ctr">
+          <a:solidFill>
+            <a:schemeClr val="lt1">
+              <a:hueOff val="0"/>
+              <a:satOff val="0"/>
+              <a:lumOff val="0"/>
+              <a:alphaOff val="0"/>
+            </a:schemeClr>
+          </a:solidFill>
+          <a:prstDash val="solid"/>
+        </a:ln>
+        <a:effectLst/>
+      </dsp:spPr>
+      <dsp:style>
+        <a:lnRef idx="2">
+          <a:scrgbClr r="0" g="0" b="0"/>
+        </a:lnRef>
+        <a:fillRef idx="1">
+          <a:scrgbClr r="0" g="0" b="0"/>
+        </a:fillRef>
+        <a:effectRef idx="0">
+          <a:scrgbClr r="0" g="0" b="0"/>
+        </a:effectRef>
+        <a:fontRef idx="minor">
+          <a:schemeClr val="lt1"/>
+        </a:fontRef>
+      </dsp:style>
+      <dsp:txBody>
+        <a:bodyPr spcFirstLastPara="0" vert="horz" wrap="square" lIns="15240" tIns="15240" rIns="15240" bIns="15240" numCol="1" spcCol="1270" anchor="ctr" anchorCtr="0">
+          <a:noAutofit/>
+        </a:bodyPr>
+        <a:lstStyle/>
+        <a:p>
+          <a:pPr lvl="0" algn="ctr" defTabSz="1066800">
+            <a:lnSpc>
+              <a:spcPct val="90000"/>
+            </a:lnSpc>
+            <a:spcBef>
+              <a:spcPct val="0"/>
+            </a:spcBef>
+            <a:spcAft>
+              <a:spcPct val="35000"/>
+            </a:spcAft>
+          </a:pPr>
+          <a:r>
+            <a:rPr lang="en-US" sz="2400" kern="1200" dirty="0" smtClean="0"/>
+            <a:t>Probe</a:t>
+          </a:r>
+          <a:endParaRPr lang="en-US" sz="2400" kern="1200" dirty="0"/>
+        </a:p>
+      </dsp:txBody>
+      <dsp:txXfrm>
+        <a:off x="508755" y="843135"/>
+        <a:ext cx="1397041" cy="677444"/>
+      </dsp:txXfrm>
+    </dsp:sp>
+    <dsp:sp modelId="{A7575152-F179-4F04-8D5B-F78E95B2FAE1}">
+      <dsp:nvSpPr>
+        <dsp:cNvPr id="0" name=""/>
+        <dsp:cNvSpPr/>
+      </dsp:nvSpPr>
+      <dsp:spPr>
+        <a:xfrm rot="9897825">
+          <a:off x="1888938" y="1822567"/>
+          <a:ext cx="1503821" cy="35991"/>
+        </a:xfrm>
+        <a:custGeom>
+          <a:avLst/>
+          <a:gdLst/>
+          <a:ahLst/>
+          <a:cxnLst/>
+          <a:rect l="0" t="0" r="0" b="0"/>
+          <a:pathLst>
+            <a:path>
+              <a:moveTo>
+                <a:pt x="0" y="17995"/>
+              </a:moveTo>
+              <a:lnTo>
+                <a:pt x="1503821" y="17995"/>
+              </a:lnTo>
+            </a:path>
+          </a:pathLst>
+        </a:custGeom>
+        <a:noFill/>
+        <a:ln w="12700" cap="flat" cmpd="sng" algn="ctr">
+          <a:solidFill>
+            <a:schemeClr val="accent1">
+              <a:shade val="80000"/>
+              <a:hueOff val="0"/>
+              <a:satOff val="0"/>
+              <a:lumOff val="0"/>
+              <a:alphaOff val="0"/>
+            </a:schemeClr>
+          </a:solidFill>
+          <a:prstDash val="solid"/>
+        </a:ln>
+        <a:effectLst/>
+      </dsp:spPr>
+      <dsp:style>
+        <a:lnRef idx="2">
+          <a:scrgbClr r="0" g="0" b="0"/>
+        </a:lnRef>
+        <a:fillRef idx="0">
+          <a:scrgbClr r="0" g="0" b="0"/>
+        </a:fillRef>
+        <a:effectRef idx="0">
+          <a:scrgbClr r="0" g="0" b="0"/>
+        </a:effectRef>
+        <a:fontRef idx="minor"/>
+      </dsp:style>
+      <dsp:txBody>
+        <a:bodyPr spcFirstLastPara="0" vert="horz" wrap="square" lIns="12700" tIns="0" rIns="12700" bIns="0" numCol="1" spcCol="1270" anchor="ctr" anchorCtr="0">
+          <a:noAutofit/>
+        </a:bodyPr>
+        <a:lstStyle/>
+        <a:p>
+          <a:pPr lvl="0" algn="ctr" defTabSz="222250">
+            <a:lnSpc>
+              <a:spcPct val="90000"/>
+            </a:lnSpc>
+            <a:spcBef>
+              <a:spcPct val="0"/>
+            </a:spcBef>
+            <a:spcAft>
+              <a:spcPct val="35000"/>
+            </a:spcAft>
+          </a:pPr>
+          <a:endParaRPr lang="en-US" sz="500" kern="1200"/>
+        </a:p>
+      </dsp:txBody>
+      <dsp:txXfrm rot="10800000">
+        <a:off x="2603254" y="1802967"/>
+        <a:ext cx="75191" cy="75191"/>
+      </dsp:txXfrm>
+    </dsp:sp>
+    <dsp:sp modelId="{E2DB1759-7249-4D87-BDBC-F7A1F4835AD1}">
+      <dsp:nvSpPr>
+        <dsp:cNvPr id="0" name=""/>
+        <dsp:cNvSpPr/>
+      </dsp:nvSpPr>
+      <dsp:spPr>
+        <a:xfrm>
+          <a:off x="475489" y="1675832"/>
+          <a:ext cx="1439193" cy="719596"/>
+        </a:xfrm>
+        <a:prstGeom prst="roundRect">
+          <a:avLst>
+            <a:gd name="adj" fmla="val 10000"/>
+          </a:avLst>
+        </a:prstGeom>
+        <a:solidFill>
+          <a:schemeClr val="accent1">
+            <a:hueOff val="0"/>
+            <a:satOff val="0"/>
+            <a:lumOff val="0"/>
+            <a:alphaOff val="0"/>
+          </a:schemeClr>
+        </a:solidFill>
+        <a:ln w="12700" cap="flat" cmpd="sng" algn="ctr">
+          <a:solidFill>
+            <a:schemeClr val="lt1">
+              <a:hueOff val="0"/>
+              <a:satOff val="0"/>
+              <a:lumOff val="0"/>
+              <a:alphaOff val="0"/>
+            </a:schemeClr>
+          </a:solidFill>
+          <a:prstDash val="solid"/>
+        </a:ln>
+        <a:effectLst/>
+      </dsp:spPr>
+      <dsp:style>
+        <a:lnRef idx="2">
+          <a:scrgbClr r="0" g="0" b="0"/>
+        </a:lnRef>
+        <a:fillRef idx="1">
+          <a:scrgbClr r="0" g="0" b="0"/>
+        </a:fillRef>
+        <a:effectRef idx="0">
+          <a:scrgbClr r="0" g="0" b="0"/>
+        </a:effectRef>
+        <a:fontRef idx="minor">
+          <a:schemeClr val="lt1"/>
+        </a:fontRef>
+      </dsp:style>
+      <dsp:txBody>
+        <a:bodyPr spcFirstLastPara="0" vert="horz" wrap="square" lIns="15240" tIns="15240" rIns="15240" bIns="15240" numCol="1" spcCol="1270" anchor="ctr" anchorCtr="0">
+          <a:noAutofit/>
+        </a:bodyPr>
+        <a:lstStyle/>
+        <a:p>
+          <a:pPr lvl="0" algn="ctr" defTabSz="1066800">
+            <a:lnSpc>
+              <a:spcPct val="90000"/>
+            </a:lnSpc>
+            <a:spcBef>
+              <a:spcPct val="0"/>
+            </a:spcBef>
+            <a:spcAft>
+              <a:spcPct val="35000"/>
+            </a:spcAft>
+          </a:pPr>
+          <a:r>
+            <a:rPr lang="en-US" sz="2400" kern="1200" dirty="0" smtClean="0"/>
+            <a:t>Probe</a:t>
+          </a:r>
+          <a:endParaRPr lang="en-US" sz="2400" kern="1200" dirty="0"/>
+        </a:p>
+      </dsp:txBody>
+      <dsp:txXfrm>
+        <a:off x="496565" y="1696908"/>
+        <a:ext cx="1397041" cy="677444"/>
+      </dsp:txXfrm>
+    </dsp:sp>
+    <dsp:sp modelId="{9246F981-632C-4E4D-81DA-10CF6EF52731}">
+      <dsp:nvSpPr>
+        <dsp:cNvPr id="0" name=""/>
+        <dsp:cNvSpPr/>
+      </dsp:nvSpPr>
+      <dsp:spPr>
+        <a:xfrm rot="8351137">
+          <a:off x="1681366" y="2254627"/>
+          <a:ext cx="1918967" cy="35991"/>
+        </a:xfrm>
+        <a:custGeom>
+          <a:avLst/>
+          <a:gdLst/>
+          <a:ahLst/>
+          <a:cxnLst/>
+          <a:rect l="0" t="0" r="0" b="0"/>
+          <a:pathLst>
+            <a:path>
+              <a:moveTo>
+                <a:pt x="0" y="17995"/>
+              </a:moveTo>
+              <a:lnTo>
+                <a:pt x="1918967" y="17995"/>
+              </a:lnTo>
+            </a:path>
+          </a:pathLst>
+        </a:custGeom>
+        <a:noFill/>
+        <a:ln w="12700" cap="flat" cmpd="sng" algn="ctr">
+          <a:solidFill>
+            <a:schemeClr val="accent1">
+              <a:shade val="80000"/>
+              <a:hueOff val="0"/>
+              <a:satOff val="0"/>
+              <a:lumOff val="0"/>
+              <a:alphaOff val="0"/>
+            </a:schemeClr>
+          </a:solidFill>
+          <a:prstDash val="solid"/>
+        </a:ln>
+        <a:effectLst/>
+      </dsp:spPr>
+      <dsp:style>
+        <a:lnRef idx="2">
+          <a:scrgbClr r="0" g="0" b="0"/>
+        </a:lnRef>
+        <a:fillRef idx="0">
+          <a:scrgbClr r="0" g="0" b="0"/>
+        </a:fillRef>
+        <a:effectRef idx="0">
+          <a:scrgbClr r="0" g="0" b="0"/>
+        </a:effectRef>
+        <a:fontRef idx="minor"/>
+      </dsp:style>
+      <dsp:txBody>
+        <a:bodyPr spcFirstLastPara="0" vert="horz" wrap="square" lIns="12700" tIns="0" rIns="12700" bIns="0" numCol="1" spcCol="1270" anchor="ctr" anchorCtr="0">
+          <a:noAutofit/>
+        </a:bodyPr>
+        <a:lstStyle/>
+        <a:p>
+          <a:pPr lvl="0" algn="ctr" defTabSz="311150">
+            <a:lnSpc>
+              <a:spcPct val="90000"/>
+            </a:lnSpc>
+            <a:spcBef>
+              <a:spcPct val="0"/>
+            </a:spcBef>
+            <a:spcAft>
+              <a:spcPct val="35000"/>
+            </a:spcAft>
+          </a:pPr>
+          <a:endParaRPr lang="en-US" sz="700" kern="1200"/>
+        </a:p>
+      </dsp:txBody>
+      <dsp:txXfrm rot="10800000">
+        <a:off x="2592875" y="2224648"/>
+        <a:ext cx="95948" cy="95948"/>
+      </dsp:txXfrm>
+    </dsp:sp>
+    <dsp:sp modelId="{634B9FA7-CDEC-4500-A91B-BCC8AB4D4318}">
+      <dsp:nvSpPr>
+        <dsp:cNvPr id="0" name=""/>
+        <dsp:cNvSpPr/>
+      </dsp:nvSpPr>
+      <dsp:spPr>
+        <a:xfrm>
+          <a:off x="475489" y="2539953"/>
+          <a:ext cx="1439193" cy="719596"/>
+        </a:xfrm>
+        <a:prstGeom prst="roundRect">
+          <a:avLst>
+            <a:gd name="adj" fmla="val 10000"/>
+          </a:avLst>
+        </a:prstGeom>
+        <a:solidFill>
+          <a:schemeClr val="accent1">
+            <a:hueOff val="0"/>
+            <a:satOff val="0"/>
+            <a:lumOff val="0"/>
+            <a:alphaOff val="0"/>
+          </a:schemeClr>
+        </a:solidFill>
+        <a:ln w="12700" cap="flat" cmpd="sng" algn="ctr">
+          <a:solidFill>
+            <a:schemeClr val="lt1">
+              <a:hueOff val="0"/>
+              <a:satOff val="0"/>
+              <a:lumOff val="0"/>
+              <a:alphaOff val="0"/>
+            </a:schemeClr>
+          </a:solidFill>
+          <a:prstDash val="solid"/>
+        </a:ln>
+        <a:effectLst/>
+      </dsp:spPr>
+      <dsp:style>
+        <a:lnRef idx="2">
+          <a:scrgbClr r="0" g="0" b="0"/>
+        </a:lnRef>
+        <a:fillRef idx="1">
+          <a:scrgbClr r="0" g="0" b="0"/>
+        </a:fillRef>
+        <a:effectRef idx="0">
+          <a:scrgbClr r="0" g="0" b="0"/>
+        </a:effectRef>
+        <a:fontRef idx="minor">
+          <a:schemeClr val="lt1"/>
+        </a:fontRef>
+      </dsp:style>
+      <dsp:txBody>
+        <a:bodyPr spcFirstLastPara="0" vert="horz" wrap="square" lIns="15240" tIns="15240" rIns="15240" bIns="15240" numCol="1" spcCol="1270" anchor="ctr" anchorCtr="0">
+          <a:noAutofit/>
+        </a:bodyPr>
+        <a:lstStyle/>
+        <a:p>
+          <a:pPr lvl="0" algn="ctr" defTabSz="1066800">
+            <a:lnSpc>
+              <a:spcPct val="90000"/>
+            </a:lnSpc>
+            <a:spcBef>
+              <a:spcPct val="0"/>
+            </a:spcBef>
+            <a:spcAft>
+              <a:spcPct val="35000"/>
+            </a:spcAft>
+          </a:pPr>
+          <a:r>
+            <a:rPr lang="en-US" sz="2400" kern="1200" dirty="0" smtClean="0"/>
+            <a:t>Probe</a:t>
+          </a:r>
+          <a:endParaRPr lang="en-US" sz="2400" kern="1200" dirty="0"/>
+        </a:p>
+      </dsp:txBody>
+      <dsp:txXfrm>
+        <a:off x="496565" y="2561029"/>
+        <a:ext cx="1397041" cy="677444"/>
       </dsp:txXfrm>
     </dsp:sp>
   </dsp:spTree>
@@ -12524,6 +14993,580 @@
 </dgm:layoutDef>
 </file>
 
+<file path=ppt/diagrams/layout6.xml><?xml version="1.0" encoding="utf-8"?>
+<dgm:layoutDef xmlns:dgm="http://schemas.openxmlformats.org/drawingml/2006/diagram" xmlns:a="http://schemas.openxmlformats.org/drawingml/2006/main" uniqueId="urn:microsoft.com/office/officeart/2005/8/layout/hierarchy5">
+  <dgm:title val=""/>
+  <dgm:desc val=""/>
+  <dgm:catLst>
+    <dgm:cat type="hierarchy" pri="6000"/>
+  </dgm:catLst>
+  <dgm:sampData>
+    <dgm:dataModel>
+      <dgm:ptLst>
+        <dgm:pt modelId="0" type="doc"/>
+        <dgm:pt modelId="1">
+          <dgm:prSet phldr="1"/>
+        </dgm:pt>
+        <dgm:pt modelId="2">
+          <dgm:prSet phldr="1"/>
+        </dgm:pt>
+        <dgm:pt modelId="21">
+          <dgm:prSet phldr="1"/>
+        </dgm:pt>
+        <dgm:pt modelId="22">
+          <dgm:prSet phldr="1"/>
+        </dgm:pt>
+        <dgm:pt modelId="3">
+          <dgm:prSet phldr="1"/>
+        </dgm:pt>
+        <dgm:pt modelId="31">
+          <dgm:prSet phldr="1"/>
+        </dgm:pt>
+        <dgm:pt modelId="4">
+          <dgm:prSet phldr="1"/>
+        </dgm:pt>
+        <dgm:pt modelId="5">
+          <dgm:prSet phldr="1"/>
+        </dgm:pt>
+        <dgm:pt modelId="6">
+          <dgm:prSet phldr="1"/>
+        </dgm:pt>
+      </dgm:ptLst>
+      <dgm:cxnLst>
+        <dgm:cxn modelId="7" srcId="0" destId="1" srcOrd="0" destOrd="0"/>
+        <dgm:cxn modelId="8" srcId="1" destId="2" srcOrd="0" destOrd="0"/>
+        <dgm:cxn modelId="9" srcId="1" destId="3" srcOrd="1" destOrd="0"/>
+        <dgm:cxn modelId="23" srcId="2" destId="21" srcOrd="0" destOrd="0"/>
+        <dgm:cxn modelId="24" srcId="2" destId="22" srcOrd="1" destOrd="0"/>
+        <dgm:cxn modelId="33" srcId="3" destId="31" srcOrd="0" destOrd="0"/>
+        <dgm:cxn modelId="10" srcId="0" destId="4" srcOrd="1" destOrd="0"/>
+        <dgm:cxn modelId="11" srcId="0" destId="5" srcOrd="2" destOrd="0"/>
+        <dgm:cxn modelId="12" srcId="0" destId="6" srcOrd="3" destOrd="0"/>
+      </dgm:cxnLst>
+      <dgm:bg/>
+      <dgm:whole/>
+    </dgm:dataModel>
+  </dgm:sampData>
+  <dgm:styleData>
+    <dgm:dataModel>
+      <dgm:ptLst>
+        <dgm:pt modelId="0" type="doc"/>
+        <dgm:pt modelId="1"/>
+        <dgm:pt modelId="11"/>
+        <dgm:pt modelId="12"/>
+        <dgm:pt modelId="2"/>
+        <dgm:pt modelId="3"/>
+      </dgm:ptLst>
+      <dgm:cxnLst>
+        <dgm:cxn modelId="4" srcId="0" destId="1" srcOrd="0" destOrd="0"/>
+        <dgm:cxn modelId="13" srcId="1" destId="11" srcOrd="0" destOrd="0"/>
+        <dgm:cxn modelId="14" srcId="1" destId="12" srcOrd="1" destOrd="0"/>
+        <dgm:cxn modelId="5" srcId="0" destId="2" srcOrd="1" destOrd="0"/>
+        <dgm:cxn modelId="6" srcId="0" destId="3" srcOrd="2" destOrd="0"/>
+      </dgm:cxnLst>
+      <dgm:bg/>
+      <dgm:whole/>
+    </dgm:dataModel>
+  </dgm:styleData>
+  <dgm:clrData>
+    <dgm:dataModel>
+      <dgm:ptLst>
+        <dgm:pt modelId="0" type="doc"/>
+        <dgm:pt modelId="1"/>
+        <dgm:pt modelId="2"/>
+        <dgm:pt modelId="21"/>
+        <dgm:pt modelId="211"/>
+        <dgm:pt modelId="3"/>
+        <dgm:pt modelId="31"/>
+        <dgm:pt modelId="311"/>
+        <dgm:pt modelId="4"/>
+        <dgm:pt modelId="5"/>
+        <dgm:pt modelId="6"/>
+        <dgm:pt modelId="7"/>
+      </dgm:ptLst>
+      <dgm:cxnLst>
+        <dgm:cxn modelId="8" srcId="0" destId="1" srcOrd="0" destOrd="0"/>
+        <dgm:cxn modelId="9" srcId="1" destId="2" srcOrd="0" destOrd="0"/>
+        <dgm:cxn modelId="10" srcId="1" destId="3" srcOrd="1" destOrd="0"/>
+        <dgm:cxn modelId="23" srcId="2" destId="21" srcOrd="0" destOrd="0"/>
+        <dgm:cxn modelId="24" srcId="21" destId="211" srcOrd="0" destOrd="0"/>
+        <dgm:cxn modelId="33" srcId="3" destId="31" srcOrd="0" destOrd="0"/>
+        <dgm:cxn modelId="34" srcId="31" destId="311" srcOrd="0" destOrd="0"/>
+        <dgm:cxn modelId="11" srcId="0" destId="4" srcOrd="1" destOrd="0"/>
+        <dgm:cxn modelId="12" srcId="0" destId="5" srcOrd="2" destOrd="0"/>
+        <dgm:cxn modelId="13" srcId="0" destId="6" srcOrd="3" destOrd="0"/>
+        <dgm:cxn modelId="14" srcId="0" destId="7" srcOrd="4" destOrd="0"/>
+      </dgm:cxnLst>
+      <dgm:bg/>
+      <dgm:whole/>
+    </dgm:dataModel>
+  </dgm:clrData>
+  <dgm:layoutNode name="mainComposite">
+    <dgm:varLst>
+      <dgm:chPref val="1"/>
+      <dgm:dir/>
+      <dgm:animOne val="branch"/>
+      <dgm:animLvl val="lvl"/>
+      <dgm:resizeHandles val="exact"/>
+    </dgm:varLst>
+    <dgm:alg type="composite"/>
+    <dgm:presOf/>
+    <dgm:shape xmlns:r="http://schemas.openxmlformats.org/officeDocument/2006/relationships" r:blip="">
+      <dgm:adjLst/>
+    </dgm:shape>
+    <dgm:choose name="Name0">
+      <dgm:if name="Name1" axis="ch" ptType="node" func="cnt" op="gte" val="2">
+        <dgm:choose name="Name2">
+          <dgm:if name="Name3" func="var" arg="dir" op="equ" val="norm">
+            <dgm:constrLst>
+              <dgm:constr type="l" for="ch" forName="hierFlow"/>
+              <dgm:constr type="t" for="ch" forName="hierFlow" refType="h" fact="0.3"/>
+              <dgm:constr type="r" for="ch" forName="hierFlow" refType="w" fact="0.98"/>
+              <dgm:constr type="b" for="ch" forName="hierFlow" refType="h" fact="0.96"/>
+              <dgm:constr type="l" for="ch" forName="bgShapesFlow"/>
+              <dgm:constr type="t" for="ch" forName="bgShapesFlow"/>
+              <dgm:constr type="r" for="ch" forName="bgShapesFlow" refType="w"/>
+              <dgm:constr type="b" for="ch" forName="bgShapesFlow" refType="h"/>
+              <dgm:constr type="h" for="des" forName="level1Shape" refType="h"/>
+              <dgm:constr type="w" for="des" forName="level1Shape" refType="h" refFor="des" refForName="level1Shape" fact="2"/>
+              <dgm:constr type="w" for="des" forName="level2Shape" refType="w" refFor="des" refForName="level1Shape" op="equ"/>
+              <dgm:constr type="h" for="des" forName="level2Shape" refType="h" refFor="des" refForName="level1Shape" op="equ"/>
+              <dgm:constr type="sp" for="des" refType="w" refFor="des" refForName="level1Shape" op="equ" fact="0.4"/>
+              <dgm:constr type="sibSp" for="des" forName="hierChild1" refType="h" refFor="des" refForName="level1Shape" op="equ" fact="0.15"/>
+              <dgm:constr type="sibSp" for="des" forName="hierChild2" refType="sibSp" refFor="des" refForName="hierChild1" op="equ"/>
+              <dgm:constr type="sibSp" for="des" forName="hierChild3" refType="sibSp" refFor="des" refForName="hierChild1" op="equ"/>
+              <dgm:constr type="userA" for="des" refType="w" refFor="des" refForName="level1Shape" op="equ"/>
+              <dgm:constr type="userB" for="des" refType="sp" refFor="des" op="equ"/>
+              <dgm:constr type="w" for="des" forName="firstBuf" refType="w" refFor="des" refForName="level1Shape" fact="0.1"/>
+            </dgm:constrLst>
+          </dgm:if>
+          <dgm:else name="Name4">
+            <dgm:constrLst>
+              <dgm:constr type="l" for="ch" forName="hierFlow" refType="w" fact="0.02"/>
+              <dgm:constr type="t" for="ch" forName="hierFlow" refType="h" fact="0.3"/>
+              <dgm:constr type="r" for="ch" forName="hierFlow" refType="w"/>
+              <dgm:constr type="b" for="ch" forName="hierFlow" refType="h" fact="0.96"/>
+              <dgm:constr type="l" for="ch" forName="bgShapesFlow"/>
+              <dgm:constr type="t" for="ch" forName="bgShapesFlow"/>
+              <dgm:constr type="r" for="ch" forName="bgShapesFlow" refType="w"/>
+              <dgm:constr type="b" for="ch" forName="bgShapesFlow" refType="h"/>
+              <dgm:constr type="h" for="des" forName="level1Shape" refType="h"/>
+              <dgm:constr type="w" for="des" forName="level1Shape" refType="h" refFor="des" refForName="level1Shape" fact="2"/>
+              <dgm:constr type="w" for="des" forName="level2Shape" refType="w" refFor="des" refForName="level1Shape" op="equ"/>
+              <dgm:constr type="h" for="des" forName="level2Shape" refType="h" refFor="des" refForName="level1Shape" op="equ"/>
+              <dgm:constr type="sp" for="des" refType="w" refFor="des" refForName="level1Shape" op="equ" fact="0.4"/>
+              <dgm:constr type="sibSp" for="des" forName="hierChild1" refType="h" refFor="des" refForName="level1Shape" op="equ" fact="0.15"/>
+              <dgm:constr type="sibSp" for="des" forName="hierChild2" refType="sibSp" refFor="des" refForName="hierChild1" op="equ"/>
+              <dgm:constr type="sibSp" for="des" forName="hierChild3" refType="sibSp" refFor="des" refForName="hierChild1" op="equ"/>
+              <dgm:constr type="userA" for="des" refType="w" refFor="des" refForName="level1Shape" op="equ"/>
+              <dgm:constr type="userB" for="des" refType="sp" refFor="des" op="equ"/>
+              <dgm:constr type="w" for="des" forName="firstBuf" refType="w" refFor="des" refForName="level1Shape" fact="0.1"/>
+            </dgm:constrLst>
+          </dgm:else>
+        </dgm:choose>
+      </dgm:if>
+      <dgm:else name="Name5">
+        <dgm:constrLst>
+          <dgm:constr type="l" for="ch" forName="hierFlow"/>
+          <dgm:constr type="t" for="ch" forName="hierFlow"/>
+          <dgm:constr type="r" for="ch" forName="hierFlow" refType="w"/>
+          <dgm:constr type="b" for="ch" forName="hierFlow" refType="h"/>
+          <dgm:constr type="l" for="ch" forName="bgShapesFlow"/>
+          <dgm:constr type="t" for="ch" forName="bgShapesFlow"/>
+          <dgm:constr type="r" for="ch" forName="bgShapesFlow" refType="w"/>
+          <dgm:constr type="b" for="ch" forName="bgShapesFlow" refType="h"/>
+          <dgm:constr type="h" for="des" forName="level1Shape" refType="h"/>
+          <dgm:constr type="w" for="des" forName="level1Shape" refType="h" refFor="des" refForName="level1Shape" fact="2"/>
+          <dgm:constr type="w" for="des" forName="level2Shape" refType="w" refFor="des" refForName="level1Shape" op="equ"/>
+          <dgm:constr type="h" for="des" forName="level2Shape" refType="h" refFor="des" refForName="level1Shape" op="equ"/>
+          <dgm:constr type="sp" for="des" refType="w" refFor="des" refForName="level1Shape" op="equ" fact="0.4"/>
+          <dgm:constr type="sibSp" for="des" forName="hierChild1" refType="h" refFor="des" refForName="level1Shape" op="equ" fact="0.15"/>
+          <dgm:constr type="sibSp" for="des" forName="hierChild2" refType="sibSp" refFor="des" refForName="hierChild1" op="equ"/>
+          <dgm:constr type="sibSp" for="des" forName="hierChild3" refType="sibSp" refFor="des" refForName="hierChild1" op="equ"/>
+          <dgm:constr type="userA" for="des" refType="w" refFor="des" refForName="level1Shape" op="equ"/>
+          <dgm:constr type="userB" for="des" refType="sp" refFor="des" op="equ"/>
+          <dgm:constr type="w" for="des" forName="firstBuf" refType="w" refFor="des" refForName="level1Shape" fact="0.1"/>
+        </dgm:constrLst>
+      </dgm:else>
+    </dgm:choose>
+    <dgm:ruleLst/>
+    <dgm:layoutNode name="hierFlow">
+      <dgm:choose name="Name6">
+        <dgm:if name="Name7" func="var" arg="dir" op="equ" val="norm">
+          <dgm:alg type="lin">
+            <dgm:param type="linDir" val="fromL"/>
+            <dgm:param type="nodeVertAlign" val="mid"/>
+            <dgm:param type="vertAlign" val="mid"/>
+            <dgm:param type="nodeHorzAlign" val="l"/>
+            <dgm:param type="horzAlign" val="l"/>
+            <dgm:param type="fallback" val="2D"/>
+          </dgm:alg>
+        </dgm:if>
+        <dgm:else name="Name8">
+          <dgm:alg type="lin">
+            <dgm:param type="linDir" val="fromR"/>
+            <dgm:param type="nodeVertAlign" val="mid"/>
+            <dgm:param type="vertAlign" val="mid"/>
+            <dgm:param type="nodeHorzAlign" val="r"/>
+            <dgm:param type="horzAlign" val="r"/>
+            <dgm:param type="fallback" val="2D"/>
+          </dgm:alg>
+        </dgm:else>
+      </dgm:choose>
+      <dgm:shape xmlns:r="http://schemas.openxmlformats.org/officeDocument/2006/relationships" r:blip="">
+        <dgm:adjLst/>
+      </dgm:shape>
+      <dgm:presOf/>
+      <dgm:constrLst>
+        <dgm:constr type="primFontSz" for="des" ptType="node" op="equ" val="65"/>
+        <dgm:constr type="primFontSz" for="des" forName="connTx" op="equ" val="55"/>
+        <dgm:constr type="primFontSz" for="des" forName="connTx" refType="primFontSz" refFor="des" refPtType="node" op="lte" fact="0.8"/>
+      </dgm:constrLst>
+      <dgm:ruleLst/>
+      <dgm:choose name="Name9">
+        <dgm:if name="Name10" axis="ch" ptType="node" func="cnt" op="gte" val="2">
+          <dgm:layoutNode name="firstBuf">
+            <dgm:alg type="sp"/>
+            <dgm:shape xmlns:r="http://schemas.openxmlformats.org/officeDocument/2006/relationships" r:blip="">
+              <dgm:adjLst/>
+            </dgm:shape>
+            <dgm:presOf/>
+            <dgm:constrLst/>
+            <dgm:ruleLst/>
+          </dgm:layoutNode>
+        </dgm:if>
+        <dgm:else name="Name11"/>
+      </dgm:choose>
+      <dgm:layoutNode name="hierChild1">
+        <dgm:varLst>
+          <dgm:chPref val="1"/>
+          <dgm:animOne val="branch"/>
+          <dgm:animLvl val="lvl"/>
+        </dgm:varLst>
+        <dgm:choose name="Name12">
+          <dgm:if name="Name13" func="var" arg="dir" op="equ" val="norm">
+            <dgm:alg type="hierChild">
+              <dgm:param type="linDir" val="fromT"/>
+              <dgm:param type="chAlign" val="l"/>
+            </dgm:alg>
+          </dgm:if>
+          <dgm:else name="Name14">
+            <dgm:alg type="hierChild">
+              <dgm:param type="linDir" val="fromT"/>
+              <dgm:param type="chAlign" val="r"/>
+            </dgm:alg>
+          </dgm:else>
+        </dgm:choose>
+        <dgm:shape xmlns:r="http://schemas.openxmlformats.org/officeDocument/2006/relationships" r:blip="">
+          <dgm:adjLst/>
+        </dgm:shape>
+        <dgm:presOf/>
+        <dgm:constrLst/>
+        <dgm:ruleLst/>
+        <dgm:forEach name="Name15" axis="ch" cnt="3">
+          <dgm:forEach name="Name16" axis="self" ptType="node">
+            <dgm:layoutNode name="Name17">
+              <dgm:choose name="Name18">
+                <dgm:if name="Name19" func="var" arg="dir" op="equ" val="norm">
+                  <dgm:alg type="hierRoot">
+                    <dgm:param type="hierAlign" val="lCtrCh"/>
+                  </dgm:alg>
+                </dgm:if>
+                <dgm:else name="Name20">
+                  <dgm:alg type="hierRoot">
+                    <dgm:param type="hierAlign" val="rCtrCh"/>
+                  </dgm:alg>
+                </dgm:else>
+              </dgm:choose>
+              <dgm:shape xmlns:r="http://schemas.openxmlformats.org/officeDocument/2006/relationships" r:blip="">
+                <dgm:adjLst/>
+              </dgm:shape>
+              <dgm:presOf/>
+              <dgm:constrLst/>
+              <dgm:ruleLst/>
+              <dgm:layoutNode name="level1Shape" styleLbl="node0">
+                <dgm:varLst>
+                  <dgm:chPref val="3"/>
+                </dgm:varLst>
+                <dgm:alg type="tx"/>
+                <dgm:shape xmlns:r="http://schemas.openxmlformats.org/officeDocument/2006/relationships" type="roundRect" r:blip="">
+                  <dgm:adjLst>
+                    <dgm:adj idx="1" val="0.1"/>
+                  </dgm:adjLst>
+                </dgm:shape>
+                <dgm:presOf axis="self"/>
+                <dgm:constrLst>
+                  <dgm:constr type="tMarg" refType="primFontSz" fact="0.05"/>
+                  <dgm:constr type="bMarg" refType="primFontSz" fact="0.05"/>
+                  <dgm:constr type="lMarg" refType="primFontSz" fact="0.05"/>
+                  <dgm:constr type="rMarg" refType="primFontSz" fact="0.05"/>
+                </dgm:constrLst>
+                <dgm:ruleLst>
+                  <dgm:rule type="primFontSz" val="5" fact="NaN" max="NaN"/>
+                </dgm:ruleLst>
+              </dgm:layoutNode>
+              <dgm:layoutNode name="hierChild2">
+                <dgm:choose name="Name21">
+                  <dgm:if name="Name22" func="var" arg="dir" op="equ" val="norm">
+                    <dgm:alg type="hierChild">
+                      <dgm:param type="linDir" val="fromT"/>
+                      <dgm:param type="chAlign" val="l"/>
+                    </dgm:alg>
+                  </dgm:if>
+                  <dgm:else name="Name23">
+                    <dgm:alg type="hierChild">
+                      <dgm:param type="linDir" val="fromT"/>
+                      <dgm:param type="chAlign" val="r"/>
+                    </dgm:alg>
+                  </dgm:else>
+                </dgm:choose>
+                <dgm:shape xmlns:r="http://schemas.openxmlformats.org/officeDocument/2006/relationships" r:blip="">
+                  <dgm:adjLst/>
+                </dgm:shape>
+                <dgm:presOf/>
+                <dgm:constrLst/>
+                <dgm:ruleLst/>
+                <dgm:forEach name="repeat" axis="ch">
+                  <dgm:forEach name="Name24" axis="self" ptType="parTrans" cnt="1">
+                    <dgm:layoutNode name="Name25">
+                      <dgm:choose name="Name26">
+                        <dgm:if name="Name27" func="var" arg="dir" op="equ" val="norm">
+                          <dgm:alg type="conn">
+                            <dgm:param type="dim" val="1D"/>
+                            <dgm:param type="begPts" val="midR"/>
+                            <dgm:param type="endPts" val="midL"/>
+                            <dgm:param type="endSty" val="noArr"/>
+                          </dgm:alg>
+                        </dgm:if>
+                        <dgm:else name="Name28">
+                          <dgm:alg type="conn">
+                            <dgm:param type="dim" val="1D"/>
+                            <dgm:param type="begPts" val="midL"/>
+                            <dgm:param type="endPts" val="midR"/>
+                            <dgm:param type="endSty" val="noArr"/>
+                          </dgm:alg>
+                        </dgm:else>
+                      </dgm:choose>
+                      <dgm:shape xmlns:r="http://schemas.openxmlformats.org/officeDocument/2006/relationships" type="conn" r:blip="">
+                        <dgm:adjLst/>
+                      </dgm:shape>
+                      <dgm:presOf axis="self"/>
+                      <dgm:constrLst>
+                        <dgm:constr type="w" val="1"/>
+                        <dgm:constr type="h" val="5"/>
+                        <dgm:constr type="connDist"/>
+                        <dgm:constr type="begPad"/>
+                        <dgm:constr type="endPad"/>
+                        <dgm:constr type="userA" for="ch" refType="connDist"/>
+                      </dgm:constrLst>
+                      <dgm:ruleLst/>
+                      <dgm:layoutNode name="connTx">
+                        <dgm:alg type="tx">
+                          <dgm:param type="autoTxRot" val="grav"/>
+                        </dgm:alg>
+                        <dgm:shape xmlns:r="http://schemas.openxmlformats.org/officeDocument/2006/relationships" type="rect" r:blip="" hideGeom="1">
+                          <dgm:adjLst/>
+                        </dgm:shape>
+                        <dgm:presOf axis="self"/>
+                        <dgm:constrLst>
+                          <dgm:constr type="userA"/>
+                          <dgm:constr type="w" refType="userA" fact="0.05"/>
+                          <dgm:constr type="h" refType="userA" fact="0.05"/>
+                          <dgm:constr type="lMarg" val="1"/>
+                          <dgm:constr type="rMarg" val="1"/>
+                          <dgm:constr type="tMarg"/>
+                          <dgm:constr type="bMarg"/>
+                        </dgm:constrLst>
+                        <dgm:ruleLst>
+                          <dgm:rule type="h" val="NaN" fact="0.25" max="NaN"/>
+                          <dgm:rule type="w" val="NaN" fact="0.8" max="NaN"/>
+                          <dgm:rule type="primFontSz" val="5" fact="NaN" max="NaN"/>
+                        </dgm:ruleLst>
+                      </dgm:layoutNode>
+                    </dgm:layoutNode>
+                  </dgm:forEach>
+                  <dgm:forEach name="Name29" axis="self" ptType="node">
+                    <dgm:layoutNode name="Name30">
+                      <dgm:choose name="Name31">
+                        <dgm:if name="Name32" func="var" arg="dir" op="equ" val="norm">
+                          <dgm:alg type="hierRoot">
+                            <dgm:param type="hierAlign" val="lCtrCh"/>
+                          </dgm:alg>
+                        </dgm:if>
+                        <dgm:else name="Name33">
+                          <dgm:alg type="hierRoot">
+                            <dgm:param type="hierAlign" val="rCtrCh"/>
+                          </dgm:alg>
+                        </dgm:else>
+                      </dgm:choose>
+                      <dgm:shape xmlns:r="http://schemas.openxmlformats.org/officeDocument/2006/relationships" r:blip="">
+                        <dgm:adjLst/>
+                      </dgm:shape>
+                      <dgm:presOf/>
+                      <dgm:constrLst/>
+                      <dgm:ruleLst/>
+                      <dgm:layoutNode name="level2Shape">
+                        <dgm:alg type="tx"/>
+                        <dgm:shape xmlns:r="http://schemas.openxmlformats.org/officeDocument/2006/relationships" type="roundRect" r:blip="">
+                          <dgm:adjLst>
+                            <dgm:adj idx="1" val="0.1"/>
+                          </dgm:adjLst>
+                        </dgm:shape>
+                        <dgm:presOf axis="self"/>
+                        <dgm:constrLst>
+                          <dgm:constr type="tMarg" refType="primFontSz" fact="0.05"/>
+                          <dgm:constr type="bMarg" refType="primFontSz" fact="0.05"/>
+                          <dgm:constr type="lMarg" refType="primFontSz" fact="0.05"/>
+                          <dgm:constr type="rMarg" refType="primFontSz" fact="0.05"/>
+                        </dgm:constrLst>
+                        <dgm:ruleLst>
+                          <dgm:rule type="primFontSz" val="5" fact="NaN" max="NaN"/>
+                        </dgm:ruleLst>
+                      </dgm:layoutNode>
+                      <dgm:layoutNode name="hierChild3">
+                        <dgm:choose name="Name34">
+                          <dgm:if name="Name35" func="var" arg="dir" op="equ" val="norm">
+                            <dgm:alg type="hierChild">
+                              <dgm:param type="linDir" val="fromT"/>
+                              <dgm:param type="chAlign" val="l"/>
+                            </dgm:alg>
+                          </dgm:if>
+                          <dgm:else name="Name36">
+                            <dgm:alg type="hierChild">
+                              <dgm:param type="linDir" val="fromT"/>
+                              <dgm:param type="chAlign" val="r"/>
+                            </dgm:alg>
+                          </dgm:else>
+                        </dgm:choose>
+                        <dgm:shape xmlns:r="http://schemas.openxmlformats.org/officeDocument/2006/relationships" r:blip="">
+                          <dgm:adjLst/>
+                        </dgm:shape>
+                        <dgm:presOf/>
+                        <dgm:constrLst/>
+                        <dgm:ruleLst/>
+                        <dgm:forEach name="Name37" ref="repeat"/>
+                      </dgm:layoutNode>
+                    </dgm:layoutNode>
+                  </dgm:forEach>
+                </dgm:forEach>
+              </dgm:layoutNode>
+            </dgm:layoutNode>
+          </dgm:forEach>
+        </dgm:forEach>
+      </dgm:layoutNode>
+    </dgm:layoutNode>
+    <dgm:layoutNode name="bgShapesFlow">
+      <dgm:choose name="Name38">
+        <dgm:if name="Name39" func="var" arg="dir" op="equ" val="norm">
+          <dgm:alg type="lin">
+            <dgm:param type="linDir" val="fromL"/>
+            <dgm:param type="nodeVertAlign" val="mid"/>
+            <dgm:param type="vertAlign" val="mid"/>
+            <dgm:param type="nodeHorzAlign" val="l"/>
+            <dgm:param type="horzAlign" val="l"/>
+          </dgm:alg>
+        </dgm:if>
+        <dgm:else name="Name40">
+          <dgm:alg type="lin">
+            <dgm:param type="linDir" val="fromR"/>
+            <dgm:param type="nodeVertAlign" val="mid"/>
+            <dgm:param type="vertAlign" val="mid"/>
+            <dgm:param type="nodeHorzAlign" val="r"/>
+            <dgm:param type="horzAlign" val="r"/>
+          </dgm:alg>
+        </dgm:else>
+      </dgm:choose>
+      <dgm:shape xmlns:r="http://schemas.openxmlformats.org/officeDocument/2006/relationships" r:blip="">
+        <dgm:adjLst/>
+      </dgm:shape>
+      <dgm:presOf/>
+      <dgm:constrLst>
+        <dgm:constr type="w" for="ch" forName="rectComp" refType="w"/>
+        <dgm:constr type="h" for="ch" forName="rectComp" refType="h"/>
+        <dgm:constr type="h" for="des" forName="bgRect" refType="h"/>
+        <dgm:constr type="primFontSz" for="des" forName="bgRectTx" op="equ" val="65"/>
+      </dgm:constrLst>
+      <dgm:ruleLst/>
+      <dgm:forEach name="Name41" axis="ch" ptType="node" st="2">
+        <dgm:layoutNode name="rectComp">
+          <dgm:alg type="composite"/>
+          <dgm:shape xmlns:r="http://schemas.openxmlformats.org/officeDocument/2006/relationships" r:blip="">
+            <dgm:adjLst/>
+          </dgm:shape>
+          <dgm:presOf/>
+          <dgm:constrLst>
+            <dgm:constr type="userA"/>
+            <dgm:constr type="l" for="ch" forName="bgRect"/>
+            <dgm:constr type="t" for="ch" forName="bgRect"/>
+            <dgm:constr type="w" for="ch" forName="bgRect" refType="userA" fact="1.2"/>
+            <dgm:constr type="l" for="ch" forName="bgRectTx"/>
+            <dgm:constr type="t" for="ch" forName="bgRectTx"/>
+            <dgm:constr type="h" for="ch" forName="bgRectTx" refType="h" refFor="ch" refForName="bgRect" fact="0.3"/>
+            <dgm:constr type="w" for="ch" forName="bgRectTx" refType="w" refFor="ch" refForName="bgRect" op="equ"/>
+          </dgm:constrLst>
+          <dgm:ruleLst/>
+          <dgm:layoutNode name="bgRect" styleLbl="bgShp">
+            <dgm:alg type="sp"/>
+            <dgm:shape xmlns:r="http://schemas.openxmlformats.org/officeDocument/2006/relationships" type="roundRect" r:blip="" zOrderOff="-999">
+              <dgm:adjLst>
+                <dgm:adj idx="1" val="0.1"/>
+              </dgm:adjLst>
+            </dgm:shape>
+            <dgm:presOf axis="desOrSelf" ptType="node"/>
+            <dgm:constrLst/>
+            <dgm:ruleLst/>
+          </dgm:layoutNode>
+          <dgm:layoutNode name="bgRectTx" styleLbl="bgShp">
+            <dgm:varLst>
+              <dgm:bulletEnabled val="1"/>
+            </dgm:varLst>
+            <dgm:alg type="tx"/>
+            <dgm:shape xmlns:r="http://schemas.openxmlformats.org/officeDocument/2006/relationships" type="rect" r:blip="" zOrderOff="-999" hideGeom="1">
+              <dgm:adjLst/>
+            </dgm:shape>
+            <dgm:presOf axis="desOrSelf" ptType="node"/>
+            <dgm:constrLst/>
+            <dgm:ruleLst>
+              <dgm:rule type="primFontSz" val="5" fact="NaN" max="NaN"/>
+            </dgm:ruleLst>
+          </dgm:layoutNode>
+        </dgm:layoutNode>
+        <dgm:choose name="Name42">
+          <dgm:if name="Name43" axis="self" ptType="node" func="revPos" op="gte" val="2">
+            <dgm:layoutNode name="spComp">
+              <dgm:alg type="composite"/>
+              <dgm:shape xmlns:r="http://schemas.openxmlformats.org/officeDocument/2006/relationships" r:blip="">
+                <dgm:adjLst/>
+              </dgm:shape>
+              <dgm:presOf/>
+              <dgm:constrLst>
+                <dgm:constr type="userA"/>
+                <dgm:constr type="userB"/>
+                <dgm:constr type="l" for="ch" forName="hSp"/>
+                <dgm:constr type="t" for="ch" forName="hSp"/>
+                <dgm:constr type="w" for="ch" forName="hSp" refType="userB"/>
+                <dgm:constr type="wOff" for="ch" forName="hSp" refType="userA" fact="-0.2"/>
+              </dgm:constrLst>
+              <dgm:ruleLst/>
+              <dgm:layoutNode name="hSp">
+                <dgm:alg type="sp"/>
+                <dgm:shape xmlns:r="http://schemas.openxmlformats.org/officeDocument/2006/relationships" r:blip="">
+                  <dgm:adjLst/>
+                </dgm:shape>
+                <dgm:presOf/>
+                <dgm:constrLst/>
+                <dgm:ruleLst/>
+              </dgm:layoutNode>
+            </dgm:layoutNode>
+          </dgm:if>
+          <dgm:else name="Name44"/>
+        </dgm:choose>
+      </dgm:forEach>
+    </dgm:layoutNode>
+  </dgm:layoutNode>
+</dgm:layoutDef>
+</file>
+
 <file path=ppt/diagrams/quickStyle1.xml><?xml version="1.0" encoding="utf-8"?>
 <dgm:styleDef xmlns:dgm="http://schemas.openxmlformats.org/drawingml/2006/diagram" xmlns:a="http://schemas.openxmlformats.org/drawingml/2006/main" uniqueId="urn:microsoft.com/office/officeart/2005/8/quickstyle/simple1">
   <dgm:title val=""/>
@@ -16661,6 +19704,1040 @@
 </file>
 
 <file path=ppt/diagrams/quickStyle5.xml><?xml version="1.0" encoding="utf-8"?>
+<dgm:styleDef xmlns:dgm="http://schemas.openxmlformats.org/drawingml/2006/diagram" xmlns:a="http://schemas.openxmlformats.org/drawingml/2006/main" uniqueId="urn:microsoft.com/office/officeart/2005/8/quickstyle/simple1">
+  <dgm:title val=""/>
+  <dgm:desc val=""/>
+  <dgm:catLst>
+    <dgm:cat type="simple" pri="10100"/>
+  </dgm:catLst>
+  <dgm:scene3d>
+    <a:camera prst="orthographicFront"/>
+    <a:lightRig rig="threePt" dir="t"/>
+  </dgm:scene3d>
+  <dgm:styleLbl name="node0">
+    <dgm:scene3d>
+      <a:camera prst="orthographicFront"/>
+      <a:lightRig rig="threePt" dir="t"/>
+    </dgm:scene3d>
+    <dgm:sp3d/>
+    <dgm:txPr/>
+    <dgm:style>
+      <a:lnRef idx="2">
+        <a:scrgbClr r="0" g="0" b="0"/>
+      </a:lnRef>
+      <a:fillRef idx="1">
+        <a:scrgbClr r="0" g="0" b="0"/>
+      </a:fillRef>
+      <a:effectRef idx="0">
+        <a:scrgbClr r="0" g="0" b="0"/>
+      </a:effectRef>
+      <a:fontRef idx="minor">
+        <a:schemeClr val="lt1"/>
+      </a:fontRef>
+    </dgm:style>
+  </dgm:styleLbl>
+  <dgm:styleLbl name="lnNode1">
+    <dgm:scene3d>
+      <a:camera prst="orthographicFront"/>
+      <a:lightRig rig="threePt" dir="t"/>
+    </dgm:scene3d>
+    <dgm:sp3d/>
+    <dgm:txPr/>
+    <dgm:style>
+      <a:lnRef idx="2">
+        <a:scrgbClr r="0" g="0" b="0"/>
+      </a:lnRef>
+      <a:fillRef idx="1">
+        <a:scrgbClr r="0" g="0" b="0"/>
+      </a:fillRef>
+      <a:effectRef idx="0">
+        <a:scrgbClr r="0" g="0" b="0"/>
+      </a:effectRef>
+      <a:fontRef idx="minor">
+        <a:schemeClr val="lt1"/>
+      </a:fontRef>
+    </dgm:style>
+  </dgm:styleLbl>
+  <dgm:styleLbl name="vennNode1">
+    <dgm:scene3d>
+      <a:camera prst="orthographicFront"/>
+      <a:lightRig rig="threePt" dir="t"/>
+    </dgm:scene3d>
+    <dgm:sp3d/>
+    <dgm:txPr/>
+    <dgm:style>
+      <a:lnRef idx="2">
+        <a:scrgbClr r="0" g="0" b="0"/>
+      </a:lnRef>
+      <a:fillRef idx="1">
+        <a:scrgbClr r="0" g="0" b="0"/>
+      </a:fillRef>
+      <a:effectRef idx="0">
+        <a:scrgbClr r="0" g="0" b="0"/>
+      </a:effectRef>
+      <a:fontRef idx="minor">
+        <a:schemeClr val="tx1"/>
+      </a:fontRef>
+    </dgm:style>
+  </dgm:styleLbl>
+  <dgm:styleLbl name="alignNode1">
+    <dgm:scene3d>
+      <a:camera prst="orthographicFront"/>
+      <a:lightRig rig="threePt" dir="t"/>
+    </dgm:scene3d>
+    <dgm:sp3d/>
+    <dgm:txPr/>
+    <dgm:style>
+      <a:lnRef idx="2">
+        <a:scrgbClr r="0" g="0" b="0"/>
+      </a:lnRef>
+      <a:fillRef idx="1">
+        <a:scrgbClr r="0" g="0" b="0"/>
+      </a:fillRef>
+      <a:effectRef idx="0">
+        <a:scrgbClr r="0" g="0" b="0"/>
+      </a:effectRef>
+      <a:fontRef idx="minor">
+        <a:schemeClr val="lt1"/>
+      </a:fontRef>
+    </dgm:style>
+  </dgm:styleLbl>
+  <dgm:styleLbl name="node1">
+    <dgm:scene3d>
+      <a:camera prst="orthographicFront"/>
+      <a:lightRig rig="threePt" dir="t"/>
+    </dgm:scene3d>
+    <dgm:sp3d/>
+    <dgm:txPr/>
+    <dgm:style>
+      <a:lnRef idx="2">
+        <a:scrgbClr r="0" g="0" b="0"/>
+      </a:lnRef>
+      <a:fillRef idx="1">
+        <a:scrgbClr r="0" g="0" b="0"/>
+      </a:fillRef>
+      <a:effectRef idx="0">
+        <a:scrgbClr r="0" g="0" b="0"/>
+      </a:effectRef>
+      <a:fontRef idx="minor">
+        <a:schemeClr val="lt1"/>
+      </a:fontRef>
+    </dgm:style>
+  </dgm:styleLbl>
+  <dgm:styleLbl name="node2">
+    <dgm:scene3d>
+      <a:camera prst="orthographicFront"/>
+      <a:lightRig rig="threePt" dir="t"/>
+    </dgm:scene3d>
+    <dgm:sp3d/>
+    <dgm:txPr/>
+    <dgm:style>
+      <a:lnRef idx="2">
+        <a:scrgbClr r="0" g="0" b="0"/>
+      </a:lnRef>
+      <a:fillRef idx="1">
+        <a:scrgbClr r="0" g="0" b="0"/>
+      </a:fillRef>
+      <a:effectRef idx="0">
+        <a:scrgbClr r="0" g="0" b="0"/>
+      </a:effectRef>
+      <a:fontRef idx="minor">
+        <a:schemeClr val="lt1"/>
+      </a:fontRef>
+    </dgm:style>
+  </dgm:styleLbl>
+  <dgm:styleLbl name="node3">
+    <dgm:scene3d>
+      <a:camera prst="orthographicFront"/>
+      <a:lightRig rig="threePt" dir="t"/>
+    </dgm:scene3d>
+    <dgm:sp3d/>
+    <dgm:txPr/>
+    <dgm:style>
+      <a:lnRef idx="2">
+        <a:scrgbClr r="0" g="0" b="0"/>
+      </a:lnRef>
+      <a:fillRef idx="1">
+        <a:scrgbClr r="0" g="0" b="0"/>
+      </a:fillRef>
+      <a:effectRef idx="0">
+        <a:scrgbClr r="0" g="0" b="0"/>
+      </a:effectRef>
+      <a:fontRef idx="minor">
+        <a:schemeClr val="lt1"/>
+      </a:fontRef>
+    </dgm:style>
+  </dgm:styleLbl>
+  <dgm:styleLbl name="node4">
+    <dgm:scene3d>
+      <a:camera prst="orthographicFront"/>
+      <a:lightRig rig="threePt" dir="t"/>
+    </dgm:scene3d>
+    <dgm:sp3d/>
+    <dgm:txPr/>
+    <dgm:style>
+      <a:lnRef idx="2">
+        <a:scrgbClr r="0" g="0" b="0"/>
+      </a:lnRef>
+      <a:fillRef idx="1">
+        <a:scrgbClr r="0" g="0" b="0"/>
+      </a:fillRef>
+      <a:effectRef idx="0">
+        <a:scrgbClr r="0" g="0" b="0"/>
+      </a:effectRef>
+      <a:fontRef idx="minor">
+        <a:schemeClr val="lt1"/>
+      </a:fontRef>
+    </dgm:style>
+  </dgm:styleLbl>
+  <dgm:styleLbl name="fgImgPlace1">
+    <dgm:scene3d>
+      <a:camera prst="orthographicFront"/>
+      <a:lightRig rig="threePt" dir="t"/>
+    </dgm:scene3d>
+    <dgm:sp3d/>
+    <dgm:txPr/>
+    <dgm:style>
+      <a:lnRef idx="2">
+        <a:scrgbClr r="0" g="0" b="0"/>
+      </a:lnRef>
+      <a:fillRef idx="1">
+        <a:scrgbClr r="0" g="0" b="0"/>
+      </a:fillRef>
+      <a:effectRef idx="0">
+        <a:scrgbClr r="0" g="0" b="0"/>
+      </a:effectRef>
+      <a:fontRef idx="minor"/>
+    </dgm:style>
+  </dgm:styleLbl>
+  <dgm:styleLbl name="alignImgPlace1">
+    <dgm:scene3d>
+      <a:camera prst="orthographicFront"/>
+      <a:lightRig rig="threePt" dir="t"/>
+    </dgm:scene3d>
+    <dgm:sp3d/>
+    <dgm:txPr/>
+    <dgm:style>
+      <a:lnRef idx="2">
+        <a:scrgbClr r="0" g="0" b="0"/>
+      </a:lnRef>
+      <a:fillRef idx="1">
+        <a:scrgbClr r="0" g="0" b="0"/>
+      </a:fillRef>
+      <a:effectRef idx="0">
+        <a:scrgbClr r="0" g="0" b="0"/>
+      </a:effectRef>
+      <a:fontRef idx="minor"/>
+    </dgm:style>
+  </dgm:styleLbl>
+  <dgm:styleLbl name="bgImgPlace1">
+    <dgm:scene3d>
+      <a:camera prst="orthographicFront"/>
+      <a:lightRig rig="threePt" dir="t"/>
+    </dgm:scene3d>
+    <dgm:sp3d/>
+    <dgm:txPr/>
+    <dgm:style>
+      <a:lnRef idx="2">
+        <a:scrgbClr r="0" g="0" b="0"/>
+      </a:lnRef>
+      <a:fillRef idx="1">
+        <a:scrgbClr r="0" g="0" b="0"/>
+      </a:fillRef>
+      <a:effectRef idx="0">
+        <a:scrgbClr r="0" g="0" b="0"/>
+      </a:effectRef>
+      <a:fontRef idx="minor"/>
+    </dgm:style>
+  </dgm:styleLbl>
+  <dgm:styleLbl name="sibTrans2D1">
+    <dgm:scene3d>
+      <a:camera prst="orthographicFront"/>
+      <a:lightRig rig="threePt" dir="t"/>
+    </dgm:scene3d>
+    <dgm:sp3d/>
+    <dgm:txPr/>
+    <dgm:style>
+      <a:lnRef idx="0">
+        <a:scrgbClr r="0" g="0" b="0"/>
+      </a:lnRef>
+      <a:fillRef idx="1">
+        <a:scrgbClr r="0" g="0" b="0"/>
+      </a:fillRef>
+      <a:effectRef idx="0">
+        <a:scrgbClr r="0" g="0" b="0"/>
+      </a:effectRef>
+      <a:fontRef idx="minor">
+        <a:schemeClr val="lt1"/>
+      </a:fontRef>
+    </dgm:style>
+  </dgm:styleLbl>
+  <dgm:styleLbl name="fgSibTrans2D1">
+    <dgm:scene3d>
+      <a:camera prst="orthographicFront"/>
+      <a:lightRig rig="threePt" dir="t"/>
+    </dgm:scene3d>
+    <dgm:sp3d/>
+    <dgm:txPr/>
+    <dgm:style>
+      <a:lnRef idx="0">
+        <a:scrgbClr r="0" g="0" b="0"/>
+      </a:lnRef>
+      <a:fillRef idx="1">
+        <a:scrgbClr r="0" g="0" b="0"/>
+      </a:fillRef>
+      <a:effectRef idx="0">
+        <a:scrgbClr r="0" g="0" b="0"/>
+      </a:effectRef>
+      <a:fontRef idx="minor">
+        <a:schemeClr val="lt1"/>
+      </a:fontRef>
+    </dgm:style>
+  </dgm:styleLbl>
+  <dgm:styleLbl name="bgSibTrans2D1">
+    <dgm:scene3d>
+      <a:camera prst="orthographicFront"/>
+      <a:lightRig rig="threePt" dir="t"/>
+    </dgm:scene3d>
+    <dgm:sp3d/>
+    <dgm:txPr/>
+    <dgm:style>
+      <a:lnRef idx="0">
+        <a:scrgbClr r="0" g="0" b="0"/>
+      </a:lnRef>
+      <a:fillRef idx="1">
+        <a:scrgbClr r="0" g="0" b="0"/>
+      </a:fillRef>
+      <a:effectRef idx="0">
+        <a:scrgbClr r="0" g="0" b="0"/>
+      </a:effectRef>
+      <a:fontRef idx="minor">
+        <a:schemeClr val="lt1"/>
+      </a:fontRef>
+    </dgm:style>
+  </dgm:styleLbl>
+  <dgm:styleLbl name="sibTrans1D1">
+    <dgm:scene3d>
+      <a:camera prst="orthographicFront"/>
+      <a:lightRig rig="threePt" dir="t"/>
+    </dgm:scene3d>
+    <dgm:sp3d/>
+    <dgm:txPr/>
+    <dgm:style>
+      <a:lnRef idx="1">
+        <a:scrgbClr r="0" g="0" b="0"/>
+      </a:lnRef>
+      <a:fillRef idx="0">
+        <a:scrgbClr r="0" g="0" b="0"/>
+      </a:fillRef>
+      <a:effectRef idx="0">
+        <a:scrgbClr r="0" g="0" b="0"/>
+      </a:effectRef>
+      <a:fontRef idx="minor"/>
+    </dgm:style>
+  </dgm:styleLbl>
+  <dgm:styleLbl name="callout">
+    <dgm:scene3d>
+      <a:camera prst="orthographicFront"/>
+      <a:lightRig rig="threePt" dir="t"/>
+    </dgm:scene3d>
+    <dgm:sp3d/>
+    <dgm:txPr/>
+    <dgm:style>
+      <a:lnRef idx="2">
+        <a:scrgbClr r="0" g="0" b="0"/>
+      </a:lnRef>
+      <a:fillRef idx="1">
+        <a:scrgbClr r="0" g="0" b="0"/>
+      </a:fillRef>
+      <a:effectRef idx="0">
+        <a:scrgbClr r="0" g="0" b="0"/>
+      </a:effectRef>
+      <a:fontRef idx="minor"/>
+    </dgm:style>
+  </dgm:styleLbl>
+  <dgm:styleLbl name="asst0">
+    <dgm:scene3d>
+      <a:camera prst="orthographicFront"/>
+      <a:lightRig rig="threePt" dir="t"/>
+    </dgm:scene3d>
+    <dgm:sp3d/>
+    <dgm:txPr/>
+    <dgm:style>
+      <a:lnRef idx="2">
+        <a:scrgbClr r="0" g="0" b="0"/>
+      </a:lnRef>
+      <a:fillRef idx="1">
+        <a:scrgbClr r="0" g="0" b="0"/>
+      </a:fillRef>
+      <a:effectRef idx="0">
+        <a:scrgbClr r="0" g="0" b="0"/>
+      </a:effectRef>
+      <a:fontRef idx="minor">
+        <a:schemeClr val="lt1"/>
+      </a:fontRef>
+    </dgm:style>
+  </dgm:styleLbl>
+  <dgm:styleLbl name="asst1">
+    <dgm:scene3d>
+      <a:camera prst="orthographicFront"/>
+      <a:lightRig rig="threePt" dir="t"/>
+    </dgm:scene3d>
+    <dgm:sp3d/>
+    <dgm:txPr/>
+    <dgm:style>
+      <a:lnRef idx="2">
+        <a:scrgbClr r="0" g="0" b="0"/>
+      </a:lnRef>
+      <a:fillRef idx="1">
+        <a:scrgbClr r="0" g="0" b="0"/>
+      </a:fillRef>
+      <a:effectRef idx="0">
+        <a:scrgbClr r="0" g="0" b="0"/>
+      </a:effectRef>
+      <a:fontRef idx="minor">
+        <a:schemeClr val="lt1"/>
+      </a:fontRef>
+    </dgm:style>
+  </dgm:styleLbl>
+  <dgm:styleLbl name="asst2">
+    <dgm:scene3d>
+      <a:camera prst="orthographicFront"/>
+      <a:lightRig rig="threePt" dir="t"/>
+    </dgm:scene3d>
+    <dgm:sp3d/>
+    <dgm:txPr/>
+    <dgm:style>
+      <a:lnRef idx="2">
+        <a:scrgbClr r="0" g="0" b="0"/>
+      </a:lnRef>
+      <a:fillRef idx="1">
+        <a:scrgbClr r="0" g="0" b="0"/>
+      </a:fillRef>
+      <a:effectRef idx="0">
+        <a:scrgbClr r="0" g="0" b="0"/>
+      </a:effectRef>
+      <a:fontRef idx="minor">
+        <a:schemeClr val="lt1"/>
+      </a:fontRef>
+    </dgm:style>
+  </dgm:styleLbl>
+  <dgm:styleLbl name="asst3">
+    <dgm:scene3d>
+      <a:camera prst="orthographicFront"/>
+      <a:lightRig rig="threePt" dir="t"/>
+    </dgm:scene3d>
+    <dgm:sp3d/>
+    <dgm:txPr/>
+    <dgm:style>
+      <a:lnRef idx="2">
+        <a:scrgbClr r="0" g="0" b="0"/>
+      </a:lnRef>
+      <a:fillRef idx="1">
+        <a:scrgbClr r="0" g="0" b="0"/>
+      </a:fillRef>
+      <a:effectRef idx="0">
+        <a:scrgbClr r="0" g="0" b="0"/>
+      </a:effectRef>
+      <a:fontRef idx="minor">
+        <a:schemeClr val="lt1"/>
+      </a:fontRef>
+    </dgm:style>
+  </dgm:styleLbl>
+  <dgm:styleLbl name="asst4">
+    <dgm:scene3d>
+      <a:camera prst="orthographicFront"/>
+      <a:lightRig rig="threePt" dir="t"/>
+    </dgm:scene3d>
+    <dgm:sp3d/>
+    <dgm:txPr/>
+    <dgm:style>
+      <a:lnRef idx="2">
+        <a:scrgbClr r="0" g="0" b="0"/>
+      </a:lnRef>
+      <a:fillRef idx="1">
+        <a:scrgbClr r="0" g="0" b="0"/>
+      </a:fillRef>
+      <a:effectRef idx="0">
+        <a:scrgbClr r="0" g="0" b="0"/>
+      </a:effectRef>
+      <a:fontRef idx="minor">
+        <a:schemeClr val="lt1"/>
+      </a:fontRef>
+    </dgm:style>
+  </dgm:styleLbl>
+  <dgm:styleLbl name="parChTrans2D1">
+    <dgm:scene3d>
+      <a:camera prst="orthographicFront"/>
+      <a:lightRig rig="threePt" dir="t"/>
+    </dgm:scene3d>
+    <dgm:sp3d/>
+    <dgm:txPr/>
+    <dgm:style>
+      <a:lnRef idx="2">
+        <a:scrgbClr r="0" g="0" b="0"/>
+      </a:lnRef>
+      <a:fillRef idx="1">
+        <a:scrgbClr r="0" g="0" b="0"/>
+      </a:fillRef>
+      <a:effectRef idx="0">
+        <a:scrgbClr r="0" g="0" b="0"/>
+      </a:effectRef>
+      <a:fontRef idx="minor">
+        <a:schemeClr val="lt1"/>
+      </a:fontRef>
+    </dgm:style>
+  </dgm:styleLbl>
+  <dgm:styleLbl name="parChTrans2D2">
+    <dgm:scene3d>
+      <a:camera prst="orthographicFront"/>
+      <a:lightRig rig="threePt" dir="t"/>
+    </dgm:scene3d>
+    <dgm:sp3d/>
+    <dgm:txPr/>
+    <dgm:style>
+      <a:lnRef idx="2">
+        <a:scrgbClr r="0" g="0" b="0"/>
+      </a:lnRef>
+      <a:fillRef idx="1">
+        <a:scrgbClr r="0" g="0" b="0"/>
+      </a:fillRef>
+      <a:effectRef idx="0">
+        <a:scrgbClr r="0" g="0" b="0"/>
+      </a:effectRef>
+      <a:fontRef idx="minor">
+        <a:schemeClr val="lt1"/>
+      </a:fontRef>
+    </dgm:style>
+  </dgm:styleLbl>
+  <dgm:styleLbl name="parChTrans2D3">
+    <dgm:scene3d>
+      <a:camera prst="orthographicFront"/>
+      <a:lightRig rig="threePt" dir="t"/>
+    </dgm:scene3d>
+    <dgm:sp3d/>
+    <dgm:txPr/>
+    <dgm:style>
+      <a:lnRef idx="2">
+        <a:scrgbClr r="0" g="0" b="0"/>
+      </a:lnRef>
+      <a:fillRef idx="1">
+        <a:scrgbClr r="0" g="0" b="0"/>
+      </a:fillRef>
+      <a:effectRef idx="0">
+        <a:scrgbClr r="0" g="0" b="0"/>
+      </a:effectRef>
+      <a:fontRef idx="minor">
+        <a:schemeClr val="lt1"/>
+      </a:fontRef>
+    </dgm:style>
+  </dgm:styleLbl>
+  <dgm:styleLbl name="parChTrans2D4">
+    <dgm:scene3d>
+      <a:camera prst="orthographicFront"/>
+      <a:lightRig rig="threePt" dir="t"/>
+    </dgm:scene3d>
+    <dgm:sp3d/>
+    <dgm:txPr/>
+    <dgm:style>
+      <a:lnRef idx="2">
+        <a:scrgbClr r="0" g="0" b="0"/>
+      </a:lnRef>
+      <a:fillRef idx="1">
+        <a:scrgbClr r="0" g="0" b="0"/>
+      </a:fillRef>
+      <a:effectRef idx="0">
+        <a:scrgbClr r="0" g="0" b="0"/>
+      </a:effectRef>
+      <a:fontRef idx="minor">
+        <a:schemeClr val="lt1"/>
+      </a:fontRef>
+    </dgm:style>
+  </dgm:styleLbl>
+  <dgm:styleLbl name="parChTrans1D1">
+    <dgm:scene3d>
+      <a:camera prst="orthographicFront"/>
+      <a:lightRig rig="threePt" dir="t"/>
+    </dgm:scene3d>
+    <dgm:sp3d/>
+    <dgm:txPr/>
+    <dgm:style>
+      <a:lnRef idx="2">
+        <a:scrgbClr r="0" g="0" b="0"/>
+      </a:lnRef>
+      <a:fillRef idx="0">
+        <a:scrgbClr r="0" g="0" b="0"/>
+      </a:fillRef>
+      <a:effectRef idx="0">
+        <a:scrgbClr r="0" g="0" b="0"/>
+      </a:effectRef>
+      <a:fontRef idx="minor"/>
+    </dgm:style>
+  </dgm:styleLbl>
+  <dgm:styleLbl name="parChTrans1D2">
+    <dgm:scene3d>
+      <a:camera prst="orthographicFront"/>
+      <a:lightRig rig="threePt" dir="t"/>
+    </dgm:scene3d>
+    <dgm:sp3d/>
+    <dgm:txPr/>
+    <dgm:style>
+      <a:lnRef idx="2">
+        <a:scrgbClr r="0" g="0" b="0"/>
+      </a:lnRef>
+      <a:fillRef idx="0">
+        <a:scrgbClr r="0" g="0" b="0"/>
+      </a:fillRef>
+      <a:effectRef idx="0">
+        <a:scrgbClr r="0" g="0" b="0"/>
+      </a:effectRef>
+      <a:fontRef idx="minor"/>
+    </dgm:style>
+  </dgm:styleLbl>
+  <dgm:styleLbl name="parChTrans1D3">
+    <dgm:scene3d>
+      <a:camera prst="orthographicFront"/>
+      <a:lightRig rig="threePt" dir="t"/>
+    </dgm:scene3d>
+    <dgm:sp3d/>
+    <dgm:txPr/>
+    <dgm:style>
+      <a:lnRef idx="2">
+        <a:scrgbClr r="0" g="0" b="0"/>
+      </a:lnRef>
+      <a:fillRef idx="0">
+        <a:scrgbClr r="0" g="0" b="0"/>
+      </a:fillRef>
+      <a:effectRef idx="0">
+        <a:scrgbClr r="0" g="0" b="0"/>
+      </a:effectRef>
+      <a:fontRef idx="minor"/>
+    </dgm:style>
+  </dgm:styleLbl>
+  <dgm:styleLbl name="parChTrans1D4">
+    <dgm:scene3d>
+      <a:camera prst="orthographicFront"/>
+      <a:lightRig rig="threePt" dir="t"/>
+    </dgm:scene3d>
+    <dgm:sp3d/>
+    <dgm:txPr/>
+    <dgm:style>
+      <a:lnRef idx="2">
+        <a:scrgbClr r="0" g="0" b="0"/>
+      </a:lnRef>
+      <a:fillRef idx="0">
+        <a:scrgbClr r="0" g="0" b="0"/>
+      </a:fillRef>
+      <a:effectRef idx="0">
+        <a:scrgbClr r="0" g="0" b="0"/>
+      </a:effectRef>
+      <a:fontRef idx="minor"/>
+    </dgm:style>
+  </dgm:styleLbl>
+  <dgm:styleLbl name="fgAcc1">
+    <dgm:scene3d>
+      <a:camera prst="orthographicFront"/>
+      <a:lightRig rig="threePt" dir="t"/>
+    </dgm:scene3d>
+    <dgm:sp3d/>
+    <dgm:txPr/>
+    <dgm:style>
+      <a:lnRef idx="2">
+        <a:scrgbClr r="0" g="0" b="0"/>
+      </a:lnRef>
+      <a:fillRef idx="1">
+        <a:scrgbClr r="0" g="0" b="0"/>
+      </a:fillRef>
+      <a:effectRef idx="0">
+        <a:scrgbClr r="0" g="0" b="0"/>
+      </a:effectRef>
+      <a:fontRef idx="minor"/>
+    </dgm:style>
+  </dgm:styleLbl>
+  <dgm:styleLbl name="conFgAcc1">
+    <dgm:scene3d>
+      <a:camera prst="orthographicFront"/>
+      <a:lightRig rig="threePt" dir="t"/>
+    </dgm:scene3d>
+    <dgm:sp3d/>
+    <dgm:txPr/>
+    <dgm:style>
+      <a:lnRef idx="2">
+        <a:scrgbClr r="0" g="0" b="0"/>
+      </a:lnRef>
+      <a:fillRef idx="1">
+        <a:scrgbClr r="0" g="0" b="0"/>
+      </a:fillRef>
+      <a:effectRef idx="0">
+        <a:scrgbClr r="0" g="0" b="0"/>
+      </a:effectRef>
+      <a:fontRef idx="minor"/>
+    </dgm:style>
+  </dgm:styleLbl>
+  <dgm:styleLbl name="alignAcc1">
+    <dgm:scene3d>
+      <a:camera prst="orthographicFront"/>
+      <a:lightRig rig="threePt" dir="t"/>
+    </dgm:scene3d>
+    <dgm:sp3d/>
+    <dgm:txPr/>
+    <dgm:style>
+      <a:lnRef idx="2">
+        <a:scrgbClr r="0" g="0" b="0"/>
+      </a:lnRef>
+      <a:fillRef idx="1">
+        <a:scrgbClr r="0" g="0" b="0"/>
+      </a:fillRef>
+      <a:effectRef idx="0">
+        <a:scrgbClr r="0" g="0" b="0"/>
+      </a:effectRef>
+      <a:fontRef idx="minor"/>
+    </dgm:style>
+  </dgm:styleLbl>
+  <dgm:styleLbl name="trAlignAcc1">
+    <dgm:scene3d>
+      <a:camera prst="orthographicFront"/>
+      <a:lightRig rig="threePt" dir="t"/>
+    </dgm:scene3d>
+    <dgm:sp3d/>
+    <dgm:txPr/>
+    <dgm:style>
+      <a:lnRef idx="1">
+        <a:scrgbClr r="0" g="0" b="0"/>
+      </a:lnRef>
+      <a:fillRef idx="1">
+        <a:scrgbClr r="0" g="0" b="0"/>
+      </a:fillRef>
+      <a:effectRef idx="0">
+        <a:scrgbClr r="0" g="0" b="0"/>
+      </a:effectRef>
+      <a:fontRef idx="minor"/>
+    </dgm:style>
+  </dgm:styleLbl>
+  <dgm:styleLbl name="bgAcc1">
+    <dgm:scene3d>
+      <a:camera prst="orthographicFront"/>
+      <a:lightRig rig="threePt" dir="t"/>
+    </dgm:scene3d>
+    <dgm:sp3d/>
+    <dgm:txPr/>
+    <dgm:style>
+      <a:lnRef idx="2">
+        <a:scrgbClr r="0" g="0" b="0"/>
+      </a:lnRef>
+      <a:fillRef idx="1">
+        <a:scrgbClr r="0" g="0" b="0"/>
+      </a:fillRef>
+      <a:effectRef idx="0">
+        <a:scrgbClr r="0" g="0" b="0"/>
+      </a:effectRef>
+      <a:fontRef idx="minor"/>
+    </dgm:style>
+  </dgm:styleLbl>
+  <dgm:styleLbl name="solidFgAcc1">
+    <dgm:scene3d>
+      <a:camera prst="orthographicFront"/>
+      <a:lightRig rig="threePt" dir="t"/>
+    </dgm:scene3d>
+    <dgm:sp3d/>
+    <dgm:txPr/>
+    <dgm:style>
+      <a:lnRef idx="2">
+        <a:scrgbClr r="0" g="0" b="0"/>
+      </a:lnRef>
+      <a:fillRef idx="1">
+        <a:scrgbClr r="0" g="0" b="0"/>
+      </a:fillRef>
+      <a:effectRef idx="0">
+        <a:scrgbClr r="0" g="0" b="0"/>
+      </a:effectRef>
+      <a:fontRef idx="minor"/>
+    </dgm:style>
+  </dgm:styleLbl>
+  <dgm:styleLbl name="solidAlignAcc1">
+    <dgm:scene3d>
+      <a:camera prst="orthographicFront"/>
+      <a:lightRig rig="threePt" dir="t"/>
+    </dgm:scene3d>
+    <dgm:sp3d/>
+    <dgm:txPr/>
+    <dgm:style>
+      <a:lnRef idx="2">
+        <a:scrgbClr r="0" g="0" b="0"/>
+      </a:lnRef>
+      <a:fillRef idx="1">
+        <a:scrgbClr r="0" g="0" b="0"/>
+      </a:fillRef>
+      <a:effectRef idx="0">
+        <a:scrgbClr r="0" g="0" b="0"/>
+      </a:effectRef>
+      <a:fontRef idx="minor"/>
+    </dgm:style>
+  </dgm:styleLbl>
+  <dgm:styleLbl name="solidBgAcc1">
+    <dgm:scene3d>
+      <a:camera prst="orthographicFront"/>
+      <a:lightRig rig="threePt" dir="t"/>
+    </dgm:scene3d>
+    <dgm:sp3d/>
+    <dgm:txPr/>
+    <dgm:style>
+      <a:lnRef idx="2">
+        <a:scrgbClr r="0" g="0" b="0"/>
+      </a:lnRef>
+      <a:fillRef idx="1">
+        <a:scrgbClr r="0" g="0" b="0"/>
+      </a:fillRef>
+      <a:effectRef idx="0">
+        <a:scrgbClr r="0" g="0" b="0"/>
+      </a:effectRef>
+      <a:fontRef idx="minor"/>
+    </dgm:style>
+  </dgm:styleLbl>
+  <dgm:styleLbl name="fgAccFollowNode1">
+    <dgm:scene3d>
+      <a:camera prst="orthographicFront"/>
+      <a:lightRig rig="threePt" dir="t"/>
+    </dgm:scene3d>
+    <dgm:sp3d/>
+    <dgm:txPr/>
+    <dgm:style>
+      <a:lnRef idx="2">
+        <a:scrgbClr r="0" g="0" b="0"/>
+      </a:lnRef>
+      <a:fillRef idx="1">
+        <a:scrgbClr r="0" g="0" b="0"/>
+      </a:fillRef>
+      <a:effectRef idx="0">
+        <a:scrgbClr r="0" g="0" b="0"/>
+      </a:effectRef>
+      <a:fontRef idx="minor"/>
+    </dgm:style>
+  </dgm:styleLbl>
+  <dgm:styleLbl name="alignAccFollowNode1">
+    <dgm:scene3d>
+      <a:camera prst="orthographicFront"/>
+      <a:lightRig rig="threePt" dir="t"/>
+    </dgm:scene3d>
+    <dgm:sp3d/>
+    <dgm:txPr/>
+    <dgm:style>
+      <a:lnRef idx="2">
+        <a:scrgbClr r="0" g="0" b="0"/>
+      </a:lnRef>
+      <a:fillRef idx="1">
+        <a:scrgbClr r="0" g="0" b="0"/>
+      </a:fillRef>
+      <a:effectRef idx="0">
+        <a:scrgbClr r="0" g="0" b="0"/>
+      </a:effectRef>
+      <a:fontRef idx="minor"/>
+    </dgm:style>
+  </dgm:styleLbl>
+  <dgm:styleLbl name="bgAccFollowNode1">
+    <dgm:scene3d>
+      <a:camera prst="orthographicFront"/>
+      <a:lightRig rig="threePt" dir="t"/>
+    </dgm:scene3d>
+    <dgm:sp3d/>
+    <dgm:txPr/>
+    <dgm:style>
+      <a:lnRef idx="2">
+        <a:scrgbClr r="0" g="0" b="0"/>
+      </a:lnRef>
+      <a:fillRef idx="1">
+        <a:scrgbClr r="0" g="0" b="0"/>
+      </a:fillRef>
+      <a:effectRef idx="0">
+        <a:scrgbClr r="0" g="0" b="0"/>
+      </a:effectRef>
+      <a:fontRef idx="minor"/>
+    </dgm:style>
+  </dgm:styleLbl>
+  <dgm:styleLbl name="fgAcc0">
+    <dgm:scene3d>
+      <a:camera prst="orthographicFront"/>
+      <a:lightRig rig="threePt" dir="t"/>
+    </dgm:scene3d>
+    <dgm:sp3d/>
+    <dgm:txPr/>
+    <dgm:style>
+      <a:lnRef idx="2">
+        <a:scrgbClr r="0" g="0" b="0"/>
+      </a:lnRef>
+      <a:fillRef idx="1">
+        <a:scrgbClr r="0" g="0" b="0"/>
+      </a:fillRef>
+      <a:effectRef idx="0">
+        <a:scrgbClr r="0" g="0" b="0"/>
+      </a:effectRef>
+      <a:fontRef idx="minor"/>
+    </dgm:style>
+  </dgm:styleLbl>
+  <dgm:styleLbl name="fgAcc2">
+    <dgm:scene3d>
+      <a:camera prst="orthographicFront"/>
+      <a:lightRig rig="threePt" dir="t"/>
+    </dgm:scene3d>
+    <dgm:sp3d/>
+    <dgm:txPr/>
+    <dgm:style>
+      <a:lnRef idx="2">
+        <a:scrgbClr r="0" g="0" b="0"/>
+      </a:lnRef>
+      <a:fillRef idx="1">
+        <a:scrgbClr r="0" g="0" b="0"/>
+      </a:fillRef>
+      <a:effectRef idx="0">
+        <a:scrgbClr r="0" g="0" b="0"/>
+      </a:effectRef>
+      <a:fontRef idx="minor"/>
+    </dgm:style>
+  </dgm:styleLbl>
+  <dgm:styleLbl name="fgAcc3">
+    <dgm:scene3d>
+      <a:camera prst="orthographicFront"/>
+      <a:lightRig rig="threePt" dir="t"/>
+    </dgm:scene3d>
+    <dgm:sp3d/>
+    <dgm:txPr/>
+    <dgm:style>
+      <a:lnRef idx="2">
+        <a:scrgbClr r="0" g="0" b="0"/>
+      </a:lnRef>
+      <a:fillRef idx="1">
+        <a:scrgbClr r="0" g="0" b="0"/>
+      </a:fillRef>
+      <a:effectRef idx="0">
+        <a:scrgbClr r="0" g="0" b="0"/>
+      </a:effectRef>
+      <a:fontRef idx="minor"/>
+    </dgm:style>
+  </dgm:styleLbl>
+  <dgm:styleLbl name="fgAcc4">
+    <dgm:scene3d>
+      <a:camera prst="orthographicFront"/>
+      <a:lightRig rig="threePt" dir="t"/>
+    </dgm:scene3d>
+    <dgm:sp3d/>
+    <dgm:txPr/>
+    <dgm:style>
+      <a:lnRef idx="2">
+        <a:scrgbClr r="0" g="0" b="0"/>
+      </a:lnRef>
+      <a:fillRef idx="1">
+        <a:scrgbClr r="0" g="0" b="0"/>
+      </a:fillRef>
+      <a:effectRef idx="0">
+        <a:scrgbClr r="0" g="0" b="0"/>
+      </a:effectRef>
+      <a:fontRef idx="minor"/>
+    </dgm:style>
+  </dgm:styleLbl>
+  <dgm:styleLbl name="bgShp">
+    <dgm:scene3d>
+      <a:camera prst="orthographicFront"/>
+      <a:lightRig rig="threePt" dir="t"/>
+    </dgm:scene3d>
+    <dgm:sp3d/>
+    <dgm:txPr/>
+    <dgm:style>
+      <a:lnRef idx="0">
+        <a:scrgbClr r="0" g="0" b="0"/>
+      </a:lnRef>
+      <a:fillRef idx="1">
+        <a:scrgbClr r="0" g="0" b="0"/>
+      </a:fillRef>
+      <a:effectRef idx="0">
+        <a:scrgbClr r="0" g="0" b="0"/>
+      </a:effectRef>
+      <a:fontRef idx="minor"/>
+    </dgm:style>
+  </dgm:styleLbl>
+  <dgm:styleLbl name="dkBgShp">
+    <dgm:scene3d>
+      <a:camera prst="orthographicFront"/>
+      <a:lightRig rig="threePt" dir="t"/>
+    </dgm:scene3d>
+    <dgm:sp3d/>
+    <dgm:txPr/>
+    <dgm:style>
+      <a:lnRef idx="0">
+        <a:scrgbClr r="0" g="0" b="0"/>
+      </a:lnRef>
+      <a:fillRef idx="1">
+        <a:scrgbClr r="0" g="0" b="0"/>
+      </a:fillRef>
+      <a:effectRef idx="0">
+        <a:scrgbClr r="0" g="0" b="0"/>
+      </a:effectRef>
+      <a:fontRef idx="minor"/>
+    </dgm:style>
+  </dgm:styleLbl>
+  <dgm:styleLbl name="trBgShp">
+    <dgm:scene3d>
+      <a:camera prst="orthographicFront"/>
+      <a:lightRig rig="threePt" dir="t"/>
+    </dgm:scene3d>
+    <dgm:sp3d/>
+    <dgm:txPr/>
+    <dgm:style>
+      <a:lnRef idx="0">
+        <a:scrgbClr r="0" g="0" b="0"/>
+      </a:lnRef>
+      <a:fillRef idx="1">
+        <a:scrgbClr r="0" g="0" b="0"/>
+      </a:fillRef>
+      <a:effectRef idx="0">
+        <a:scrgbClr r="0" g="0" b="0"/>
+      </a:effectRef>
+      <a:fontRef idx="minor"/>
+    </dgm:style>
+  </dgm:styleLbl>
+  <dgm:styleLbl name="fgShp">
+    <dgm:scene3d>
+      <a:camera prst="orthographicFront"/>
+      <a:lightRig rig="threePt" dir="t"/>
+    </dgm:scene3d>
+    <dgm:sp3d/>
+    <dgm:txPr/>
+    <dgm:style>
+      <a:lnRef idx="2">
+        <a:scrgbClr r="0" g="0" b="0"/>
+      </a:lnRef>
+      <a:fillRef idx="1">
+        <a:scrgbClr r="0" g="0" b="0"/>
+      </a:fillRef>
+      <a:effectRef idx="0">
+        <a:scrgbClr r="0" g="0" b="0"/>
+      </a:effectRef>
+      <a:fontRef idx="minor"/>
+    </dgm:style>
+  </dgm:styleLbl>
+  <dgm:styleLbl name="revTx">
+    <dgm:scene3d>
+      <a:camera prst="orthographicFront"/>
+      <a:lightRig rig="threePt" dir="t"/>
+    </dgm:scene3d>
+    <dgm:sp3d/>
+    <dgm:txPr/>
+    <dgm:style>
+      <a:lnRef idx="0">
+        <a:scrgbClr r="0" g="0" b="0"/>
+      </a:lnRef>
+      <a:fillRef idx="0">
+        <a:scrgbClr r="0" g="0" b="0"/>
+      </a:fillRef>
+      <a:effectRef idx="0">
+        <a:scrgbClr r="0" g="0" b="0"/>
+      </a:effectRef>
+      <a:fontRef idx="minor"/>
+    </dgm:style>
+  </dgm:styleLbl>
+</dgm:styleDef>
+</file>
+
+<file path=ppt/diagrams/quickStyle6.xml><?xml version="1.0" encoding="utf-8"?>
 <dgm:styleDef xmlns:dgm="http://schemas.openxmlformats.org/drawingml/2006/diagram" xmlns:a="http://schemas.openxmlformats.org/drawingml/2006/main" uniqueId="urn:microsoft.com/office/officeart/2005/8/quickstyle/simple1">
   <dgm:title val=""/>
   <dgm:desc val=""/>
@@ -17776,7 +21853,7 @@
           <a:p>
             <a:fld id="{E3775AAE-0936-40B9-ACF9-A981EEF95D23}" type="datetimeFigureOut">
               <a:rPr lang="en-US" smtClean="0"/>
-              <a:t>10/10/2018</a:t>
+              <a:t>9/28/2018</a:t>
             </a:fld>
             <a:endParaRPr lang="en-US"/>
           </a:p>
@@ -18933,7 +23010,7 @@
           <a:p>
             <a:fld id="{78ABE3C1-DBE1-495D-B57B-2849774B866A}" type="datetimeFigureOut">
               <a:rPr lang="en-US" smtClean="0"/>
-              <a:t>10/10/2018</a:t>
+              <a:t>9/28/2018</a:t>
             </a:fld>
             <a:endParaRPr lang="en-US" dirty="0"/>
           </a:p>
@@ -19359,7 +23436,7 @@
           <a:p>
             <a:fld id="{446C117F-5CCF-4837-BE5F-2B92066CAFAF}" type="datetimeFigureOut">
               <a:rPr lang="en-US" smtClean="0"/>
-              <a:t>10/10/2018</a:t>
+              <a:t>9/28/2018</a:t>
             </a:fld>
             <a:endParaRPr lang="en-US" dirty="0"/>
           </a:p>
@@ -19707,7 +23784,7 @@
           <a:p>
             <a:fld id="{84EB90BD-B6CE-46B7-997F-7313B992CCDC}" type="datetimeFigureOut">
               <a:rPr lang="en-US" smtClean="0"/>
-              <a:t>10/10/2018</a:t>
+              <a:t>9/28/2018</a:t>
             </a:fld>
             <a:endParaRPr lang="en-US" dirty="0"/>
           </a:p>
@@ -20124,7 +24201,7 @@
           <a:p>
             <a:fld id="{CDB9D11F-B188-461D-B23F-39381795C052}" type="datetimeFigureOut">
               <a:rPr lang="en-US" smtClean="0"/>
-              <a:t>10/10/2018</a:t>
+              <a:t>9/28/2018</a:t>
             </a:fld>
             <a:endParaRPr lang="en-US" dirty="0"/>
           </a:p>
@@ -20704,7 +24781,7 @@
           <a:p>
             <a:fld id="{52E6D8D9-55A2-4063-B0F3-121F44549695}" type="datetimeFigureOut">
               <a:rPr lang="en-US" smtClean="0"/>
-              <a:t>10/10/2018</a:t>
+              <a:t>9/28/2018</a:t>
             </a:fld>
             <a:endParaRPr lang="en-US" dirty="0"/>
           </a:p>
@@ -21397,7 +25474,7 @@
           <a:p>
             <a:fld id="{D4B24536-994D-4021-A283-9F449C0DB509}" type="datetimeFigureOut">
               <a:rPr lang="en-US" smtClean="0"/>
-              <a:t>10/10/2018</a:t>
+              <a:t>9/28/2018</a:t>
             </a:fld>
             <a:endParaRPr lang="en-US" dirty="0"/>
           </a:p>
@@ -22322,7 +26399,7 @@
           <a:p>
             <a:fld id="{3CBBBB78-C96F-47B7-AB17-D852CA960AC9}" type="datetimeFigureOut">
               <a:rPr lang="en-US" smtClean="0"/>
-              <a:t>10/10/2018</a:t>
+              <a:t>9/28/2018</a:t>
             </a:fld>
             <a:endParaRPr lang="en-US" dirty="0"/>
           </a:p>
@@ -22647,7 +26724,7 @@
           <a:p>
             <a:fld id="{1FA3F48C-C7C6-4055-9F49-3777875E72AE}" type="datetimeFigureOut">
               <a:rPr lang="en-US" smtClean="0"/>
-              <a:t>10/10/2018</a:t>
+              <a:t>9/28/2018</a:t>
             </a:fld>
             <a:endParaRPr lang="en-US" dirty="0"/>
           </a:p>
@@ -22923,7 +27000,7 @@
           <a:p>
             <a:fld id="{6178E61D-D431-422C-9764-11DAFE33AB63}" type="datetimeFigureOut">
               <a:rPr lang="en-US" smtClean="0"/>
-              <a:t>10/10/2018</a:t>
+              <a:t>9/28/2018</a:t>
             </a:fld>
             <a:endParaRPr lang="en-US" dirty="0"/>
           </a:p>
@@ -23277,7 +27354,7 @@
           <a:p>
             <a:fld id="{12DE42F4-6EEF-4EF7-8ED4-2208F0F89A08}" type="datetimeFigureOut">
               <a:rPr lang="en-US" smtClean="0"/>
-              <a:t>10/10/2018</a:t>
+              <a:t>9/28/2018</a:t>
             </a:fld>
             <a:endParaRPr lang="en-US" dirty="0"/>
           </a:p>
@@ -23678,7 +27755,7 @@
           <a:p>
             <a:fld id="{30578ACC-22D6-47C1-A373-4FD133E34F3C}" type="datetimeFigureOut">
               <a:rPr lang="en-US" smtClean="0"/>
-              <a:t>10/10/2018</a:t>
+              <a:t>9/28/2018</a:t>
             </a:fld>
             <a:endParaRPr lang="en-US" dirty="0"/>
           </a:p>
@@ -24066,7 +28143,7 @@
           <a:p>
             <a:fld id="{4E5A6C69-6797-4E8A-BF37-F2C3751466E9}" type="datetimeFigureOut">
               <a:rPr lang="en-US" smtClean="0"/>
-              <a:t>10/10/2018</a:t>
+              <a:t>9/28/2018</a:t>
             </a:fld>
             <a:endParaRPr lang="en-US" dirty="0"/>
           </a:p>
@@ -24584,7 +28661,7 @@
           <a:p>
             <a:fld id="{D82014A1-A632-4878-A0D3-F52BA7563730}" type="datetimeFigureOut">
               <a:rPr lang="en-US" smtClean="0"/>
-              <a:t>10/10/2018</a:t>
+              <a:t>9/28/2018</a:t>
             </a:fld>
             <a:endParaRPr lang="en-US" dirty="0"/>
           </a:p>
@@ -24853,7 +28930,7 @@
           <a:p>
             <a:fld id="{CE99F462-093F-4566-844B-4C71F2739DA5}" type="datetimeFigureOut">
               <a:rPr lang="en-US" smtClean="0"/>
-              <a:t>10/10/2018</a:t>
+              <a:t>9/28/2018</a:t>
             </a:fld>
             <a:endParaRPr lang="en-US" dirty="0"/>
           </a:p>
@@ -25028,7 +29105,7 @@
           <a:p>
             <a:fld id="{3D24A7AC-904D-4781-85BA-7D10C17ED021}" type="datetimeFigureOut">
               <a:rPr lang="en-US" smtClean="0"/>
-              <a:t>10/10/2018</a:t>
+              <a:t>9/28/2018</a:t>
             </a:fld>
             <a:endParaRPr lang="en-US" dirty="0"/>
           </a:p>
@@ -25430,7 +29507,7 @@
           <a:p>
             <a:fld id="{E331444B-B92B-4E27-8C94-BB93EAF5CB18}" type="datetimeFigureOut">
               <a:rPr lang="en-US" smtClean="0"/>
-              <a:t>10/10/2018</a:t>
+              <a:t>9/28/2018</a:t>
             </a:fld>
             <a:endParaRPr lang="en-US" dirty="0"/>
           </a:p>
@@ -25851,7 +29928,7 @@
           <a:p>
             <a:fld id="{363EFA5E-FA76-400D-B3DC-F0BA90E6D107}" type="datetimeFigureOut">
               <a:rPr lang="en-US" smtClean="0"/>
-              <a:t>10/10/2018</a:t>
+              <a:t>9/28/2018</a:t>
             </a:fld>
             <a:endParaRPr lang="en-US" dirty="0"/>
           </a:p>
@@ -26107,7 +30184,7 @@
           <a:p>
             <a:fld id="{9D6E9DEC-419B-4CC5-A080-3B06BD5A8291}" type="datetimeFigureOut">
               <a:rPr lang="en-US" smtClean="0"/>
-              <a:t>10/10/2018</a:t>
+              <a:t>9/28/2018</a:t>
             </a:fld>
             <a:endParaRPr lang="en-US" dirty="0"/>
           </a:p>
@@ -26835,7 +30912,7 @@
             <p:ph idx="1"/>
             <p:extLst>
               <p:ext uri="{D42A27DB-BD31-4B8C-83A1-F6EECF244321}">
-                <p14:modId xmlns:p14="http://schemas.microsoft.com/office/powerpoint/2010/main" val="1565508455"/>
+                <p14:modId xmlns:p14="http://schemas.microsoft.com/office/powerpoint/2010/main" val="881538801"/>
               </p:ext>
             </p:extLst>
           </p:nvPr>
@@ -27629,8 +31706,13 @@
           <a:p>
             <a:r>
               <a:rPr lang="en-US" dirty="0" smtClean="0"/>
-              <a:t>So far we have achieved,</a:t>
+              <a:t>So far we </a:t>
             </a:r>
+            <a:r>
+              <a:rPr lang="en-US" dirty="0" smtClean="0"/>
+              <a:t>have achieved,</a:t>
+            </a:r>
+            <a:endParaRPr lang="en-US" dirty="0" smtClean="0"/>
           </a:p>
           <a:p>
             <a:pPr lvl="1">
@@ -27642,8 +31724,13 @@
             </a:pPr>
             <a:r>
               <a:rPr lang="en-US" sz="2400" dirty="0" smtClean="0"/>
-              <a:t> Sensor Interfacing.</a:t>
+              <a:t> Sensor </a:t>
             </a:r>
+            <a:r>
+              <a:rPr lang="en-US" sz="2400" dirty="0" smtClean="0"/>
+              <a:t>Interfacing.</a:t>
+            </a:r>
+            <a:endParaRPr lang="en-US" sz="2400" dirty="0" smtClean="0"/>
           </a:p>
           <a:p>
             <a:pPr lvl="1">
@@ -27672,7 +31759,11 @@
             </a:pPr>
             <a:r>
               <a:rPr lang="en-US" sz="2400" dirty="0" smtClean="0"/>
-              <a:t> Created MySQL database for sensor’s readings.</a:t>
+              <a:t> Created </a:t>
+            </a:r>
+            <a:r>
+              <a:rPr lang="en-US" sz="2400" dirty="0" smtClean="0"/>
+              <a:t>MySQL database for sensor’s readings.</a:t>
             </a:r>
           </a:p>
           <a:p>
@@ -27685,7 +31776,11 @@
             </a:pPr>
             <a:r>
               <a:rPr lang="en-US" sz="2400" dirty="0" smtClean="0"/>
-              <a:t> Plotting of data using chart.js library.</a:t>
+              <a:t> Plotting </a:t>
+            </a:r>
+            <a:r>
+              <a:rPr lang="en-US" sz="2400" dirty="0" smtClean="0"/>
+              <a:t>of data using chart.js library.</a:t>
             </a:r>
           </a:p>
           <a:p>
@@ -27702,7 +31797,11 @@
             </a:r>
             <a:r>
               <a:rPr lang="en-US" sz="2400" dirty="0" smtClean="0"/>
-              <a:t>Created a Website for displaying sensor readings and graphs over the period of time for analysis purpose.</a:t>
+              <a:t>Created </a:t>
+            </a:r>
+            <a:r>
+              <a:rPr lang="en-US" sz="2400" dirty="0" smtClean="0"/>
+              <a:t>a Website for displaying sensor readings and graphs over the period of time for analysis purpose.</a:t>
             </a:r>
           </a:p>
         </p:txBody>
@@ -27773,11 +31872,7 @@
           <a:p>
             <a:r>
               <a:rPr lang="en-US" dirty="0" smtClean="0"/>
-              <a:t>Sensor </a:t>
-            </a:r>
-            <a:r>
-              <a:rPr lang="en-US" dirty="0" smtClean="0"/>
-              <a:t>interfacing and data transmission</a:t>
+              <a:t>Achieved Sensor interfacing and data transmission</a:t>
             </a:r>
             <a:endParaRPr lang="en-US" dirty="0"/>
           </a:p>
@@ -27822,13 +31917,13 @@
   <p:clrMapOvr>
     <a:masterClrMapping/>
   </p:clrMapOvr>
-  <mc:AlternateContent xmlns:mc="http://schemas.openxmlformats.org/markup-compatibility/2006" xmlns:p14="http://schemas.microsoft.com/office/powerpoint/2010/main">
-    <mc:Choice Requires="p14">
+  <mc:AlternateContent xmlns:mc="http://schemas.openxmlformats.org/markup-compatibility/2006">
+    <mc:Choice xmlns:p14="http://schemas.microsoft.com/office/powerpoint/2010/main" Requires="p14">
       <p:transition spd="med" p14:dur="700">
         <p:fade/>
       </p:transition>
     </mc:Choice>
-    <mc:Fallback xmlns="">
+    <mc:Fallback>
       <p:transition spd="med">
         <p:fade/>
       </p:transition>
@@ -27878,11 +31973,7 @@
           <a:p>
             <a:r>
               <a:rPr lang="en-US" dirty="0" smtClean="0"/>
-              <a:t>Data received at </a:t>
-            </a:r>
-            <a:r>
-              <a:rPr lang="en-US" dirty="0" smtClean="0"/>
-              <a:t>the Hub</a:t>
+              <a:t>Achieved data reception at the Hub</a:t>
             </a:r>
             <a:endParaRPr lang="en-US" dirty="0"/>
           </a:p>
@@ -27926,13 +32017,13 @@
   <p:clrMapOvr>
     <a:masterClrMapping/>
   </p:clrMapOvr>
-  <mc:AlternateContent xmlns:mc="http://schemas.openxmlformats.org/markup-compatibility/2006" xmlns:p14="http://schemas.microsoft.com/office/powerpoint/2010/main">
-    <mc:Choice Requires="p14">
+  <mc:AlternateContent xmlns:mc="http://schemas.openxmlformats.org/markup-compatibility/2006">
+    <mc:Choice xmlns:p14="http://schemas.microsoft.com/office/powerpoint/2010/main" Requires="p14">
       <p:transition spd="med" p14:dur="700">
         <p:fade/>
       </p:transition>
     </mc:Choice>
-    <mc:Fallback xmlns="">
+    <mc:Fallback>
       <p:transition spd="med">
         <p:fade/>
       </p:transition>
@@ -27982,53 +32073,280 @@
           <a:p>
             <a:r>
               <a:rPr lang="en-US" dirty="0" smtClean="0"/>
-              <a:t>Website Interface</a:t>
+              <a:t>Progress Status In Terms of Block Diagram</a:t>
             </a:r>
             <a:endParaRPr lang="en-US" dirty="0"/>
           </a:p>
         </p:txBody>
       </p:sp>
+      <p:graphicFrame>
+        <p:nvGraphicFramePr>
+          <p:cNvPr id="25" name="Content Placeholder 24"/>
+          <p:cNvGraphicFramePr>
+            <a:graphicFrameLocks noGrp="1"/>
+          </p:cNvGraphicFramePr>
+          <p:nvPr>
+            <p:ph idx="1"/>
+            <p:extLst>
+              <p:ext uri="{D42A27DB-BD31-4B8C-83A1-F6EECF244321}">
+                <p14:modId xmlns:p14="http://schemas.microsoft.com/office/powerpoint/2010/main" val="2218548855"/>
+              </p:ext>
+            </p:extLst>
+          </p:nvPr>
+        </p:nvGraphicFramePr>
+        <p:xfrm>
+          <a:off x="0" y="2540920"/>
+          <a:ext cx="9613900" cy="3598863"/>
+        </p:xfrm>
+        <a:graphic>
+          <a:graphicData uri="http://schemas.openxmlformats.org/drawingml/2006/diagram">
+            <dgm:relIds xmlns:dgm="http://schemas.openxmlformats.org/drawingml/2006/diagram" xmlns:r="http://schemas.openxmlformats.org/officeDocument/2006/relationships" r:dm="rId2" r:lo="rId3" r:qs="rId4" r:cs="rId5"/>
+          </a:graphicData>
+        </a:graphic>
+      </p:graphicFrame>
       <p:pic>
         <p:nvPicPr>
-          <p:cNvPr id="4" name="Content Placeholder 3"/>
+          <p:cNvPr id="3" name="Picture 2"/>
           <p:cNvPicPr>
-            <a:picLocks noGrp="1"/>
+            <a:picLocks noChangeAspect="1"/>
           </p:cNvPicPr>
-          <p:nvPr>
-            <p:ph idx="1"/>
-          </p:nvPr>
+          <p:nvPr/>
         </p:nvPicPr>
         <p:blipFill>
-          <a:blip r:embed="rId2">
+          <a:blip r:embed="rId7">
             <a:extLst>
               <a:ext uri="{28A0092B-C50C-407E-A947-70E740481C1C}">
                 <a14:useLocalDpi xmlns:a14="http://schemas.microsoft.com/office/drawing/2010/main" val="0"/>
               </a:ext>
             </a:extLst>
           </a:blip>
-          <a:srcRect/>
           <a:stretch>
             <a:fillRect/>
           </a:stretch>
         </p:blipFill>
-        <p:spPr bwMode="auto">
+        <p:spPr>
           <a:xfrm>
-            <a:off x="0" y="1964724"/>
-            <a:ext cx="12192000" cy="4893276"/>
+            <a:off x="3328416" y="5060020"/>
+            <a:ext cx="1584960" cy="767756"/>
+          </a:xfrm>
+          <a:prstGeom prst="rect">
+            <a:avLst/>
+          </a:prstGeom>
+        </p:spPr>
+      </p:pic>
+      <p:cxnSp>
+        <p:nvCxnSpPr>
+          <p:cNvPr id="5" name="Straight Connector 4"/>
+          <p:cNvCxnSpPr>
+            <a:endCxn id="3" idx="0"/>
+          </p:cNvCxnSpPr>
+          <p:nvPr/>
+        </p:nvCxnSpPr>
+        <p:spPr>
+          <a:xfrm>
+            <a:off x="4120896" y="4559808"/>
+            <a:ext cx="0" cy="500212"/>
+          </a:xfrm>
+          <a:prstGeom prst="line">
+            <a:avLst/>
+          </a:prstGeom>
+          <a:ln w="19050">
+            <a:solidFill>
+              <a:schemeClr val="accent4"/>
+            </a:solidFill>
+          </a:ln>
+        </p:spPr>
+        <p:style>
+          <a:lnRef idx="1">
+            <a:schemeClr val="accent1"/>
+          </a:lnRef>
+          <a:fillRef idx="0">
+            <a:schemeClr val="accent1"/>
+          </a:fillRef>
+          <a:effectRef idx="0">
+            <a:schemeClr val="accent1"/>
+          </a:effectRef>
+          <a:fontRef idx="minor">
+            <a:schemeClr val="tx1"/>
+          </a:fontRef>
+        </p:style>
+      </p:cxnSp>
+      <p:sp>
+        <p:nvSpPr>
+          <p:cNvPr id="6" name="Rectangle 5"/>
+          <p:cNvSpPr/>
+          <p:nvPr/>
+        </p:nvSpPr>
+        <p:spPr>
+          <a:xfrm>
+            <a:off x="9729879" y="3206368"/>
+            <a:ext cx="517495" cy="191203"/>
+          </a:xfrm>
+          <a:prstGeom prst="rect">
+            <a:avLst/>
+          </a:prstGeom>
+          <a:solidFill>
+            <a:schemeClr val="accent4"/>
+          </a:solidFill>
+          <a:ln>
+            <a:solidFill>
+              <a:schemeClr val="tx1"/>
+            </a:solidFill>
+          </a:ln>
+        </p:spPr>
+        <p:style>
+          <a:lnRef idx="2">
+            <a:schemeClr val="accent1">
+              <a:shade val="50000"/>
+            </a:schemeClr>
+          </a:lnRef>
+          <a:fillRef idx="1">
+            <a:schemeClr val="accent1"/>
+          </a:fillRef>
+          <a:effectRef idx="0">
+            <a:schemeClr val="accent1"/>
+          </a:effectRef>
+          <a:fontRef idx="minor">
+            <a:schemeClr val="lt1"/>
+          </a:fontRef>
+        </p:style>
+        <p:txBody>
+          <a:bodyPr rtlCol="0" anchor="ctr"/>
+          <a:lstStyle/>
+          <a:p>
+            <a:pPr algn="ctr"/>
+            <a:endParaRPr lang="en-US"/>
+          </a:p>
+        </p:txBody>
+      </p:sp>
+      <p:sp>
+        <p:nvSpPr>
+          <p:cNvPr id="10" name="Rectangle 9"/>
+          <p:cNvSpPr/>
+          <p:nvPr/>
+        </p:nvSpPr>
+        <p:spPr>
+          <a:xfrm>
+            <a:off x="9729879" y="2778749"/>
+            <a:ext cx="517495" cy="171124"/>
+          </a:xfrm>
+          <a:prstGeom prst="rect">
+            <a:avLst/>
+          </a:prstGeom>
+          <a:solidFill>
+            <a:schemeClr val="accent1"/>
+          </a:solidFill>
+          <a:ln>
+            <a:solidFill>
+              <a:schemeClr val="tx1"/>
+            </a:solidFill>
+          </a:ln>
+        </p:spPr>
+        <p:style>
+          <a:lnRef idx="2">
+            <a:schemeClr val="accent1">
+              <a:shade val="50000"/>
+            </a:schemeClr>
+          </a:lnRef>
+          <a:fillRef idx="1">
+            <a:schemeClr val="accent1"/>
+          </a:fillRef>
+          <a:effectRef idx="0">
+            <a:schemeClr val="accent1"/>
+          </a:effectRef>
+          <a:fontRef idx="minor">
+            <a:schemeClr val="lt1"/>
+          </a:fontRef>
+        </p:style>
+        <p:txBody>
+          <a:bodyPr rtlCol="0" anchor="ctr"/>
+          <a:lstStyle/>
+          <a:p>
+            <a:pPr algn="ctr"/>
+            <a:endParaRPr lang="en-US"/>
+          </a:p>
+        </p:txBody>
+      </p:sp>
+      <p:sp>
+        <p:nvSpPr>
+          <p:cNvPr id="7" name="TextBox 6"/>
+          <p:cNvSpPr txBox="1"/>
+          <p:nvPr/>
+        </p:nvSpPr>
+        <p:spPr>
+          <a:xfrm>
+            <a:off x="10294182" y="3117303"/>
+            <a:ext cx="1657505" cy="369332"/>
           </a:xfrm>
           <a:prstGeom prst="rect">
             <a:avLst/>
           </a:prstGeom>
           <a:noFill/>
-          <a:ln>
-            <a:noFill/>
-          </a:ln>
         </p:spPr>
-      </p:pic>
+        <p:txBody>
+          <a:bodyPr wrap="none" rtlCol="0">
+            <a:spAutoFit/>
+          </a:bodyPr>
+          <a:lstStyle/>
+          <a:p>
+            <a:r>
+              <a:rPr lang="en-US" sz="1600" dirty="0" smtClean="0"/>
+              <a:t>Remaining</a:t>
+            </a:r>
+            <a:r>
+              <a:rPr lang="en-US" dirty="0" smtClean="0"/>
+              <a:t> </a:t>
+            </a:r>
+            <a:r>
+              <a:rPr lang="en-US" sz="1600" dirty="0" smtClean="0"/>
+              <a:t>Parts</a:t>
+            </a:r>
+            <a:endParaRPr lang="en-US" dirty="0"/>
+          </a:p>
+        </p:txBody>
+      </p:sp>
+      <p:sp>
+        <p:nvSpPr>
+          <p:cNvPr id="8" name="TextBox 7"/>
+          <p:cNvSpPr txBox="1"/>
+          <p:nvPr/>
+        </p:nvSpPr>
+        <p:spPr>
+          <a:xfrm>
+            <a:off x="10247374" y="2689156"/>
+            <a:ext cx="1704313" cy="338554"/>
+          </a:xfrm>
+          <a:prstGeom prst="rect">
+            <a:avLst/>
+          </a:prstGeom>
+          <a:noFill/>
+        </p:spPr>
+        <p:txBody>
+          <a:bodyPr wrap="none" rtlCol="0">
+            <a:spAutoFit/>
+          </a:bodyPr>
+          <a:lstStyle/>
+          <a:p>
+            <a:r>
+              <a:rPr lang="en-US" sz="1600" dirty="0" smtClean="0"/>
+              <a:t>Completed</a:t>
+            </a:r>
+            <a:r>
+              <a:rPr lang="en-US" sz="1400" dirty="0" smtClean="0"/>
+              <a:t> </a:t>
+            </a:r>
+            <a:r>
+              <a:rPr lang="en-US" sz="1600" dirty="0" smtClean="0"/>
+              <a:t>parts</a:t>
+            </a:r>
+            <a:endParaRPr lang="en-US" sz="1400" dirty="0"/>
+          </a:p>
+        </p:txBody>
+      </p:sp>
     </p:spTree>
     <p:extLst>
       <p:ext uri="{BB962C8B-B14F-4D97-AF65-F5344CB8AC3E}">
-        <p14:creationId xmlns:p14="http://schemas.microsoft.com/office/powerpoint/2010/main" val="1390691460"/>
+        <p14:creationId xmlns:p14="http://schemas.microsoft.com/office/powerpoint/2010/main" val="3560452183"/>
       </p:ext>
     </p:extLst>
   </p:cSld>
@@ -28047,6 +32365,13 @@
       </p:transition>
     </mc:Fallback>
   </mc:AlternateContent>
+  <p:timing>
+    <p:tnLst>
+      <p:par>
+        <p:cTn id="1" dur="indefinite" restart="never" nodeType="tmRoot"/>
+      </p:par>
+    </p:tnLst>
+  </p:timing>
 </p:sld>
 </file>
 
@@ -28084,53 +32409,98 @@
           <a:p>
             <a:r>
               <a:rPr lang="en-US" dirty="0" smtClean="0"/>
-              <a:t>Website Interface</a:t>
+              <a:t>Path Forward</a:t>
             </a:r>
             <a:endParaRPr lang="en-US" dirty="0"/>
           </a:p>
         </p:txBody>
       </p:sp>
-      <p:pic>
-        <p:nvPicPr>
-          <p:cNvPr id="6" name="Content Placeholder 5"/>
-          <p:cNvPicPr>
-            <a:picLocks noGrp="1"/>
-          </p:cNvPicPr>
+      <p:sp>
+        <p:nvSpPr>
+          <p:cNvPr id="3" name="Content Placeholder 2"/>
+          <p:cNvSpPr>
+            <a:spLocks noGrp="1"/>
+          </p:cNvSpPr>
           <p:nvPr>
             <p:ph idx="1"/>
           </p:nvPr>
-        </p:nvPicPr>
-        <p:blipFill>
-          <a:blip r:embed="rId2">
-            <a:extLst>
-              <a:ext uri="{28A0092B-C50C-407E-A947-70E740481C1C}">
-                <a14:useLocalDpi xmlns:a14="http://schemas.microsoft.com/office/drawing/2010/main" val="0"/>
-              </a:ext>
-            </a:extLst>
-          </a:blip>
-          <a:srcRect/>
-          <a:stretch>
-            <a:fillRect/>
-          </a:stretch>
-        </p:blipFill>
-        <p:spPr bwMode="auto">
-          <a:xfrm>
-            <a:off x="680322" y="2248930"/>
-            <a:ext cx="10230694" cy="4386648"/>
-          </a:xfrm>
-          <a:prstGeom prst="rect">
-            <a:avLst/>
-          </a:prstGeom>
-          <a:noFill/>
-          <a:ln>
-            <a:noFill/>
-          </a:ln>
-        </p:spPr>
-      </p:pic>
+        </p:nvSpPr>
+        <p:spPr/>
+        <p:txBody>
+          <a:bodyPr/>
+          <a:lstStyle/>
+          <a:p>
+            <a:pPr>
+              <a:lnSpc>
+                <a:spcPct val="200000"/>
+              </a:lnSpc>
+            </a:pPr>
+            <a:r>
+              <a:rPr lang="en-US" sz="2000" dirty="0" smtClean="0"/>
+              <a:t>Connecting the </a:t>
+            </a:r>
+            <a:r>
+              <a:rPr lang="en-US" sz="2000" dirty="0"/>
+              <a:t>Hub to MySQL </a:t>
+            </a:r>
+            <a:r>
+              <a:rPr lang="en-US" sz="2000" dirty="0" smtClean="0"/>
+              <a:t>database via Wi-Fi.</a:t>
+            </a:r>
+            <a:endParaRPr lang="en-US" sz="2000" dirty="0"/>
+          </a:p>
+          <a:p>
+            <a:pPr>
+              <a:lnSpc>
+                <a:spcPct val="200000"/>
+              </a:lnSpc>
+            </a:pPr>
+            <a:r>
+              <a:rPr lang="en-US" sz="2000" dirty="0" smtClean="0"/>
+              <a:t>Setting </a:t>
+            </a:r>
+            <a:r>
+              <a:rPr lang="en-US" sz="2000" dirty="0"/>
+              <a:t>up </a:t>
+            </a:r>
+            <a:r>
+              <a:rPr lang="en-US" sz="2000" dirty="0" smtClean="0"/>
+              <a:t>an </a:t>
+            </a:r>
+            <a:r>
+              <a:rPr lang="en-US" sz="2000" dirty="0"/>
+              <a:t>A</a:t>
+            </a:r>
+            <a:r>
+              <a:rPr lang="en-US" sz="2000" dirty="0" smtClean="0"/>
+              <a:t>rduino </a:t>
+            </a:r>
+            <a:r>
+              <a:rPr lang="en-US" sz="2000" dirty="0"/>
+              <a:t>controlled water valve.</a:t>
+            </a:r>
+          </a:p>
+          <a:p>
+            <a:pPr>
+              <a:lnSpc>
+                <a:spcPct val="200000"/>
+              </a:lnSpc>
+            </a:pPr>
+            <a:r>
+              <a:rPr lang="en-US" sz="2000" dirty="0" smtClean="0"/>
+              <a:t>Prototype Designing.</a:t>
+            </a:r>
+            <a:endParaRPr lang="en-US" dirty="0" smtClean="0"/>
+          </a:p>
+          <a:p>
+            <a:endParaRPr lang="en-US" dirty="0"/>
+          </a:p>
+        </p:txBody>
+      </p:sp>
     </p:spTree>
     <p:extLst>
       <p:ext uri="{BB962C8B-B14F-4D97-AF65-F5344CB8AC3E}">
-        <p14:creationId xmlns:p14="http://schemas.microsoft.com/office/powerpoint/2010/main" val="1868057414"/>
+        <p14:creationId xmlns:p14="http://schemas.microsoft.com/office/powerpoint/2010/main" val="1866118323"/>
       </p:ext>
     </p:extLst>
   </p:cSld>
@@ -28149,6 +32519,13 @@
       </p:transition>
     </mc:Fallback>
   </mc:AlternateContent>
+  <p:timing>
+    <p:tnLst>
+      <p:par>
+        <p:cTn id="1" dur="indefinite" restart="never" nodeType="tmRoot"/>
+      </p:par>
+    </p:tnLst>
+  </p:timing>
 </p:sld>
 </file>
 
@@ -28186,7 +32563,11 @@
           <a:p>
             <a:r>
               <a:rPr lang="en-US" dirty="0" smtClean="0"/>
-              <a:t>Table Of Contents</a:t>
+              <a:t>Table Of </a:t>
+            </a:r>
+            <a:r>
+              <a:rPr lang="en-US" dirty="0" smtClean="0"/>
+              <a:t>Contents</a:t>
             </a:r>
             <a:endParaRPr lang="en-US" dirty="0"/>
           </a:p>
@@ -28379,160 +32760,6 @@
           <a:p>
             <a:r>
               <a:rPr lang="en-US" dirty="0" smtClean="0"/>
-              <a:t>Path Forward</a:t>
-            </a:r>
-            <a:endParaRPr lang="en-US" dirty="0"/>
-          </a:p>
-        </p:txBody>
-      </p:sp>
-      <p:sp>
-        <p:nvSpPr>
-          <p:cNvPr id="3" name="Content Placeholder 2"/>
-          <p:cNvSpPr>
-            <a:spLocks noGrp="1"/>
-          </p:cNvSpPr>
-          <p:nvPr>
-            <p:ph idx="1"/>
-          </p:nvPr>
-        </p:nvSpPr>
-        <p:spPr/>
-        <p:txBody>
-          <a:bodyPr/>
-          <a:lstStyle/>
-          <a:p>
-            <a:pPr>
-              <a:lnSpc>
-                <a:spcPct val="200000"/>
-              </a:lnSpc>
-            </a:pPr>
-            <a:r>
-              <a:rPr lang="en-US" sz="2000" dirty="0" smtClean="0"/>
-              <a:t>Connecting the </a:t>
-            </a:r>
-            <a:r>
-              <a:rPr lang="en-US" sz="2000" dirty="0"/>
-              <a:t>Hub to MySQL </a:t>
-            </a:r>
-            <a:r>
-              <a:rPr lang="en-US" sz="2000" dirty="0" smtClean="0"/>
-              <a:t>database via Wi-Fi.</a:t>
-            </a:r>
-            <a:endParaRPr lang="en-US" sz="2000" dirty="0"/>
-          </a:p>
-          <a:p>
-            <a:pPr>
-              <a:lnSpc>
-                <a:spcPct val="200000"/>
-              </a:lnSpc>
-            </a:pPr>
-            <a:r>
-              <a:rPr lang="en-US" sz="2000" dirty="0" smtClean="0"/>
-              <a:t>Setting </a:t>
-            </a:r>
-            <a:r>
-              <a:rPr lang="en-US" sz="2000" dirty="0"/>
-              <a:t>up </a:t>
-            </a:r>
-            <a:r>
-              <a:rPr lang="en-US" sz="2000" dirty="0" smtClean="0"/>
-              <a:t>an </a:t>
-            </a:r>
-            <a:r>
-              <a:rPr lang="en-US" sz="2000" dirty="0"/>
-              <a:t>A</a:t>
-            </a:r>
-            <a:r>
-              <a:rPr lang="en-US" sz="2000" dirty="0" smtClean="0"/>
-              <a:t>rduino </a:t>
-            </a:r>
-            <a:r>
-              <a:rPr lang="en-US" sz="2000" dirty="0"/>
-              <a:t>controlled water valve.</a:t>
-            </a:r>
-          </a:p>
-          <a:p>
-            <a:pPr>
-              <a:lnSpc>
-                <a:spcPct val="200000"/>
-              </a:lnSpc>
-            </a:pPr>
-            <a:r>
-              <a:rPr lang="en-US" sz="2000" dirty="0" smtClean="0"/>
-              <a:t>Prototype Designing.</a:t>
-            </a:r>
-            <a:endParaRPr lang="en-US" dirty="0" smtClean="0"/>
-          </a:p>
-          <a:p>
-            <a:endParaRPr lang="en-US" dirty="0"/>
-          </a:p>
-        </p:txBody>
-      </p:sp>
-    </p:spTree>
-    <p:extLst>
-      <p:ext uri="{BB962C8B-B14F-4D97-AF65-F5344CB8AC3E}">
-        <p14:creationId xmlns:p14="http://schemas.microsoft.com/office/powerpoint/2010/main" val="1866118323"/>
-      </p:ext>
-    </p:extLst>
-  </p:cSld>
-  <p:clrMapOvr>
-    <a:masterClrMapping/>
-  </p:clrMapOvr>
-  <mc:AlternateContent xmlns:mc="http://schemas.openxmlformats.org/markup-compatibility/2006" xmlns:p14="http://schemas.microsoft.com/office/powerpoint/2010/main">
-    <mc:Choice Requires="p14">
-      <p:transition spd="med" p14:dur="700">
-        <p:fade/>
-      </p:transition>
-    </mc:Choice>
-    <mc:Fallback xmlns="">
-      <p:transition spd="med">
-        <p:fade/>
-      </p:transition>
-    </mc:Fallback>
-  </mc:AlternateContent>
-  <p:timing>
-    <p:tnLst>
-      <p:par>
-        <p:cTn id="1" dur="indefinite" restart="never" nodeType="tmRoot"/>
-      </p:par>
-    </p:tnLst>
-  </p:timing>
-</p:sld>
-</file>
-
-<file path=ppt/slides/slide21.xml><?xml version="1.0" encoding="utf-8"?>
-<p:sld xmlns:a="http://schemas.openxmlformats.org/drawingml/2006/main" xmlns:r="http://schemas.openxmlformats.org/officeDocument/2006/relationships" xmlns:p="http://schemas.openxmlformats.org/presentationml/2006/main">
-  <p:cSld>
-    <p:spTree>
-      <p:nvGrpSpPr>
-        <p:cNvPr id="1" name=""/>
-        <p:cNvGrpSpPr/>
-        <p:nvPr/>
-      </p:nvGrpSpPr>
-      <p:grpSpPr>
-        <a:xfrm>
-          <a:off x="0" y="0"/>
-          <a:ext cx="0" cy="0"/>
-          <a:chOff x="0" y="0"/>
-          <a:chExt cx="0" cy="0"/>
-        </a:xfrm>
-      </p:grpSpPr>
-      <p:sp>
-        <p:nvSpPr>
-          <p:cNvPr id="2" name="Title 1"/>
-          <p:cNvSpPr>
-            <a:spLocks noGrp="1"/>
-          </p:cNvSpPr>
-          <p:nvPr>
-            <p:ph type="title"/>
-          </p:nvPr>
-        </p:nvSpPr>
-        <p:spPr/>
-        <p:txBody>
-          <a:bodyPr/>
-          <a:lstStyle/>
-          <a:p>
-            <a:r>
-              <a:rPr lang="en-US" dirty="0" smtClean="0"/>
               <a:t>Timeline</a:t>
             </a:r>
             <a:endParaRPr lang="en-US" dirty="0"/>
@@ -28598,7 +32825,15 @@
             </a:r>
             <a:r>
               <a:rPr lang="en-US" dirty="0" smtClean="0"/>
-              <a:t>Study of Internet of Things (IoT), Precision Agriculture and Project 		       Planning</a:t>
+              <a:t>Study of Internet of Things (</a:t>
+            </a:r>
+            <a:r>
+              <a:rPr lang="en-US" dirty="0" err="1" smtClean="0"/>
+              <a:t>IoT</a:t>
+            </a:r>
+            <a:r>
+              <a:rPr lang="en-US" dirty="0" smtClean="0"/>
+              <a:t>), Precision Agriculture and Project 		       Planning</a:t>
             </a:r>
           </a:p>
           <a:p>
@@ -28656,7 +32891,11 @@
             </a:r>
             <a:r>
               <a:rPr lang="en-US" dirty="0" smtClean="0"/>
-              <a:t>Conclusion, Demo &amp; Presentation</a:t>
+              <a:t>Conclusion, Demo </a:t>
+            </a:r>
+            <a:r>
+              <a:rPr lang="en-US" dirty="0" smtClean="0"/>
+              <a:t>&amp; Presentation</a:t>
             </a:r>
           </a:p>
           <a:p>
@@ -28701,7 +32940,7 @@
 </p:sld>
 </file>
 
-<file path=ppt/slides/slide22.xml><?xml version="1.0" encoding="utf-8"?>
+<file path=ppt/slides/slide21.xml><?xml version="1.0" encoding="utf-8"?>
 <p:sld xmlns:a="http://schemas.openxmlformats.org/drawingml/2006/main" xmlns:r="http://schemas.openxmlformats.org/officeDocument/2006/relationships" xmlns:p="http://schemas.openxmlformats.org/presentationml/2006/main">
   <p:cSld>
     <p:spTree>
@@ -28848,41 +33087,48 @@
             </a:pPr>
             <a:r>
               <a:rPr lang="en-US" sz="2400" dirty="0" smtClean="0"/>
-              <a:t>Precision </a:t>
-            </a:r>
-            <a:r>
-              <a:rPr lang="en-US" sz="2400" dirty="0"/>
-              <a:t>Agriculture (PA) is the </a:t>
+              <a:t>Precision Agriculture (PA) is the </a:t>
             </a:r>
             <a:r>
               <a:rPr lang="en-US" sz="2400" dirty="0" smtClean="0"/>
-              <a:t>application of IoT (Internet of Things) </a:t>
+              <a:t>application of </a:t>
             </a:r>
             <a:r>
-              <a:rPr lang="en-US" sz="2400" dirty="0"/>
-              <a:t>in agriculture. The basic purpose </a:t>
+              <a:rPr lang="en-US" sz="2400" dirty="0" err="1" smtClean="0"/>
+              <a:t>IoT</a:t>
             </a:r>
             <a:r>
               <a:rPr lang="en-US" sz="2400" dirty="0" smtClean="0"/>
-              <a:t>of using </a:t>
-            </a:r>
-            <a:r>
-              <a:rPr lang="en-US" sz="2400" dirty="0"/>
-              <a:t>Precision Agriculture is </a:t>
+              <a:t> (Internet of Things)</a:t>
             </a:r>
             <a:r>
               <a:rPr lang="en-US" sz="2400" dirty="0" smtClean="0"/>
-              <a:t>to avoid the wastage of resources and increasing yield</a:t>
-            </a:r>
-            <a:r>
-              <a:rPr lang="en-US" sz="2400" dirty="0"/>
-              <a:t>, sustainability and productivity </a:t>
+              <a:t> in agriculture. The basic purpose </a:t>
             </a:r>
             <a:r>
               <a:rPr lang="en-US" sz="2400" dirty="0" smtClean="0"/>
-              <a:t>of crops  </a:t>
+              <a:t>of</a:t>
             </a:r>
-            <a:endParaRPr lang="en-US" sz="2400" dirty="0"/>
+            <a:r>
+              <a:rPr lang="en-US" sz="2400" dirty="0" smtClean="0"/>
+              <a:t> using Precision Agriculture is to monitor the crops over the internet, avoid the wastage of resources and increasing yield, sustainability and productivity </a:t>
+            </a:r>
+            <a:r>
+              <a:rPr lang="en-US" sz="2400" dirty="0" smtClean="0"/>
+              <a:t>of</a:t>
+            </a:r>
+            <a:r>
+              <a:rPr lang="en-US" sz="2400" dirty="0" smtClean="0"/>
+              <a:t> </a:t>
+            </a:r>
+            <a:r>
+              <a:rPr lang="en-US" sz="2400" dirty="0" smtClean="0"/>
+              <a:t>crops </a:t>
+            </a:r>
+            <a:r>
+              <a:rPr lang="en-US" sz="2400" dirty="0" smtClean="0"/>
+              <a:t> </a:t>
+            </a:r>
           </a:p>
           <a:p>
             <a:pPr marL="0" indent="0">
@@ -28892,6 +33138,7 @@
               <a:rPr lang="en-US" sz="2400" dirty="0" smtClean="0"/>
               <a:t> </a:t>
             </a:r>
+            <a:endParaRPr lang="en-US" sz="2400" dirty="0" smtClean="0"/>
           </a:p>
           <a:p>
             <a:pPr marL="0" indent="0">
@@ -29017,7 +33264,15 @@
             </a:pPr>
             <a:r>
               <a:rPr lang="en-US" sz="2000" dirty="0" smtClean="0"/>
-              <a:t>Crop Irrigation requirements may vary with changing environment. Precision Irrigation provide means for evaluating crop’s water requirements and means for applying the right amount of water at the right time.       </a:t>
+              <a:t>Crop Irrigation requirements may vary with changing environment. Precision Irrigation provide means for evaluating crop’s water requirements and means for applying the right </a:t>
+            </a:r>
+            <a:r>
+              <a:rPr lang="en-US" sz="2000" dirty="0" smtClean="0"/>
+              <a:t>amount of water at the </a:t>
+            </a:r>
+            <a:r>
+              <a:rPr lang="en-US" sz="2000" dirty="0" smtClean="0"/>
+              <a:t>right time.       </a:t>
             </a:r>
           </a:p>
           <a:p>
@@ -29121,7 +33376,23 @@
             </a:pPr>
             <a:r>
               <a:rPr lang="en-US" sz="2000" dirty="0" smtClean="0"/>
-              <a:t>In our project we aim at monitoring the crops and achieving precision irrigation.</a:t>
+              <a:t>In our project we aim at </a:t>
+            </a:r>
+            <a:r>
+              <a:rPr lang="en-US" sz="2000" dirty="0" smtClean="0"/>
+              <a:t>monitoring the </a:t>
+            </a:r>
+            <a:r>
+              <a:rPr lang="en-US" sz="2000" dirty="0" smtClean="0"/>
+              <a:t>crops and </a:t>
+            </a:r>
+            <a:r>
+              <a:rPr lang="en-US" sz="2000" dirty="0" smtClean="0"/>
+              <a:t>achieving </a:t>
+            </a:r>
+            <a:r>
+              <a:rPr lang="en-US" sz="2000" dirty="0" smtClean="0"/>
+              <a:t>precision irrigation.</a:t>
             </a:r>
           </a:p>
           <a:p>
@@ -29140,7 +33411,19 @@
             </a:r>
             <a:r>
               <a:rPr lang="en-US" sz="2000" dirty="0" smtClean="0"/>
-              <a:t> (based on the readings from various sensors in probe). </a:t>
+              <a:t> </a:t>
+            </a:r>
+            <a:r>
+              <a:rPr lang="en-US" sz="2000" dirty="0" smtClean="0"/>
+              <a:t>(based on the </a:t>
+            </a:r>
+            <a:r>
+              <a:rPr lang="en-US" sz="2000" dirty="0" smtClean="0"/>
+              <a:t>readings from various sensors in </a:t>
+            </a:r>
+            <a:r>
+              <a:rPr lang="en-US" sz="2000" dirty="0" smtClean="0"/>
+              <a:t>probe). </a:t>
             </a:r>
             <a:endParaRPr lang="en-US" sz="2000" dirty="0"/>
           </a:p>
@@ -29152,7 +33435,23 @@
             </a:pPr>
             <a:r>
               <a:rPr lang="en-US" sz="2000" dirty="0" smtClean="0"/>
-              <a:t>Sensor data is also logged in a database and shown graphically on a User Interface.</a:t>
+              <a:t>Sensor data is also </a:t>
+            </a:r>
+            <a:r>
+              <a:rPr lang="en-US" sz="2000" dirty="0" smtClean="0"/>
+              <a:t>logged in a database and shown </a:t>
+            </a:r>
+            <a:r>
+              <a:rPr lang="en-US" sz="2000" dirty="0" smtClean="0"/>
+              <a:t>graphically </a:t>
+            </a:r>
+            <a:r>
+              <a:rPr lang="en-US" sz="2000" dirty="0" smtClean="0"/>
+              <a:t>on a </a:t>
+            </a:r>
+            <a:r>
+              <a:rPr lang="en-US" sz="2000" dirty="0" smtClean="0"/>
+              <a:t>User Interface.</a:t>
             </a:r>
           </a:p>
           <a:p>
@@ -29413,7 +33712,23 @@
             </a:pPr>
             <a:r>
               <a:rPr lang="en-US" sz="3800" dirty="0" smtClean="0"/>
-              <a:t>Probes are installed in the field. It is the platform which contains all the sensors and a microcontroller.</a:t>
+              <a:t>Probes are installed in the field. It is the platform which contains all the </a:t>
+            </a:r>
+            <a:r>
+              <a:rPr lang="en-US" sz="3800" dirty="0" smtClean="0"/>
+              <a:t>sensors </a:t>
+            </a:r>
+            <a:r>
+              <a:rPr lang="en-US" sz="3800" dirty="0" smtClean="0"/>
+              <a:t>and </a:t>
+            </a:r>
+            <a:r>
+              <a:rPr lang="en-US" sz="3800" dirty="0" smtClean="0"/>
+              <a:t>a microcontroller</a:t>
+            </a:r>
+            <a:r>
+              <a:rPr lang="en-US" sz="3800" dirty="0" smtClean="0"/>
+              <a:t>.</a:t>
             </a:r>
           </a:p>
           <a:p>
@@ -29424,7 +33739,23 @@
             </a:pPr>
             <a:r>
               <a:rPr lang="en-US" sz="3800" dirty="0" smtClean="0"/>
-              <a:t>The sensors are connected to a microcontroller board “LoRaduino”.</a:t>
+              <a:t>The </a:t>
+            </a:r>
+            <a:r>
+              <a:rPr lang="en-US" sz="3800" dirty="0" smtClean="0"/>
+              <a:t>sensors </a:t>
+            </a:r>
+            <a:r>
+              <a:rPr lang="en-US" sz="3800" dirty="0" smtClean="0"/>
+              <a:t>are connected </a:t>
+            </a:r>
+            <a:r>
+              <a:rPr lang="en-US" sz="3800" dirty="0" smtClean="0"/>
+              <a:t>to a microcontroller board </a:t>
+            </a:r>
+            <a:r>
+              <a:rPr lang="en-US" sz="3800" dirty="0" smtClean="0"/>
+              <a:t>“LoRaduino”.</a:t>
             </a:r>
             <a:endParaRPr lang="en-US" sz="3800" dirty="0"/>
           </a:p>
@@ -29455,7 +33786,11 @@
             </a:r>
             <a:r>
               <a:rPr lang="en-US" sz="3800" dirty="0" smtClean="0"/>
-              <a:t>a built-in radio transmitter.</a:t>
+              <a:t>a built-in </a:t>
+            </a:r>
+            <a:r>
+              <a:rPr lang="en-US" sz="3800" dirty="0" smtClean="0"/>
+              <a:t>radio transmitter.</a:t>
             </a:r>
             <a:endParaRPr lang="en-US" sz="3800" dirty="0"/>
           </a:p>
@@ -29599,7 +33934,7 @@
           <p:nvPr>
             <p:extLst>
               <p:ext uri="{D42A27DB-BD31-4B8C-83A1-F6EECF244321}">
-                <p14:modId xmlns:p14="http://schemas.microsoft.com/office/powerpoint/2010/main" val="967151877"/>
+                <p14:modId xmlns:p14="http://schemas.microsoft.com/office/powerpoint/2010/main" val="2467229429"/>
               </p:ext>
             </p:extLst>
           </p:nvPr>
@@ -29759,7 +34094,15 @@
             </a:pPr>
             <a:r>
               <a:rPr lang="en-US" sz="1800" dirty="0" smtClean="0"/>
-              <a:t>Communication Hub also contains a LoRaduino microcontroller.</a:t>
+              <a:t>Communication Hub also </a:t>
+            </a:r>
+            <a:r>
+              <a:rPr lang="en-US" sz="1800" dirty="0" smtClean="0"/>
+              <a:t>contains a LoRaduino </a:t>
+            </a:r>
+            <a:r>
+              <a:rPr lang="en-US" sz="1800" dirty="0" smtClean="0"/>
+              <a:t>microcontroller.</a:t>
             </a:r>
           </a:p>
           <a:p>
@@ -29781,7 +34124,11 @@
             </a:pPr>
             <a:r>
               <a:rPr lang="en-US" sz="1800" dirty="0" smtClean="0"/>
-              <a:t>A Wi-Fi module is connected to LoRaduino.</a:t>
+              <a:t>A Wi-Fi </a:t>
+            </a:r>
+            <a:r>
+              <a:rPr lang="en-US" sz="1800" dirty="0" smtClean="0"/>
+              <a:t>module is connected to LoRaduino.</a:t>
             </a:r>
           </a:p>
           <a:p>
@@ -29808,7 +34155,15 @@
             </a:r>
             <a:r>
               <a:rPr lang="en-US" sz="1800" dirty="0" smtClean="0"/>
-              <a:t>using the Wi-Fi Module.</a:t>
+              <a:t>using </a:t>
+            </a:r>
+            <a:r>
+              <a:rPr lang="en-US" sz="1800" dirty="0" smtClean="0"/>
+              <a:t>the </a:t>
+            </a:r>
+            <a:r>
+              <a:rPr lang="en-US" sz="1800" dirty="0" smtClean="0"/>
+              <a:t>Wi-Fi Module.</a:t>
             </a:r>
             <a:endParaRPr lang="en-US" sz="1800" dirty="0"/>
           </a:p>
